--- a/source/doc/数据库安全.pptx
+++ b/source/doc/数据库安全.pptx
@@ -273,7 +273,7 @@
           <a:p>
             <a:fld id="{A770314F-03A4-4434-A0B9-8964C5B793BC}" type="datetimeFigureOut">
               <a:rPr lang="zh-CN" altLang="en-US" smtClean="0"/>
-              <a:t>2024/5/4</a:t>
+              <a:t>2024/5/21</a:t>
             </a:fld>
             <a:endParaRPr lang="zh-CN" altLang="en-US"/>
           </a:p>
@@ -471,7 +471,7 @@
           <a:p>
             <a:fld id="{A770314F-03A4-4434-A0B9-8964C5B793BC}" type="datetimeFigureOut">
               <a:rPr lang="zh-CN" altLang="en-US" smtClean="0"/>
-              <a:t>2024/5/4</a:t>
+              <a:t>2024/5/21</a:t>
             </a:fld>
             <a:endParaRPr lang="zh-CN" altLang="en-US"/>
           </a:p>
@@ -679,7 +679,7 @@
           <a:p>
             <a:fld id="{A770314F-03A4-4434-A0B9-8964C5B793BC}" type="datetimeFigureOut">
               <a:rPr lang="zh-CN" altLang="en-US" smtClean="0"/>
-              <a:t>2024/5/4</a:t>
+              <a:t>2024/5/21</a:t>
             </a:fld>
             <a:endParaRPr lang="zh-CN" altLang="en-US"/>
           </a:p>
@@ -877,7 +877,7 @@
           <a:p>
             <a:fld id="{A770314F-03A4-4434-A0B9-8964C5B793BC}" type="datetimeFigureOut">
               <a:rPr lang="zh-CN" altLang="en-US" smtClean="0"/>
-              <a:t>2024/5/4</a:t>
+              <a:t>2024/5/21</a:t>
             </a:fld>
             <a:endParaRPr lang="zh-CN" altLang="en-US"/>
           </a:p>
@@ -1152,7 +1152,7 @@
           <a:p>
             <a:fld id="{A770314F-03A4-4434-A0B9-8964C5B793BC}" type="datetimeFigureOut">
               <a:rPr lang="zh-CN" altLang="en-US" smtClean="0"/>
-              <a:t>2024/5/4</a:t>
+              <a:t>2024/5/21</a:t>
             </a:fld>
             <a:endParaRPr lang="zh-CN" altLang="en-US"/>
           </a:p>
@@ -1417,7 +1417,7 @@
           <a:p>
             <a:fld id="{A770314F-03A4-4434-A0B9-8964C5B793BC}" type="datetimeFigureOut">
               <a:rPr lang="zh-CN" altLang="en-US" smtClean="0"/>
-              <a:t>2024/5/4</a:t>
+              <a:t>2024/5/21</a:t>
             </a:fld>
             <a:endParaRPr lang="zh-CN" altLang="en-US"/>
           </a:p>
@@ -1829,7 +1829,7 @@
           <a:p>
             <a:fld id="{A770314F-03A4-4434-A0B9-8964C5B793BC}" type="datetimeFigureOut">
               <a:rPr lang="zh-CN" altLang="en-US" smtClean="0"/>
-              <a:t>2024/5/4</a:t>
+              <a:t>2024/5/21</a:t>
             </a:fld>
             <a:endParaRPr lang="zh-CN" altLang="en-US"/>
           </a:p>
@@ -1970,7 +1970,7 @@
           <a:p>
             <a:fld id="{A770314F-03A4-4434-A0B9-8964C5B793BC}" type="datetimeFigureOut">
               <a:rPr lang="zh-CN" altLang="en-US" smtClean="0"/>
-              <a:t>2024/5/4</a:t>
+              <a:t>2024/5/21</a:t>
             </a:fld>
             <a:endParaRPr lang="zh-CN" altLang="en-US"/>
           </a:p>
@@ -2083,7 +2083,7 @@
           <a:p>
             <a:fld id="{A770314F-03A4-4434-A0B9-8964C5B793BC}" type="datetimeFigureOut">
               <a:rPr lang="zh-CN" altLang="en-US" smtClean="0"/>
-              <a:t>2024/5/4</a:t>
+              <a:t>2024/5/21</a:t>
             </a:fld>
             <a:endParaRPr lang="zh-CN" altLang="en-US"/>
           </a:p>
@@ -2394,7 +2394,7 @@
           <a:p>
             <a:fld id="{A770314F-03A4-4434-A0B9-8964C5B793BC}" type="datetimeFigureOut">
               <a:rPr lang="zh-CN" altLang="en-US" smtClean="0"/>
-              <a:t>2024/5/4</a:t>
+              <a:t>2024/5/21</a:t>
             </a:fld>
             <a:endParaRPr lang="zh-CN" altLang="en-US"/>
           </a:p>
@@ -2682,7 +2682,7 @@
           <a:p>
             <a:fld id="{A770314F-03A4-4434-A0B9-8964C5B793BC}" type="datetimeFigureOut">
               <a:rPr lang="zh-CN" altLang="en-US" smtClean="0"/>
-              <a:t>2024/5/4</a:t>
+              <a:t>2024/5/21</a:t>
             </a:fld>
             <a:endParaRPr lang="zh-CN" altLang="en-US"/>
           </a:p>
@@ -2923,7 +2923,7 @@
           <a:p>
             <a:fld id="{A770314F-03A4-4434-A0B9-8964C5B793BC}" type="datetimeFigureOut">
               <a:rPr lang="zh-CN" altLang="en-US" smtClean="0"/>
-              <a:t>2024/5/4</a:t>
+              <a:t>2024/5/21</a:t>
             </a:fld>
             <a:endParaRPr lang="zh-CN" altLang="en-US"/>
           </a:p>
@@ -5272,7 +5272,7 @@
         </p:nvSpPr>
         <p:spPr>
           <a:xfrm>
-            <a:off x="3386072" y="1376161"/>
+            <a:off x="3010701" y="1890092"/>
             <a:ext cx="3194297" cy="277884"/>
           </a:xfrm>
           <a:prstGeom prst="rect">
@@ -5338,7 +5338,7 @@
         </p:nvSpPr>
         <p:spPr>
           <a:xfrm>
-            <a:off x="2803459" y="856004"/>
+            <a:off x="2397768" y="763225"/>
             <a:ext cx="988115" cy="253448"/>
           </a:xfrm>
           <a:prstGeom prst="rect">
@@ -5407,7 +5407,7 @@
         </p:nvSpPr>
         <p:spPr>
           <a:xfrm>
-            <a:off x="6467485" y="864866"/>
+            <a:off x="6244842" y="759177"/>
             <a:ext cx="988115" cy="253448"/>
           </a:xfrm>
           <a:prstGeom prst="rect">
@@ -5476,7 +5476,7 @@
         </p:nvSpPr>
         <p:spPr>
           <a:xfrm>
-            <a:off x="9228210" y="934381"/>
+            <a:off x="9522924" y="759177"/>
             <a:ext cx="988115" cy="253448"/>
           </a:xfrm>
           <a:prstGeom prst="rect">
@@ -5549,8 +5549,8 @@
         </p:nvCxnSpPr>
         <p:spPr>
           <a:xfrm flipH="1">
-            <a:off x="3290622" y="1109452"/>
-            <a:ext cx="6895" cy="4586397"/>
+            <a:off x="2891825" y="1016673"/>
+            <a:ext cx="1" cy="5314797"/>
           </a:xfrm>
           <a:prstGeom prst="line">
             <a:avLst/>
@@ -5589,8 +5589,8 @@
         </p:nvCxnSpPr>
         <p:spPr>
           <a:xfrm>
-            <a:off x="6961543" y="1118314"/>
-            <a:ext cx="0" cy="4586397"/>
+            <a:off x="6738900" y="1012625"/>
+            <a:ext cx="6894" cy="5314797"/>
           </a:xfrm>
           <a:prstGeom prst="line">
             <a:avLst/>
@@ -5629,8 +5629,8 @@
         </p:nvCxnSpPr>
         <p:spPr>
           <a:xfrm>
-            <a:off x="9722268" y="1187829"/>
-            <a:ext cx="0" cy="4586397"/>
+            <a:off x="10016982" y="1012625"/>
+            <a:ext cx="6894" cy="5314797"/>
           </a:xfrm>
           <a:prstGeom prst="line">
             <a:avLst/>
@@ -5665,7 +5665,7 @@
         </p:nvSpPr>
         <p:spPr>
           <a:xfrm>
-            <a:off x="4651782" y="3255952"/>
+            <a:off x="4279700" y="3768224"/>
             <a:ext cx="2010998" cy="311120"/>
           </a:xfrm>
           <a:prstGeom prst="rect">
@@ -5733,8 +5733,8 @@
         </p:nvCxnSpPr>
         <p:spPr>
           <a:xfrm>
-            <a:off x="3297516" y="1738397"/>
-            <a:ext cx="3664026" cy="0"/>
+            <a:off x="2897782" y="2215965"/>
+            <a:ext cx="3847074" cy="0"/>
           </a:xfrm>
           <a:prstGeom prst="straightConnector1">
             <a:avLst/>
@@ -5772,7 +5772,7 @@
         </p:nvSpPr>
         <p:spPr>
           <a:xfrm>
-            <a:off x="2796565" y="5695849"/>
+            <a:off x="2397768" y="6331470"/>
             <a:ext cx="988114" cy="253448"/>
           </a:xfrm>
           <a:prstGeom prst="rect">
@@ -5841,7 +5841,7 @@
         </p:nvSpPr>
         <p:spPr>
           <a:xfrm>
-            <a:off x="6467485" y="5704711"/>
+            <a:off x="6251736" y="6327422"/>
             <a:ext cx="988115" cy="253448"/>
           </a:xfrm>
           <a:prstGeom prst="rect">
@@ -5910,7 +5910,7 @@
         </p:nvSpPr>
         <p:spPr>
           <a:xfrm>
-            <a:off x="9228210" y="5774226"/>
+            <a:off x="9529818" y="6327422"/>
             <a:ext cx="988115" cy="253448"/>
           </a:xfrm>
           <a:prstGeom prst="rect">
@@ -5980,9 +5980,9 @@
           <p:nvPr/>
         </p:nvCxnSpPr>
         <p:spPr>
-          <a:xfrm flipV="1">
-            <a:off x="6961542" y="2241449"/>
-            <a:ext cx="2760725" cy="18376"/>
+          <a:xfrm>
+            <a:off x="6730955" y="2519095"/>
+            <a:ext cx="3271341" cy="0"/>
           </a:xfrm>
           <a:prstGeom prst="straightConnector1">
             <a:avLst/>
@@ -6020,8 +6020,8 @@
         </p:nvSpPr>
         <p:spPr>
           <a:xfrm>
-            <a:off x="6961542" y="1954988"/>
-            <a:ext cx="1819601" cy="296779"/>
+            <a:off x="6742730" y="2215275"/>
+            <a:ext cx="3158995" cy="296779"/>
           </a:xfrm>
           <a:prstGeom prst="rect">
             <a:avLst/>
@@ -6064,7 +6064,7 @@
                   <a:schemeClr val="tx1"/>
                 </a:solidFill>
               </a:rPr>
-              <a:t>存储用户与密码的哈希</a:t>
+              <a:t>使用哈希算法，计算密码哈希，存至系统表</a:t>
             </a:r>
           </a:p>
         </p:txBody>
@@ -6084,14 +6084,14 @@
           <p:nvPr>
             <p:extLst>
               <p:ext uri="{D42A27DB-BD31-4B8C-83A1-F6EECF244321}">
-                <p14:modId xmlns:p14="http://schemas.microsoft.com/office/powerpoint/2010/main" val="487919410"/>
+                <p14:modId xmlns:p14="http://schemas.microsoft.com/office/powerpoint/2010/main" val="2854676551"/>
               </p:ext>
             </p:extLst>
           </p:nvPr>
         </p:nvGraphicFramePr>
         <p:xfrm>
-          <a:off x="9835150" y="1788846"/>
-          <a:ext cx="1768955" cy="656640"/>
+          <a:off x="10130404" y="2349196"/>
+          <a:ext cx="1768955" cy="437760"/>
         </p:xfrm>
         <a:graphic>
           <a:graphicData uri="http://schemas.openxmlformats.org/drawingml/2006/table">
@@ -6360,7 +6360,7 @@
                             <a:srgbClr val="00B050"/>
                           </a:solidFill>
                         </a:rPr>
-                        <a:t>hash[gauss@123]</a:t>
+                        <a:t>hash[pass@123]</a:t>
                       </a:r>
                       <a:endParaRPr lang="zh-CN" altLang="en-US" sz="1200" dirty="0">
                         <a:solidFill>
@@ -6426,173 +6426,6 @@
                   </a:ext>
                 </a:extLst>
               </a:tr>
-              <a:tr h="0">
-                <a:tc>
-                  <a:txBody>
-                    <a:bodyPr/>
-                    <a:lstStyle/>
-                    <a:p>
-                      <a:pPr marL="0" marR="0" lvl="0" indent="0" algn="l" defTabSz="914400" rtl="0" eaLnBrk="1" fontAlgn="auto" latinLnBrk="0" hangingPunct="1">
-                        <a:lnSpc>
-                          <a:spcPct val="100000"/>
-                        </a:lnSpc>
-                        <a:spcBef>
-                          <a:spcPts val="0"/>
-                        </a:spcBef>
-                        <a:spcAft>
-                          <a:spcPts val="0"/>
-                        </a:spcAft>
-                        <a:buClrTx/>
-                        <a:buSzTx/>
-                        <a:buFontTx/>
-                        <a:buNone/>
-                        <a:tabLst/>
-                        <a:defRPr/>
-                      </a:pPr>
-                      <a:endParaRPr lang="zh-CN" altLang="en-US" sz="1200" dirty="0">
-                        <a:solidFill>
-                          <a:srgbClr val="00B050"/>
-                        </a:solidFill>
-                      </a:endParaRPr>
-                    </a:p>
-                  </a:txBody>
-                  <a:tcPr marL="18000" marR="18000" marT="18000" marB="18000">
-                    <a:lnL w="12700" cap="flat" cmpd="sng" algn="ctr">
-                      <a:solidFill>
-                        <a:schemeClr val="accent1">
-                          <a:lumMod val="40000"/>
-                          <a:lumOff val="60000"/>
-                        </a:schemeClr>
-                      </a:solidFill>
-                      <a:prstDash val="solid"/>
-                      <a:round/>
-                      <a:headEnd type="none" w="med" len="med"/>
-                      <a:tailEnd type="none" w="med" len="med"/>
-                    </a:lnL>
-                    <a:lnR w="12700" cap="flat" cmpd="sng" algn="ctr">
-                      <a:solidFill>
-                        <a:schemeClr val="accent1">
-                          <a:lumMod val="40000"/>
-                          <a:lumOff val="60000"/>
-                        </a:schemeClr>
-                      </a:solidFill>
-                      <a:prstDash val="solid"/>
-                      <a:round/>
-                      <a:headEnd type="none" w="med" len="med"/>
-                      <a:tailEnd type="none" w="med" len="med"/>
-                    </a:lnR>
-                    <a:lnT w="12700" cap="flat" cmpd="sng" algn="ctr">
-                      <a:solidFill>
-                        <a:schemeClr val="accent1">
-                          <a:lumMod val="40000"/>
-                          <a:lumOff val="60000"/>
-                        </a:schemeClr>
-                      </a:solidFill>
-                      <a:prstDash val="solid"/>
-                      <a:round/>
-                      <a:headEnd type="none" w="med" len="med"/>
-                      <a:tailEnd type="none" w="med" len="med"/>
-                    </a:lnT>
-                    <a:lnB w="12700" cap="flat" cmpd="sng" algn="ctr">
-                      <a:solidFill>
-                        <a:schemeClr val="accent1">
-                          <a:lumMod val="40000"/>
-                          <a:lumOff val="60000"/>
-                        </a:schemeClr>
-                      </a:solidFill>
-                      <a:prstDash val="solid"/>
-                      <a:round/>
-                      <a:headEnd type="none" w="med" len="med"/>
-                      <a:tailEnd type="none" w="med" len="med"/>
-                    </a:lnB>
-                  </a:tcPr>
-                </a:tc>
-                <a:tc>
-                  <a:txBody>
-                    <a:bodyPr/>
-                    <a:lstStyle/>
-                    <a:p>
-                      <a:pPr marL="0" marR="0" lvl="0" indent="0" algn="l" defTabSz="914400" rtl="0" eaLnBrk="1" fontAlgn="auto" latinLnBrk="0" hangingPunct="1">
-                        <a:lnSpc>
-                          <a:spcPct val="100000"/>
-                        </a:lnSpc>
-                        <a:spcBef>
-                          <a:spcPts val="0"/>
-                        </a:spcBef>
-                        <a:spcAft>
-                          <a:spcPts val="0"/>
-                        </a:spcAft>
-                        <a:buClrTx/>
-                        <a:buSzTx/>
-                        <a:buFontTx/>
-                        <a:buNone/>
-                        <a:tabLst/>
-                        <a:defRPr/>
-                      </a:pPr>
-                      <a:endParaRPr lang="zh-CN" altLang="en-US" sz="1200" dirty="0">
-                        <a:solidFill>
-                          <a:srgbClr val="00B050"/>
-                        </a:solidFill>
-                      </a:endParaRPr>
-                    </a:p>
-                  </a:txBody>
-                  <a:tcPr marL="18000" marR="18000" marT="18000" marB="18000">
-                    <a:lnL w="12700" cap="flat" cmpd="sng" algn="ctr">
-                      <a:solidFill>
-                        <a:schemeClr val="accent1">
-                          <a:lumMod val="40000"/>
-                          <a:lumOff val="60000"/>
-                        </a:schemeClr>
-                      </a:solidFill>
-                      <a:prstDash val="solid"/>
-                      <a:round/>
-                      <a:headEnd type="none" w="med" len="med"/>
-                      <a:tailEnd type="none" w="med" len="med"/>
-                    </a:lnL>
-                    <a:lnR w="12700" cap="flat" cmpd="sng" algn="ctr">
-                      <a:solidFill>
-                        <a:schemeClr val="accent1">
-                          <a:lumMod val="40000"/>
-                          <a:lumOff val="60000"/>
-                        </a:schemeClr>
-                      </a:solidFill>
-                      <a:prstDash val="solid"/>
-                      <a:round/>
-                      <a:headEnd type="none" w="med" len="med"/>
-                      <a:tailEnd type="none" w="med" len="med"/>
-                    </a:lnR>
-                    <a:lnT w="12700" cap="flat" cmpd="sng" algn="ctr">
-                      <a:solidFill>
-                        <a:schemeClr val="accent1">
-                          <a:lumMod val="40000"/>
-                          <a:lumOff val="60000"/>
-                        </a:schemeClr>
-                      </a:solidFill>
-                      <a:prstDash val="solid"/>
-                      <a:round/>
-                      <a:headEnd type="none" w="med" len="med"/>
-                      <a:tailEnd type="none" w="med" len="med"/>
-                    </a:lnT>
-                    <a:lnB w="12700" cap="flat" cmpd="sng" algn="ctr">
-                      <a:solidFill>
-                        <a:schemeClr val="accent1">
-                          <a:lumMod val="40000"/>
-                          <a:lumOff val="60000"/>
-                        </a:schemeClr>
-                      </a:solidFill>
-                      <a:prstDash val="solid"/>
-                      <a:round/>
-                      <a:headEnd type="none" w="med" len="med"/>
-                      <a:tailEnd type="none" w="med" len="med"/>
-                    </a:lnB>
-                  </a:tcPr>
-                </a:tc>
-                <a:extLst>
-                  <a:ext uri="{0D108BD9-81ED-4DB2-BD59-A6C34878D82A}">
-                    <a16:rowId xmlns:a16="http://schemas.microsoft.com/office/drawing/2014/main" val="495980262"/>
-                  </a:ext>
-                </a:extLst>
-              </a:tr>
             </a:tbl>
           </a:graphicData>
         </a:graphic>
@@ -6612,14 +6445,14 @@
           <p:nvPr>
             <p:extLst>
               <p:ext uri="{D42A27DB-BD31-4B8C-83A1-F6EECF244321}">
-                <p14:modId xmlns:p14="http://schemas.microsoft.com/office/powerpoint/2010/main" val="832517734"/>
+                <p14:modId xmlns:p14="http://schemas.microsoft.com/office/powerpoint/2010/main" val="3671965616"/>
               </p:ext>
             </p:extLst>
           </p:nvPr>
         </p:nvGraphicFramePr>
         <p:xfrm>
-          <a:off x="9857195" y="2828122"/>
-          <a:ext cx="1429222" cy="656640"/>
+          <a:off x="10130404" y="3135596"/>
+          <a:ext cx="1429222" cy="437760"/>
         </p:xfrm>
         <a:graphic>
           <a:graphicData uri="http://schemas.openxmlformats.org/drawingml/2006/table">
@@ -6821,93 +6654,6 @@
                   </a:ext>
                 </a:extLst>
               </a:tr>
-              <a:tr h="0">
-                <a:tc>
-                  <a:txBody>
-                    <a:bodyPr/>
-                    <a:lstStyle/>
-                    <a:p>
-                      <a:pPr marL="0" marR="0" lvl="0" indent="0" algn="l" defTabSz="914400" rtl="0" eaLnBrk="1" fontAlgn="auto" latinLnBrk="0" hangingPunct="1">
-                        <a:lnSpc>
-                          <a:spcPct val="100000"/>
-                        </a:lnSpc>
-                        <a:spcBef>
-                          <a:spcPts val="0"/>
-                        </a:spcBef>
-                        <a:spcAft>
-                          <a:spcPts val="0"/>
-                        </a:spcAft>
-                        <a:buClrTx/>
-                        <a:buSzTx/>
-                        <a:buFontTx/>
-                        <a:buNone/>
-                        <a:tabLst/>
-                        <a:defRPr/>
-                      </a:pPr>
-                      <a:endParaRPr lang="zh-CN" altLang="en-US" sz="1200" dirty="0">
-                        <a:solidFill>
-                          <a:srgbClr val="00B050"/>
-                        </a:solidFill>
-                      </a:endParaRPr>
-                    </a:p>
-                  </a:txBody>
-                  <a:tcPr marL="18000" marR="18000" marT="18000" marB="18000">
-                    <a:lnL w="12700" cap="flat" cmpd="sng" algn="ctr">
-                      <a:solidFill>
-                        <a:schemeClr val="accent1">
-                          <a:lumMod val="40000"/>
-                          <a:lumOff val="60000"/>
-                        </a:schemeClr>
-                      </a:solidFill>
-                      <a:prstDash val="solid"/>
-                      <a:round/>
-                      <a:headEnd type="none" w="med" len="med"/>
-                      <a:tailEnd type="none" w="med" len="med"/>
-                    </a:lnL>
-                    <a:lnR w="12700" cap="flat" cmpd="sng" algn="ctr">
-                      <a:solidFill>
-                        <a:schemeClr val="accent1">
-                          <a:lumMod val="40000"/>
-                          <a:lumOff val="60000"/>
-                        </a:schemeClr>
-                      </a:solidFill>
-                      <a:prstDash val="solid"/>
-                      <a:round/>
-                      <a:headEnd type="none" w="med" len="med"/>
-                      <a:tailEnd type="none" w="med" len="med"/>
-                    </a:lnR>
-                    <a:lnT w="12700" cap="flat" cmpd="sng" algn="ctr">
-                      <a:solidFill>
-                        <a:schemeClr val="accent1">
-                          <a:lumMod val="40000"/>
-                          <a:lumOff val="60000"/>
-                        </a:schemeClr>
-                      </a:solidFill>
-                      <a:prstDash val="solid"/>
-                      <a:round/>
-                      <a:headEnd type="none" w="med" len="med"/>
-                      <a:tailEnd type="none" w="med" len="med"/>
-                    </a:lnT>
-                    <a:lnB w="12700" cap="flat" cmpd="sng" algn="ctr">
-                      <a:solidFill>
-                        <a:schemeClr val="accent1">
-                          <a:lumMod val="40000"/>
-                          <a:lumOff val="60000"/>
-                        </a:schemeClr>
-                      </a:solidFill>
-                      <a:prstDash val="solid"/>
-                      <a:round/>
-                      <a:headEnd type="none" w="med" len="med"/>
-                      <a:tailEnd type="none" w="med" len="med"/>
-                    </a:lnB>
-                  </a:tcPr>
-                </a:tc>
-                <a:extLst>
-                  <a:ext uri="{0D108BD9-81ED-4DB2-BD59-A6C34878D82A}">
-                    <a16:rowId xmlns:a16="http://schemas.microsoft.com/office/drawing/2014/main" val="495980262"/>
-                  </a:ext>
-                </a:extLst>
-              </a:tr>
             </a:tbl>
           </a:graphicData>
         </a:graphic>
@@ -6926,7 +6672,7 @@
         </p:nvSpPr>
         <p:spPr>
           <a:xfrm>
-            <a:off x="4109534" y="856004"/>
+            <a:off x="3694254" y="759177"/>
             <a:ext cx="988115" cy="253448"/>
           </a:xfrm>
           <a:prstGeom prst="rect">
@@ -6999,8 +6745,8 @@
         </p:nvCxnSpPr>
         <p:spPr>
           <a:xfrm flipH="1">
-            <a:off x="4596697" y="1109452"/>
-            <a:ext cx="6895" cy="4577883"/>
+            <a:off x="4188311" y="1012625"/>
+            <a:ext cx="1" cy="5306283"/>
           </a:xfrm>
           <a:prstGeom prst="line">
             <a:avLst/>
@@ -7035,7 +6781,7 @@
         </p:nvSpPr>
         <p:spPr>
           <a:xfrm>
-            <a:off x="4102640" y="5687335"/>
+            <a:off x="3694254" y="6318908"/>
             <a:ext cx="988114" cy="260402"/>
           </a:xfrm>
           <a:prstGeom prst="rect">
@@ -7106,8 +6852,8 @@
         </p:nvCxnSpPr>
         <p:spPr>
           <a:xfrm>
-            <a:off x="4596697" y="3627847"/>
-            <a:ext cx="2364845" cy="0"/>
+            <a:off x="4194268" y="4127466"/>
+            <a:ext cx="2567791" cy="0"/>
           </a:xfrm>
           <a:prstGeom prst="straightConnector1">
             <a:avLst/>
@@ -7147,8 +6893,8 @@
         </p:nvCxnSpPr>
         <p:spPr>
           <a:xfrm>
-            <a:off x="3297516" y="2757015"/>
-            <a:ext cx="3664026" cy="0"/>
+            <a:off x="2897782" y="3273393"/>
+            <a:ext cx="3866543" cy="0"/>
           </a:xfrm>
           <a:prstGeom prst="straightConnector1">
             <a:avLst/>
@@ -7186,8 +6932,8 @@
         </p:nvSpPr>
         <p:spPr>
           <a:xfrm>
-            <a:off x="3271153" y="2431697"/>
-            <a:ext cx="2686960" cy="319361"/>
+            <a:off x="2922772" y="2972257"/>
+            <a:ext cx="3690390" cy="319361"/>
           </a:xfrm>
           <a:prstGeom prst="rect">
             <a:avLst/>
@@ -7288,11 +7034,14 @@
               </a:rPr>
               <a:t>]</a:t>
             </a:r>
-            <a:endParaRPr lang="zh-CN" altLang="en-US" sz="1200" dirty="0">
-              <a:solidFill>
-                <a:schemeClr val="tx1"/>
-              </a:solidFill>
-            </a:endParaRPr>
+            <a:r>
+              <a:rPr lang="zh-CN" altLang="en-US" sz="1200" dirty="0">
+                <a:solidFill>
+                  <a:schemeClr val="tx1"/>
+                </a:solidFill>
+              </a:rPr>
+              <a:t>，重启数据库</a:t>
+            </a:r>
           </a:p>
         </p:txBody>
       </p:sp>
@@ -7311,9 +7060,9 @@
           <p:nvPr/>
         </p:nvCxnSpPr>
         <p:spPr>
-          <a:xfrm>
-            <a:off x="6961542" y="3083586"/>
-            <a:ext cx="2760725" cy="0"/>
+          <a:xfrm flipH="1">
+            <a:off x="6764325" y="3656313"/>
+            <a:ext cx="3265507" cy="5340"/>
           </a:xfrm>
           <a:prstGeom prst="straightConnector1">
             <a:avLst/>
@@ -7351,7 +7100,7 @@
         </p:nvSpPr>
         <p:spPr>
           <a:xfrm>
-            <a:off x="6922425" y="2763548"/>
+            <a:off x="7361888" y="3344603"/>
             <a:ext cx="2686960" cy="319361"/>
           </a:xfrm>
           <a:prstGeom prst="rect">
@@ -7395,7 +7144,7 @@
                   <a:schemeClr val="tx1"/>
                 </a:solidFill>
               </a:rPr>
-              <a:t>存储身份认证策略 </a:t>
+              <a:t>加载身份认证策略 </a:t>
             </a:r>
             <a:r>
               <a:rPr lang="en-US" altLang="zh-CN" sz="1200" dirty="0">
@@ -7477,8 +7226,8 @@
         </p:nvCxnSpPr>
         <p:spPr>
           <a:xfrm flipH="1">
-            <a:off x="6961542" y="3947886"/>
-            <a:ext cx="2760725" cy="0"/>
+            <a:off x="4194268" y="4597844"/>
+            <a:ext cx="2557481" cy="0"/>
           </a:xfrm>
           <a:prstGeom prst="straightConnector1">
             <a:avLst/>
@@ -7516,8 +7265,8 @@
         </p:nvSpPr>
         <p:spPr>
           <a:xfrm>
-            <a:off x="7170235" y="3648307"/>
-            <a:ext cx="2686960" cy="319361"/>
+            <a:off x="6928466" y="4194626"/>
+            <a:ext cx="2525056" cy="319361"/>
           </a:xfrm>
           <a:prstGeom prst="rect">
             <a:avLst/>
@@ -7560,7 +7309,7 @@
                   <a:schemeClr val="tx1"/>
                 </a:solidFill>
               </a:rPr>
-              <a:t>读取身份认证策略 </a:t>
+              <a:t>根据</a:t>
             </a:r>
             <a:r>
               <a:rPr lang="en-US" altLang="zh-CN" sz="1200" dirty="0">
@@ -7584,7 +7333,23 @@
                   <a:schemeClr val="tx1"/>
                 </a:solidFill>
               </a:rPr>
-              <a:t>] </a:t>
+              <a:t>]</a:t>
+            </a:r>
+            <a:r>
+              <a:rPr lang="zh-CN" altLang="en-US" sz="1200" dirty="0">
+                <a:solidFill>
+                  <a:schemeClr val="tx1"/>
+                </a:solidFill>
+              </a:rPr>
+              <a:t>，选择密码的</a:t>
+            </a:r>
+            <a:r>
+              <a:rPr lang="en-US" altLang="zh-CN" sz="1200" dirty="0">
+                <a:solidFill>
+                  <a:schemeClr val="tx1"/>
+                </a:solidFill>
+              </a:rPr>
+              <a:t> </a:t>
             </a:r>
             <a:r>
               <a:rPr lang="zh-CN" altLang="en-US" sz="1200" dirty="0">
@@ -7626,47 +7391,6 @@
           </a:p>
         </p:txBody>
       </p:sp>
-      <p:cxnSp>
-        <p:nvCxnSpPr>
-          <p:cNvPr id="59" name="直接箭头连接符 58">
-            <a:extLst>
-              <a:ext uri="{FF2B5EF4-FFF2-40B4-BE49-F238E27FC236}">
-                <a16:creationId xmlns:a16="http://schemas.microsoft.com/office/drawing/2014/main" id="{01D863DA-F551-52D7-BC96-D6F6F9F6F7EA}"/>
-              </a:ext>
-            </a:extLst>
-          </p:cNvPr>
-          <p:cNvCxnSpPr>
-            <a:cxnSpLocks/>
-          </p:cNvCxnSpPr>
-          <p:nvPr/>
-        </p:nvCxnSpPr>
-        <p:spPr>
-          <a:xfrm>
-            <a:off x="7113742" y="4084262"/>
-            <a:ext cx="0" cy="235468"/>
-          </a:xfrm>
-          <a:prstGeom prst="straightConnector1">
-            <a:avLst/>
-          </a:prstGeom>
-          <a:ln>
-            <a:tailEnd type="triangle"/>
-          </a:ln>
-        </p:spPr>
-        <p:style>
-          <a:lnRef idx="1">
-            <a:schemeClr val="accent1"/>
-          </a:lnRef>
-          <a:fillRef idx="0">
-            <a:schemeClr val="accent1"/>
-          </a:fillRef>
-          <a:effectRef idx="0">
-            <a:schemeClr val="accent1"/>
-          </a:effectRef>
-          <a:fontRef idx="minor">
-            <a:schemeClr val="tx1"/>
-          </a:fontRef>
-        </p:style>
-      </p:cxnSp>
       <p:sp>
         <p:nvSpPr>
           <p:cNvPr id="60" name="矩形 59">
@@ -7681,7 +7405,7 @@
         </p:nvSpPr>
         <p:spPr>
           <a:xfrm>
-            <a:off x="7097283" y="4030604"/>
+            <a:off x="4129528" y="4689744"/>
             <a:ext cx="2686960" cy="319361"/>
           </a:xfrm>
           <a:prstGeom prst="rect">
@@ -7759,8 +7483,8 @@
         </p:nvCxnSpPr>
         <p:spPr>
           <a:xfrm flipH="1">
-            <a:off x="6961541" y="4694646"/>
-            <a:ext cx="2760725" cy="0"/>
+            <a:off x="6751750" y="5411510"/>
+            <a:ext cx="3250546" cy="0"/>
           </a:xfrm>
           <a:prstGeom prst="straightConnector1">
             <a:avLst/>
@@ -7798,8 +7522,8 @@
         </p:nvSpPr>
         <p:spPr>
           <a:xfrm>
-            <a:off x="6922425" y="4393120"/>
-            <a:ext cx="2963787" cy="319361"/>
+            <a:off x="6719528" y="5039560"/>
+            <a:ext cx="3649206" cy="319361"/>
           </a:xfrm>
           <a:prstGeom prst="rect">
             <a:avLst/>
@@ -7842,7 +7566,7 @@
                   <a:schemeClr val="tx1"/>
                 </a:solidFill>
               </a:rPr>
-              <a:t>读取</a:t>
+              <a:t>从系统表读取</a:t>
             </a:r>
             <a:r>
               <a:rPr lang="en-US" altLang="zh-CN" sz="1200" dirty="0">
@@ -7858,7 +7582,7 @@
                   <a:schemeClr val="tx1"/>
                 </a:solidFill>
               </a:rPr>
-              <a:t>的密码的哈希 </a:t>
+              <a:t>的密码哈希 </a:t>
             </a:r>
             <a:r>
               <a:rPr lang="en-US" altLang="zh-CN" sz="1200" dirty="0">
@@ -7892,7 +7616,7 @@
         </p:nvCxnSpPr>
         <p:spPr>
           <a:xfrm>
-            <a:off x="7113742" y="4857692"/>
+            <a:off x="6903950" y="5574556"/>
             <a:ext cx="0" cy="235468"/>
           </a:xfrm>
           <a:prstGeom prst="straightConnector1">
@@ -7931,7 +7655,7 @@
         </p:nvSpPr>
         <p:spPr>
           <a:xfrm>
-            <a:off x="7097283" y="4808174"/>
+            <a:off x="6924594" y="5524051"/>
             <a:ext cx="1923162" cy="319361"/>
           </a:xfrm>
           <a:prstGeom prst="rect">
@@ -7995,14 +7719,14 @@
           <p:nvPr>
             <p:extLst>
               <p:ext uri="{D42A27DB-BD31-4B8C-83A1-F6EECF244321}">
-                <p14:modId xmlns:p14="http://schemas.microsoft.com/office/powerpoint/2010/main" val="3623952983"/>
+                <p14:modId xmlns:p14="http://schemas.microsoft.com/office/powerpoint/2010/main" val="2694124170"/>
               </p:ext>
             </p:extLst>
           </p:nvPr>
         </p:nvGraphicFramePr>
         <p:xfrm>
-          <a:off x="9843483" y="4393120"/>
-          <a:ext cx="1768955" cy="656640"/>
+          <a:off x="10151047" y="5352788"/>
+          <a:ext cx="1768955" cy="437760"/>
         </p:xfrm>
         <a:graphic>
           <a:graphicData uri="http://schemas.openxmlformats.org/drawingml/2006/table">
@@ -8337,173 +8061,6 @@
                   </a:ext>
                 </a:extLst>
               </a:tr>
-              <a:tr h="0">
-                <a:tc>
-                  <a:txBody>
-                    <a:bodyPr/>
-                    <a:lstStyle/>
-                    <a:p>
-                      <a:pPr marL="0" marR="0" lvl="0" indent="0" algn="l" defTabSz="914400" rtl="0" eaLnBrk="1" fontAlgn="auto" latinLnBrk="0" hangingPunct="1">
-                        <a:lnSpc>
-                          <a:spcPct val="100000"/>
-                        </a:lnSpc>
-                        <a:spcBef>
-                          <a:spcPts val="0"/>
-                        </a:spcBef>
-                        <a:spcAft>
-                          <a:spcPts val="0"/>
-                        </a:spcAft>
-                        <a:buClrTx/>
-                        <a:buSzTx/>
-                        <a:buFontTx/>
-                        <a:buNone/>
-                        <a:tabLst/>
-                        <a:defRPr/>
-                      </a:pPr>
-                      <a:endParaRPr lang="zh-CN" altLang="en-US" sz="1200" dirty="0">
-                        <a:solidFill>
-                          <a:srgbClr val="00B050"/>
-                        </a:solidFill>
-                      </a:endParaRPr>
-                    </a:p>
-                  </a:txBody>
-                  <a:tcPr marL="18000" marR="18000" marT="18000" marB="18000">
-                    <a:lnL w="12700" cap="flat" cmpd="sng" algn="ctr">
-                      <a:solidFill>
-                        <a:schemeClr val="accent1">
-                          <a:lumMod val="40000"/>
-                          <a:lumOff val="60000"/>
-                        </a:schemeClr>
-                      </a:solidFill>
-                      <a:prstDash val="solid"/>
-                      <a:round/>
-                      <a:headEnd type="none" w="med" len="med"/>
-                      <a:tailEnd type="none" w="med" len="med"/>
-                    </a:lnL>
-                    <a:lnR w="12700" cap="flat" cmpd="sng" algn="ctr">
-                      <a:solidFill>
-                        <a:schemeClr val="accent1">
-                          <a:lumMod val="40000"/>
-                          <a:lumOff val="60000"/>
-                        </a:schemeClr>
-                      </a:solidFill>
-                      <a:prstDash val="solid"/>
-                      <a:round/>
-                      <a:headEnd type="none" w="med" len="med"/>
-                      <a:tailEnd type="none" w="med" len="med"/>
-                    </a:lnR>
-                    <a:lnT w="12700" cap="flat" cmpd="sng" algn="ctr">
-                      <a:solidFill>
-                        <a:schemeClr val="accent1">
-                          <a:lumMod val="40000"/>
-                          <a:lumOff val="60000"/>
-                        </a:schemeClr>
-                      </a:solidFill>
-                      <a:prstDash val="solid"/>
-                      <a:round/>
-                      <a:headEnd type="none" w="med" len="med"/>
-                      <a:tailEnd type="none" w="med" len="med"/>
-                    </a:lnT>
-                    <a:lnB w="12700" cap="flat" cmpd="sng" algn="ctr">
-                      <a:solidFill>
-                        <a:schemeClr val="accent1">
-                          <a:lumMod val="40000"/>
-                          <a:lumOff val="60000"/>
-                        </a:schemeClr>
-                      </a:solidFill>
-                      <a:prstDash val="solid"/>
-                      <a:round/>
-                      <a:headEnd type="none" w="med" len="med"/>
-                      <a:tailEnd type="none" w="med" len="med"/>
-                    </a:lnB>
-                  </a:tcPr>
-                </a:tc>
-                <a:tc>
-                  <a:txBody>
-                    <a:bodyPr/>
-                    <a:lstStyle/>
-                    <a:p>
-                      <a:pPr marL="0" marR="0" lvl="0" indent="0" algn="l" defTabSz="914400" rtl="0" eaLnBrk="1" fontAlgn="auto" latinLnBrk="0" hangingPunct="1">
-                        <a:lnSpc>
-                          <a:spcPct val="100000"/>
-                        </a:lnSpc>
-                        <a:spcBef>
-                          <a:spcPts val="0"/>
-                        </a:spcBef>
-                        <a:spcAft>
-                          <a:spcPts val="0"/>
-                        </a:spcAft>
-                        <a:buClrTx/>
-                        <a:buSzTx/>
-                        <a:buFontTx/>
-                        <a:buNone/>
-                        <a:tabLst/>
-                        <a:defRPr/>
-                      </a:pPr>
-                      <a:endParaRPr lang="zh-CN" altLang="en-US" sz="1200" dirty="0">
-                        <a:solidFill>
-                          <a:srgbClr val="00B050"/>
-                        </a:solidFill>
-                      </a:endParaRPr>
-                    </a:p>
-                  </a:txBody>
-                  <a:tcPr marL="18000" marR="18000" marT="18000" marB="18000">
-                    <a:lnL w="12700" cap="flat" cmpd="sng" algn="ctr">
-                      <a:solidFill>
-                        <a:schemeClr val="accent1">
-                          <a:lumMod val="40000"/>
-                          <a:lumOff val="60000"/>
-                        </a:schemeClr>
-                      </a:solidFill>
-                      <a:prstDash val="solid"/>
-                      <a:round/>
-                      <a:headEnd type="none" w="med" len="med"/>
-                      <a:tailEnd type="none" w="med" len="med"/>
-                    </a:lnL>
-                    <a:lnR w="12700" cap="flat" cmpd="sng" algn="ctr">
-                      <a:solidFill>
-                        <a:schemeClr val="accent1">
-                          <a:lumMod val="40000"/>
-                          <a:lumOff val="60000"/>
-                        </a:schemeClr>
-                      </a:solidFill>
-                      <a:prstDash val="solid"/>
-                      <a:round/>
-                      <a:headEnd type="none" w="med" len="med"/>
-                      <a:tailEnd type="none" w="med" len="med"/>
-                    </a:lnR>
-                    <a:lnT w="12700" cap="flat" cmpd="sng" algn="ctr">
-                      <a:solidFill>
-                        <a:schemeClr val="accent1">
-                          <a:lumMod val="40000"/>
-                          <a:lumOff val="60000"/>
-                        </a:schemeClr>
-                      </a:solidFill>
-                      <a:prstDash val="solid"/>
-                      <a:round/>
-                      <a:headEnd type="none" w="med" len="med"/>
-                      <a:tailEnd type="none" w="med" len="med"/>
-                    </a:lnT>
-                    <a:lnB w="12700" cap="flat" cmpd="sng" algn="ctr">
-                      <a:solidFill>
-                        <a:schemeClr val="accent1">
-                          <a:lumMod val="40000"/>
-                          <a:lumOff val="60000"/>
-                        </a:schemeClr>
-                      </a:solidFill>
-                      <a:prstDash val="solid"/>
-                      <a:round/>
-                      <a:headEnd type="none" w="med" len="med"/>
-                      <a:tailEnd type="none" w="med" len="med"/>
-                    </a:lnB>
-                  </a:tcPr>
-                </a:tc>
-                <a:extLst>
-                  <a:ext uri="{0D108BD9-81ED-4DB2-BD59-A6C34878D82A}">
-                    <a16:rowId xmlns:a16="http://schemas.microsoft.com/office/drawing/2014/main" val="495980262"/>
-                  </a:ext>
-                </a:extLst>
-              </a:tr>
             </a:tbl>
           </a:graphicData>
         </a:graphic>
@@ -8524,8 +8081,8 @@
         </p:nvCxnSpPr>
         <p:spPr>
           <a:xfrm flipH="1">
-            <a:off x="4596697" y="5375367"/>
-            <a:ext cx="2364844" cy="0"/>
+            <a:off x="4194268" y="6092231"/>
+            <a:ext cx="2557481" cy="7394"/>
           </a:xfrm>
           <a:prstGeom prst="straightConnector1">
             <a:avLst/>
@@ -8563,7 +8120,7 @@
         </p:nvSpPr>
         <p:spPr>
           <a:xfrm>
-            <a:off x="5379326" y="5063400"/>
+            <a:off x="5169534" y="5780264"/>
             <a:ext cx="1613202" cy="319361"/>
           </a:xfrm>
           <a:prstGeom prst="rect">
@@ -8626,7 +8183,7 @@
         </p:nvSpPr>
         <p:spPr>
           <a:xfrm>
-            <a:off x="9753594" y="1499101"/>
+            <a:off x="10048848" y="2059451"/>
             <a:ext cx="754750" cy="253448"/>
           </a:xfrm>
           <a:prstGeom prst="rect">
@@ -8689,7 +8246,7 @@
         </p:nvSpPr>
         <p:spPr>
           <a:xfrm>
-            <a:off x="9738728" y="4096517"/>
+            <a:off x="10046292" y="5056185"/>
             <a:ext cx="754750" cy="253448"/>
           </a:xfrm>
           <a:prstGeom prst="rect">
@@ -8738,6 +8295,682 @@
           </a:p>
         </p:txBody>
       </p:sp>
+      <p:cxnSp>
+        <p:nvCxnSpPr>
+          <p:cNvPr id="45" name="直接箭头连接符 10">
+            <a:extLst>
+              <a:ext uri="{FF2B5EF4-FFF2-40B4-BE49-F238E27FC236}">
+                <a16:creationId xmlns:a16="http://schemas.microsoft.com/office/drawing/2014/main" id="{C697C570-E0CF-FF42-AD15-FE9D9E76758D}"/>
+              </a:ext>
+            </a:extLst>
+          </p:cNvPr>
+          <p:cNvCxnSpPr>
+            <a:cxnSpLocks/>
+          </p:cNvCxnSpPr>
+          <p:nvPr/>
+        </p:nvCxnSpPr>
+        <p:spPr>
+          <a:xfrm>
+            <a:off x="2897782" y="1469561"/>
+            <a:ext cx="3853968" cy="6530"/>
+          </a:xfrm>
+          <a:prstGeom prst="straightConnector1">
+            <a:avLst/>
+          </a:prstGeom>
+          <a:ln>
+            <a:tailEnd type="triangle"/>
+          </a:ln>
+        </p:spPr>
+        <p:style>
+          <a:lnRef idx="1">
+            <a:schemeClr val="accent1"/>
+          </a:lnRef>
+          <a:fillRef idx="0">
+            <a:schemeClr val="accent1"/>
+          </a:fillRef>
+          <a:effectRef idx="0">
+            <a:schemeClr val="accent1"/>
+          </a:effectRef>
+          <a:fontRef idx="minor">
+            <a:schemeClr val="tx1"/>
+          </a:fontRef>
+        </p:style>
+      </p:cxnSp>
+      <p:sp>
+        <p:nvSpPr>
+          <p:cNvPr id="46" name="矩形 45">
+            <a:extLst>
+              <a:ext uri="{FF2B5EF4-FFF2-40B4-BE49-F238E27FC236}">
+                <a16:creationId xmlns:a16="http://schemas.microsoft.com/office/drawing/2014/main" id="{42272F0C-0022-3F4C-8644-3F2D16C2C40E}"/>
+              </a:ext>
+            </a:extLst>
+          </p:cNvPr>
+          <p:cNvSpPr/>
+          <p:nvPr/>
+        </p:nvSpPr>
+        <p:spPr>
+          <a:xfrm>
+            <a:off x="2879991" y="1178505"/>
+            <a:ext cx="2338479" cy="319361"/>
+          </a:xfrm>
+          <a:prstGeom prst="rect">
+            <a:avLst/>
+          </a:prstGeom>
+          <a:noFill/>
+          <a:ln>
+            <a:noFill/>
+          </a:ln>
+          <a:effectLst>
+            <a:outerShdw blurRad="50800" dist="38100" dir="2700000" algn="tl" rotWithShape="0">
+              <a:prstClr val="black">
+                <a:alpha val="40000"/>
+              </a:prstClr>
+            </a:outerShdw>
+          </a:effectLst>
+        </p:spPr>
+        <p:style>
+          <a:lnRef idx="2">
+            <a:schemeClr val="accent1">
+              <a:shade val="50000"/>
+            </a:schemeClr>
+          </a:lnRef>
+          <a:fillRef idx="1">
+            <a:schemeClr val="accent1"/>
+          </a:fillRef>
+          <a:effectRef idx="0">
+            <a:schemeClr val="accent1"/>
+          </a:effectRef>
+          <a:fontRef idx="minor">
+            <a:schemeClr val="lt1"/>
+          </a:fontRef>
+        </p:style>
+        <p:txBody>
+          <a:bodyPr rtlCol="0" anchor="ctr"/>
+          <a:lstStyle/>
+          <a:p>
+            <a:r>
+              <a:rPr lang="zh-CN" altLang="en-US" sz="1200" dirty="0">
+                <a:solidFill>
+                  <a:schemeClr val="tx1"/>
+                </a:solidFill>
+              </a:rPr>
+              <a:t>配置存储密码时使用的哈希算法</a:t>
+            </a:r>
+          </a:p>
+        </p:txBody>
+      </p:sp>
+      <p:cxnSp>
+        <p:nvCxnSpPr>
+          <p:cNvPr id="50" name="直接箭头连接符 58">
+            <a:extLst>
+              <a:ext uri="{FF2B5EF4-FFF2-40B4-BE49-F238E27FC236}">
+                <a16:creationId xmlns:a16="http://schemas.microsoft.com/office/drawing/2014/main" id="{9DCD6120-D1DB-9E46-8322-FB2ED77394C0}"/>
+              </a:ext>
+            </a:extLst>
+          </p:cNvPr>
+          <p:cNvCxnSpPr>
+            <a:cxnSpLocks/>
+          </p:cNvCxnSpPr>
+          <p:nvPr/>
+        </p:nvCxnSpPr>
+        <p:spPr>
+          <a:xfrm flipH="1">
+            <a:off x="6764325" y="1786571"/>
+            <a:ext cx="3258614" cy="0"/>
+          </a:xfrm>
+          <a:prstGeom prst="straightConnector1">
+            <a:avLst/>
+          </a:prstGeom>
+          <a:ln>
+            <a:tailEnd type="triangle"/>
+          </a:ln>
+        </p:spPr>
+        <p:style>
+          <a:lnRef idx="1">
+            <a:schemeClr val="accent1"/>
+          </a:lnRef>
+          <a:fillRef idx="0">
+            <a:schemeClr val="accent1"/>
+          </a:fillRef>
+          <a:effectRef idx="0">
+            <a:schemeClr val="accent1"/>
+          </a:effectRef>
+          <a:fontRef idx="minor">
+            <a:schemeClr val="tx1"/>
+          </a:fontRef>
+        </p:style>
+      </p:cxnSp>
+      <p:sp>
+        <p:nvSpPr>
+          <p:cNvPr id="52" name="矩形 51">
+            <a:extLst>
+              <a:ext uri="{FF2B5EF4-FFF2-40B4-BE49-F238E27FC236}">
+                <a16:creationId xmlns:a16="http://schemas.microsoft.com/office/drawing/2014/main" id="{448A230B-9387-DA49-8D97-9927765534E1}"/>
+              </a:ext>
+            </a:extLst>
+          </p:cNvPr>
+          <p:cNvSpPr/>
+          <p:nvPr/>
+        </p:nvSpPr>
+        <p:spPr>
+          <a:xfrm>
+            <a:off x="8549133" y="1511957"/>
+            <a:ext cx="1819601" cy="296779"/>
+          </a:xfrm>
+          <a:prstGeom prst="rect">
+            <a:avLst/>
+          </a:prstGeom>
+          <a:noFill/>
+          <a:ln>
+            <a:noFill/>
+          </a:ln>
+          <a:effectLst>
+            <a:outerShdw blurRad="50800" dist="38100" dir="2700000" algn="tl" rotWithShape="0">
+              <a:prstClr val="black">
+                <a:alpha val="40000"/>
+              </a:prstClr>
+            </a:outerShdw>
+          </a:effectLst>
+        </p:spPr>
+        <p:style>
+          <a:lnRef idx="2">
+            <a:schemeClr val="accent1">
+              <a:shade val="50000"/>
+            </a:schemeClr>
+          </a:lnRef>
+          <a:fillRef idx="1">
+            <a:schemeClr val="accent1"/>
+          </a:fillRef>
+          <a:effectRef idx="0">
+            <a:schemeClr val="accent1"/>
+          </a:effectRef>
+          <a:fontRef idx="minor">
+            <a:schemeClr val="lt1"/>
+          </a:fontRef>
+        </p:style>
+        <p:txBody>
+          <a:bodyPr rtlCol="0" anchor="ctr"/>
+          <a:lstStyle/>
+          <a:p>
+            <a:r>
+              <a:rPr lang="zh-CN" altLang="en-US" sz="1200" dirty="0">
+                <a:solidFill>
+                  <a:schemeClr val="tx1"/>
+                </a:solidFill>
+              </a:rPr>
+              <a:t>加载密码存储算法</a:t>
+            </a:r>
+          </a:p>
+        </p:txBody>
+      </p:sp>
+      <p:cxnSp>
+        <p:nvCxnSpPr>
+          <p:cNvPr id="53" name="直接箭头连接符 47">
+            <a:extLst>
+              <a:ext uri="{FF2B5EF4-FFF2-40B4-BE49-F238E27FC236}">
+                <a16:creationId xmlns:a16="http://schemas.microsoft.com/office/drawing/2014/main" id="{E69503EB-20E3-284C-B97E-1414D5019876}"/>
+              </a:ext>
+            </a:extLst>
+          </p:cNvPr>
+          <p:cNvCxnSpPr>
+            <a:cxnSpLocks/>
+          </p:cNvCxnSpPr>
+          <p:nvPr/>
+        </p:nvCxnSpPr>
+        <p:spPr>
+          <a:xfrm>
+            <a:off x="6764325" y="3267436"/>
+            <a:ext cx="3237971" cy="0"/>
+          </a:xfrm>
+          <a:prstGeom prst="straightConnector1">
+            <a:avLst/>
+          </a:prstGeom>
+          <a:ln>
+            <a:tailEnd type="triangle"/>
+          </a:ln>
+        </p:spPr>
+        <p:style>
+          <a:lnRef idx="1">
+            <a:schemeClr val="accent1"/>
+          </a:lnRef>
+          <a:fillRef idx="0">
+            <a:schemeClr val="accent1"/>
+          </a:fillRef>
+          <a:effectRef idx="0">
+            <a:schemeClr val="accent1"/>
+          </a:effectRef>
+          <a:fontRef idx="minor">
+            <a:schemeClr val="tx1"/>
+          </a:fontRef>
+        </p:style>
+      </p:cxnSp>
+      <p:cxnSp>
+        <p:nvCxnSpPr>
+          <p:cNvPr id="55" name="直接箭头连接符 10">
+            <a:extLst>
+              <a:ext uri="{FF2B5EF4-FFF2-40B4-BE49-F238E27FC236}">
+                <a16:creationId xmlns:a16="http://schemas.microsoft.com/office/drawing/2014/main" id="{6740B69E-5261-AA45-996F-67FEEDF5F835}"/>
+              </a:ext>
+            </a:extLst>
+          </p:cNvPr>
+          <p:cNvCxnSpPr>
+            <a:cxnSpLocks/>
+          </p:cNvCxnSpPr>
+          <p:nvPr/>
+        </p:nvCxnSpPr>
+        <p:spPr>
+          <a:xfrm>
+            <a:off x="6751749" y="1469561"/>
+            <a:ext cx="3271190" cy="0"/>
+          </a:xfrm>
+          <a:prstGeom prst="straightConnector1">
+            <a:avLst/>
+          </a:prstGeom>
+          <a:ln>
+            <a:tailEnd type="triangle"/>
+          </a:ln>
+        </p:spPr>
+        <p:style>
+          <a:lnRef idx="1">
+            <a:schemeClr val="accent1"/>
+          </a:lnRef>
+          <a:fillRef idx="0">
+            <a:schemeClr val="accent1"/>
+          </a:fillRef>
+          <a:effectRef idx="0">
+            <a:schemeClr val="accent1"/>
+          </a:effectRef>
+          <a:fontRef idx="minor">
+            <a:schemeClr val="tx1"/>
+          </a:fontRef>
+        </p:style>
+      </p:cxnSp>
+      <p:graphicFrame>
+        <p:nvGraphicFramePr>
+          <p:cNvPr id="56" name="表格 28">
+            <a:extLst>
+              <a:ext uri="{FF2B5EF4-FFF2-40B4-BE49-F238E27FC236}">
+                <a16:creationId xmlns:a16="http://schemas.microsoft.com/office/drawing/2014/main" id="{D9559904-64CB-E24E-B014-82620DB34D34}"/>
+              </a:ext>
+            </a:extLst>
+          </p:cNvPr>
+          <p:cNvGraphicFramePr>
+            <a:graphicFrameLocks noGrp="1"/>
+          </p:cNvGraphicFramePr>
+          <p:nvPr>
+            <p:extLst>
+              <p:ext uri="{D42A27DB-BD31-4B8C-83A1-F6EECF244321}">
+                <p14:modId xmlns:p14="http://schemas.microsoft.com/office/powerpoint/2010/main" val="3960837933"/>
+              </p:ext>
+            </p:extLst>
+          </p:nvPr>
+        </p:nvGraphicFramePr>
+        <p:xfrm>
+          <a:off x="10151047" y="1353010"/>
+          <a:ext cx="1832174" cy="437760"/>
+        </p:xfrm>
+        <a:graphic>
+          <a:graphicData uri="http://schemas.openxmlformats.org/drawingml/2006/table">
+            <a:tbl>
+              <a:tblPr firstRow="1" bandRow="1">
+                <a:tableStyleId>{5940675A-B579-460E-94D1-54222C63F5DA}</a:tableStyleId>
+              </a:tblPr>
+              <a:tblGrid>
+                <a:gridCol w="1832174">
+                  <a:extLst>
+                    <a:ext uri="{9D8B030D-6E8A-4147-A177-3AD203B41FA5}">
+                      <a16:colId xmlns:a16="http://schemas.microsoft.com/office/drawing/2014/main" val="729393436"/>
+                    </a:ext>
+                  </a:extLst>
+                </a:gridCol>
+              </a:tblGrid>
+              <a:tr h="0">
+                <a:tc>
+                  <a:txBody>
+                    <a:bodyPr/>
+                    <a:lstStyle/>
+                    <a:p>
+                      <a:pPr algn="ctr"/>
+                      <a:r>
+                        <a:rPr lang="zh-CN" altLang="en-US" sz="1200" b="1" dirty="0"/>
+                        <a:t>数据库配置文件</a:t>
+                      </a:r>
+                    </a:p>
+                  </a:txBody>
+                  <a:tcPr marL="18000" marR="18000" marT="18000" marB="18000">
+                    <a:lnL w="12700" cap="flat" cmpd="sng" algn="ctr">
+                      <a:solidFill>
+                        <a:schemeClr val="accent1">
+                          <a:lumMod val="40000"/>
+                          <a:lumOff val="60000"/>
+                        </a:schemeClr>
+                      </a:solidFill>
+                      <a:prstDash val="solid"/>
+                      <a:round/>
+                      <a:headEnd type="none" w="med" len="med"/>
+                      <a:tailEnd type="none" w="med" len="med"/>
+                    </a:lnL>
+                    <a:lnR w="12700" cap="flat" cmpd="sng" algn="ctr">
+                      <a:solidFill>
+                        <a:schemeClr val="accent1">
+                          <a:lumMod val="40000"/>
+                          <a:lumOff val="60000"/>
+                        </a:schemeClr>
+                      </a:solidFill>
+                      <a:prstDash val="solid"/>
+                      <a:round/>
+                      <a:headEnd type="none" w="med" len="med"/>
+                      <a:tailEnd type="none" w="med" len="med"/>
+                    </a:lnR>
+                    <a:lnT w="12700" cap="flat" cmpd="sng" algn="ctr">
+                      <a:solidFill>
+                        <a:schemeClr val="accent1">
+                          <a:lumMod val="40000"/>
+                          <a:lumOff val="60000"/>
+                        </a:schemeClr>
+                      </a:solidFill>
+                      <a:prstDash val="solid"/>
+                      <a:round/>
+                      <a:headEnd type="none" w="med" len="med"/>
+                      <a:tailEnd type="none" w="med" len="med"/>
+                    </a:lnT>
+                    <a:lnB w="12700" cap="flat" cmpd="sng" algn="ctr">
+                      <a:solidFill>
+                        <a:schemeClr val="accent1">
+                          <a:lumMod val="40000"/>
+                          <a:lumOff val="60000"/>
+                        </a:schemeClr>
+                      </a:solidFill>
+                      <a:prstDash val="solid"/>
+                      <a:round/>
+                      <a:headEnd type="none" w="med" len="med"/>
+                      <a:tailEnd type="none" w="med" len="med"/>
+                    </a:lnB>
+                    <a:solidFill>
+                      <a:schemeClr val="bg1">
+                        <a:lumMod val="85000"/>
+                      </a:schemeClr>
+                    </a:solidFill>
+                  </a:tcPr>
+                </a:tc>
+                <a:extLst>
+                  <a:ext uri="{0D108BD9-81ED-4DB2-BD59-A6C34878D82A}">
+                    <a16:rowId xmlns:a16="http://schemas.microsoft.com/office/drawing/2014/main" val="1124864837"/>
+                  </a:ext>
+                </a:extLst>
+              </a:tr>
+              <a:tr h="0">
+                <a:tc>
+                  <a:txBody>
+                    <a:bodyPr/>
+                    <a:lstStyle/>
+                    <a:p>
+                      <a:r>
+                        <a:rPr lang="en-US" altLang="zh-CN" sz="1200" dirty="0">
+                          <a:solidFill>
+                            <a:srgbClr val="00B050"/>
+                          </a:solidFill>
+                        </a:rPr>
+                        <a:t>pass_encryption=sha236</a:t>
+                      </a:r>
+                      <a:endParaRPr lang="zh-CN" altLang="en-US" sz="1200" dirty="0">
+                        <a:solidFill>
+                          <a:srgbClr val="00B050"/>
+                        </a:solidFill>
+                      </a:endParaRPr>
+                    </a:p>
+                  </a:txBody>
+                  <a:tcPr marL="18000" marR="18000" marT="18000" marB="18000">
+                    <a:lnL w="12700" cap="flat" cmpd="sng" algn="ctr">
+                      <a:solidFill>
+                        <a:schemeClr val="accent1">
+                          <a:lumMod val="40000"/>
+                          <a:lumOff val="60000"/>
+                        </a:schemeClr>
+                      </a:solidFill>
+                      <a:prstDash val="solid"/>
+                      <a:round/>
+                      <a:headEnd type="none" w="med" len="med"/>
+                      <a:tailEnd type="none" w="med" len="med"/>
+                    </a:lnL>
+                    <a:lnR w="12700" cap="flat" cmpd="sng" algn="ctr">
+                      <a:solidFill>
+                        <a:schemeClr val="accent1">
+                          <a:lumMod val="40000"/>
+                          <a:lumOff val="60000"/>
+                        </a:schemeClr>
+                      </a:solidFill>
+                      <a:prstDash val="solid"/>
+                      <a:round/>
+                      <a:headEnd type="none" w="med" len="med"/>
+                      <a:tailEnd type="none" w="med" len="med"/>
+                    </a:lnR>
+                    <a:lnT w="12700" cap="flat" cmpd="sng" algn="ctr">
+                      <a:solidFill>
+                        <a:schemeClr val="accent1">
+                          <a:lumMod val="40000"/>
+                          <a:lumOff val="60000"/>
+                        </a:schemeClr>
+                      </a:solidFill>
+                      <a:prstDash val="solid"/>
+                      <a:round/>
+                      <a:headEnd type="none" w="med" len="med"/>
+                      <a:tailEnd type="none" w="med" len="med"/>
+                    </a:lnT>
+                    <a:lnB w="12700" cap="flat" cmpd="sng" algn="ctr">
+                      <a:solidFill>
+                        <a:schemeClr val="accent1">
+                          <a:lumMod val="40000"/>
+                          <a:lumOff val="60000"/>
+                        </a:schemeClr>
+                      </a:solidFill>
+                      <a:prstDash val="solid"/>
+                      <a:round/>
+                      <a:headEnd type="none" w="med" len="med"/>
+                      <a:tailEnd type="none" w="med" len="med"/>
+                    </a:lnB>
+                  </a:tcPr>
+                </a:tc>
+                <a:extLst>
+                  <a:ext uri="{0D108BD9-81ED-4DB2-BD59-A6C34878D82A}">
+                    <a16:rowId xmlns:a16="http://schemas.microsoft.com/office/drawing/2014/main" val="3791216137"/>
+                  </a:ext>
+                </a:extLst>
+              </a:tr>
+            </a:tbl>
+          </a:graphicData>
+        </a:graphic>
+      </p:graphicFrame>
+      <p:cxnSp>
+        <p:nvCxnSpPr>
+          <p:cNvPr id="62" name="直接箭头连接符 58">
+            <a:extLst>
+              <a:ext uri="{FF2B5EF4-FFF2-40B4-BE49-F238E27FC236}">
+                <a16:creationId xmlns:a16="http://schemas.microsoft.com/office/drawing/2014/main" id="{E1933897-9696-CD43-904E-C43C6349109E}"/>
+              </a:ext>
+            </a:extLst>
+          </p:cNvPr>
+          <p:cNvCxnSpPr>
+            <a:cxnSpLocks/>
+          </p:cNvCxnSpPr>
+          <p:nvPr/>
+        </p:nvCxnSpPr>
+        <p:spPr>
+          <a:xfrm>
+            <a:off x="6889985" y="4236572"/>
+            <a:ext cx="0" cy="235468"/>
+          </a:xfrm>
+          <a:prstGeom prst="straightConnector1">
+            <a:avLst/>
+          </a:prstGeom>
+          <a:ln>
+            <a:tailEnd type="triangle"/>
+          </a:ln>
+        </p:spPr>
+        <p:style>
+          <a:lnRef idx="1">
+            <a:schemeClr val="accent1"/>
+          </a:lnRef>
+          <a:fillRef idx="0">
+            <a:schemeClr val="accent1"/>
+          </a:fillRef>
+          <a:effectRef idx="0">
+            <a:schemeClr val="accent1"/>
+          </a:effectRef>
+          <a:fontRef idx="minor">
+            <a:schemeClr val="tx1"/>
+          </a:fontRef>
+        </p:style>
+      </p:cxnSp>
+      <p:sp>
+        <p:nvSpPr>
+          <p:cNvPr id="63" name="矩形 62">
+            <a:extLst>
+              <a:ext uri="{FF2B5EF4-FFF2-40B4-BE49-F238E27FC236}">
+                <a16:creationId xmlns:a16="http://schemas.microsoft.com/office/drawing/2014/main" id="{7EC35B66-ED26-FE45-A045-246A56C5E1CD}"/>
+              </a:ext>
+            </a:extLst>
+          </p:cNvPr>
+          <p:cNvSpPr/>
+          <p:nvPr/>
+        </p:nvSpPr>
+        <p:spPr>
+          <a:xfrm>
+            <a:off x="5051546" y="4299598"/>
+            <a:ext cx="1732899" cy="319361"/>
+          </a:xfrm>
+          <a:prstGeom prst="rect">
+            <a:avLst/>
+          </a:prstGeom>
+          <a:noFill/>
+          <a:ln>
+            <a:noFill/>
+          </a:ln>
+          <a:effectLst>
+            <a:outerShdw blurRad="50800" dist="38100" dir="2700000" algn="tl" rotWithShape="0">
+              <a:prstClr val="black">
+                <a:alpha val="40000"/>
+              </a:prstClr>
+            </a:outerShdw>
+          </a:effectLst>
+        </p:spPr>
+        <p:style>
+          <a:lnRef idx="2">
+            <a:schemeClr val="accent1">
+              <a:shade val="50000"/>
+            </a:schemeClr>
+          </a:lnRef>
+          <a:fillRef idx="1">
+            <a:schemeClr val="accent1"/>
+          </a:fillRef>
+          <a:effectRef idx="0">
+            <a:schemeClr val="accent1"/>
+          </a:effectRef>
+          <a:fontRef idx="minor">
+            <a:schemeClr val="lt1"/>
+          </a:fontRef>
+        </p:style>
+        <p:txBody>
+          <a:bodyPr rtlCol="0" anchor="ctr"/>
+          <a:lstStyle/>
+          <a:p>
+            <a:r>
+              <a:rPr lang="zh-CN" altLang="en-US" sz="1200" dirty="0">
+                <a:solidFill>
+                  <a:schemeClr val="tx1"/>
+                </a:solidFill>
+              </a:rPr>
+              <a:t>发送密码的</a:t>
+            </a:r>
+            <a:r>
+              <a:rPr lang="en-US" altLang="zh-CN" sz="1200" dirty="0">
+                <a:solidFill>
+                  <a:schemeClr val="tx1"/>
+                </a:solidFill>
+              </a:rPr>
+              <a:t> </a:t>
+            </a:r>
+            <a:r>
+              <a:rPr lang="zh-CN" altLang="en-US" sz="1200" dirty="0">
+                <a:solidFill>
+                  <a:schemeClr val="tx1"/>
+                </a:solidFill>
+              </a:rPr>
+              <a:t> </a:t>
+            </a:r>
+            <a:r>
+              <a:rPr lang="en-US" altLang="zh-CN" sz="1200" dirty="0">
+                <a:solidFill>
+                  <a:schemeClr val="tx1"/>
+                </a:solidFill>
+              </a:rPr>
+              <a:t>[</a:t>
+            </a:r>
+            <a:r>
+              <a:rPr lang="zh-CN" altLang="en-US" sz="1200" dirty="0">
+                <a:solidFill>
+                  <a:schemeClr val="tx1"/>
+                </a:solidFill>
+              </a:rPr>
+              <a:t>哈希算法</a:t>
+            </a:r>
+            <a:r>
+              <a:rPr lang="en-US" altLang="zh-CN" sz="1200" dirty="0">
+                <a:solidFill>
+                  <a:schemeClr val="tx1"/>
+                </a:solidFill>
+              </a:rPr>
+              <a:t>]</a:t>
+            </a:r>
+            <a:endParaRPr lang="zh-CN" altLang="en-US" sz="1200" dirty="0">
+              <a:solidFill>
+                <a:schemeClr val="tx1"/>
+              </a:solidFill>
+            </a:endParaRPr>
+          </a:p>
+        </p:txBody>
+      </p:sp>
+      <p:cxnSp>
+        <p:nvCxnSpPr>
+          <p:cNvPr id="71" name="直接箭头连接符 42">
+            <a:extLst>
+              <a:ext uri="{FF2B5EF4-FFF2-40B4-BE49-F238E27FC236}">
+                <a16:creationId xmlns:a16="http://schemas.microsoft.com/office/drawing/2014/main" id="{777B1F90-F67A-CD41-BF34-84DBFC585431}"/>
+              </a:ext>
+            </a:extLst>
+          </p:cNvPr>
+          <p:cNvCxnSpPr>
+            <a:cxnSpLocks/>
+          </p:cNvCxnSpPr>
+          <p:nvPr/>
+        </p:nvCxnSpPr>
+        <p:spPr>
+          <a:xfrm>
+            <a:off x="4194268" y="4995749"/>
+            <a:ext cx="2567791" cy="0"/>
+          </a:xfrm>
+          <a:prstGeom prst="straightConnector1">
+            <a:avLst/>
+          </a:prstGeom>
+          <a:ln>
+            <a:tailEnd type="triangle"/>
+          </a:ln>
+        </p:spPr>
+        <p:style>
+          <a:lnRef idx="1">
+            <a:schemeClr val="accent1"/>
+          </a:lnRef>
+          <a:fillRef idx="0">
+            <a:schemeClr val="accent1"/>
+          </a:fillRef>
+          <a:effectRef idx="0">
+            <a:schemeClr val="accent1"/>
+          </a:effectRef>
+          <a:fontRef idx="minor">
+            <a:schemeClr val="tx1"/>
+          </a:fontRef>
+        </p:style>
+      </p:cxnSp>
     </p:spTree>
     <p:extLst>
       <p:ext uri="{BB962C8B-B14F-4D97-AF65-F5344CB8AC3E}">
@@ -8965,6 +9198,6105 @@
                 </a:solidFill>
               </a:rPr>
               <a:t>数据防篡改</a:t>
+            </a:r>
+          </a:p>
+        </p:txBody>
+      </p:sp>
+      <p:sp>
+        <p:nvSpPr>
+          <p:cNvPr id="3" name="矩形 2">
+            <a:extLst>
+              <a:ext uri="{FF2B5EF4-FFF2-40B4-BE49-F238E27FC236}">
+                <a16:creationId xmlns:a16="http://schemas.microsoft.com/office/drawing/2014/main" id="{4E034BB4-7976-1D4D-A18D-23912CEC9003}"/>
+              </a:ext>
+            </a:extLst>
+          </p:cNvPr>
+          <p:cNvSpPr/>
+          <p:nvPr/>
+        </p:nvSpPr>
+        <p:spPr>
+          <a:xfrm>
+            <a:off x="1557477" y="1200580"/>
+            <a:ext cx="2344894" cy="277884"/>
+          </a:xfrm>
+          <a:prstGeom prst="rect">
+            <a:avLst/>
+          </a:prstGeom>
+          <a:solidFill>
+            <a:schemeClr val="bg1">
+              <a:lumMod val="95000"/>
+            </a:schemeClr>
+          </a:solidFill>
+          <a:ln>
+            <a:noFill/>
+          </a:ln>
+          <a:effectLst/>
+        </p:spPr>
+        <p:style>
+          <a:lnRef idx="2">
+            <a:schemeClr val="accent1">
+              <a:shade val="50000"/>
+            </a:schemeClr>
+          </a:lnRef>
+          <a:fillRef idx="1">
+            <a:schemeClr val="accent1"/>
+          </a:fillRef>
+          <a:effectRef idx="0">
+            <a:schemeClr val="accent1"/>
+          </a:effectRef>
+          <a:fontRef idx="minor">
+            <a:schemeClr val="lt1"/>
+          </a:fontRef>
+        </p:style>
+        <p:txBody>
+          <a:bodyPr rtlCol="0" anchor="ctr"/>
+          <a:lstStyle/>
+          <a:p>
+            <a:r>
+              <a:rPr lang="en-US" altLang="zh-CN" sz="1200" dirty="0">
+                <a:solidFill>
+                  <a:schemeClr val="tx1"/>
+                </a:solidFill>
+              </a:rPr>
+              <a:t>CREATE</a:t>
+            </a:r>
+            <a:r>
+              <a:rPr lang="zh-CN" altLang="en-US" sz="1200" dirty="0">
+                <a:solidFill>
+                  <a:schemeClr val="tx1"/>
+                </a:solidFill>
+              </a:rPr>
+              <a:t> </a:t>
+            </a:r>
+            <a:r>
+              <a:rPr lang="en-US" altLang="zh-CN" sz="1200" dirty="0">
+                <a:solidFill>
+                  <a:schemeClr val="tx1"/>
+                </a:solidFill>
+              </a:rPr>
+              <a:t>TABLE</a:t>
+            </a:r>
+            <a:r>
+              <a:rPr lang="zh-CN" altLang="en-US" sz="1200" dirty="0">
+                <a:solidFill>
+                  <a:schemeClr val="tx1"/>
+                </a:solidFill>
+              </a:rPr>
+              <a:t> </a:t>
+            </a:r>
+            <a:r>
+              <a:rPr lang="en-US" altLang="zh-CN" sz="1200" dirty="0">
+                <a:solidFill>
+                  <a:schemeClr val="tx1"/>
+                </a:solidFill>
+              </a:rPr>
+              <a:t>(c1,</a:t>
+            </a:r>
+            <a:r>
+              <a:rPr lang="zh-CN" altLang="en-US" sz="1200" dirty="0">
+                <a:solidFill>
+                  <a:schemeClr val="tx1"/>
+                </a:solidFill>
+              </a:rPr>
+              <a:t> </a:t>
+            </a:r>
+            <a:r>
+              <a:rPr lang="en-US" altLang="zh-CN" sz="1200" dirty="0">
+                <a:solidFill>
+                  <a:schemeClr val="tx1"/>
+                </a:solidFill>
+              </a:rPr>
+              <a:t>INT,</a:t>
+            </a:r>
+            <a:r>
+              <a:rPr lang="zh-CN" altLang="en-US" sz="1200" dirty="0">
+                <a:solidFill>
+                  <a:schemeClr val="tx1"/>
+                </a:solidFill>
+              </a:rPr>
+              <a:t> </a:t>
+            </a:r>
+            <a:r>
+              <a:rPr lang="en-US" altLang="zh-CN" sz="1200" dirty="0">
+                <a:solidFill>
+                  <a:schemeClr val="tx1"/>
+                </a:solidFill>
+              </a:rPr>
+              <a:t>c2</a:t>
+            </a:r>
+            <a:r>
+              <a:rPr lang="zh-CN" altLang="en-US" sz="1200" dirty="0">
+                <a:solidFill>
+                  <a:schemeClr val="tx1"/>
+                </a:solidFill>
+              </a:rPr>
+              <a:t> </a:t>
+            </a:r>
+            <a:r>
+              <a:rPr lang="en-US" altLang="zh-CN" sz="1200" dirty="0">
+                <a:solidFill>
+                  <a:schemeClr val="tx1"/>
+                </a:solidFill>
+              </a:rPr>
+              <a:t>TEXT);</a:t>
+            </a:r>
+            <a:endParaRPr lang="zh-CN" altLang="en-US" sz="1200" dirty="0">
+              <a:solidFill>
+                <a:schemeClr val="tx1"/>
+              </a:solidFill>
+            </a:endParaRPr>
+          </a:p>
+        </p:txBody>
+      </p:sp>
+      <p:sp>
+        <p:nvSpPr>
+          <p:cNvPr id="4" name="矩形 3">
+            <a:extLst>
+              <a:ext uri="{FF2B5EF4-FFF2-40B4-BE49-F238E27FC236}">
+                <a16:creationId xmlns:a16="http://schemas.microsoft.com/office/drawing/2014/main" id="{DEBA1F06-CA73-6644-87E3-70F9026EC27F}"/>
+              </a:ext>
+            </a:extLst>
+          </p:cNvPr>
+          <p:cNvSpPr/>
+          <p:nvPr/>
+        </p:nvSpPr>
+        <p:spPr>
+          <a:xfrm>
+            <a:off x="974863" y="680423"/>
+            <a:ext cx="988115" cy="253448"/>
+          </a:xfrm>
+          <a:prstGeom prst="rect">
+            <a:avLst/>
+          </a:prstGeom>
+          <a:solidFill>
+            <a:schemeClr val="tx1">
+              <a:lumMod val="50000"/>
+              <a:lumOff val="50000"/>
+            </a:schemeClr>
+          </a:solidFill>
+          <a:ln>
+            <a:noFill/>
+          </a:ln>
+          <a:effectLst>
+            <a:outerShdw blurRad="50800" dist="38100" dir="2700000" algn="tl" rotWithShape="0">
+              <a:prstClr val="black">
+                <a:alpha val="40000"/>
+              </a:prstClr>
+            </a:outerShdw>
+          </a:effectLst>
+        </p:spPr>
+        <p:style>
+          <a:lnRef idx="2">
+            <a:schemeClr val="accent1">
+              <a:shade val="50000"/>
+            </a:schemeClr>
+          </a:lnRef>
+          <a:fillRef idx="1">
+            <a:schemeClr val="accent1"/>
+          </a:fillRef>
+          <a:effectRef idx="0">
+            <a:schemeClr val="accent1"/>
+          </a:effectRef>
+          <a:fontRef idx="minor">
+            <a:schemeClr val="lt1"/>
+          </a:fontRef>
+        </p:style>
+        <p:txBody>
+          <a:bodyPr rtlCol="0" anchor="ctr"/>
+          <a:lstStyle/>
+          <a:p>
+            <a:pPr algn="ctr"/>
+            <a:r>
+              <a:rPr lang="zh-CN" altLang="en-US" sz="1200" dirty="0">
+                <a:solidFill>
+                  <a:schemeClr val="tx1"/>
+                </a:solidFill>
+              </a:rPr>
+              <a:t>管理员</a:t>
+            </a:r>
+          </a:p>
+        </p:txBody>
+      </p:sp>
+      <p:sp>
+        <p:nvSpPr>
+          <p:cNvPr id="5" name="矩形 4">
+            <a:extLst>
+              <a:ext uri="{FF2B5EF4-FFF2-40B4-BE49-F238E27FC236}">
+                <a16:creationId xmlns:a16="http://schemas.microsoft.com/office/drawing/2014/main" id="{CD8EBEBD-D2EF-A345-93D8-2492F27D469D}"/>
+              </a:ext>
+            </a:extLst>
+          </p:cNvPr>
+          <p:cNvSpPr/>
+          <p:nvPr/>
+        </p:nvSpPr>
+        <p:spPr>
+          <a:xfrm>
+            <a:off x="3550730" y="610908"/>
+            <a:ext cx="988115" cy="253448"/>
+          </a:xfrm>
+          <a:prstGeom prst="rect">
+            <a:avLst/>
+          </a:prstGeom>
+          <a:solidFill>
+            <a:schemeClr val="tx1">
+              <a:lumMod val="50000"/>
+              <a:lumOff val="50000"/>
+            </a:schemeClr>
+          </a:solidFill>
+          <a:ln>
+            <a:noFill/>
+          </a:ln>
+          <a:effectLst>
+            <a:outerShdw blurRad="50800" dist="38100" dir="2700000" algn="tl" rotWithShape="0">
+              <a:prstClr val="black">
+                <a:alpha val="40000"/>
+              </a:prstClr>
+            </a:outerShdw>
+          </a:effectLst>
+        </p:spPr>
+        <p:style>
+          <a:lnRef idx="2">
+            <a:schemeClr val="accent1">
+              <a:shade val="50000"/>
+            </a:schemeClr>
+          </a:lnRef>
+          <a:fillRef idx="1">
+            <a:schemeClr val="accent1"/>
+          </a:fillRef>
+          <a:effectRef idx="0">
+            <a:schemeClr val="accent1"/>
+          </a:effectRef>
+          <a:fontRef idx="minor">
+            <a:schemeClr val="lt1"/>
+          </a:fontRef>
+        </p:style>
+        <p:txBody>
+          <a:bodyPr rtlCol="0" anchor="ctr"/>
+          <a:lstStyle/>
+          <a:p>
+            <a:pPr algn="ctr"/>
+            <a:r>
+              <a:rPr lang="zh-CN" altLang="en-US" sz="1200" dirty="0">
+                <a:solidFill>
+                  <a:schemeClr val="tx1"/>
+                </a:solidFill>
+              </a:rPr>
+              <a:t>数据库</a:t>
+            </a:r>
+          </a:p>
+        </p:txBody>
+      </p:sp>
+      <p:sp>
+        <p:nvSpPr>
+          <p:cNvPr id="6" name="矩形 5">
+            <a:extLst>
+              <a:ext uri="{FF2B5EF4-FFF2-40B4-BE49-F238E27FC236}">
+                <a16:creationId xmlns:a16="http://schemas.microsoft.com/office/drawing/2014/main" id="{4806333F-C698-7C41-88D1-BDDE8A98E3F9}"/>
+              </a:ext>
+            </a:extLst>
+          </p:cNvPr>
+          <p:cNvSpPr/>
+          <p:nvPr/>
+        </p:nvSpPr>
+        <p:spPr>
+          <a:xfrm>
+            <a:off x="7361555" y="610908"/>
+            <a:ext cx="988115" cy="253448"/>
+          </a:xfrm>
+          <a:prstGeom prst="rect">
+            <a:avLst/>
+          </a:prstGeom>
+          <a:solidFill>
+            <a:schemeClr val="tx1">
+              <a:lumMod val="50000"/>
+              <a:lumOff val="50000"/>
+            </a:schemeClr>
+          </a:solidFill>
+          <a:ln>
+            <a:noFill/>
+          </a:ln>
+          <a:effectLst>
+            <a:outerShdw blurRad="50800" dist="38100" dir="2700000" algn="tl" rotWithShape="0">
+              <a:prstClr val="black">
+                <a:alpha val="40000"/>
+              </a:prstClr>
+            </a:outerShdw>
+          </a:effectLst>
+        </p:spPr>
+        <p:style>
+          <a:lnRef idx="2">
+            <a:schemeClr val="accent1">
+              <a:shade val="50000"/>
+            </a:schemeClr>
+          </a:lnRef>
+          <a:fillRef idx="1">
+            <a:schemeClr val="accent1"/>
+          </a:fillRef>
+          <a:effectRef idx="0">
+            <a:schemeClr val="accent1"/>
+          </a:effectRef>
+          <a:fontRef idx="minor">
+            <a:schemeClr val="lt1"/>
+          </a:fontRef>
+        </p:style>
+        <p:txBody>
+          <a:bodyPr rtlCol="0" anchor="ctr"/>
+          <a:lstStyle/>
+          <a:p>
+            <a:pPr algn="ctr"/>
+            <a:r>
+              <a:rPr lang="zh-CN" altLang="en-US" sz="1200" dirty="0">
+                <a:solidFill>
+                  <a:schemeClr val="tx1"/>
+                </a:solidFill>
+              </a:rPr>
+              <a:t>磁盘</a:t>
+            </a:r>
+          </a:p>
+        </p:txBody>
+      </p:sp>
+      <p:cxnSp>
+        <p:nvCxnSpPr>
+          <p:cNvPr id="7" name="直接连接符 6">
+            <a:extLst>
+              <a:ext uri="{FF2B5EF4-FFF2-40B4-BE49-F238E27FC236}">
+                <a16:creationId xmlns:a16="http://schemas.microsoft.com/office/drawing/2014/main" id="{D7BFAFDE-FA00-DF45-A25A-EB2D2AC523C8}"/>
+              </a:ext>
+            </a:extLst>
+          </p:cNvPr>
+          <p:cNvCxnSpPr>
+            <a:cxnSpLocks/>
+            <a:stCxn id="4" idx="2"/>
+            <a:endCxn id="12" idx="0"/>
+          </p:cNvCxnSpPr>
+          <p:nvPr/>
+        </p:nvCxnSpPr>
+        <p:spPr>
+          <a:xfrm>
+            <a:off x="1468921" y="933871"/>
+            <a:ext cx="40707" cy="5494644"/>
+          </a:xfrm>
+          <a:prstGeom prst="line">
+            <a:avLst/>
+          </a:prstGeom>
+        </p:spPr>
+        <p:style>
+          <a:lnRef idx="1">
+            <a:schemeClr val="accent1"/>
+          </a:lnRef>
+          <a:fillRef idx="0">
+            <a:schemeClr val="accent1"/>
+          </a:fillRef>
+          <a:effectRef idx="0">
+            <a:schemeClr val="accent1"/>
+          </a:effectRef>
+          <a:fontRef idx="minor">
+            <a:schemeClr val="tx1"/>
+          </a:fontRef>
+        </p:style>
+      </p:cxnSp>
+      <p:cxnSp>
+        <p:nvCxnSpPr>
+          <p:cNvPr id="8" name="直接连接符 7">
+            <a:extLst>
+              <a:ext uri="{FF2B5EF4-FFF2-40B4-BE49-F238E27FC236}">
+                <a16:creationId xmlns:a16="http://schemas.microsoft.com/office/drawing/2014/main" id="{5F8D099D-5D44-A24B-9A2B-EB50A137755A}"/>
+              </a:ext>
+            </a:extLst>
+          </p:cNvPr>
+          <p:cNvCxnSpPr>
+            <a:cxnSpLocks/>
+            <a:stCxn id="5" idx="2"/>
+            <a:endCxn id="13" idx="0"/>
+          </p:cNvCxnSpPr>
+          <p:nvPr/>
+        </p:nvCxnSpPr>
+        <p:spPr>
+          <a:xfrm>
+            <a:off x="4044788" y="864356"/>
+            <a:ext cx="47602" cy="5494644"/>
+          </a:xfrm>
+          <a:prstGeom prst="line">
+            <a:avLst/>
+          </a:prstGeom>
+        </p:spPr>
+        <p:style>
+          <a:lnRef idx="1">
+            <a:schemeClr val="accent1"/>
+          </a:lnRef>
+          <a:fillRef idx="0">
+            <a:schemeClr val="accent1"/>
+          </a:fillRef>
+          <a:effectRef idx="0">
+            <a:schemeClr val="accent1"/>
+          </a:effectRef>
+          <a:fontRef idx="minor">
+            <a:schemeClr val="tx1"/>
+          </a:fontRef>
+        </p:style>
+      </p:cxnSp>
+      <p:cxnSp>
+        <p:nvCxnSpPr>
+          <p:cNvPr id="9" name="直接连接符 8">
+            <a:extLst>
+              <a:ext uri="{FF2B5EF4-FFF2-40B4-BE49-F238E27FC236}">
+                <a16:creationId xmlns:a16="http://schemas.microsoft.com/office/drawing/2014/main" id="{AE4341AF-670B-294A-88ED-9F984A21F998}"/>
+              </a:ext>
+            </a:extLst>
+          </p:cNvPr>
+          <p:cNvCxnSpPr>
+            <a:cxnSpLocks/>
+            <a:stCxn id="6" idx="2"/>
+            <a:endCxn id="14" idx="0"/>
+          </p:cNvCxnSpPr>
+          <p:nvPr/>
+        </p:nvCxnSpPr>
+        <p:spPr>
+          <a:xfrm>
+            <a:off x="7855613" y="864356"/>
+            <a:ext cx="47602" cy="5494644"/>
+          </a:xfrm>
+          <a:prstGeom prst="line">
+            <a:avLst/>
+          </a:prstGeom>
+        </p:spPr>
+        <p:style>
+          <a:lnRef idx="1">
+            <a:schemeClr val="accent1"/>
+          </a:lnRef>
+          <a:fillRef idx="0">
+            <a:schemeClr val="accent1"/>
+          </a:fillRef>
+          <a:effectRef idx="0">
+            <a:schemeClr val="accent1"/>
+          </a:effectRef>
+          <a:fontRef idx="minor">
+            <a:schemeClr val="tx1"/>
+          </a:fontRef>
+        </p:style>
+      </p:cxnSp>
+      <p:sp>
+        <p:nvSpPr>
+          <p:cNvPr id="10" name="矩形 9">
+            <a:extLst>
+              <a:ext uri="{FF2B5EF4-FFF2-40B4-BE49-F238E27FC236}">
+                <a16:creationId xmlns:a16="http://schemas.microsoft.com/office/drawing/2014/main" id="{B338D2E6-DEA8-8645-85A6-72B7139050C8}"/>
+              </a:ext>
+            </a:extLst>
+          </p:cNvPr>
+          <p:cNvSpPr/>
+          <p:nvPr/>
+        </p:nvSpPr>
+        <p:spPr>
+          <a:xfrm>
+            <a:off x="1557539" y="3274882"/>
+            <a:ext cx="1986296" cy="311120"/>
+          </a:xfrm>
+          <a:prstGeom prst="rect">
+            <a:avLst/>
+          </a:prstGeom>
+          <a:solidFill>
+            <a:schemeClr val="bg1">
+              <a:lumMod val="95000"/>
+            </a:schemeClr>
+          </a:solidFill>
+          <a:ln>
+            <a:noFill/>
+          </a:ln>
+          <a:effectLst/>
+        </p:spPr>
+        <p:style>
+          <a:lnRef idx="2">
+            <a:schemeClr val="accent1">
+              <a:shade val="50000"/>
+            </a:schemeClr>
+          </a:lnRef>
+          <a:fillRef idx="1">
+            <a:schemeClr val="accent1"/>
+          </a:fillRef>
+          <a:effectRef idx="0">
+            <a:schemeClr val="accent1"/>
+          </a:effectRef>
+          <a:fontRef idx="minor">
+            <a:schemeClr val="lt1"/>
+          </a:fontRef>
+        </p:style>
+        <p:txBody>
+          <a:bodyPr rtlCol="0" anchor="ctr"/>
+          <a:lstStyle/>
+          <a:p>
+            <a:r>
+              <a:rPr lang="en-US" altLang="zh-CN" sz="1200" dirty="0">
+                <a:solidFill>
+                  <a:schemeClr val="tx1"/>
+                </a:solidFill>
+              </a:rPr>
+              <a:t>UPDATE</a:t>
+            </a:r>
+            <a:r>
+              <a:rPr lang="zh-CN" altLang="en-US" sz="1200" dirty="0">
+                <a:solidFill>
+                  <a:schemeClr val="tx1"/>
+                </a:solidFill>
+              </a:rPr>
+              <a:t> </a:t>
+            </a:r>
+            <a:r>
+              <a:rPr lang="en-US" altLang="zh-CN" sz="1200" dirty="0">
+                <a:solidFill>
+                  <a:schemeClr val="tx1"/>
+                </a:solidFill>
+              </a:rPr>
+              <a:t>t1</a:t>
+            </a:r>
+            <a:r>
+              <a:rPr lang="zh-CN" altLang="en-US" sz="1200" dirty="0">
+                <a:solidFill>
+                  <a:schemeClr val="tx1"/>
+                </a:solidFill>
+              </a:rPr>
+              <a:t> </a:t>
+            </a:r>
+            <a:r>
+              <a:rPr lang="en-US" altLang="zh-CN" sz="1200" dirty="0">
+                <a:solidFill>
+                  <a:schemeClr val="tx1"/>
+                </a:solidFill>
+              </a:rPr>
+              <a:t>SET</a:t>
+            </a:r>
+            <a:r>
+              <a:rPr lang="zh-CN" altLang="en-US" sz="1200" dirty="0">
+                <a:solidFill>
+                  <a:schemeClr val="tx1"/>
+                </a:solidFill>
+              </a:rPr>
+              <a:t> </a:t>
+            </a:r>
+            <a:r>
+              <a:rPr lang="en-US" altLang="zh-CN" sz="1200" dirty="0">
+                <a:solidFill>
+                  <a:schemeClr val="tx1"/>
+                </a:solidFill>
+              </a:rPr>
+              <a:t>(c2</a:t>
+            </a:r>
+            <a:r>
+              <a:rPr lang="zh-CN" altLang="en-US" sz="1200" dirty="0">
+                <a:solidFill>
+                  <a:schemeClr val="tx1"/>
+                </a:solidFill>
+              </a:rPr>
+              <a:t> </a:t>
+            </a:r>
+            <a:r>
+              <a:rPr lang="en-US" altLang="zh-CN" sz="1200" dirty="0">
+                <a:solidFill>
+                  <a:schemeClr val="tx1"/>
+                </a:solidFill>
+              </a:rPr>
+              <a:t>=</a:t>
+            </a:r>
+            <a:r>
+              <a:rPr lang="zh-CN" altLang="en-US" sz="1200" dirty="0">
+                <a:solidFill>
+                  <a:schemeClr val="tx1"/>
+                </a:solidFill>
+              </a:rPr>
+              <a:t> </a:t>
+            </a:r>
+            <a:r>
+              <a:rPr lang="en-US" altLang="zh-CN" sz="1200" dirty="0">
+                <a:solidFill>
+                  <a:schemeClr val="tx1"/>
+                </a:solidFill>
+              </a:rPr>
+              <a:t>'bb')</a:t>
+            </a:r>
+            <a:endParaRPr lang="zh-CN" altLang="en-US" sz="1200" dirty="0">
+              <a:solidFill>
+                <a:schemeClr val="tx1"/>
+              </a:solidFill>
+            </a:endParaRPr>
+          </a:p>
+        </p:txBody>
+      </p:sp>
+      <p:cxnSp>
+        <p:nvCxnSpPr>
+          <p:cNvPr id="11" name="直接箭头连接符 10">
+            <a:extLst>
+              <a:ext uri="{FF2B5EF4-FFF2-40B4-BE49-F238E27FC236}">
+                <a16:creationId xmlns:a16="http://schemas.microsoft.com/office/drawing/2014/main" id="{BA869816-ADE4-B641-B3AB-6354B00008E0}"/>
+              </a:ext>
+            </a:extLst>
+          </p:cNvPr>
+          <p:cNvCxnSpPr>
+            <a:cxnSpLocks/>
+          </p:cNvCxnSpPr>
+          <p:nvPr/>
+        </p:nvCxnSpPr>
+        <p:spPr>
+          <a:xfrm flipV="1">
+            <a:off x="1468920" y="1556508"/>
+            <a:ext cx="2575866" cy="6309"/>
+          </a:xfrm>
+          <a:prstGeom prst="straightConnector1">
+            <a:avLst/>
+          </a:prstGeom>
+          <a:ln>
+            <a:tailEnd type="triangle"/>
+          </a:ln>
+        </p:spPr>
+        <p:style>
+          <a:lnRef idx="1">
+            <a:schemeClr val="accent1"/>
+          </a:lnRef>
+          <a:fillRef idx="0">
+            <a:schemeClr val="accent1"/>
+          </a:fillRef>
+          <a:effectRef idx="0">
+            <a:schemeClr val="accent1"/>
+          </a:effectRef>
+          <a:fontRef idx="minor">
+            <a:schemeClr val="tx1"/>
+          </a:fontRef>
+        </p:style>
+      </p:cxnSp>
+      <p:sp>
+        <p:nvSpPr>
+          <p:cNvPr id="12" name="矩形 11">
+            <a:extLst>
+              <a:ext uri="{FF2B5EF4-FFF2-40B4-BE49-F238E27FC236}">
+                <a16:creationId xmlns:a16="http://schemas.microsoft.com/office/drawing/2014/main" id="{704E7018-85F7-4548-9808-535135FFA9FB}"/>
+              </a:ext>
+            </a:extLst>
+          </p:cNvPr>
+          <p:cNvSpPr/>
+          <p:nvPr/>
+        </p:nvSpPr>
+        <p:spPr>
+          <a:xfrm>
+            <a:off x="1015571" y="6428515"/>
+            <a:ext cx="988114" cy="253448"/>
+          </a:xfrm>
+          <a:prstGeom prst="rect">
+            <a:avLst/>
+          </a:prstGeom>
+          <a:solidFill>
+            <a:schemeClr val="tx1">
+              <a:lumMod val="50000"/>
+              <a:lumOff val="50000"/>
+            </a:schemeClr>
+          </a:solidFill>
+          <a:ln>
+            <a:noFill/>
+          </a:ln>
+          <a:effectLst>
+            <a:outerShdw blurRad="50800" dist="38100" dir="2700000" algn="tl" rotWithShape="0">
+              <a:prstClr val="black">
+                <a:alpha val="40000"/>
+              </a:prstClr>
+            </a:outerShdw>
+          </a:effectLst>
+        </p:spPr>
+        <p:style>
+          <a:lnRef idx="2">
+            <a:schemeClr val="accent1">
+              <a:shade val="50000"/>
+            </a:schemeClr>
+          </a:lnRef>
+          <a:fillRef idx="1">
+            <a:schemeClr val="accent1"/>
+          </a:fillRef>
+          <a:effectRef idx="0">
+            <a:schemeClr val="accent1"/>
+          </a:effectRef>
+          <a:fontRef idx="minor">
+            <a:schemeClr val="lt1"/>
+          </a:fontRef>
+        </p:style>
+        <p:txBody>
+          <a:bodyPr rtlCol="0" anchor="ctr"/>
+          <a:lstStyle/>
+          <a:p>
+            <a:pPr algn="ctr"/>
+            <a:r>
+              <a:rPr lang="zh-CN" altLang="en-US" sz="1200" dirty="0">
+                <a:solidFill>
+                  <a:schemeClr val="tx1"/>
+                </a:solidFill>
+              </a:rPr>
+              <a:t>管理员</a:t>
+            </a:r>
+          </a:p>
+        </p:txBody>
+      </p:sp>
+      <p:sp>
+        <p:nvSpPr>
+          <p:cNvPr id="13" name="矩形 12">
+            <a:extLst>
+              <a:ext uri="{FF2B5EF4-FFF2-40B4-BE49-F238E27FC236}">
+                <a16:creationId xmlns:a16="http://schemas.microsoft.com/office/drawing/2014/main" id="{F6BCD67D-E7E6-4346-B78C-D819657DCCF7}"/>
+              </a:ext>
+            </a:extLst>
+          </p:cNvPr>
+          <p:cNvSpPr/>
+          <p:nvPr/>
+        </p:nvSpPr>
+        <p:spPr>
+          <a:xfrm>
+            <a:off x="3598332" y="6359000"/>
+            <a:ext cx="988115" cy="253448"/>
+          </a:xfrm>
+          <a:prstGeom prst="rect">
+            <a:avLst/>
+          </a:prstGeom>
+          <a:solidFill>
+            <a:schemeClr val="tx1">
+              <a:lumMod val="50000"/>
+              <a:lumOff val="50000"/>
+            </a:schemeClr>
+          </a:solidFill>
+          <a:ln>
+            <a:noFill/>
+          </a:ln>
+          <a:effectLst>
+            <a:outerShdw blurRad="50800" dist="38100" dir="2700000" algn="tl" rotWithShape="0">
+              <a:prstClr val="black">
+                <a:alpha val="40000"/>
+              </a:prstClr>
+            </a:outerShdw>
+          </a:effectLst>
+        </p:spPr>
+        <p:style>
+          <a:lnRef idx="2">
+            <a:schemeClr val="accent1">
+              <a:shade val="50000"/>
+            </a:schemeClr>
+          </a:lnRef>
+          <a:fillRef idx="1">
+            <a:schemeClr val="accent1"/>
+          </a:fillRef>
+          <a:effectRef idx="0">
+            <a:schemeClr val="accent1"/>
+          </a:effectRef>
+          <a:fontRef idx="minor">
+            <a:schemeClr val="lt1"/>
+          </a:fontRef>
+        </p:style>
+        <p:txBody>
+          <a:bodyPr rtlCol="0" anchor="ctr"/>
+          <a:lstStyle/>
+          <a:p>
+            <a:pPr algn="ctr"/>
+            <a:r>
+              <a:rPr lang="zh-CN" altLang="en-US" sz="1200" dirty="0">
+                <a:solidFill>
+                  <a:schemeClr val="tx1"/>
+                </a:solidFill>
+              </a:rPr>
+              <a:t>执行模块</a:t>
+            </a:r>
+          </a:p>
+        </p:txBody>
+      </p:sp>
+      <p:sp>
+        <p:nvSpPr>
+          <p:cNvPr id="14" name="矩形 13">
+            <a:extLst>
+              <a:ext uri="{FF2B5EF4-FFF2-40B4-BE49-F238E27FC236}">
+                <a16:creationId xmlns:a16="http://schemas.microsoft.com/office/drawing/2014/main" id="{F14C82D4-3552-9B40-99B0-393C147CFD87}"/>
+              </a:ext>
+            </a:extLst>
+          </p:cNvPr>
+          <p:cNvSpPr/>
+          <p:nvPr/>
+        </p:nvSpPr>
+        <p:spPr>
+          <a:xfrm>
+            <a:off x="7409157" y="6359000"/>
+            <a:ext cx="988115" cy="253448"/>
+          </a:xfrm>
+          <a:prstGeom prst="rect">
+            <a:avLst/>
+          </a:prstGeom>
+          <a:solidFill>
+            <a:schemeClr val="tx1">
+              <a:lumMod val="50000"/>
+              <a:lumOff val="50000"/>
+            </a:schemeClr>
+          </a:solidFill>
+          <a:ln>
+            <a:noFill/>
+          </a:ln>
+          <a:effectLst>
+            <a:outerShdw blurRad="50800" dist="38100" dir="2700000" algn="tl" rotWithShape="0">
+              <a:prstClr val="black">
+                <a:alpha val="40000"/>
+              </a:prstClr>
+            </a:outerShdw>
+          </a:effectLst>
+        </p:spPr>
+        <p:style>
+          <a:lnRef idx="2">
+            <a:schemeClr val="accent1">
+              <a:shade val="50000"/>
+            </a:schemeClr>
+          </a:lnRef>
+          <a:fillRef idx="1">
+            <a:schemeClr val="accent1"/>
+          </a:fillRef>
+          <a:effectRef idx="0">
+            <a:schemeClr val="accent1"/>
+          </a:effectRef>
+          <a:fontRef idx="minor">
+            <a:schemeClr val="lt1"/>
+          </a:fontRef>
+        </p:style>
+        <p:txBody>
+          <a:bodyPr rtlCol="0" anchor="ctr"/>
+          <a:lstStyle/>
+          <a:p>
+            <a:pPr algn="ctr"/>
+            <a:r>
+              <a:rPr lang="zh-CN" altLang="en-US" sz="1200" dirty="0">
+                <a:solidFill>
+                  <a:schemeClr val="tx1"/>
+                </a:solidFill>
+              </a:rPr>
+              <a:t>存储模块</a:t>
+            </a:r>
+          </a:p>
+        </p:txBody>
+      </p:sp>
+      <p:cxnSp>
+        <p:nvCxnSpPr>
+          <p:cNvPr id="15" name="直接箭头连接符 16">
+            <a:extLst>
+              <a:ext uri="{FF2B5EF4-FFF2-40B4-BE49-F238E27FC236}">
+                <a16:creationId xmlns:a16="http://schemas.microsoft.com/office/drawing/2014/main" id="{D8D9BD17-D87C-8847-94F1-9A97A6E57B96}"/>
+              </a:ext>
+            </a:extLst>
+          </p:cNvPr>
+          <p:cNvCxnSpPr>
+            <a:cxnSpLocks/>
+          </p:cNvCxnSpPr>
+          <p:nvPr/>
+        </p:nvCxnSpPr>
+        <p:spPr>
+          <a:xfrm flipV="1">
+            <a:off x="4044786" y="1848744"/>
+            <a:ext cx="3773095" cy="28977"/>
+          </a:xfrm>
+          <a:prstGeom prst="straightConnector1">
+            <a:avLst/>
+          </a:prstGeom>
+          <a:ln>
+            <a:tailEnd type="triangle"/>
+          </a:ln>
+        </p:spPr>
+        <p:style>
+          <a:lnRef idx="1">
+            <a:schemeClr val="accent1"/>
+          </a:lnRef>
+          <a:fillRef idx="0">
+            <a:schemeClr val="accent1"/>
+          </a:fillRef>
+          <a:effectRef idx="0">
+            <a:schemeClr val="accent1"/>
+          </a:effectRef>
+          <a:fontRef idx="minor">
+            <a:schemeClr val="tx1"/>
+          </a:fontRef>
+        </p:style>
+      </p:cxnSp>
+      <p:sp>
+        <p:nvSpPr>
+          <p:cNvPr id="16" name="矩形 15">
+            <a:extLst>
+              <a:ext uri="{FF2B5EF4-FFF2-40B4-BE49-F238E27FC236}">
+                <a16:creationId xmlns:a16="http://schemas.microsoft.com/office/drawing/2014/main" id="{61B29210-DC81-6949-8B9A-EE2FE85DB76A}"/>
+              </a:ext>
+            </a:extLst>
+          </p:cNvPr>
+          <p:cNvSpPr/>
+          <p:nvPr/>
+        </p:nvSpPr>
+        <p:spPr>
+          <a:xfrm>
+            <a:off x="4034213" y="1588062"/>
+            <a:ext cx="2486244" cy="296779"/>
+          </a:xfrm>
+          <a:prstGeom prst="rect">
+            <a:avLst/>
+          </a:prstGeom>
+          <a:noFill/>
+          <a:ln>
+            <a:noFill/>
+          </a:ln>
+          <a:effectLst>
+            <a:outerShdw blurRad="50800" dist="38100" dir="2700000" algn="tl" rotWithShape="0">
+              <a:prstClr val="black">
+                <a:alpha val="40000"/>
+              </a:prstClr>
+            </a:outerShdw>
+          </a:effectLst>
+        </p:spPr>
+        <p:style>
+          <a:lnRef idx="2">
+            <a:schemeClr val="accent1">
+              <a:shade val="50000"/>
+            </a:schemeClr>
+          </a:lnRef>
+          <a:fillRef idx="1">
+            <a:schemeClr val="accent1"/>
+          </a:fillRef>
+          <a:effectRef idx="0">
+            <a:schemeClr val="accent1"/>
+          </a:effectRef>
+          <a:fontRef idx="minor">
+            <a:schemeClr val="lt1"/>
+          </a:fontRef>
+        </p:style>
+        <p:txBody>
+          <a:bodyPr rtlCol="0" anchor="ctr"/>
+          <a:lstStyle/>
+          <a:p>
+            <a:r>
+              <a:rPr lang="zh-CN" altLang="en-US" sz="1200" dirty="0">
+                <a:solidFill>
+                  <a:schemeClr val="tx1"/>
+                </a:solidFill>
+              </a:rPr>
+              <a:t>自动新增</a:t>
+            </a:r>
+            <a:r>
+              <a:rPr lang="en-US" altLang="zh-CN" sz="1200" dirty="0">
+                <a:solidFill>
+                  <a:schemeClr val="tx1"/>
+                </a:solidFill>
+              </a:rPr>
+              <a:t>hash</a:t>
+            </a:r>
+            <a:r>
+              <a:rPr lang="zh-CN" altLang="en-US" sz="1200" dirty="0">
+                <a:solidFill>
+                  <a:schemeClr val="tx1"/>
+                </a:solidFill>
+              </a:rPr>
+              <a:t>列，自动创建历史表</a:t>
+            </a:r>
+          </a:p>
+        </p:txBody>
+      </p:sp>
+      <p:graphicFrame>
+        <p:nvGraphicFramePr>
+          <p:cNvPr id="17" name="表格 28">
+            <a:extLst>
+              <a:ext uri="{FF2B5EF4-FFF2-40B4-BE49-F238E27FC236}">
+                <a16:creationId xmlns:a16="http://schemas.microsoft.com/office/drawing/2014/main" id="{2C953E7F-736E-2F45-B9AF-7E419DF7F6A7}"/>
+              </a:ext>
+            </a:extLst>
+          </p:cNvPr>
+          <p:cNvGraphicFramePr>
+            <a:graphicFrameLocks noGrp="1"/>
+          </p:cNvGraphicFramePr>
+          <p:nvPr>
+            <p:extLst>
+              <p:ext uri="{D42A27DB-BD31-4B8C-83A1-F6EECF244321}">
+                <p14:modId xmlns:p14="http://schemas.microsoft.com/office/powerpoint/2010/main" val="2088904800"/>
+              </p:ext>
+            </p:extLst>
+          </p:nvPr>
+        </p:nvGraphicFramePr>
+        <p:xfrm>
+          <a:off x="7984772" y="1551251"/>
+          <a:ext cx="1667595" cy="437760"/>
+        </p:xfrm>
+        <a:graphic>
+          <a:graphicData uri="http://schemas.openxmlformats.org/drawingml/2006/table">
+            <a:tbl>
+              <a:tblPr firstRow="1" bandRow="1">
+                <a:tableStyleId>{5940675A-B579-460E-94D1-54222C63F5DA}</a:tableStyleId>
+              </a:tblPr>
+              <a:tblGrid>
+                <a:gridCol w="521099">
+                  <a:extLst>
+                    <a:ext uri="{9D8B030D-6E8A-4147-A177-3AD203B41FA5}">
+                      <a16:colId xmlns:a16="http://schemas.microsoft.com/office/drawing/2014/main" val="729393436"/>
+                    </a:ext>
+                  </a:extLst>
+                </a:gridCol>
+                <a:gridCol w="417193">
+                  <a:extLst>
+                    <a:ext uri="{9D8B030D-6E8A-4147-A177-3AD203B41FA5}">
+                      <a16:colId xmlns:a16="http://schemas.microsoft.com/office/drawing/2014/main" val="3665419905"/>
+                    </a:ext>
+                  </a:extLst>
+                </a:gridCol>
+                <a:gridCol w="729303">
+                  <a:extLst>
+                    <a:ext uri="{9D8B030D-6E8A-4147-A177-3AD203B41FA5}">
+                      <a16:colId xmlns:a16="http://schemas.microsoft.com/office/drawing/2014/main" val="3985002405"/>
+                    </a:ext>
+                  </a:extLst>
+                </a:gridCol>
+              </a:tblGrid>
+              <a:tr h="0">
+                <a:tc>
+                  <a:txBody>
+                    <a:bodyPr/>
+                    <a:lstStyle/>
+                    <a:p>
+                      <a:pPr algn="ctr"/>
+                      <a:r>
+                        <a:rPr lang="en-US" altLang="zh-CN" sz="1200" b="1" dirty="0"/>
+                        <a:t>c1</a:t>
+                      </a:r>
+                      <a:endParaRPr lang="zh-CN" altLang="en-US" sz="1200" b="1" dirty="0"/>
+                    </a:p>
+                  </a:txBody>
+                  <a:tcPr marL="18000" marR="18000" marT="18000" marB="18000">
+                    <a:lnL w="12700" cap="flat" cmpd="sng" algn="ctr">
+                      <a:solidFill>
+                        <a:schemeClr val="accent1">
+                          <a:lumMod val="40000"/>
+                          <a:lumOff val="60000"/>
+                        </a:schemeClr>
+                      </a:solidFill>
+                      <a:prstDash val="solid"/>
+                      <a:round/>
+                      <a:headEnd type="none" w="med" len="med"/>
+                      <a:tailEnd type="none" w="med" len="med"/>
+                    </a:lnL>
+                    <a:lnR w="12700" cap="flat" cmpd="sng" algn="ctr">
+                      <a:solidFill>
+                        <a:schemeClr val="accent1">
+                          <a:lumMod val="40000"/>
+                          <a:lumOff val="60000"/>
+                        </a:schemeClr>
+                      </a:solidFill>
+                      <a:prstDash val="solid"/>
+                      <a:round/>
+                      <a:headEnd type="none" w="med" len="med"/>
+                      <a:tailEnd type="none" w="med" len="med"/>
+                    </a:lnR>
+                    <a:lnT w="12700" cap="flat" cmpd="sng" algn="ctr">
+                      <a:solidFill>
+                        <a:schemeClr val="accent1">
+                          <a:lumMod val="40000"/>
+                          <a:lumOff val="60000"/>
+                        </a:schemeClr>
+                      </a:solidFill>
+                      <a:prstDash val="solid"/>
+                      <a:round/>
+                      <a:headEnd type="none" w="med" len="med"/>
+                      <a:tailEnd type="none" w="med" len="med"/>
+                    </a:lnT>
+                    <a:lnB w="12700" cap="flat" cmpd="sng" algn="ctr">
+                      <a:solidFill>
+                        <a:schemeClr val="accent1">
+                          <a:lumMod val="40000"/>
+                          <a:lumOff val="60000"/>
+                        </a:schemeClr>
+                      </a:solidFill>
+                      <a:prstDash val="solid"/>
+                      <a:round/>
+                      <a:headEnd type="none" w="med" len="med"/>
+                      <a:tailEnd type="none" w="med" len="med"/>
+                    </a:lnB>
+                    <a:solidFill>
+                      <a:schemeClr val="bg1">
+                        <a:lumMod val="85000"/>
+                      </a:schemeClr>
+                    </a:solidFill>
+                  </a:tcPr>
+                </a:tc>
+                <a:tc>
+                  <a:txBody>
+                    <a:bodyPr/>
+                    <a:lstStyle/>
+                    <a:p>
+                      <a:pPr algn="ctr"/>
+                      <a:r>
+                        <a:rPr lang="en-US" altLang="zh-CN" sz="1200" b="1" dirty="0"/>
+                        <a:t>c2</a:t>
+                      </a:r>
+                      <a:endParaRPr lang="zh-CN" altLang="en-US" sz="1200" b="1" dirty="0"/>
+                    </a:p>
+                  </a:txBody>
+                  <a:tcPr marL="18000" marR="18000" marT="18000" marB="18000">
+                    <a:lnL w="12700" cap="flat" cmpd="sng" algn="ctr">
+                      <a:solidFill>
+                        <a:schemeClr val="accent1">
+                          <a:lumMod val="40000"/>
+                          <a:lumOff val="60000"/>
+                        </a:schemeClr>
+                      </a:solidFill>
+                      <a:prstDash val="solid"/>
+                      <a:round/>
+                      <a:headEnd type="none" w="med" len="med"/>
+                      <a:tailEnd type="none" w="med" len="med"/>
+                    </a:lnL>
+                    <a:lnR w="12700" cap="flat" cmpd="sng" algn="ctr">
+                      <a:solidFill>
+                        <a:schemeClr val="accent1">
+                          <a:lumMod val="40000"/>
+                          <a:lumOff val="60000"/>
+                        </a:schemeClr>
+                      </a:solidFill>
+                      <a:prstDash val="solid"/>
+                      <a:round/>
+                      <a:headEnd type="none" w="med" len="med"/>
+                      <a:tailEnd type="none" w="med" len="med"/>
+                    </a:lnR>
+                    <a:lnT w="12700" cap="flat" cmpd="sng" algn="ctr">
+                      <a:solidFill>
+                        <a:schemeClr val="accent1">
+                          <a:lumMod val="40000"/>
+                          <a:lumOff val="60000"/>
+                        </a:schemeClr>
+                      </a:solidFill>
+                      <a:prstDash val="solid"/>
+                      <a:round/>
+                      <a:headEnd type="none" w="med" len="med"/>
+                      <a:tailEnd type="none" w="med" len="med"/>
+                    </a:lnT>
+                    <a:lnB w="12700" cap="flat" cmpd="sng" algn="ctr">
+                      <a:solidFill>
+                        <a:schemeClr val="accent1">
+                          <a:lumMod val="40000"/>
+                          <a:lumOff val="60000"/>
+                        </a:schemeClr>
+                      </a:solidFill>
+                      <a:prstDash val="solid"/>
+                      <a:round/>
+                      <a:headEnd type="none" w="med" len="med"/>
+                      <a:tailEnd type="none" w="med" len="med"/>
+                    </a:lnB>
+                    <a:solidFill>
+                      <a:schemeClr val="bg1">
+                        <a:lumMod val="85000"/>
+                      </a:schemeClr>
+                    </a:solidFill>
+                  </a:tcPr>
+                </a:tc>
+                <a:tc>
+                  <a:txBody>
+                    <a:bodyPr/>
+                    <a:lstStyle/>
+                    <a:p>
+                      <a:pPr algn="ctr"/>
+                      <a:r>
+                        <a:rPr lang="en-US" altLang="zh-CN" sz="1200" b="1" dirty="0"/>
+                        <a:t>row_hash</a:t>
+                      </a:r>
+                      <a:endParaRPr lang="zh-CN" altLang="en-US" sz="1200" b="1" dirty="0"/>
+                    </a:p>
+                  </a:txBody>
+                  <a:tcPr marL="18000" marR="18000" marT="18000" marB="18000">
+                    <a:lnL w="12700" cap="flat" cmpd="sng" algn="ctr">
+                      <a:solidFill>
+                        <a:schemeClr val="accent1">
+                          <a:lumMod val="40000"/>
+                          <a:lumOff val="60000"/>
+                        </a:schemeClr>
+                      </a:solidFill>
+                      <a:prstDash val="solid"/>
+                      <a:round/>
+                      <a:headEnd type="none" w="med" len="med"/>
+                      <a:tailEnd type="none" w="med" len="med"/>
+                    </a:lnL>
+                    <a:lnR w="12700" cap="flat" cmpd="sng" algn="ctr">
+                      <a:solidFill>
+                        <a:schemeClr val="accent1">
+                          <a:lumMod val="40000"/>
+                          <a:lumOff val="60000"/>
+                        </a:schemeClr>
+                      </a:solidFill>
+                      <a:prstDash val="solid"/>
+                      <a:round/>
+                      <a:headEnd type="none" w="med" len="med"/>
+                      <a:tailEnd type="none" w="med" len="med"/>
+                    </a:lnR>
+                    <a:lnT w="12700" cap="flat" cmpd="sng" algn="ctr">
+                      <a:solidFill>
+                        <a:schemeClr val="accent1">
+                          <a:lumMod val="40000"/>
+                          <a:lumOff val="60000"/>
+                        </a:schemeClr>
+                      </a:solidFill>
+                      <a:prstDash val="solid"/>
+                      <a:round/>
+                      <a:headEnd type="none" w="med" len="med"/>
+                      <a:tailEnd type="none" w="med" len="med"/>
+                    </a:lnT>
+                    <a:lnB w="12700" cap="flat" cmpd="sng" algn="ctr">
+                      <a:solidFill>
+                        <a:schemeClr val="accent1">
+                          <a:lumMod val="40000"/>
+                          <a:lumOff val="60000"/>
+                        </a:schemeClr>
+                      </a:solidFill>
+                      <a:prstDash val="solid"/>
+                      <a:round/>
+                      <a:headEnd type="none" w="med" len="med"/>
+                      <a:tailEnd type="none" w="med" len="med"/>
+                    </a:lnB>
+                    <a:solidFill>
+                      <a:schemeClr val="bg1">
+                        <a:lumMod val="85000"/>
+                      </a:schemeClr>
+                    </a:solidFill>
+                  </a:tcPr>
+                </a:tc>
+                <a:extLst>
+                  <a:ext uri="{0D108BD9-81ED-4DB2-BD59-A6C34878D82A}">
+                    <a16:rowId xmlns:a16="http://schemas.microsoft.com/office/drawing/2014/main" val="1124864837"/>
+                  </a:ext>
+                </a:extLst>
+              </a:tr>
+              <a:tr h="0">
+                <a:tc>
+                  <a:txBody>
+                    <a:bodyPr/>
+                    <a:lstStyle/>
+                    <a:p>
+                      <a:endParaRPr lang="zh-CN" altLang="en-US" sz="1200" dirty="0">
+                        <a:solidFill>
+                          <a:srgbClr val="00B050"/>
+                        </a:solidFill>
+                      </a:endParaRPr>
+                    </a:p>
+                  </a:txBody>
+                  <a:tcPr marL="18000" marR="18000" marT="18000" marB="18000">
+                    <a:lnL w="12700" cap="flat" cmpd="sng" algn="ctr">
+                      <a:solidFill>
+                        <a:schemeClr val="accent1">
+                          <a:lumMod val="40000"/>
+                          <a:lumOff val="60000"/>
+                        </a:schemeClr>
+                      </a:solidFill>
+                      <a:prstDash val="solid"/>
+                      <a:round/>
+                      <a:headEnd type="none" w="med" len="med"/>
+                      <a:tailEnd type="none" w="med" len="med"/>
+                    </a:lnL>
+                    <a:lnR w="12700" cap="flat" cmpd="sng" algn="ctr">
+                      <a:solidFill>
+                        <a:schemeClr val="accent1">
+                          <a:lumMod val="40000"/>
+                          <a:lumOff val="60000"/>
+                        </a:schemeClr>
+                      </a:solidFill>
+                      <a:prstDash val="solid"/>
+                      <a:round/>
+                      <a:headEnd type="none" w="med" len="med"/>
+                      <a:tailEnd type="none" w="med" len="med"/>
+                    </a:lnR>
+                    <a:lnT w="12700" cap="flat" cmpd="sng" algn="ctr">
+                      <a:solidFill>
+                        <a:schemeClr val="accent1">
+                          <a:lumMod val="40000"/>
+                          <a:lumOff val="60000"/>
+                        </a:schemeClr>
+                      </a:solidFill>
+                      <a:prstDash val="solid"/>
+                      <a:round/>
+                      <a:headEnd type="none" w="med" len="med"/>
+                      <a:tailEnd type="none" w="med" len="med"/>
+                    </a:lnT>
+                    <a:lnB w="12700" cap="flat" cmpd="sng" algn="ctr">
+                      <a:solidFill>
+                        <a:schemeClr val="accent1">
+                          <a:lumMod val="40000"/>
+                          <a:lumOff val="60000"/>
+                        </a:schemeClr>
+                      </a:solidFill>
+                      <a:prstDash val="solid"/>
+                      <a:round/>
+                      <a:headEnd type="none" w="med" len="med"/>
+                      <a:tailEnd type="none" w="med" len="med"/>
+                    </a:lnB>
+                  </a:tcPr>
+                </a:tc>
+                <a:tc>
+                  <a:txBody>
+                    <a:bodyPr/>
+                    <a:lstStyle/>
+                    <a:p>
+                      <a:pPr marL="0" marR="0" lvl="0" indent="0" algn="l" defTabSz="914400" rtl="0" eaLnBrk="1" fontAlgn="auto" latinLnBrk="0" hangingPunct="1">
+                        <a:lnSpc>
+                          <a:spcPct val="100000"/>
+                        </a:lnSpc>
+                        <a:spcBef>
+                          <a:spcPts val="0"/>
+                        </a:spcBef>
+                        <a:spcAft>
+                          <a:spcPts val="0"/>
+                        </a:spcAft>
+                        <a:buClrTx/>
+                        <a:buSzTx/>
+                        <a:buFontTx/>
+                        <a:buNone/>
+                        <a:tabLst/>
+                        <a:defRPr/>
+                      </a:pPr>
+                      <a:endParaRPr lang="zh-CN" altLang="en-US" sz="1200" dirty="0">
+                        <a:solidFill>
+                          <a:srgbClr val="00B050"/>
+                        </a:solidFill>
+                      </a:endParaRPr>
+                    </a:p>
+                  </a:txBody>
+                  <a:tcPr marL="18000" marR="18000" marT="18000" marB="18000">
+                    <a:lnL w="12700" cap="flat" cmpd="sng" algn="ctr">
+                      <a:solidFill>
+                        <a:schemeClr val="accent1">
+                          <a:lumMod val="40000"/>
+                          <a:lumOff val="60000"/>
+                        </a:schemeClr>
+                      </a:solidFill>
+                      <a:prstDash val="solid"/>
+                      <a:round/>
+                      <a:headEnd type="none" w="med" len="med"/>
+                      <a:tailEnd type="none" w="med" len="med"/>
+                    </a:lnL>
+                    <a:lnR w="12700" cap="flat" cmpd="sng" algn="ctr">
+                      <a:solidFill>
+                        <a:schemeClr val="accent1">
+                          <a:lumMod val="40000"/>
+                          <a:lumOff val="60000"/>
+                        </a:schemeClr>
+                      </a:solidFill>
+                      <a:prstDash val="solid"/>
+                      <a:round/>
+                      <a:headEnd type="none" w="med" len="med"/>
+                      <a:tailEnd type="none" w="med" len="med"/>
+                    </a:lnR>
+                    <a:lnT w="12700" cap="flat" cmpd="sng" algn="ctr">
+                      <a:solidFill>
+                        <a:schemeClr val="accent1">
+                          <a:lumMod val="40000"/>
+                          <a:lumOff val="60000"/>
+                        </a:schemeClr>
+                      </a:solidFill>
+                      <a:prstDash val="solid"/>
+                      <a:round/>
+                      <a:headEnd type="none" w="med" len="med"/>
+                      <a:tailEnd type="none" w="med" len="med"/>
+                    </a:lnT>
+                    <a:lnB w="12700" cap="flat" cmpd="sng" algn="ctr">
+                      <a:solidFill>
+                        <a:schemeClr val="accent1">
+                          <a:lumMod val="40000"/>
+                          <a:lumOff val="60000"/>
+                        </a:schemeClr>
+                      </a:solidFill>
+                      <a:prstDash val="solid"/>
+                      <a:round/>
+                      <a:headEnd type="none" w="med" len="med"/>
+                      <a:tailEnd type="none" w="med" len="med"/>
+                    </a:lnB>
+                  </a:tcPr>
+                </a:tc>
+                <a:tc>
+                  <a:txBody>
+                    <a:bodyPr/>
+                    <a:lstStyle/>
+                    <a:p>
+                      <a:pPr marL="0" marR="0" lvl="0" indent="0" algn="l" defTabSz="914400" rtl="0" eaLnBrk="1" fontAlgn="auto" latinLnBrk="0" hangingPunct="1">
+                        <a:lnSpc>
+                          <a:spcPct val="100000"/>
+                        </a:lnSpc>
+                        <a:spcBef>
+                          <a:spcPts val="0"/>
+                        </a:spcBef>
+                        <a:spcAft>
+                          <a:spcPts val="0"/>
+                        </a:spcAft>
+                        <a:buClrTx/>
+                        <a:buSzTx/>
+                        <a:buFontTx/>
+                        <a:buNone/>
+                        <a:tabLst/>
+                        <a:defRPr/>
+                      </a:pPr>
+                      <a:endParaRPr lang="zh-CN" altLang="en-US" sz="1200" dirty="0">
+                        <a:solidFill>
+                          <a:srgbClr val="00B050"/>
+                        </a:solidFill>
+                      </a:endParaRPr>
+                    </a:p>
+                  </a:txBody>
+                  <a:tcPr marL="18000" marR="18000" marT="18000" marB="18000">
+                    <a:lnL w="12700" cap="flat" cmpd="sng" algn="ctr">
+                      <a:solidFill>
+                        <a:schemeClr val="accent1">
+                          <a:lumMod val="40000"/>
+                          <a:lumOff val="60000"/>
+                        </a:schemeClr>
+                      </a:solidFill>
+                      <a:prstDash val="solid"/>
+                      <a:round/>
+                      <a:headEnd type="none" w="med" len="med"/>
+                      <a:tailEnd type="none" w="med" len="med"/>
+                    </a:lnL>
+                    <a:lnR w="12700" cap="flat" cmpd="sng" algn="ctr">
+                      <a:solidFill>
+                        <a:schemeClr val="accent1">
+                          <a:lumMod val="40000"/>
+                          <a:lumOff val="60000"/>
+                        </a:schemeClr>
+                      </a:solidFill>
+                      <a:prstDash val="solid"/>
+                      <a:round/>
+                      <a:headEnd type="none" w="med" len="med"/>
+                      <a:tailEnd type="none" w="med" len="med"/>
+                    </a:lnR>
+                    <a:lnT w="12700" cap="flat" cmpd="sng" algn="ctr">
+                      <a:solidFill>
+                        <a:schemeClr val="accent1">
+                          <a:lumMod val="40000"/>
+                          <a:lumOff val="60000"/>
+                        </a:schemeClr>
+                      </a:solidFill>
+                      <a:prstDash val="solid"/>
+                      <a:round/>
+                      <a:headEnd type="none" w="med" len="med"/>
+                      <a:tailEnd type="none" w="med" len="med"/>
+                    </a:lnT>
+                    <a:lnB w="12700" cap="flat" cmpd="sng" algn="ctr">
+                      <a:solidFill>
+                        <a:schemeClr val="accent1">
+                          <a:lumMod val="40000"/>
+                          <a:lumOff val="60000"/>
+                        </a:schemeClr>
+                      </a:solidFill>
+                      <a:prstDash val="solid"/>
+                      <a:round/>
+                      <a:headEnd type="none" w="med" len="med"/>
+                      <a:tailEnd type="none" w="med" len="med"/>
+                    </a:lnB>
+                  </a:tcPr>
+                </a:tc>
+                <a:extLst>
+                  <a:ext uri="{0D108BD9-81ED-4DB2-BD59-A6C34878D82A}">
+                    <a16:rowId xmlns:a16="http://schemas.microsoft.com/office/drawing/2014/main" val="3791216137"/>
+                  </a:ext>
+                </a:extLst>
+              </a:tr>
+            </a:tbl>
+          </a:graphicData>
+        </a:graphic>
+      </p:graphicFrame>
+      <p:cxnSp>
+        <p:nvCxnSpPr>
+          <p:cNvPr id="22" name="直接箭头连接符 42">
+            <a:extLst>
+              <a:ext uri="{FF2B5EF4-FFF2-40B4-BE49-F238E27FC236}">
+                <a16:creationId xmlns:a16="http://schemas.microsoft.com/office/drawing/2014/main" id="{023CC5FD-2709-0049-A322-02833013986B}"/>
+              </a:ext>
+            </a:extLst>
+          </p:cNvPr>
+          <p:cNvCxnSpPr>
+            <a:cxnSpLocks/>
+          </p:cNvCxnSpPr>
+          <p:nvPr/>
+        </p:nvCxnSpPr>
+        <p:spPr>
+          <a:xfrm>
+            <a:off x="1468920" y="3626615"/>
+            <a:ext cx="2575866" cy="0"/>
+          </a:xfrm>
+          <a:prstGeom prst="straightConnector1">
+            <a:avLst/>
+          </a:prstGeom>
+          <a:ln>
+            <a:tailEnd type="triangle"/>
+          </a:ln>
+        </p:spPr>
+        <p:style>
+          <a:lnRef idx="1">
+            <a:schemeClr val="accent1"/>
+          </a:lnRef>
+          <a:fillRef idx="0">
+            <a:schemeClr val="accent1"/>
+          </a:fillRef>
+          <a:effectRef idx="0">
+            <a:schemeClr val="accent1"/>
+          </a:effectRef>
+          <a:fontRef idx="minor">
+            <a:schemeClr val="tx1"/>
+          </a:fontRef>
+        </p:style>
+      </p:cxnSp>
+      <p:cxnSp>
+        <p:nvCxnSpPr>
+          <p:cNvPr id="23" name="直接箭头连接符 43">
+            <a:extLst>
+              <a:ext uri="{FF2B5EF4-FFF2-40B4-BE49-F238E27FC236}">
+                <a16:creationId xmlns:a16="http://schemas.microsoft.com/office/drawing/2014/main" id="{B1241364-85D9-3146-A6E8-6985884447FE}"/>
+              </a:ext>
+            </a:extLst>
+          </p:cNvPr>
+          <p:cNvCxnSpPr>
+            <a:cxnSpLocks/>
+          </p:cNvCxnSpPr>
+          <p:nvPr/>
+        </p:nvCxnSpPr>
+        <p:spPr>
+          <a:xfrm>
+            <a:off x="1468920" y="2488489"/>
+            <a:ext cx="2565293" cy="0"/>
+          </a:xfrm>
+          <a:prstGeom prst="straightConnector1">
+            <a:avLst/>
+          </a:prstGeom>
+          <a:ln>
+            <a:tailEnd type="triangle"/>
+          </a:ln>
+        </p:spPr>
+        <p:style>
+          <a:lnRef idx="1">
+            <a:schemeClr val="accent1"/>
+          </a:lnRef>
+          <a:fillRef idx="0">
+            <a:schemeClr val="accent1"/>
+          </a:fillRef>
+          <a:effectRef idx="0">
+            <a:schemeClr val="accent1"/>
+          </a:effectRef>
+          <a:fontRef idx="minor">
+            <a:schemeClr val="tx1"/>
+          </a:fontRef>
+        </p:style>
+      </p:cxnSp>
+      <p:cxnSp>
+        <p:nvCxnSpPr>
+          <p:cNvPr id="25" name="直接箭头连接符 47">
+            <a:extLst>
+              <a:ext uri="{FF2B5EF4-FFF2-40B4-BE49-F238E27FC236}">
+                <a16:creationId xmlns:a16="http://schemas.microsoft.com/office/drawing/2014/main" id="{161EC10B-33AC-C042-B833-597E4FECB275}"/>
+              </a:ext>
+            </a:extLst>
+          </p:cNvPr>
+          <p:cNvCxnSpPr>
+            <a:cxnSpLocks/>
+          </p:cNvCxnSpPr>
+          <p:nvPr/>
+        </p:nvCxnSpPr>
+        <p:spPr>
+          <a:xfrm flipV="1">
+            <a:off x="4068588" y="2764660"/>
+            <a:ext cx="3777116" cy="26559"/>
+          </a:xfrm>
+          <a:prstGeom prst="straightConnector1">
+            <a:avLst/>
+          </a:prstGeom>
+          <a:ln>
+            <a:tailEnd type="triangle"/>
+          </a:ln>
+        </p:spPr>
+        <p:style>
+          <a:lnRef idx="1">
+            <a:schemeClr val="accent1"/>
+          </a:lnRef>
+          <a:fillRef idx="0">
+            <a:schemeClr val="accent1"/>
+          </a:fillRef>
+          <a:effectRef idx="0">
+            <a:schemeClr val="accent1"/>
+          </a:effectRef>
+          <a:fontRef idx="minor">
+            <a:schemeClr val="tx1"/>
+          </a:fontRef>
+        </p:style>
+      </p:cxnSp>
+      <p:sp>
+        <p:nvSpPr>
+          <p:cNvPr id="26" name="矩形 25">
+            <a:extLst>
+              <a:ext uri="{FF2B5EF4-FFF2-40B4-BE49-F238E27FC236}">
+                <a16:creationId xmlns:a16="http://schemas.microsoft.com/office/drawing/2014/main" id="{97DB39BF-C3C7-9041-BEEC-FCA4DE3C3E1E}"/>
+              </a:ext>
+            </a:extLst>
+          </p:cNvPr>
+          <p:cNvSpPr/>
+          <p:nvPr/>
+        </p:nvSpPr>
+        <p:spPr>
+          <a:xfrm>
+            <a:off x="4068588" y="2475257"/>
+            <a:ext cx="2922107" cy="319361"/>
+          </a:xfrm>
+          <a:prstGeom prst="rect">
+            <a:avLst/>
+          </a:prstGeom>
+          <a:noFill/>
+          <a:ln>
+            <a:noFill/>
+          </a:ln>
+          <a:effectLst>
+            <a:outerShdw blurRad="50800" dist="38100" dir="2700000" algn="tl" rotWithShape="0">
+              <a:prstClr val="black">
+                <a:alpha val="40000"/>
+              </a:prstClr>
+            </a:outerShdw>
+          </a:effectLst>
+        </p:spPr>
+        <p:style>
+          <a:lnRef idx="2">
+            <a:schemeClr val="accent1">
+              <a:shade val="50000"/>
+            </a:schemeClr>
+          </a:lnRef>
+          <a:fillRef idx="1">
+            <a:schemeClr val="accent1"/>
+          </a:fillRef>
+          <a:effectRef idx="0">
+            <a:schemeClr val="accent1"/>
+          </a:effectRef>
+          <a:fontRef idx="minor">
+            <a:schemeClr val="lt1"/>
+          </a:fontRef>
+        </p:style>
+        <p:txBody>
+          <a:bodyPr rtlCol="0" anchor="ctr"/>
+          <a:lstStyle/>
+          <a:p>
+            <a:r>
+              <a:rPr lang="zh-CN" altLang="en-US" sz="1200" dirty="0">
+                <a:solidFill>
+                  <a:schemeClr val="tx1"/>
+                </a:solidFill>
+              </a:rPr>
+              <a:t>存储数据，生成</a:t>
+            </a:r>
+            <a:r>
+              <a:rPr lang="en-US" altLang="zh-CN" sz="1200" dirty="0">
+                <a:solidFill>
+                  <a:schemeClr val="tx1"/>
+                </a:solidFill>
+              </a:rPr>
+              <a:t>row_hash</a:t>
+            </a:r>
+            <a:r>
+              <a:rPr lang="zh-CN" altLang="en-US" sz="1200" dirty="0">
+                <a:solidFill>
+                  <a:schemeClr val="tx1"/>
+                </a:solidFill>
+              </a:rPr>
+              <a:t>，生成</a:t>
+            </a:r>
+            <a:r>
+              <a:rPr lang="en-US" altLang="zh-CN" sz="1200" dirty="0">
+                <a:solidFill>
+                  <a:schemeClr val="tx1"/>
+                </a:solidFill>
+              </a:rPr>
+              <a:t>ins_hash</a:t>
+            </a:r>
+            <a:endParaRPr lang="zh-CN" altLang="en-US" sz="1200" dirty="0">
+              <a:solidFill>
+                <a:schemeClr val="tx1"/>
+              </a:solidFill>
+            </a:endParaRPr>
+          </a:p>
+        </p:txBody>
+      </p:sp>
+      <p:sp>
+        <p:nvSpPr>
+          <p:cNvPr id="38" name="矩形 37">
+            <a:extLst>
+              <a:ext uri="{FF2B5EF4-FFF2-40B4-BE49-F238E27FC236}">
+                <a16:creationId xmlns:a16="http://schemas.microsoft.com/office/drawing/2014/main" id="{A2962AAD-5529-FB42-AE2D-7CC0B43C8B4E}"/>
+              </a:ext>
+            </a:extLst>
+          </p:cNvPr>
+          <p:cNvSpPr/>
+          <p:nvPr/>
+        </p:nvSpPr>
+        <p:spPr>
+          <a:xfrm>
+            <a:off x="7903215" y="1261506"/>
+            <a:ext cx="948915" cy="253448"/>
+          </a:xfrm>
+          <a:prstGeom prst="rect">
+            <a:avLst/>
+          </a:prstGeom>
+          <a:noFill/>
+          <a:ln>
+            <a:noFill/>
+          </a:ln>
+          <a:effectLst>
+            <a:outerShdw blurRad="50800" dist="38100" dir="2700000" algn="tl" rotWithShape="0">
+              <a:prstClr val="black">
+                <a:alpha val="40000"/>
+              </a:prstClr>
+            </a:outerShdw>
+          </a:effectLst>
+        </p:spPr>
+        <p:style>
+          <a:lnRef idx="2">
+            <a:schemeClr val="accent1">
+              <a:shade val="50000"/>
+            </a:schemeClr>
+          </a:lnRef>
+          <a:fillRef idx="1">
+            <a:schemeClr val="accent1"/>
+          </a:fillRef>
+          <a:effectRef idx="0">
+            <a:schemeClr val="accent1"/>
+          </a:effectRef>
+          <a:fontRef idx="minor">
+            <a:schemeClr val="lt1"/>
+          </a:fontRef>
+        </p:style>
+        <p:txBody>
+          <a:bodyPr rtlCol="0" anchor="ctr"/>
+          <a:lstStyle/>
+          <a:p>
+            <a:r>
+              <a:rPr lang="zh-CN" altLang="en-US" sz="1200" dirty="0">
+                <a:solidFill>
+                  <a:schemeClr val="tx1"/>
+                </a:solidFill>
+              </a:rPr>
+              <a:t>用户表 </a:t>
+            </a:r>
+            <a:r>
+              <a:rPr lang="en-US" altLang="zh-CN" sz="1200" dirty="0">
+                <a:solidFill>
+                  <a:schemeClr val="tx1"/>
+                </a:solidFill>
+              </a:rPr>
+              <a:t>t1</a:t>
+            </a:r>
+            <a:endParaRPr lang="zh-CN" altLang="en-US" sz="1200" dirty="0">
+              <a:solidFill>
+                <a:schemeClr val="tx1"/>
+              </a:solidFill>
+            </a:endParaRPr>
+          </a:p>
+        </p:txBody>
+      </p:sp>
+      <p:sp>
+        <p:nvSpPr>
+          <p:cNvPr id="42" name="矩形 41">
+            <a:extLst>
+              <a:ext uri="{FF2B5EF4-FFF2-40B4-BE49-F238E27FC236}">
+                <a16:creationId xmlns:a16="http://schemas.microsoft.com/office/drawing/2014/main" id="{A9225D81-1E8F-5344-9472-B5971D0E1BC9}"/>
+              </a:ext>
+            </a:extLst>
+          </p:cNvPr>
+          <p:cNvSpPr/>
+          <p:nvPr/>
+        </p:nvSpPr>
+        <p:spPr>
+          <a:xfrm>
+            <a:off x="9762060" y="1261506"/>
+            <a:ext cx="1240258" cy="253448"/>
+          </a:xfrm>
+          <a:prstGeom prst="rect">
+            <a:avLst/>
+          </a:prstGeom>
+          <a:noFill/>
+          <a:ln>
+            <a:noFill/>
+          </a:ln>
+          <a:effectLst>
+            <a:outerShdw blurRad="50800" dist="38100" dir="2700000" algn="tl" rotWithShape="0">
+              <a:prstClr val="black">
+                <a:alpha val="40000"/>
+              </a:prstClr>
+            </a:outerShdw>
+          </a:effectLst>
+        </p:spPr>
+        <p:style>
+          <a:lnRef idx="2">
+            <a:schemeClr val="accent1">
+              <a:shade val="50000"/>
+            </a:schemeClr>
+          </a:lnRef>
+          <a:fillRef idx="1">
+            <a:schemeClr val="accent1"/>
+          </a:fillRef>
+          <a:effectRef idx="0">
+            <a:schemeClr val="accent1"/>
+          </a:effectRef>
+          <a:fontRef idx="minor">
+            <a:schemeClr val="lt1"/>
+          </a:fontRef>
+        </p:style>
+        <p:txBody>
+          <a:bodyPr rtlCol="0" anchor="ctr"/>
+          <a:lstStyle/>
+          <a:p>
+            <a:r>
+              <a:rPr lang="zh-CN" altLang="en-US" sz="1200" dirty="0">
+                <a:solidFill>
+                  <a:schemeClr val="tx1"/>
+                </a:solidFill>
+              </a:rPr>
+              <a:t>历史表 </a:t>
+            </a:r>
+            <a:r>
+              <a:rPr lang="en-US" altLang="zh-CN" sz="1200" dirty="0">
+                <a:solidFill>
+                  <a:schemeClr val="tx1"/>
+                </a:solidFill>
+              </a:rPr>
+              <a:t>t1_hist</a:t>
+            </a:r>
+            <a:endParaRPr lang="zh-CN" altLang="en-US" sz="1200" dirty="0">
+              <a:solidFill>
+                <a:schemeClr val="tx1"/>
+              </a:solidFill>
+            </a:endParaRPr>
+          </a:p>
+        </p:txBody>
+      </p:sp>
+      <p:graphicFrame>
+        <p:nvGraphicFramePr>
+          <p:cNvPr id="43" name="表格 28">
+            <a:extLst>
+              <a:ext uri="{FF2B5EF4-FFF2-40B4-BE49-F238E27FC236}">
+                <a16:creationId xmlns:a16="http://schemas.microsoft.com/office/drawing/2014/main" id="{2A163947-ACDB-674F-8324-43D3F4FB98E0}"/>
+              </a:ext>
+            </a:extLst>
+          </p:cNvPr>
+          <p:cNvGraphicFramePr>
+            <a:graphicFrameLocks noGrp="1"/>
+          </p:cNvGraphicFramePr>
+          <p:nvPr>
+            <p:extLst>
+              <p:ext uri="{D42A27DB-BD31-4B8C-83A1-F6EECF244321}">
+                <p14:modId xmlns:p14="http://schemas.microsoft.com/office/powerpoint/2010/main" val="2488501303"/>
+              </p:ext>
+            </p:extLst>
+          </p:nvPr>
+        </p:nvGraphicFramePr>
+        <p:xfrm>
+          <a:off x="9798814" y="1545907"/>
+          <a:ext cx="2112462" cy="437760"/>
+        </p:xfrm>
+        <a:graphic>
+          <a:graphicData uri="http://schemas.openxmlformats.org/drawingml/2006/table">
+            <a:tbl>
+              <a:tblPr firstRow="1" bandRow="1">
+                <a:tableStyleId>{5940675A-B579-460E-94D1-54222C63F5DA}</a:tableStyleId>
+              </a:tblPr>
+              <a:tblGrid>
+                <a:gridCol w="720113">
+                  <a:extLst>
+                    <a:ext uri="{9D8B030D-6E8A-4147-A177-3AD203B41FA5}">
+                      <a16:colId xmlns:a16="http://schemas.microsoft.com/office/drawing/2014/main" val="729393436"/>
+                    </a:ext>
+                  </a:extLst>
+                </a:gridCol>
+                <a:gridCol w="721038">
+                  <a:extLst>
+                    <a:ext uri="{9D8B030D-6E8A-4147-A177-3AD203B41FA5}">
+                      <a16:colId xmlns:a16="http://schemas.microsoft.com/office/drawing/2014/main" val="3665419905"/>
+                    </a:ext>
+                  </a:extLst>
+                </a:gridCol>
+                <a:gridCol w="671311">
+                  <a:extLst>
+                    <a:ext uri="{9D8B030D-6E8A-4147-A177-3AD203B41FA5}">
+                      <a16:colId xmlns:a16="http://schemas.microsoft.com/office/drawing/2014/main" val="3985002405"/>
+                    </a:ext>
+                  </a:extLst>
+                </a:gridCol>
+              </a:tblGrid>
+              <a:tr h="0">
+                <a:tc>
+                  <a:txBody>
+                    <a:bodyPr/>
+                    <a:lstStyle/>
+                    <a:p>
+                      <a:pPr algn="ctr"/>
+                      <a:r>
+                        <a:rPr lang="en-US" altLang="zh-CN" sz="1200" b="1" dirty="0"/>
+                        <a:t>ins_hash</a:t>
+                      </a:r>
+                      <a:endParaRPr lang="zh-CN" altLang="en-US" sz="1200" b="1" dirty="0"/>
+                    </a:p>
+                  </a:txBody>
+                  <a:tcPr marL="18000" marR="18000" marT="18000" marB="18000">
+                    <a:lnL w="12700" cap="flat" cmpd="sng" algn="ctr">
+                      <a:solidFill>
+                        <a:schemeClr val="accent1">
+                          <a:lumMod val="40000"/>
+                          <a:lumOff val="60000"/>
+                        </a:schemeClr>
+                      </a:solidFill>
+                      <a:prstDash val="solid"/>
+                      <a:round/>
+                      <a:headEnd type="none" w="med" len="med"/>
+                      <a:tailEnd type="none" w="med" len="med"/>
+                    </a:lnL>
+                    <a:lnR w="12700" cap="flat" cmpd="sng" algn="ctr">
+                      <a:solidFill>
+                        <a:schemeClr val="accent1">
+                          <a:lumMod val="40000"/>
+                          <a:lumOff val="60000"/>
+                        </a:schemeClr>
+                      </a:solidFill>
+                      <a:prstDash val="solid"/>
+                      <a:round/>
+                      <a:headEnd type="none" w="med" len="med"/>
+                      <a:tailEnd type="none" w="med" len="med"/>
+                    </a:lnR>
+                    <a:lnT w="12700" cap="flat" cmpd="sng" algn="ctr">
+                      <a:solidFill>
+                        <a:schemeClr val="accent1">
+                          <a:lumMod val="40000"/>
+                          <a:lumOff val="60000"/>
+                        </a:schemeClr>
+                      </a:solidFill>
+                      <a:prstDash val="solid"/>
+                      <a:round/>
+                      <a:headEnd type="none" w="med" len="med"/>
+                      <a:tailEnd type="none" w="med" len="med"/>
+                    </a:lnT>
+                    <a:lnB w="12700" cap="flat" cmpd="sng" algn="ctr">
+                      <a:solidFill>
+                        <a:schemeClr val="accent1">
+                          <a:lumMod val="40000"/>
+                          <a:lumOff val="60000"/>
+                        </a:schemeClr>
+                      </a:solidFill>
+                      <a:prstDash val="solid"/>
+                      <a:round/>
+                      <a:headEnd type="none" w="med" len="med"/>
+                      <a:tailEnd type="none" w="med" len="med"/>
+                    </a:lnB>
+                    <a:solidFill>
+                      <a:schemeClr val="bg1">
+                        <a:lumMod val="85000"/>
+                      </a:schemeClr>
+                    </a:solidFill>
+                  </a:tcPr>
+                </a:tc>
+                <a:tc>
+                  <a:txBody>
+                    <a:bodyPr/>
+                    <a:lstStyle/>
+                    <a:p>
+                      <a:pPr algn="ctr"/>
+                      <a:r>
+                        <a:rPr lang="en-US" altLang="zh-CN" sz="1200" b="1" dirty="0"/>
+                        <a:t>del_hash</a:t>
+                      </a:r>
+                      <a:endParaRPr lang="zh-CN" altLang="en-US" sz="1200" b="1" dirty="0"/>
+                    </a:p>
+                  </a:txBody>
+                  <a:tcPr marL="18000" marR="18000" marT="18000" marB="18000">
+                    <a:lnL w="12700" cap="flat" cmpd="sng" algn="ctr">
+                      <a:solidFill>
+                        <a:schemeClr val="accent1">
+                          <a:lumMod val="40000"/>
+                          <a:lumOff val="60000"/>
+                        </a:schemeClr>
+                      </a:solidFill>
+                      <a:prstDash val="solid"/>
+                      <a:round/>
+                      <a:headEnd type="none" w="med" len="med"/>
+                      <a:tailEnd type="none" w="med" len="med"/>
+                    </a:lnL>
+                    <a:lnR w="12700" cap="flat" cmpd="sng" algn="ctr">
+                      <a:solidFill>
+                        <a:schemeClr val="accent1">
+                          <a:lumMod val="40000"/>
+                          <a:lumOff val="60000"/>
+                        </a:schemeClr>
+                      </a:solidFill>
+                      <a:prstDash val="solid"/>
+                      <a:round/>
+                      <a:headEnd type="none" w="med" len="med"/>
+                      <a:tailEnd type="none" w="med" len="med"/>
+                    </a:lnR>
+                    <a:lnT w="12700" cap="flat" cmpd="sng" algn="ctr">
+                      <a:solidFill>
+                        <a:schemeClr val="accent1">
+                          <a:lumMod val="40000"/>
+                          <a:lumOff val="60000"/>
+                        </a:schemeClr>
+                      </a:solidFill>
+                      <a:prstDash val="solid"/>
+                      <a:round/>
+                      <a:headEnd type="none" w="med" len="med"/>
+                      <a:tailEnd type="none" w="med" len="med"/>
+                    </a:lnT>
+                    <a:lnB w="12700" cap="flat" cmpd="sng" algn="ctr">
+                      <a:solidFill>
+                        <a:schemeClr val="accent1">
+                          <a:lumMod val="40000"/>
+                          <a:lumOff val="60000"/>
+                        </a:schemeClr>
+                      </a:solidFill>
+                      <a:prstDash val="solid"/>
+                      <a:round/>
+                      <a:headEnd type="none" w="med" len="med"/>
+                      <a:tailEnd type="none" w="med" len="med"/>
+                    </a:lnB>
+                    <a:solidFill>
+                      <a:schemeClr val="bg1">
+                        <a:lumMod val="85000"/>
+                      </a:schemeClr>
+                    </a:solidFill>
+                  </a:tcPr>
+                </a:tc>
+                <a:tc>
+                  <a:txBody>
+                    <a:bodyPr/>
+                    <a:lstStyle/>
+                    <a:p>
+                      <a:pPr algn="ctr"/>
+                      <a:r>
+                        <a:rPr lang="en-US" altLang="zh-CN" sz="1200" b="1" dirty="0"/>
+                        <a:t>hash</a:t>
+                      </a:r>
+                      <a:endParaRPr lang="zh-CN" altLang="en-US" sz="1200" b="1" dirty="0"/>
+                    </a:p>
+                  </a:txBody>
+                  <a:tcPr marL="18000" marR="18000" marT="18000" marB="18000">
+                    <a:lnL w="12700" cap="flat" cmpd="sng" algn="ctr">
+                      <a:solidFill>
+                        <a:schemeClr val="accent1">
+                          <a:lumMod val="40000"/>
+                          <a:lumOff val="60000"/>
+                        </a:schemeClr>
+                      </a:solidFill>
+                      <a:prstDash val="solid"/>
+                      <a:round/>
+                      <a:headEnd type="none" w="med" len="med"/>
+                      <a:tailEnd type="none" w="med" len="med"/>
+                    </a:lnL>
+                    <a:lnR w="12700" cap="flat" cmpd="sng" algn="ctr">
+                      <a:solidFill>
+                        <a:schemeClr val="accent1">
+                          <a:lumMod val="40000"/>
+                          <a:lumOff val="60000"/>
+                        </a:schemeClr>
+                      </a:solidFill>
+                      <a:prstDash val="solid"/>
+                      <a:round/>
+                      <a:headEnd type="none" w="med" len="med"/>
+                      <a:tailEnd type="none" w="med" len="med"/>
+                    </a:lnR>
+                    <a:lnT w="12700" cap="flat" cmpd="sng" algn="ctr">
+                      <a:solidFill>
+                        <a:schemeClr val="accent1">
+                          <a:lumMod val="40000"/>
+                          <a:lumOff val="60000"/>
+                        </a:schemeClr>
+                      </a:solidFill>
+                      <a:prstDash val="solid"/>
+                      <a:round/>
+                      <a:headEnd type="none" w="med" len="med"/>
+                      <a:tailEnd type="none" w="med" len="med"/>
+                    </a:lnT>
+                    <a:lnB w="12700" cap="flat" cmpd="sng" algn="ctr">
+                      <a:solidFill>
+                        <a:schemeClr val="accent1">
+                          <a:lumMod val="40000"/>
+                          <a:lumOff val="60000"/>
+                        </a:schemeClr>
+                      </a:solidFill>
+                      <a:prstDash val="solid"/>
+                      <a:round/>
+                      <a:headEnd type="none" w="med" len="med"/>
+                      <a:tailEnd type="none" w="med" len="med"/>
+                    </a:lnB>
+                    <a:solidFill>
+                      <a:schemeClr val="bg1">
+                        <a:lumMod val="85000"/>
+                      </a:schemeClr>
+                    </a:solidFill>
+                  </a:tcPr>
+                </a:tc>
+                <a:extLst>
+                  <a:ext uri="{0D108BD9-81ED-4DB2-BD59-A6C34878D82A}">
+                    <a16:rowId xmlns:a16="http://schemas.microsoft.com/office/drawing/2014/main" val="1124864837"/>
+                  </a:ext>
+                </a:extLst>
+              </a:tr>
+              <a:tr h="0">
+                <a:tc>
+                  <a:txBody>
+                    <a:bodyPr/>
+                    <a:lstStyle/>
+                    <a:p>
+                      <a:endParaRPr lang="zh-CN" altLang="en-US" sz="1200" dirty="0">
+                        <a:solidFill>
+                          <a:srgbClr val="00B050"/>
+                        </a:solidFill>
+                      </a:endParaRPr>
+                    </a:p>
+                  </a:txBody>
+                  <a:tcPr marL="18000" marR="18000" marT="18000" marB="18000">
+                    <a:lnL w="12700" cap="flat" cmpd="sng" algn="ctr">
+                      <a:solidFill>
+                        <a:schemeClr val="accent1">
+                          <a:lumMod val="40000"/>
+                          <a:lumOff val="60000"/>
+                        </a:schemeClr>
+                      </a:solidFill>
+                      <a:prstDash val="solid"/>
+                      <a:round/>
+                      <a:headEnd type="none" w="med" len="med"/>
+                      <a:tailEnd type="none" w="med" len="med"/>
+                    </a:lnL>
+                    <a:lnR w="12700" cap="flat" cmpd="sng" algn="ctr">
+                      <a:solidFill>
+                        <a:schemeClr val="accent1">
+                          <a:lumMod val="40000"/>
+                          <a:lumOff val="60000"/>
+                        </a:schemeClr>
+                      </a:solidFill>
+                      <a:prstDash val="solid"/>
+                      <a:round/>
+                      <a:headEnd type="none" w="med" len="med"/>
+                      <a:tailEnd type="none" w="med" len="med"/>
+                    </a:lnR>
+                    <a:lnT w="12700" cap="flat" cmpd="sng" algn="ctr">
+                      <a:solidFill>
+                        <a:schemeClr val="accent1">
+                          <a:lumMod val="40000"/>
+                          <a:lumOff val="60000"/>
+                        </a:schemeClr>
+                      </a:solidFill>
+                      <a:prstDash val="solid"/>
+                      <a:round/>
+                      <a:headEnd type="none" w="med" len="med"/>
+                      <a:tailEnd type="none" w="med" len="med"/>
+                    </a:lnT>
+                    <a:lnB w="12700" cap="flat" cmpd="sng" algn="ctr">
+                      <a:solidFill>
+                        <a:schemeClr val="accent1">
+                          <a:lumMod val="40000"/>
+                          <a:lumOff val="60000"/>
+                        </a:schemeClr>
+                      </a:solidFill>
+                      <a:prstDash val="solid"/>
+                      <a:round/>
+                      <a:headEnd type="none" w="med" len="med"/>
+                      <a:tailEnd type="none" w="med" len="med"/>
+                    </a:lnB>
+                  </a:tcPr>
+                </a:tc>
+                <a:tc>
+                  <a:txBody>
+                    <a:bodyPr/>
+                    <a:lstStyle/>
+                    <a:p>
+                      <a:pPr marL="0" marR="0" lvl="0" indent="0" algn="l" defTabSz="914400" rtl="0" eaLnBrk="1" fontAlgn="auto" latinLnBrk="0" hangingPunct="1">
+                        <a:lnSpc>
+                          <a:spcPct val="100000"/>
+                        </a:lnSpc>
+                        <a:spcBef>
+                          <a:spcPts val="0"/>
+                        </a:spcBef>
+                        <a:spcAft>
+                          <a:spcPts val="0"/>
+                        </a:spcAft>
+                        <a:buClrTx/>
+                        <a:buSzTx/>
+                        <a:buFontTx/>
+                        <a:buNone/>
+                        <a:tabLst/>
+                        <a:defRPr/>
+                      </a:pPr>
+                      <a:endParaRPr lang="zh-CN" altLang="en-US" sz="1200" dirty="0">
+                        <a:solidFill>
+                          <a:srgbClr val="00B050"/>
+                        </a:solidFill>
+                      </a:endParaRPr>
+                    </a:p>
+                  </a:txBody>
+                  <a:tcPr marL="18000" marR="18000" marT="18000" marB="18000">
+                    <a:lnL w="12700" cap="flat" cmpd="sng" algn="ctr">
+                      <a:solidFill>
+                        <a:schemeClr val="accent1">
+                          <a:lumMod val="40000"/>
+                          <a:lumOff val="60000"/>
+                        </a:schemeClr>
+                      </a:solidFill>
+                      <a:prstDash val="solid"/>
+                      <a:round/>
+                      <a:headEnd type="none" w="med" len="med"/>
+                      <a:tailEnd type="none" w="med" len="med"/>
+                    </a:lnL>
+                    <a:lnR w="12700" cap="flat" cmpd="sng" algn="ctr">
+                      <a:solidFill>
+                        <a:schemeClr val="accent1">
+                          <a:lumMod val="40000"/>
+                          <a:lumOff val="60000"/>
+                        </a:schemeClr>
+                      </a:solidFill>
+                      <a:prstDash val="solid"/>
+                      <a:round/>
+                      <a:headEnd type="none" w="med" len="med"/>
+                      <a:tailEnd type="none" w="med" len="med"/>
+                    </a:lnR>
+                    <a:lnT w="12700" cap="flat" cmpd="sng" algn="ctr">
+                      <a:solidFill>
+                        <a:schemeClr val="accent1">
+                          <a:lumMod val="40000"/>
+                          <a:lumOff val="60000"/>
+                        </a:schemeClr>
+                      </a:solidFill>
+                      <a:prstDash val="solid"/>
+                      <a:round/>
+                      <a:headEnd type="none" w="med" len="med"/>
+                      <a:tailEnd type="none" w="med" len="med"/>
+                    </a:lnT>
+                    <a:lnB w="12700" cap="flat" cmpd="sng" algn="ctr">
+                      <a:solidFill>
+                        <a:schemeClr val="accent1">
+                          <a:lumMod val="40000"/>
+                          <a:lumOff val="60000"/>
+                        </a:schemeClr>
+                      </a:solidFill>
+                      <a:prstDash val="solid"/>
+                      <a:round/>
+                      <a:headEnd type="none" w="med" len="med"/>
+                      <a:tailEnd type="none" w="med" len="med"/>
+                    </a:lnB>
+                  </a:tcPr>
+                </a:tc>
+                <a:tc>
+                  <a:txBody>
+                    <a:bodyPr/>
+                    <a:lstStyle/>
+                    <a:p>
+                      <a:pPr marL="0" marR="0" lvl="0" indent="0" algn="l" defTabSz="914400" rtl="0" eaLnBrk="1" fontAlgn="auto" latinLnBrk="0" hangingPunct="1">
+                        <a:lnSpc>
+                          <a:spcPct val="100000"/>
+                        </a:lnSpc>
+                        <a:spcBef>
+                          <a:spcPts val="0"/>
+                        </a:spcBef>
+                        <a:spcAft>
+                          <a:spcPts val="0"/>
+                        </a:spcAft>
+                        <a:buClrTx/>
+                        <a:buSzTx/>
+                        <a:buFontTx/>
+                        <a:buNone/>
+                        <a:tabLst/>
+                        <a:defRPr/>
+                      </a:pPr>
+                      <a:endParaRPr lang="zh-CN" altLang="en-US" sz="1200" dirty="0">
+                        <a:solidFill>
+                          <a:srgbClr val="00B050"/>
+                        </a:solidFill>
+                      </a:endParaRPr>
+                    </a:p>
+                  </a:txBody>
+                  <a:tcPr marL="18000" marR="18000" marT="18000" marB="18000">
+                    <a:lnL w="12700" cap="flat" cmpd="sng" algn="ctr">
+                      <a:solidFill>
+                        <a:schemeClr val="accent1">
+                          <a:lumMod val="40000"/>
+                          <a:lumOff val="60000"/>
+                        </a:schemeClr>
+                      </a:solidFill>
+                      <a:prstDash val="solid"/>
+                      <a:round/>
+                      <a:headEnd type="none" w="med" len="med"/>
+                      <a:tailEnd type="none" w="med" len="med"/>
+                    </a:lnL>
+                    <a:lnR w="12700" cap="flat" cmpd="sng" algn="ctr">
+                      <a:solidFill>
+                        <a:schemeClr val="accent1">
+                          <a:lumMod val="40000"/>
+                          <a:lumOff val="60000"/>
+                        </a:schemeClr>
+                      </a:solidFill>
+                      <a:prstDash val="solid"/>
+                      <a:round/>
+                      <a:headEnd type="none" w="med" len="med"/>
+                      <a:tailEnd type="none" w="med" len="med"/>
+                    </a:lnR>
+                    <a:lnT w="12700" cap="flat" cmpd="sng" algn="ctr">
+                      <a:solidFill>
+                        <a:schemeClr val="accent1">
+                          <a:lumMod val="40000"/>
+                          <a:lumOff val="60000"/>
+                        </a:schemeClr>
+                      </a:solidFill>
+                      <a:prstDash val="solid"/>
+                      <a:round/>
+                      <a:headEnd type="none" w="med" len="med"/>
+                      <a:tailEnd type="none" w="med" len="med"/>
+                    </a:lnT>
+                    <a:lnB w="12700" cap="flat" cmpd="sng" algn="ctr">
+                      <a:solidFill>
+                        <a:schemeClr val="accent1">
+                          <a:lumMod val="40000"/>
+                          <a:lumOff val="60000"/>
+                        </a:schemeClr>
+                      </a:solidFill>
+                      <a:prstDash val="solid"/>
+                      <a:round/>
+                      <a:headEnd type="none" w="med" len="med"/>
+                      <a:tailEnd type="none" w="med" len="med"/>
+                    </a:lnB>
+                  </a:tcPr>
+                </a:tc>
+                <a:extLst>
+                  <a:ext uri="{0D108BD9-81ED-4DB2-BD59-A6C34878D82A}">
+                    <a16:rowId xmlns:a16="http://schemas.microsoft.com/office/drawing/2014/main" val="3791216137"/>
+                  </a:ext>
+                </a:extLst>
+              </a:tr>
+            </a:tbl>
+          </a:graphicData>
+        </a:graphic>
+      </p:graphicFrame>
+      <p:graphicFrame>
+        <p:nvGraphicFramePr>
+          <p:cNvPr id="47" name="表格 28">
+            <a:extLst>
+              <a:ext uri="{FF2B5EF4-FFF2-40B4-BE49-F238E27FC236}">
+                <a16:creationId xmlns:a16="http://schemas.microsoft.com/office/drawing/2014/main" id="{CF66F890-8349-0B47-AB9D-71EC78E307A5}"/>
+              </a:ext>
+            </a:extLst>
+          </p:cNvPr>
+          <p:cNvGraphicFramePr>
+            <a:graphicFrameLocks noGrp="1"/>
+          </p:cNvGraphicFramePr>
+          <p:nvPr>
+            <p:extLst>
+              <p:ext uri="{D42A27DB-BD31-4B8C-83A1-F6EECF244321}">
+                <p14:modId xmlns:p14="http://schemas.microsoft.com/office/powerpoint/2010/main" val="2131235038"/>
+              </p:ext>
+            </p:extLst>
+          </p:nvPr>
+        </p:nvGraphicFramePr>
+        <p:xfrm>
+          <a:off x="7992151" y="2648389"/>
+          <a:ext cx="1667595" cy="437760"/>
+        </p:xfrm>
+        <a:graphic>
+          <a:graphicData uri="http://schemas.openxmlformats.org/drawingml/2006/table">
+            <a:tbl>
+              <a:tblPr firstRow="1" bandRow="1">
+                <a:tableStyleId>{5940675A-B579-460E-94D1-54222C63F5DA}</a:tableStyleId>
+              </a:tblPr>
+              <a:tblGrid>
+                <a:gridCol w="521099">
+                  <a:extLst>
+                    <a:ext uri="{9D8B030D-6E8A-4147-A177-3AD203B41FA5}">
+                      <a16:colId xmlns:a16="http://schemas.microsoft.com/office/drawing/2014/main" val="729393436"/>
+                    </a:ext>
+                  </a:extLst>
+                </a:gridCol>
+                <a:gridCol w="417193">
+                  <a:extLst>
+                    <a:ext uri="{9D8B030D-6E8A-4147-A177-3AD203B41FA5}">
+                      <a16:colId xmlns:a16="http://schemas.microsoft.com/office/drawing/2014/main" val="3665419905"/>
+                    </a:ext>
+                  </a:extLst>
+                </a:gridCol>
+                <a:gridCol w="729303">
+                  <a:extLst>
+                    <a:ext uri="{9D8B030D-6E8A-4147-A177-3AD203B41FA5}">
+                      <a16:colId xmlns:a16="http://schemas.microsoft.com/office/drawing/2014/main" val="3985002405"/>
+                    </a:ext>
+                  </a:extLst>
+                </a:gridCol>
+              </a:tblGrid>
+              <a:tr h="0">
+                <a:tc>
+                  <a:txBody>
+                    <a:bodyPr/>
+                    <a:lstStyle/>
+                    <a:p>
+                      <a:pPr algn="ctr"/>
+                      <a:r>
+                        <a:rPr lang="en-US" altLang="zh-CN" sz="1200" b="1" dirty="0"/>
+                        <a:t>c1</a:t>
+                      </a:r>
+                      <a:endParaRPr lang="zh-CN" altLang="en-US" sz="1200" b="1" dirty="0"/>
+                    </a:p>
+                  </a:txBody>
+                  <a:tcPr marL="18000" marR="18000" marT="18000" marB="18000">
+                    <a:lnL w="12700" cap="flat" cmpd="sng" algn="ctr">
+                      <a:solidFill>
+                        <a:schemeClr val="accent1">
+                          <a:lumMod val="40000"/>
+                          <a:lumOff val="60000"/>
+                        </a:schemeClr>
+                      </a:solidFill>
+                      <a:prstDash val="solid"/>
+                      <a:round/>
+                      <a:headEnd type="none" w="med" len="med"/>
+                      <a:tailEnd type="none" w="med" len="med"/>
+                    </a:lnL>
+                    <a:lnR w="12700" cap="flat" cmpd="sng" algn="ctr">
+                      <a:solidFill>
+                        <a:schemeClr val="accent1">
+                          <a:lumMod val="40000"/>
+                          <a:lumOff val="60000"/>
+                        </a:schemeClr>
+                      </a:solidFill>
+                      <a:prstDash val="solid"/>
+                      <a:round/>
+                      <a:headEnd type="none" w="med" len="med"/>
+                      <a:tailEnd type="none" w="med" len="med"/>
+                    </a:lnR>
+                    <a:lnT w="12700" cap="flat" cmpd="sng" algn="ctr">
+                      <a:solidFill>
+                        <a:schemeClr val="accent1">
+                          <a:lumMod val="40000"/>
+                          <a:lumOff val="60000"/>
+                        </a:schemeClr>
+                      </a:solidFill>
+                      <a:prstDash val="solid"/>
+                      <a:round/>
+                      <a:headEnd type="none" w="med" len="med"/>
+                      <a:tailEnd type="none" w="med" len="med"/>
+                    </a:lnT>
+                    <a:lnB w="12700" cap="flat" cmpd="sng" algn="ctr">
+                      <a:solidFill>
+                        <a:schemeClr val="accent1">
+                          <a:lumMod val="40000"/>
+                          <a:lumOff val="60000"/>
+                        </a:schemeClr>
+                      </a:solidFill>
+                      <a:prstDash val="solid"/>
+                      <a:round/>
+                      <a:headEnd type="none" w="med" len="med"/>
+                      <a:tailEnd type="none" w="med" len="med"/>
+                    </a:lnB>
+                    <a:solidFill>
+                      <a:schemeClr val="bg1">
+                        <a:lumMod val="85000"/>
+                      </a:schemeClr>
+                    </a:solidFill>
+                  </a:tcPr>
+                </a:tc>
+                <a:tc>
+                  <a:txBody>
+                    <a:bodyPr/>
+                    <a:lstStyle/>
+                    <a:p>
+                      <a:pPr algn="ctr"/>
+                      <a:r>
+                        <a:rPr lang="en-US" altLang="zh-CN" sz="1200" b="1" dirty="0"/>
+                        <a:t>c2</a:t>
+                      </a:r>
+                      <a:endParaRPr lang="zh-CN" altLang="en-US" sz="1200" b="1" dirty="0"/>
+                    </a:p>
+                  </a:txBody>
+                  <a:tcPr marL="18000" marR="18000" marT="18000" marB="18000">
+                    <a:lnL w="12700" cap="flat" cmpd="sng" algn="ctr">
+                      <a:solidFill>
+                        <a:schemeClr val="accent1">
+                          <a:lumMod val="40000"/>
+                          <a:lumOff val="60000"/>
+                        </a:schemeClr>
+                      </a:solidFill>
+                      <a:prstDash val="solid"/>
+                      <a:round/>
+                      <a:headEnd type="none" w="med" len="med"/>
+                      <a:tailEnd type="none" w="med" len="med"/>
+                    </a:lnL>
+                    <a:lnR w="12700" cap="flat" cmpd="sng" algn="ctr">
+                      <a:solidFill>
+                        <a:schemeClr val="accent1">
+                          <a:lumMod val="40000"/>
+                          <a:lumOff val="60000"/>
+                        </a:schemeClr>
+                      </a:solidFill>
+                      <a:prstDash val="solid"/>
+                      <a:round/>
+                      <a:headEnd type="none" w="med" len="med"/>
+                      <a:tailEnd type="none" w="med" len="med"/>
+                    </a:lnR>
+                    <a:lnT w="12700" cap="flat" cmpd="sng" algn="ctr">
+                      <a:solidFill>
+                        <a:schemeClr val="accent1">
+                          <a:lumMod val="40000"/>
+                          <a:lumOff val="60000"/>
+                        </a:schemeClr>
+                      </a:solidFill>
+                      <a:prstDash val="solid"/>
+                      <a:round/>
+                      <a:headEnd type="none" w="med" len="med"/>
+                      <a:tailEnd type="none" w="med" len="med"/>
+                    </a:lnT>
+                    <a:lnB w="12700" cap="flat" cmpd="sng" algn="ctr">
+                      <a:solidFill>
+                        <a:schemeClr val="accent1">
+                          <a:lumMod val="40000"/>
+                          <a:lumOff val="60000"/>
+                        </a:schemeClr>
+                      </a:solidFill>
+                      <a:prstDash val="solid"/>
+                      <a:round/>
+                      <a:headEnd type="none" w="med" len="med"/>
+                      <a:tailEnd type="none" w="med" len="med"/>
+                    </a:lnB>
+                    <a:solidFill>
+                      <a:schemeClr val="bg1">
+                        <a:lumMod val="85000"/>
+                      </a:schemeClr>
+                    </a:solidFill>
+                  </a:tcPr>
+                </a:tc>
+                <a:tc>
+                  <a:txBody>
+                    <a:bodyPr/>
+                    <a:lstStyle/>
+                    <a:p>
+                      <a:pPr algn="ctr"/>
+                      <a:r>
+                        <a:rPr lang="en-US" altLang="zh-CN" sz="1200" b="1" dirty="0"/>
+                        <a:t>row_hash</a:t>
+                      </a:r>
+                      <a:endParaRPr lang="zh-CN" altLang="en-US" sz="1200" b="1" dirty="0"/>
+                    </a:p>
+                  </a:txBody>
+                  <a:tcPr marL="18000" marR="18000" marT="18000" marB="18000">
+                    <a:lnL w="12700" cap="flat" cmpd="sng" algn="ctr">
+                      <a:solidFill>
+                        <a:schemeClr val="accent1">
+                          <a:lumMod val="40000"/>
+                          <a:lumOff val="60000"/>
+                        </a:schemeClr>
+                      </a:solidFill>
+                      <a:prstDash val="solid"/>
+                      <a:round/>
+                      <a:headEnd type="none" w="med" len="med"/>
+                      <a:tailEnd type="none" w="med" len="med"/>
+                    </a:lnL>
+                    <a:lnR w="12700" cap="flat" cmpd="sng" algn="ctr">
+                      <a:solidFill>
+                        <a:schemeClr val="accent1">
+                          <a:lumMod val="40000"/>
+                          <a:lumOff val="60000"/>
+                        </a:schemeClr>
+                      </a:solidFill>
+                      <a:prstDash val="solid"/>
+                      <a:round/>
+                      <a:headEnd type="none" w="med" len="med"/>
+                      <a:tailEnd type="none" w="med" len="med"/>
+                    </a:lnR>
+                    <a:lnT w="12700" cap="flat" cmpd="sng" algn="ctr">
+                      <a:solidFill>
+                        <a:schemeClr val="accent1">
+                          <a:lumMod val="40000"/>
+                          <a:lumOff val="60000"/>
+                        </a:schemeClr>
+                      </a:solidFill>
+                      <a:prstDash val="solid"/>
+                      <a:round/>
+                      <a:headEnd type="none" w="med" len="med"/>
+                      <a:tailEnd type="none" w="med" len="med"/>
+                    </a:lnT>
+                    <a:lnB w="12700" cap="flat" cmpd="sng" algn="ctr">
+                      <a:solidFill>
+                        <a:schemeClr val="accent1">
+                          <a:lumMod val="40000"/>
+                          <a:lumOff val="60000"/>
+                        </a:schemeClr>
+                      </a:solidFill>
+                      <a:prstDash val="solid"/>
+                      <a:round/>
+                      <a:headEnd type="none" w="med" len="med"/>
+                      <a:tailEnd type="none" w="med" len="med"/>
+                    </a:lnB>
+                    <a:solidFill>
+                      <a:schemeClr val="bg1">
+                        <a:lumMod val="85000"/>
+                      </a:schemeClr>
+                    </a:solidFill>
+                  </a:tcPr>
+                </a:tc>
+                <a:extLst>
+                  <a:ext uri="{0D108BD9-81ED-4DB2-BD59-A6C34878D82A}">
+                    <a16:rowId xmlns:a16="http://schemas.microsoft.com/office/drawing/2014/main" val="1124864837"/>
+                  </a:ext>
+                </a:extLst>
+              </a:tr>
+              <a:tr h="0">
+                <a:tc>
+                  <a:txBody>
+                    <a:bodyPr/>
+                    <a:lstStyle/>
+                    <a:p>
+                      <a:r>
+                        <a:rPr lang="en-US" altLang="zh-CN" sz="1200" dirty="0">
+                          <a:solidFill>
+                            <a:srgbClr val="00B050"/>
+                          </a:solidFill>
+                        </a:rPr>
+                        <a:t>1</a:t>
+                      </a:r>
+                      <a:endParaRPr lang="zh-CN" altLang="en-US" sz="1200" dirty="0">
+                        <a:solidFill>
+                          <a:srgbClr val="00B050"/>
+                        </a:solidFill>
+                      </a:endParaRPr>
+                    </a:p>
+                  </a:txBody>
+                  <a:tcPr marL="18000" marR="18000" marT="18000" marB="18000">
+                    <a:lnL w="12700" cap="flat" cmpd="sng" algn="ctr">
+                      <a:solidFill>
+                        <a:schemeClr val="accent1">
+                          <a:lumMod val="40000"/>
+                          <a:lumOff val="60000"/>
+                        </a:schemeClr>
+                      </a:solidFill>
+                      <a:prstDash val="solid"/>
+                      <a:round/>
+                      <a:headEnd type="none" w="med" len="med"/>
+                      <a:tailEnd type="none" w="med" len="med"/>
+                    </a:lnL>
+                    <a:lnR w="12700" cap="flat" cmpd="sng" algn="ctr">
+                      <a:solidFill>
+                        <a:schemeClr val="accent1">
+                          <a:lumMod val="40000"/>
+                          <a:lumOff val="60000"/>
+                        </a:schemeClr>
+                      </a:solidFill>
+                      <a:prstDash val="solid"/>
+                      <a:round/>
+                      <a:headEnd type="none" w="med" len="med"/>
+                      <a:tailEnd type="none" w="med" len="med"/>
+                    </a:lnR>
+                    <a:lnT w="12700" cap="flat" cmpd="sng" algn="ctr">
+                      <a:solidFill>
+                        <a:schemeClr val="accent1">
+                          <a:lumMod val="40000"/>
+                          <a:lumOff val="60000"/>
+                        </a:schemeClr>
+                      </a:solidFill>
+                      <a:prstDash val="solid"/>
+                      <a:round/>
+                      <a:headEnd type="none" w="med" len="med"/>
+                      <a:tailEnd type="none" w="med" len="med"/>
+                    </a:lnT>
+                    <a:lnB w="12700" cap="flat" cmpd="sng" algn="ctr">
+                      <a:solidFill>
+                        <a:schemeClr val="accent1">
+                          <a:lumMod val="40000"/>
+                          <a:lumOff val="60000"/>
+                        </a:schemeClr>
+                      </a:solidFill>
+                      <a:prstDash val="solid"/>
+                      <a:round/>
+                      <a:headEnd type="none" w="med" len="med"/>
+                      <a:tailEnd type="none" w="med" len="med"/>
+                    </a:lnB>
+                  </a:tcPr>
+                </a:tc>
+                <a:tc>
+                  <a:txBody>
+                    <a:bodyPr/>
+                    <a:lstStyle/>
+                    <a:p>
+                      <a:pPr marL="0" marR="0" lvl="0" indent="0" algn="l" defTabSz="914400" rtl="0" eaLnBrk="1" fontAlgn="auto" latinLnBrk="0" hangingPunct="1">
+                        <a:lnSpc>
+                          <a:spcPct val="100000"/>
+                        </a:lnSpc>
+                        <a:spcBef>
+                          <a:spcPts val="0"/>
+                        </a:spcBef>
+                        <a:spcAft>
+                          <a:spcPts val="0"/>
+                        </a:spcAft>
+                        <a:buClrTx/>
+                        <a:buSzTx/>
+                        <a:buFontTx/>
+                        <a:buNone/>
+                        <a:tabLst/>
+                        <a:defRPr/>
+                      </a:pPr>
+                      <a:r>
+                        <a:rPr lang="en-US" altLang="zh-CN" sz="1200" dirty="0">
+                          <a:solidFill>
+                            <a:srgbClr val="00B050"/>
+                          </a:solidFill>
+                        </a:rPr>
+                        <a:t>aa</a:t>
+                      </a:r>
+                      <a:endParaRPr lang="zh-CN" altLang="en-US" sz="1200" dirty="0">
+                        <a:solidFill>
+                          <a:srgbClr val="00B050"/>
+                        </a:solidFill>
+                      </a:endParaRPr>
+                    </a:p>
+                  </a:txBody>
+                  <a:tcPr marL="18000" marR="18000" marT="18000" marB="18000">
+                    <a:lnL w="12700" cap="flat" cmpd="sng" algn="ctr">
+                      <a:solidFill>
+                        <a:schemeClr val="accent1">
+                          <a:lumMod val="40000"/>
+                          <a:lumOff val="60000"/>
+                        </a:schemeClr>
+                      </a:solidFill>
+                      <a:prstDash val="solid"/>
+                      <a:round/>
+                      <a:headEnd type="none" w="med" len="med"/>
+                      <a:tailEnd type="none" w="med" len="med"/>
+                    </a:lnL>
+                    <a:lnR w="12700" cap="flat" cmpd="sng" algn="ctr">
+                      <a:solidFill>
+                        <a:schemeClr val="accent1">
+                          <a:lumMod val="40000"/>
+                          <a:lumOff val="60000"/>
+                        </a:schemeClr>
+                      </a:solidFill>
+                      <a:prstDash val="solid"/>
+                      <a:round/>
+                      <a:headEnd type="none" w="med" len="med"/>
+                      <a:tailEnd type="none" w="med" len="med"/>
+                    </a:lnR>
+                    <a:lnT w="12700" cap="flat" cmpd="sng" algn="ctr">
+                      <a:solidFill>
+                        <a:schemeClr val="accent1">
+                          <a:lumMod val="40000"/>
+                          <a:lumOff val="60000"/>
+                        </a:schemeClr>
+                      </a:solidFill>
+                      <a:prstDash val="solid"/>
+                      <a:round/>
+                      <a:headEnd type="none" w="med" len="med"/>
+                      <a:tailEnd type="none" w="med" len="med"/>
+                    </a:lnT>
+                    <a:lnB w="12700" cap="flat" cmpd="sng" algn="ctr">
+                      <a:solidFill>
+                        <a:schemeClr val="accent1">
+                          <a:lumMod val="40000"/>
+                          <a:lumOff val="60000"/>
+                        </a:schemeClr>
+                      </a:solidFill>
+                      <a:prstDash val="solid"/>
+                      <a:round/>
+                      <a:headEnd type="none" w="med" len="med"/>
+                      <a:tailEnd type="none" w="med" len="med"/>
+                    </a:lnB>
+                  </a:tcPr>
+                </a:tc>
+                <a:tc>
+                  <a:txBody>
+                    <a:bodyPr/>
+                    <a:lstStyle/>
+                    <a:p>
+                      <a:pPr marL="0" marR="0" lvl="0" indent="0" algn="l" defTabSz="914400" rtl="0" eaLnBrk="1" fontAlgn="auto" latinLnBrk="0" hangingPunct="1">
+                        <a:lnSpc>
+                          <a:spcPct val="100000"/>
+                        </a:lnSpc>
+                        <a:spcBef>
+                          <a:spcPts val="0"/>
+                        </a:spcBef>
+                        <a:spcAft>
+                          <a:spcPts val="0"/>
+                        </a:spcAft>
+                        <a:buClrTx/>
+                        <a:buSzTx/>
+                        <a:buFontTx/>
+                        <a:buNone/>
+                        <a:tabLst/>
+                        <a:defRPr/>
+                      </a:pPr>
+                      <a:r>
+                        <a:rPr lang="en-US" altLang="zh-CN" sz="1200" dirty="0">
+                          <a:solidFill>
+                            <a:srgbClr val="00B050"/>
+                          </a:solidFill>
+                        </a:rPr>
+                        <a:t>hash(1</a:t>
+                      </a:r>
+                      <a:r>
+                        <a:rPr lang="zh-CN" altLang="en-US" sz="1200" dirty="0">
+                          <a:solidFill>
+                            <a:srgbClr val="00B050"/>
+                          </a:solidFill>
+                        </a:rPr>
+                        <a:t> </a:t>
+                      </a:r>
+                      <a:r>
+                        <a:rPr lang="en-US" altLang="zh-CN" sz="1200" dirty="0">
+                          <a:solidFill>
+                            <a:srgbClr val="00B050"/>
+                          </a:solidFill>
+                        </a:rPr>
+                        <a:t>aa)</a:t>
+                      </a:r>
+                      <a:endParaRPr lang="zh-CN" altLang="en-US" sz="1200" dirty="0">
+                        <a:solidFill>
+                          <a:srgbClr val="00B050"/>
+                        </a:solidFill>
+                      </a:endParaRPr>
+                    </a:p>
+                  </a:txBody>
+                  <a:tcPr marL="18000" marR="18000" marT="18000" marB="18000">
+                    <a:lnL w="12700" cap="flat" cmpd="sng" algn="ctr">
+                      <a:solidFill>
+                        <a:schemeClr val="accent1">
+                          <a:lumMod val="40000"/>
+                          <a:lumOff val="60000"/>
+                        </a:schemeClr>
+                      </a:solidFill>
+                      <a:prstDash val="solid"/>
+                      <a:round/>
+                      <a:headEnd type="none" w="med" len="med"/>
+                      <a:tailEnd type="none" w="med" len="med"/>
+                    </a:lnL>
+                    <a:lnR w="12700" cap="flat" cmpd="sng" algn="ctr">
+                      <a:solidFill>
+                        <a:schemeClr val="accent1">
+                          <a:lumMod val="40000"/>
+                          <a:lumOff val="60000"/>
+                        </a:schemeClr>
+                      </a:solidFill>
+                      <a:prstDash val="solid"/>
+                      <a:round/>
+                      <a:headEnd type="none" w="med" len="med"/>
+                      <a:tailEnd type="none" w="med" len="med"/>
+                    </a:lnR>
+                    <a:lnT w="12700" cap="flat" cmpd="sng" algn="ctr">
+                      <a:solidFill>
+                        <a:schemeClr val="accent1">
+                          <a:lumMod val="40000"/>
+                          <a:lumOff val="60000"/>
+                        </a:schemeClr>
+                      </a:solidFill>
+                      <a:prstDash val="solid"/>
+                      <a:round/>
+                      <a:headEnd type="none" w="med" len="med"/>
+                      <a:tailEnd type="none" w="med" len="med"/>
+                    </a:lnT>
+                    <a:lnB w="12700" cap="flat" cmpd="sng" algn="ctr">
+                      <a:solidFill>
+                        <a:schemeClr val="accent1">
+                          <a:lumMod val="40000"/>
+                          <a:lumOff val="60000"/>
+                        </a:schemeClr>
+                      </a:solidFill>
+                      <a:prstDash val="solid"/>
+                      <a:round/>
+                      <a:headEnd type="none" w="med" len="med"/>
+                      <a:tailEnd type="none" w="med" len="med"/>
+                    </a:lnB>
+                  </a:tcPr>
+                </a:tc>
+                <a:extLst>
+                  <a:ext uri="{0D108BD9-81ED-4DB2-BD59-A6C34878D82A}">
+                    <a16:rowId xmlns:a16="http://schemas.microsoft.com/office/drawing/2014/main" val="3791216137"/>
+                  </a:ext>
+                </a:extLst>
+              </a:tr>
+            </a:tbl>
+          </a:graphicData>
+        </a:graphic>
+      </p:graphicFrame>
+      <p:sp>
+        <p:nvSpPr>
+          <p:cNvPr id="48" name="矩形 47">
+            <a:extLst>
+              <a:ext uri="{FF2B5EF4-FFF2-40B4-BE49-F238E27FC236}">
+                <a16:creationId xmlns:a16="http://schemas.microsoft.com/office/drawing/2014/main" id="{3290C2B3-1BC4-1E4C-A880-282A90AB8215}"/>
+              </a:ext>
+            </a:extLst>
+          </p:cNvPr>
+          <p:cNvSpPr/>
+          <p:nvPr/>
+        </p:nvSpPr>
+        <p:spPr>
+          <a:xfrm>
+            <a:off x="7910594" y="2358644"/>
+            <a:ext cx="948915" cy="253448"/>
+          </a:xfrm>
+          <a:prstGeom prst="rect">
+            <a:avLst/>
+          </a:prstGeom>
+          <a:noFill/>
+          <a:ln>
+            <a:noFill/>
+          </a:ln>
+          <a:effectLst>
+            <a:outerShdw blurRad="50800" dist="38100" dir="2700000" algn="tl" rotWithShape="0">
+              <a:prstClr val="black">
+                <a:alpha val="40000"/>
+              </a:prstClr>
+            </a:outerShdw>
+          </a:effectLst>
+        </p:spPr>
+        <p:style>
+          <a:lnRef idx="2">
+            <a:schemeClr val="accent1">
+              <a:shade val="50000"/>
+            </a:schemeClr>
+          </a:lnRef>
+          <a:fillRef idx="1">
+            <a:schemeClr val="accent1"/>
+          </a:fillRef>
+          <a:effectRef idx="0">
+            <a:schemeClr val="accent1"/>
+          </a:effectRef>
+          <a:fontRef idx="minor">
+            <a:schemeClr val="lt1"/>
+          </a:fontRef>
+        </p:style>
+        <p:txBody>
+          <a:bodyPr rtlCol="0" anchor="ctr"/>
+          <a:lstStyle/>
+          <a:p>
+            <a:r>
+              <a:rPr lang="zh-CN" altLang="en-US" sz="1200" dirty="0">
+                <a:solidFill>
+                  <a:schemeClr val="tx1"/>
+                </a:solidFill>
+              </a:rPr>
+              <a:t>用户表 </a:t>
+            </a:r>
+            <a:r>
+              <a:rPr lang="en-US" altLang="zh-CN" sz="1200" dirty="0">
+                <a:solidFill>
+                  <a:schemeClr val="tx1"/>
+                </a:solidFill>
+              </a:rPr>
+              <a:t>t1</a:t>
+            </a:r>
+            <a:endParaRPr lang="zh-CN" altLang="en-US" sz="1200" dirty="0">
+              <a:solidFill>
+                <a:schemeClr val="tx1"/>
+              </a:solidFill>
+            </a:endParaRPr>
+          </a:p>
+        </p:txBody>
+      </p:sp>
+      <p:sp>
+        <p:nvSpPr>
+          <p:cNvPr id="49" name="矩形 48">
+            <a:extLst>
+              <a:ext uri="{FF2B5EF4-FFF2-40B4-BE49-F238E27FC236}">
+                <a16:creationId xmlns:a16="http://schemas.microsoft.com/office/drawing/2014/main" id="{558D97C9-EF69-DB4C-AE5C-B7C8CDA712D5}"/>
+              </a:ext>
+            </a:extLst>
+          </p:cNvPr>
+          <p:cNvSpPr/>
+          <p:nvPr/>
+        </p:nvSpPr>
+        <p:spPr>
+          <a:xfrm>
+            <a:off x="9769439" y="2358644"/>
+            <a:ext cx="1240258" cy="253448"/>
+          </a:xfrm>
+          <a:prstGeom prst="rect">
+            <a:avLst/>
+          </a:prstGeom>
+          <a:noFill/>
+          <a:ln>
+            <a:noFill/>
+          </a:ln>
+          <a:effectLst>
+            <a:outerShdw blurRad="50800" dist="38100" dir="2700000" algn="tl" rotWithShape="0">
+              <a:prstClr val="black">
+                <a:alpha val="40000"/>
+              </a:prstClr>
+            </a:outerShdw>
+          </a:effectLst>
+        </p:spPr>
+        <p:style>
+          <a:lnRef idx="2">
+            <a:schemeClr val="accent1">
+              <a:shade val="50000"/>
+            </a:schemeClr>
+          </a:lnRef>
+          <a:fillRef idx="1">
+            <a:schemeClr val="accent1"/>
+          </a:fillRef>
+          <a:effectRef idx="0">
+            <a:schemeClr val="accent1"/>
+          </a:effectRef>
+          <a:fontRef idx="minor">
+            <a:schemeClr val="lt1"/>
+          </a:fontRef>
+        </p:style>
+        <p:txBody>
+          <a:bodyPr rtlCol="0" anchor="ctr"/>
+          <a:lstStyle/>
+          <a:p>
+            <a:r>
+              <a:rPr lang="zh-CN" altLang="en-US" sz="1200" dirty="0">
+                <a:solidFill>
+                  <a:schemeClr val="tx1"/>
+                </a:solidFill>
+              </a:rPr>
+              <a:t>历史表 </a:t>
+            </a:r>
+            <a:r>
+              <a:rPr lang="en-US" altLang="zh-CN" sz="1200" dirty="0">
+                <a:solidFill>
+                  <a:schemeClr val="tx1"/>
+                </a:solidFill>
+              </a:rPr>
+              <a:t>t1_hist</a:t>
+            </a:r>
+            <a:endParaRPr lang="zh-CN" altLang="en-US" sz="1200" dirty="0">
+              <a:solidFill>
+                <a:schemeClr val="tx1"/>
+              </a:solidFill>
+            </a:endParaRPr>
+          </a:p>
+        </p:txBody>
+      </p:sp>
+      <p:graphicFrame>
+        <p:nvGraphicFramePr>
+          <p:cNvPr id="50" name="表格 28">
+            <a:extLst>
+              <a:ext uri="{FF2B5EF4-FFF2-40B4-BE49-F238E27FC236}">
+                <a16:creationId xmlns:a16="http://schemas.microsoft.com/office/drawing/2014/main" id="{806E7773-D222-6740-8E67-C096FC6388E6}"/>
+              </a:ext>
+            </a:extLst>
+          </p:cNvPr>
+          <p:cNvGraphicFramePr>
+            <a:graphicFrameLocks noGrp="1"/>
+          </p:cNvGraphicFramePr>
+          <p:nvPr>
+            <p:extLst>
+              <p:ext uri="{D42A27DB-BD31-4B8C-83A1-F6EECF244321}">
+                <p14:modId xmlns:p14="http://schemas.microsoft.com/office/powerpoint/2010/main" val="2548064336"/>
+              </p:ext>
+            </p:extLst>
+          </p:nvPr>
+        </p:nvGraphicFramePr>
+        <p:xfrm>
+          <a:off x="9806193" y="2643045"/>
+          <a:ext cx="2105091" cy="437760"/>
+        </p:xfrm>
+        <a:graphic>
+          <a:graphicData uri="http://schemas.openxmlformats.org/drawingml/2006/table">
+            <a:tbl>
+              <a:tblPr firstRow="1" bandRow="1">
+                <a:tableStyleId>{5940675A-B579-460E-94D1-54222C63F5DA}</a:tableStyleId>
+              </a:tblPr>
+              <a:tblGrid>
+                <a:gridCol w="717601">
+                  <a:extLst>
+                    <a:ext uri="{9D8B030D-6E8A-4147-A177-3AD203B41FA5}">
+                      <a16:colId xmlns:a16="http://schemas.microsoft.com/office/drawing/2014/main" val="729393436"/>
+                    </a:ext>
+                  </a:extLst>
+                </a:gridCol>
+                <a:gridCol w="718522">
+                  <a:extLst>
+                    <a:ext uri="{9D8B030D-6E8A-4147-A177-3AD203B41FA5}">
+                      <a16:colId xmlns:a16="http://schemas.microsoft.com/office/drawing/2014/main" val="3665419905"/>
+                    </a:ext>
+                  </a:extLst>
+                </a:gridCol>
+                <a:gridCol w="668968">
+                  <a:extLst>
+                    <a:ext uri="{9D8B030D-6E8A-4147-A177-3AD203B41FA5}">
+                      <a16:colId xmlns:a16="http://schemas.microsoft.com/office/drawing/2014/main" val="3985002405"/>
+                    </a:ext>
+                  </a:extLst>
+                </a:gridCol>
+              </a:tblGrid>
+              <a:tr h="0">
+                <a:tc>
+                  <a:txBody>
+                    <a:bodyPr/>
+                    <a:lstStyle/>
+                    <a:p>
+                      <a:pPr algn="ctr"/>
+                      <a:r>
+                        <a:rPr lang="en-US" altLang="zh-CN" sz="1200" b="1" dirty="0"/>
+                        <a:t>ins_hash</a:t>
+                      </a:r>
+                      <a:endParaRPr lang="zh-CN" altLang="en-US" sz="1200" b="1" dirty="0"/>
+                    </a:p>
+                  </a:txBody>
+                  <a:tcPr marL="18000" marR="18000" marT="18000" marB="18000">
+                    <a:lnL w="12700" cap="flat" cmpd="sng" algn="ctr">
+                      <a:solidFill>
+                        <a:schemeClr val="accent1">
+                          <a:lumMod val="40000"/>
+                          <a:lumOff val="60000"/>
+                        </a:schemeClr>
+                      </a:solidFill>
+                      <a:prstDash val="solid"/>
+                      <a:round/>
+                      <a:headEnd type="none" w="med" len="med"/>
+                      <a:tailEnd type="none" w="med" len="med"/>
+                    </a:lnL>
+                    <a:lnR w="12700" cap="flat" cmpd="sng" algn="ctr">
+                      <a:solidFill>
+                        <a:schemeClr val="accent1">
+                          <a:lumMod val="40000"/>
+                          <a:lumOff val="60000"/>
+                        </a:schemeClr>
+                      </a:solidFill>
+                      <a:prstDash val="solid"/>
+                      <a:round/>
+                      <a:headEnd type="none" w="med" len="med"/>
+                      <a:tailEnd type="none" w="med" len="med"/>
+                    </a:lnR>
+                    <a:lnT w="12700" cap="flat" cmpd="sng" algn="ctr">
+                      <a:solidFill>
+                        <a:schemeClr val="accent1">
+                          <a:lumMod val="40000"/>
+                          <a:lumOff val="60000"/>
+                        </a:schemeClr>
+                      </a:solidFill>
+                      <a:prstDash val="solid"/>
+                      <a:round/>
+                      <a:headEnd type="none" w="med" len="med"/>
+                      <a:tailEnd type="none" w="med" len="med"/>
+                    </a:lnT>
+                    <a:lnB w="12700" cap="flat" cmpd="sng" algn="ctr">
+                      <a:solidFill>
+                        <a:schemeClr val="accent1">
+                          <a:lumMod val="40000"/>
+                          <a:lumOff val="60000"/>
+                        </a:schemeClr>
+                      </a:solidFill>
+                      <a:prstDash val="solid"/>
+                      <a:round/>
+                      <a:headEnd type="none" w="med" len="med"/>
+                      <a:tailEnd type="none" w="med" len="med"/>
+                    </a:lnB>
+                    <a:solidFill>
+                      <a:schemeClr val="bg1">
+                        <a:lumMod val="85000"/>
+                      </a:schemeClr>
+                    </a:solidFill>
+                  </a:tcPr>
+                </a:tc>
+                <a:tc>
+                  <a:txBody>
+                    <a:bodyPr/>
+                    <a:lstStyle/>
+                    <a:p>
+                      <a:pPr algn="ctr"/>
+                      <a:r>
+                        <a:rPr lang="en-US" altLang="zh-CN" sz="1200" b="1" dirty="0"/>
+                        <a:t>del_hash</a:t>
+                      </a:r>
+                      <a:endParaRPr lang="zh-CN" altLang="en-US" sz="1200" b="1" dirty="0"/>
+                    </a:p>
+                  </a:txBody>
+                  <a:tcPr marL="18000" marR="18000" marT="18000" marB="18000">
+                    <a:lnL w="12700" cap="flat" cmpd="sng" algn="ctr">
+                      <a:solidFill>
+                        <a:schemeClr val="accent1">
+                          <a:lumMod val="40000"/>
+                          <a:lumOff val="60000"/>
+                        </a:schemeClr>
+                      </a:solidFill>
+                      <a:prstDash val="solid"/>
+                      <a:round/>
+                      <a:headEnd type="none" w="med" len="med"/>
+                      <a:tailEnd type="none" w="med" len="med"/>
+                    </a:lnL>
+                    <a:lnR w="12700" cap="flat" cmpd="sng" algn="ctr">
+                      <a:solidFill>
+                        <a:schemeClr val="accent1">
+                          <a:lumMod val="40000"/>
+                          <a:lumOff val="60000"/>
+                        </a:schemeClr>
+                      </a:solidFill>
+                      <a:prstDash val="solid"/>
+                      <a:round/>
+                      <a:headEnd type="none" w="med" len="med"/>
+                      <a:tailEnd type="none" w="med" len="med"/>
+                    </a:lnR>
+                    <a:lnT w="12700" cap="flat" cmpd="sng" algn="ctr">
+                      <a:solidFill>
+                        <a:schemeClr val="accent1">
+                          <a:lumMod val="40000"/>
+                          <a:lumOff val="60000"/>
+                        </a:schemeClr>
+                      </a:solidFill>
+                      <a:prstDash val="solid"/>
+                      <a:round/>
+                      <a:headEnd type="none" w="med" len="med"/>
+                      <a:tailEnd type="none" w="med" len="med"/>
+                    </a:lnT>
+                    <a:lnB w="12700" cap="flat" cmpd="sng" algn="ctr">
+                      <a:solidFill>
+                        <a:schemeClr val="accent1">
+                          <a:lumMod val="40000"/>
+                          <a:lumOff val="60000"/>
+                        </a:schemeClr>
+                      </a:solidFill>
+                      <a:prstDash val="solid"/>
+                      <a:round/>
+                      <a:headEnd type="none" w="med" len="med"/>
+                      <a:tailEnd type="none" w="med" len="med"/>
+                    </a:lnB>
+                    <a:solidFill>
+                      <a:schemeClr val="bg1">
+                        <a:lumMod val="85000"/>
+                      </a:schemeClr>
+                    </a:solidFill>
+                  </a:tcPr>
+                </a:tc>
+                <a:tc>
+                  <a:txBody>
+                    <a:bodyPr/>
+                    <a:lstStyle/>
+                    <a:p>
+                      <a:pPr algn="ctr"/>
+                      <a:r>
+                        <a:rPr lang="en-US" altLang="zh-CN" sz="1200" b="1" dirty="0"/>
+                        <a:t>hash</a:t>
+                      </a:r>
+                      <a:endParaRPr lang="zh-CN" altLang="en-US" sz="1200" b="1" dirty="0"/>
+                    </a:p>
+                  </a:txBody>
+                  <a:tcPr marL="18000" marR="18000" marT="18000" marB="18000">
+                    <a:lnL w="12700" cap="flat" cmpd="sng" algn="ctr">
+                      <a:solidFill>
+                        <a:schemeClr val="accent1">
+                          <a:lumMod val="40000"/>
+                          <a:lumOff val="60000"/>
+                        </a:schemeClr>
+                      </a:solidFill>
+                      <a:prstDash val="solid"/>
+                      <a:round/>
+                      <a:headEnd type="none" w="med" len="med"/>
+                      <a:tailEnd type="none" w="med" len="med"/>
+                    </a:lnL>
+                    <a:lnR w="12700" cap="flat" cmpd="sng" algn="ctr">
+                      <a:solidFill>
+                        <a:schemeClr val="accent1">
+                          <a:lumMod val="40000"/>
+                          <a:lumOff val="60000"/>
+                        </a:schemeClr>
+                      </a:solidFill>
+                      <a:prstDash val="solid"/>
+                      <a:round/>
+                      <a:headEnd type="none" w="med" len="med"/>
+                      <a:tailEnd type="none" w="med" len="med"/>
+                    </a:lnR>
+                    <a:lnT w="12700" cap="flat" cmpd="sng" algn="ctr">
+                      <a:solidFill>
+                        <a:schemeClr val="accent1">
+                          <a:lumMod val="40000"/>
+                          <a:lumOff val="60000"/>
+                        </a:schemeClr>
+                      </a:solidFill>
+                      <a:prstDash val="solid"/>
+                      <a:round/>
+                      <a:headEnd type="none" w="med" len="med"/>
+                      <a:tailEnd type="none" w="med" len="med"/>
+                    </a:lnT>
+                    <a:lnB w="12700" cap="flat" cmpd="sng" algn="ctr">
+                      <a:solidFill>
+                        <a:schemeClr val="accent1">
+                          <a:lumMod val="40000"/>
+                          <a:lumOff val="60000"/>
+                        </a:schemeClr>
+                      </a:solidFill>
+                      <a:prstDash val="solid"/>
+                      <a:round/>
+                      <a:headEnd type="none" w="med" len="med"/>
+                      <a:tailEnd type="none" w="med" len="med"/>
+                    </a:lnB>
+                    <a:solidFill>
+                      <a:schemeClr val="bg1">
+                        <a:lumMod val="85000"/>
+                      </a:schemeClr>
+                    </a:solidFill>
+                  </a:tcPr>
+                </a:tc>
+                <a:extLst>
+                  <a:ext uri="{0D108BD9-81ED-4DB2-BD59-A6C34878D82A}">
+                    <a16:rowId xmlns:a16="http://schemas.microsoft.com/office/drawing/2014/main" val="1124864837"/>
+                  </a:ext>
+                </a:extLst>
+              </a:tr>
+              <a:tr h="0">
+                <a:tc>
+                  <a:txBody>
+                    <a:bodyPr/>
+                    <a:lstStyle/>
+                    <a:p>
+                      <a:r>
+                        <a:rPr lang="en-US" altLang="zh-CN" sz="1200" dirty="0">
+                          <a:solidFill>
+                            <a:srgbClr val="00B050"/>
+                          </a:solidFill>
+                        </a:rPr>
+                        <a:t>hash(1</a:t>
+                      </a:r>
+                      <a:r>
+                        <a:rPr lang="zh-CN" altLang="en-US" sz="1200" dirty="0">
+                          <a:solidFill>
+                            <a:srgbClr val="00B050"/>
+                          </a:solidFill>
+                        </a:rPr>
+                        <a:t> </a:t>
+                      </a:r>
+                      <a:r>
+                        <a:rPr lang="en-US" altLang="zh-CN" sz="1200" dirty="0">
+                          <a:solidFill>
+                            <a:srgbClr val="00B050"/>
+                          </a:solidFill>
+                        </a:rPr>
+                        <a:t>aa)</a:t>
+                      </a:r>
+                      <a:endParaRPr lang="zh-CN" altLang="en-US" sz="1200" dirty="0">
+                        <a:solidFill>
+                          <a:srgbClr val="00B050"/>
+                        </a:solidFill>
+                      </a:endParaRPr>
+                    </a:p>
+                  </a:txBody>
+                  <a:tcPr marL="18000" marR="18000" marT="18000" marB="18000">
+                    <a:lnL w="12700" cap="flat" cmpd="sng" algn="ctr">
+                      <a:solidFill>
+                        <a:schemeClr val="accent1">
+                          <a:lumMod val="40000"/>
+                          <a:lumOff val="60000"/>
+                        </a:schemeClr>
+                      </a:solidFill>
+                      <a:prstDash val="solid"/>
+                      <a:round/>
+                      <a:headEnd type="none" w="med" len="med"/>
+                      <a:tailEnd type="none" w="med" len="med"/>
+                    </a:lnL>
+                    <a:lnR w="12700" cap="flat" cmpd="sng" algn="ctr">
+                      <a:solidFill>
+                        <a:schemeClr val="accent1">
+                          <a:lumMod val="40000"/>
+                          <a:lumOff val="60000"/>
+                        </a:schemeClr>
+                      </a:solidFill>
+                      <a:prstDash val="solid"/>
+                      <a:round/>
+                      <a:headEnd type="none" w="med" len="med"/>
+                      <a:tailEnd type="none" w="med" len="med"/>
+                    </a:lnR>
+                    <a:lnT w="12700" cap="flat" cmpd="sng" algn="ctr">
+                      <a:solidFill>
+                        <a:schemeClr val="accent1">
+                          <a:lumMod val="40000"/>
+                          <a:lumOff val="60000"/>
+                        </a:schemeClr>
+                      </a:solidFill>
+                      <a:prstDash val="solid"/>
+                      <a:round/>
+                      <a:headEnd type="none" w="med" len="med"/>
+                      <a:tailEnd type="none" w="med" len="med"/>
+                    </a:lnT>
+                    <a:lnB w="12700" cap="flat" cmpd="sng" algn="ctr">
+                      <a:solidFill>
+                        <a:schemeClr val="accent1">
+                          <a:lumMod val="40000"/>
+                          <a:lumOff val="60000"/>
+                        </a:schemeClr>
+                      </a:solidFill>
+                      <a:prstDash val="solid"/>
+                      <a:round/>
+                      <a:headEnd type="none" w="med" len="med"/>
+                      <a:tailEnd type="none" w="med" len="med"/>
+                    </a:lnB>
+                  </a:tcPr>
+                </a:tc>
+                <a:tc>
+                  <a:txBody>
+                    <a:bodyPr/>
+                    <a:lstStyle/>
+                    <a:p>
+                      <a:pPr marL="0" marR="0" lvl="0" indent="0" algn="l" defTabSz="914400" rtl="0" eaLnBrk="1" fontAlgn="auto" latinLnBrk="0" hangingPunct="1">
+                        <a:lnSpc>
+                          <a:spcPct val="100000"/>
+                        </a:lnSpc>
+                        <a:spcBef>
+                          <a:spcPts val="0"/>
+                        </a:spcBef>
+                        <a:spcAft>
+                          <a:spcPts val="0"/>
+                        </a:spcAft>
+                        <a:buClrTx/>
+                        <a:buSzTx/>
+                        <a:buFontTx/>
+                        <a:buNone/>
+                        <a:tabLst/>
+                        <a:defRPr/>
+                      </a:pPr>
+                      <a:endParaRPr lang="zh-CN" altLang="en-US" sz="1200" dirty="0">
+                        <a:solidFill>
+                          <a:srgbClr val="00B050"/>
+                        </a:solidFill>
+                      </a:endParaRPr>
+                    </a:p>
+                  </a:txBody>
+                  <a:tcPr marL="18000" marR="18000" marT="18000" marB="18000">
+                    <a:lnL w="12700" cap="flat" cmpd="sng" algn="ctr">
+                      <a:solidFill>
+                        <a:schemeClr val="accent1">
+                          <a:lumMod val="40000"/>
+                          <a:lumOff val="60000"/>
+                        </a:schemeClr>
+                      </a:solidFill>
+                      <a:prstDash val="solid"/>
+                      <a:round/>
+                      <a:headEnd type="none" w="med" len="med"/>
+                      <a:tailEnd type="none" w="med" len="med"/>
+                    </a:lnL>
+                    <a:lnR w="12700" cap="flat" cmpd="sng" algn="ctr">
+                      <a:solidFill>
+                        <a:schemeClr val="accent1">
+                          <a:lumMod val="40000"/>
+                          <a:lumOff val="60000"/>
+                        </a:schemeClr>
+                      </a:solidFill>
+                      <a:prstDash val="solid"/>
+                      <a:round/>
+                      <a:headEnd type="none" w="med" len="med"/>
+                      <a:tailEnd type="none" w="med" len="med"/>
+                    </a:lnR>
+                    <a:lnT w="12700" cap="flat" cmpd="sng" algn="ctr">
+                      <a:solidFill>
+                        <a:schemeClr val="accent1">
+                          <a:lumMod val="40000"/>
+                          <a:lumOff val="60000"/>
+                        </a:schemeClr>
+                      </a:solidFill>
+                      <a:prstDash val="solid"/>
+                      <a:round/>
+                      <a:headEnd type="none" w="med" len="med"/>
+                      <a:tailEnd type="none" w="med" len="med"/>
+                    </a:lnT>
+                    <a:lnB w="12700" cap="flat" cmpd="sng" algn="ctr">
+                      <a:solidFill>
+                        <a:schemeClr val="accent1">
+                          <a:lumMod val="40000"/>
+                          <a:lumOff val="60000"/>
+                        </a:schemeClr>
+                      </a:solidFill>
+                      <a:prstDash val="solid"/>
+                      <a:round/>
+                      <a:headEnd type="none" w="med" len="med"/>
+                      <a:tailEnd type="none" w="med" len="med"/>
+                    </a:lnB>
+                  </a:tcPr>
+                </a:tc>
+                <a:tc>
+                  <a:txBody>
+                    <a:bodyPr/>
+                    <a:lstStyle/>
+                    <a:p>
+                      <a:pPr marL="0" marR="0" lvl="0" indent="0" algn="l" defTabSz="914400" rtl="0" eaLnBrk="1" fontAlgn="auto" latinLnBrk="0" hangingPunct="1">
+                        <a:lnSpc>
+                          <a:spcPct val="100000"/>
+                        </a:lnSpc>
+                        <a:spcBef>
+                          <a:spcPts val="0"/>
+                        </a:spcBef>
+                        <a:spcAft>
+                          <a:spcPts val="0"/>
+                        </a:spcAft>
+                        <a:buClrTx/>
+                        <a:buSzTx/>
+                        <a:buFontTx/>
+                        <a:buNone/>
+                        <a:tabLst/>
+                        <a:defRPr/>
+                      </a:pPr>
+                      <a:endParaRPr lang="zh-CN" altLang="en-US" sz="1200" dirty="0">
+                        <a:solidFill>
+                          <a:srgbClr val="00B050"/>
+                        </a:solidFill>
+                      </a:endParaRPr>
+                    </a:p>
+                  </a:txBody>
+                  <a:tcPr marL="18000" marR="18000" marT="18000" marB="18000">
+                    <a:lnL w="12700" cap="flat" cmpd="sng" algn="ctr">
+                      <a:solidFill>
+                        <a:schemeClr val="accent1">
+                          <a:lumMod val="40000"/>
+                          <a:lumOff val="60000"/>
+                        </a:schemeClr>
+                      </a:solidFill>
+                      <a:prstDash val="solid"/>
+                      <a:round/>
+                      <a:headEnd type="none" w="med" len="med"/>
+                      <a:tailEnd type="none" w="med" len="med"/>
+                    </a:lnL>
+                    <a:lnR w="12700" cap="flat" cmpd="sng" algn="ctr">
+                      <a:solidFill>
+                        <a:schemeClr val="accent1">
+                          <a:lumMod val="40000"/>
+                          <a:lumOff val="60000"/>
+                        </a:schemeClr>
+                      </a:solidFill>
+                      <a:prstDash val="solid"/>
+                      <a:round/>
+                      <a:headEnd type="none" w="med" len="med"/>
+                      <a:tailEnd type="none" w="med" len="med"/>
+                    </a:lnR>
+                    <a:lnT w="12700" cap="flat" cmpd="sng" algn="ctr">
+                      <a:solidFill>
+                        <a:schemeClr val="accent1">
+                          <a:lumMod val="40000"/>
+                          <a:lumOff val="60000"/>
+                        </a:schemeClr>
+                      </a:solidFill>
+                      <a:prstDash val="solid"/>
+                      <a:round/>
+                      <a:headEnd type="none" w="med" len="med"/>
+                      <a:tailEnd type="none" w="med" len="med"/>
+                    </a:lnT>
+                    <a:lnB w="12700" cap="flat" cmpd="sng" algn="ctr">
+                      <a:solidFill>
+                        <a:schemeClr val="accent1">
+                          <a:lumMod val="40000"/>
+                          <a:lumOff val="60000"/>
+                        </a:schemeClr>
+                      </a:solidFill>
+                      <a:prstDash val="solid"/>
+                      <a:round/>
+                      <a:headEnd type="none" w="med" len="med"/>
+                      <a:tailEnd type="none" w="med" len="med"/>
+                    </a:lnB>
+                  </a:tcPr>
+                </a:tc>
+                <a:extLst>
+                  <a:ext uri="{0D108BD9-81ED-4DB2-BD59-A6C34878D82A}">
+                    <a16:rowId xmlns:a16="http://schemas.microsoft.com/office/drawing/2014/main" val="3791216137"/>
+                  </a:ext>
+                </a:extLst>
+              </a:tr>
+            </a:tbl>
+          </a:graphicData>
+        </a:graphic>
+      </p:graphicFrame>
+      <p:sp>
+        <p:nvSpPr>
+          <p:cNvPr id="51" name="矩形 50">
+            <a:extLst>
+              <a:ext uri="{FF2B5EF4-FFF2-40B4-BE49-F238E27FC236}">
+                <a16:creationId xmlns:a16="http://schemas.microsoft.com/office/drawing/2014/main" id="{B71F0E77-B02A-1741-B31F-E46550A6808B}"/>
+              </a:ext>
+            </a:extLst>
+          </p:cNvPr>
+          <p:cNvSpPr/>
+          <p:nvPr/>
+        </p:nvSpPr>
+        <p:spPr>
+          <a:xfrm>
+            <a:off x="1555262" y="2127888"/>
+            <a:ext cx="1733763" cy="311120"/>
+          </a:xfrm>
+          <a:prstGeom prst="rect">
+            <a:avLst/>
+          </a:prstGeom>
+          <a:solidFill>
+            <a:schemeClr val="bg1">
+              <a:lumMod val="95000"/>
+            </a:schemeClr>
+          </a:solidFill>
+          <a:ln>
+            <a:noFill/>
+          </a:ln>
+          <a:effectLst/>
+        </p:spPr>
+        <p:style>
+          <a:lnRef idx="2">
+            <a:schemeClr val="accent1">
+              <a:shade val="50000"/>
+            </a:schemeClr>
+          </a:lnRef>
+          <a:fillRef idx="1">
+            <a:schemeClr val="accent1"/>
+          </a:fillRef>
+          <a:effectRef idx="0">
+            <a:schemeClr val="accent1"/>
+          </a:effectRef>
+          <a:fontRef idx="minor">
+            <a:schemeClr val="lt1"/>
+          </a:fontRef>
+        </p:style>
+        <p:txBody>
+          <a:bodyPr rtlCol="0" anchor="ctr"/>
+          <a:lstStyle/>
+          <a:p>
+            <a:r>
+              <a:rPr lang="en-US" altLang="zh-CN" sz="1200" dirty="0">
+                <a:solidFill>
+                  <a:schemeClr val="tx1"/>
+                </a:solidFill>
+              </a:rPr>
+              <a:t>INSERT</a:t>
+            </a:r>
+            <a:r>
+              <a:rPr lang="zh-CN" altLang="en-US" sz="1200" dirty="0">
+                <a:solidFill>
+                  <a:schemeClr val="tx1"/>
+                </a:solidFill>
+              </a:rPr>
+              <a:t> </a:t>
+            </a:r>
+            <a:r>
+              <a:rPr lang="en-US" altLang="zh-CN" sz="1200" dirty="0">
+                <a:solidFill>
+                  <a:schemeClr val="tx1"/>
+                </a:solidFill>
+              </a:rPr>
+              <a:t>INTO</a:t>
+            </a:r>
+            <a:r>
+              <a:rPr lang="zh-CN" altLang="en-US" sz="1200" dirty="0">
+                <a:solidFill>
+                  <a:schemeClr val="tx1"/>
+                </a:solidFill>
+              </a:rPr>
+              <a:t> </a:t>
+            </a:r>
+            <a:r>
+              <a:rPr lang="en-US" altLang="zh-CN" sz="1200" dirty="0">
+                <a:solidFill>
+                  <a:schemeClr val="tx1"/>
+                </a:solidFill>
+              </a:rPr>
+              <a:t>t1</a:t>
+            </a:r>
+            <a:r>
+              <a:rPr lang="zh-CN" altLang="en-US" sz="1200" dirty="0">
+                <a:solidFill>
+                  <a:schemeClr val="tx1"/>
+                </a:solidFill>
+              </a:rPr>
+              <a:t> </a:t>
+            </a:r>
+            <a:r>
+              <a:rPr lang="en-US" altLang="zh-CN" sz="1200" dirty="0">
+                <a:solidFill>
+                  <a:schemeClr val="tx1"/>
+                </a:solidFill>
+              </a:rPr>
+              <a:t>(1,</a:t>
+            </a:r>
+            <a:r>
+              <a:rPr lang="zh-CN" altLang="en-US" sz="1200" dirty="0">
+                <a:solidFill>
+                  <a:schemeClr val="tx1"/>
+                </a:solidFill>
+              </a:rPr>
+              <a:t> </a:t>
+            </a:r>
+            <a:r>
+              <a:rPr lang="en-US" altLang="zh-CN" sz="1200" dirty="0">
+                <a:solidFill>
+                  <a:schemeClr val="tx1"/>
+                </a:solidFill>
+              </a:rPr>
+              <a:t>'aa')</a:t>
+            </a:r>
+            <a:endParaRPr lang="zh-CN" altLang="en-US" sz="1200" dirty="0">
+              <a:solidFill>
+                <a:schemeClr val="tx1"/>
+              </a:solidFill>
+            </a:endParaRPr>
+          </a:p>
+        </p:txBody>
+      </p:sp>
+      <p:sp>
+        <p:nvSpPr>
+          <p:cNvPr id="54" name="矩形 53">
+            <a:extLst>
+              <a:ext uri="{FF2B5EF4-FFF2-40B4-BE49-F238E27FC236}">
+                <a16:creationId xmlns:a16="http://schemas.microsoft.com/office/drawing/2014/main" id="{B6E80CC9-8055-BD4F-8906-21CF9698B473}"/>
+              </a:ext>
+            </a:extLst>
+          </p:cNvPr>
+          <p:cNvSpPr/>
+          <p:nvPr/>
+        </p:nvSpPr>
+        <p:spPr>
+          <a:xfrm>
+            <a:off x="4025693" y="3637354"/>
+            <a:ext cx="3926210" cy="319361"/>
+          </a:xfrm>
+          <a:prstGeom prst="rect">
+            <a:avLst/>
+          </a:prstGeom>
+          <a:noFill/>
+          <a:ln>
+            <a:noFill/>
+          </a:ln>
+          <a:effectLst>
+            <a:outerShdw blurRad="50800" dist="38100" dir="2700000" algn="tl" rotWithShape="0">
+              <a:prstClr val="black">
+                <a:alpha val="40000"/>
+              </a:prstClr>
+            </a:outerShdw>
+          </a:effectLst>
+        </p:spPr>
+        <p:style>
+          <a:lnRef idx="2">
+            <a:schemeClr val="accent1">
+              <a:shade val="50000"/>
+            </a:schemeClr>
+          </a:lnRef>
+          <a:fillRef idx="1">
+            <a:schemeClr val="accent1"/>
+          </a:fillRef>
+          <a:effectRef idx="0">
+            <a:schemeClr val="accent1"/>
+          </a:effectRef>
+          <a:fontRef idx="minor">
+            <a:schemeClr val="lt1"/>
+          </a:fontRef>
+        </p:style>
+        <p:txBody>
+          <a:bodyPr rtlCol="0" anchor="ctr"/>
+          <a:lstStyle/>
+          <a:p>
+            <a:r>
+              <a:rPr lang="zh-CN" altLang="en-US" sz="1200" dirty="0">
+                <a:solidFill>
+                  <a:schemeClr val="tx1"/>
+                </a:solidFill>
+              </a:rPr>
+              <a:t>存储数据，生成</a:t>
+            </a:r>
+            <a:r>
+              <a:rPr lang="en-US" altLang="zh-CN" sz="1200" dirty="0">
+                <a:solidFill>
+                  <a:schemeClr val="tx1"/>
+                </a:solidFill>
+              </a:rPr>
+              <a:t>row_hash</a:t>
+            </a:r>
+            <a:r>
+              <a:rPr lang="zh-CN" altLang="en-US" sz="1200" dirty="0">
+                <a:solidFill>
+                  <a:schemeClr val="tx1"/>
+                </a:solidFill>
+              </a:rPr>
+              <a:t>，生成</a:t>
+            </a:r>
+            <a:r>
+              <a:rPr lang="en-US" altLang="zh-CN" sz="1200" dirty="0">
+                <a:solidFill>
+                  <a:schemeClr val="tx1"/>
+                </a:solidFill>
+              </a:rPr>
+              <a:t>ins_hash</a:t>
+            </a:r>
+            <a:r>
+              <a:rPr lang="zh-CN" altLang="en-US" sz="1200" dirty="0">
+                <a:solidFill>
+                  <a:schemeClr val="tx1"/>
+                </a:solidFill>
+              </a:rPr>
+              <a:t>，生成</a:t>
+            </a:r>
+            <a:r>
+              <a:rPr lang="en-US" altLang="zh-CN" sz="1200" dirty="0">
+                <a:solidFill>
+                  <a:schemeClr val="tx1"/>
+                </a:solidFill>
+              </a:rPr>
+              <a:t>del_hash</a:t>
+            </a:r>
+            <a:endParaRPr lang="zh-CN" altLang="en-US" sz="1200" dirty="0">
+              <a:solidFill>
+                <a:schemeClr val="tx1"/>
+              </a:solidFill>
+            </a:endParaRPr>
+          </a:p>
+        </p:txBody>
+      </p:sp>
+      <p:cxnSp>
+        <p:nvCxnSpPr>
+          <p:cNvPr id="55" name="直接箭头连接符 47">
+            <a:extLst>
+              <a:ext uri="{FF2B5EF4-FFF2-40B4-BE49-F238E27FC236}">
+                <a16:creationId xmlns:a16="http://schemas.microsoft.com/office/drawing/2014/main" id="{0303561B-2C34-8940-8BBE-2A4C8AF50E02}"/>
+              </a:ext>
+            </a:extLst>
+          </p:cNvPr>
+          <p:cNvCxnSpPr>
+            <a:cxnSpLocks/>
+          </p:cNvCxnSpPr>
+          <p:nvPr/>
+        </p:nvCxnSpPr>
+        <p:spPr>
+          <a:xfrm>
+            <a:off x="4068588" y="3956715"/>
+            <a:ext cx="3804042" cy="0"/>
+          </a:xfrm>
+          <a:prstGeom prst="straightConnector1">
+            <a:avLst/>
+          </a:prstGeom>
+          <a:ln>
+            <a:tailEnd type="triangle"/>
+          </a:ln>
+        </p:spPr>
+        <p:style>
+          <a:lnRef idx="1">
+            <a:schemeClr val="accent1"/>
+          </a:lnRef>
+          <a:fillRef idx="0">
+            <a:schemeClr val="accent1"/>
+          </a:fillRef>
+          <a:effectRef idx="0">
+            <a:schemeClr val="accent1"/>
+          </a:effectRef>
+          <a:fontRef idx="minor">
+            <a:schemeClr val="tx1"/>
+          </a:fontRef>
+        </p:style>
+      </p:cxnSp>
+      <p:graphicFrame>
+        <p:nvGraphicFramePr>
+          <p:cNvPr id="56" name="表格 28">
+            <a:extLst>
+              <a:ext uri="{FF2B5EF4-FFF2-40B4-BE49-F238E27FC236}">
+                <a16:creationId xmlns:a16="http://schemas.microsoft.com/office/drawing/2014/main" id="{DC65FF9E-3AEA-714B-9A6B-5B17A00409A5}"/>
+              </a:ext>
+            </a:extLst>
+          </p:cNvPr>
+          <p:cNvGraphicFramePr>
+            <a:graphicFrameLocks noGrp="1"/>
+          </p:cNvGraphicFramePr>
+          <p:nvPr>
+            <p:extLst>
+              <p:ext uri="{D42A27DB-BD31-4B8C-83A1-F6EECF244321}">
+                <p14:modId xmlns:p14="http://schemas.microsoft.com/office/powerpoint/2010/main" val="369856382"/>
+              </p:ext>
+            </p:extLst>
+          </p:nvPr>
+        </p:nvGraphicFramePr>
+        <p:xfrm>
+          <a:off x="7984772" y="3817571"/>
+          <a:ext cx="1667595" cy="437760"/>
+        </p:xfrm>
+        <a:graphic>
+          <a:graphicData uri="http://schemas.openxmlformats.org/drawingml/2006/table">
+            <a:tbl>
+              <a:tblPr firstRow="1" bandRow="1">
+                <a:tableStyleId>{5940675A-B579-460E-94D1-54222C63F5DA}</a:tableStyleId>
+              </a:tblPr>
+              <a:tblGrid>
+                <a:gridCol w="521099">
+                  <a:extLst>
+                    <a:ext uri="{9D8B030D-6E8A-4147-A177-3AD203B41FA5}">
+                      <a16:colId xmlns:a16="http://schemas.microsoft.com/office/drawing/2014/main" val="729393436"/>
+                    </a:ext>
+                  </a:extLst>
+                </a:gridCol>
+                <a:gridCol w="417193">
+                  <a:extLst>
+                    <a:ext uri="{9D8B030D-6E8A-4147-A177-3AD203B41FA5}">
+                      <a16:colId xmlns:a16="http://schemas.microsoft.com/office/drawing/2014/main" val="3665419905"/>
+                    </a:ext>
+                  </a:extLst>
+                </a:gridCol>
+                <a:gridCol w="729303">
+                  <a:extLst>
+                    <a:ext uri="{9D8B030D-6E8A-4147-A177-3AD203B41FA5}">
+                      <a16:colId xmlns:a16="http://schemas.microsoft.com/office/drawing/2014/main" val="3985002405"/>
+                    </a:ext>
+                  </a:extLst>
+                </a:gridCol>
+              </a:tblGrid>
+              <a:tr h="0">
+                <a:tc>
+                  <a:txBody>
+                    <a:bodyPr/>
+                    <a:lstStyle/>
+                    <a:p>
+                      <a:pPr algn="ctr"/>
+                      <a:r>
+                        <a:rPr lang="en-US" altLang="zh-CN" sz="1200" b="1" dirty="0"/>
+                        <a:t>c1</a:t>
+                      </a:r>
+                      <a:endParaRPr lang="zh-CN" altLang="en-US" sz="1200" b="1" dirty="0"/>
+                    </a:p>
+                  </a:txBody>
+                  <a:tcPr marL="18000" marR="18000" marT="18000" marB="18000">
+                    <a:lnL w="12700" cap="flat" cmpd="sng" algn="ctr">
+                      <a:solidFill>
+                        <a:schemeClr val="accent1">
+                          <a:lumMod val="40000"/>
+                          <a:lumOff val="60000"/>
+                        </a:schemeClr>
+                      </a:solidFill>
+                      <a:prstDash val="solid"/>
+                      <a:round/>
+                      <a:headEnd type="none" w="med" len="med"/>
+                      <a:tailEnd type="none" w="med" len="med"/>
+                    </a:lnL>
+                    <a:lnR w="12700" cap="flat" cmpd="sng" algn="ctr">
+                      <a:solidFill>
+                        <a:schemeClr val="accent1">
+                          <a:lumMod val="40000"/>
+                          <a:lumOff val="60000"/>
+                        </a:schemeClr>
+                      </a:solidFill>
+                      <a:prstDash val="solid"/>
+                      <a:round/>
+                      <a:headEnd type="none" w="med" len="med"/>
+                      <a:tailEnd type="none" w="med" len="med"/>
+                    </a:lnR>
+                    <a:lnT w="12700" cap="flat" cmpd="sng" algn="ctr">
+                      <a:solidFill>
+                        <a:schemeClr val="accent1">
+                          <a:lumMod val="40000"/>
+                          <a:lumOff val="60000"/>
+                        </a:schemeClr>
+                      </a:solidFill>
+                      <a:prstDash val="solid"/>
+                      <a:round/>
+                      <a:headEnd type="none" w="med" len="med"/>
+                      <a:tailEnd type="none" w="med" len="med"/>
+                    </a:lnT>
+                    <a:lnB w="12700" cap="flat" cmpd="sng" algn="ctr">
+                      <a:solidFill>
+                        <a:schemeClr val="accent1">
+                          <a:lumMod val="40000"/>
+                          <a:lumOff val="60000"/>
+                        </a:schemeClr>
+                      </a:solidFill>
+                      <a:prstDash val="solid"/>
+                      <a:round/>
+                      <a:headEnd type="none" w="med" len="med"/>
+                      <a:tailEnd type="none" w="med" len="med"/>
+                    </a:lnB>
+                    <a:solidFill>
+                      <a:schemeClr val="bg1">
+                        <a:lumMod val="85000"/>
+                      </a:schemeClr>
+                    </a:solidFill>
+                  </a:tcPr>
+                </a:tc>
+                <a:tc>
+                  <a:txBody>
+                    <a:bodyPr/>
+                    <a:lstStyle/>
+                    <a:p>
+                      <a:pPr algn="ctr"/>
+                      <a:r>
+                        <a:rPr lang="en-US" altLang="zh-CN" sz="1200" b="1" dirty="0"/>
+                        <a:t>c2</a:t>
+                      </a:r>
+                      <a:endParaRPr lang="zh-CN" altLang="en-US" sz="1200" b="1" dirty="0"/>
+                    </a:p>
+                  </a:txBody>
+                  <a:tcPr marL="18000" marR="18000" marT="18000" marB="18000">
+                    <a:lnL w="12700" cap="flat" cmpd="sng" algn="ctr">
+                      <a:solidFill>
+                        <a:schemeClr val="accent1">
+                          <a:lumMod val="40000"/>
+                          <a:lumOff val="60000"/>
+                        </a:schemeClr>
+                      </a:solidFill>
+                      <a:prstDash val="solid"/>
+                      <a:round/>
+                      <a:headEnd type="none" w="med" len="med"/>
+                      <a:tailEnd type="none" w="med" len="med"/>
+                    </a:lnL>
+                    <a:lnR w="12700" cap="flat" cmpd="sng" algn="ctr">
+                      <a:solidFill>
+                        <a:schemeClr val="accent1">
+                          <a:lumMod val="40000"/>
+                          <a:lumOff val="60000"/>
+                        </a:schemeClr>
+                      </a:solidFill>
+                      <a:prstDash val="solid"/>
+                      <a:round/>
+                      <a:headEnd type="none" w="med" len="med"/>
+                      <a:tailEnd type="none" w="med" len="med"/>
+                    </a:lnR>
+                    <a:lnT w="12700" cap="flat" cmpd="sng" algn="ctr">
+                      <a:solidFill>
+                        <a:schemeClr val="accent1">
+                          <a:lumMod val="40000"/>
+                          <a:lumOff val="60000"/>
+                        </a:schemeClr>
+                      </a:solidFill>
+                      <a:prstDash val="solid"/>
+                      <a:round/>
+                      <a:headEnd type="none" w="med" len="med"/>
+                      <a:tailEnd type="none" w="med" len="med"/>
+                    </a:lnT>
+                    <a:lnB w="12700" cap="flat" cmpd="sng" algn="ctr">
+                      <a:solidFill>
+                        <a:schemeClr val="accent1">
+                          <a:lumMod val="40000"/>
+                          <a:lumOff val="60000"/>
+                        </a:schemeClr>
+                      </a:solidFill>
+                      <a:prstDash val="solid"/>
+                      <a:round/>
+                      <a:headEnd type="none" w="med" len="med"/>
+                      <a:tailEnd type="none" w="med" len="med"/>
+                    </a:lnB>
+                    <a:solidFill>
+                      <a:schemeClr val="bg1">
+                        <a:lumMod val="85000"/>
+                      </a:schemeClr>
+                    </a:solidFill>
+                  </a:tcPr>
+                </a:tc>
+                <a:tc>
+                  <a:txBody>
+                    <a:bodyPr/>
+                    <a:lstStyle/>
+                    <a:p>
+                      <a:pPr algn="ctr"/>
+                      <a:r>
+                        <a:rPr lang="en-US" altLang="zh-CN" sz="1200" b="1" dirty="0"/>
+                        <a:t>row_hash</a:t>
+                      </a:r>
+                      <a:endParaRPr lang="zh-CN" altLang="en-US" sz="1200" b="1" dirty="0"/>
+                    </a:p>
+                  </a:txBody>
+                  <a:tcPr marL="18000" marR="18000" marT="18000" marB="18000">
+                    <a:lnL w="12700" cap="flat" cmpd="sng" algn="ctr">
+                      <a:solidFill>
+                        <a:schemeClr val="accent1">
+                          <a:lumMod val="40000"/>
+                          <a:lumOff val="60000"/>
+                        </a:schemeClr>
+                      </a:solidFill>
+                      <a:prstDash val="solid"/>
+                      <a:round/>
+                      <a:headEnd type="none" w="med" len="med"/>
+                      <a:tailEnd type="none" w="med" len="med"/>
+                    </a:lnL>
+                    <a:lnR w="12700" cap="flat" cmpd="sng" algn="ctr">
+                      <a:solidFill>
+                        <a:schemeClr val="accent1">
+                          <a:lumMod val="40000"/>
+                          <a:lumOff val="60000"/>
+                        </a:schemeClr>
+                      </a:solidFill>
+                      <a:prstDash val="solid"/>
+                      <a:round/>
+                      <a:headEnd type="none" w="med" len="med"/>
+                      <a:tailEnd type="none" w="med" len="med"/>
+                    </a:lnR>
+                    <a:lnT w="12700" cap="flat" cmpd="sng" algn="ctr">
+                      <a:solidFill>
+                        <a:schemeClr val="accent1">
+                          <a:lumMod val="40000"/>
+                          <a:lumOff val="60000"/>
+                        </a:schemeClr>
+                      </a:solidFill>
+                      <a:prstDash val="solid"/>
+                      <a:round/>
+                      <a:headEnd type="none" w="med" len="med"/>
+                      <a:tailEnd type="none" w="med" len="med"/>
+                    </a:lnT>
+                    <a:lnB w="12700" cap="flat" cmpd="sng" algn="ctr">
+                      <a:solidFill>
+                        <a:schemeClr val="accent1">
+                          <a:lumMod val="40000"/>
+                          <a:lumOff val="60000"/>
+                        </a:schemeClr>
+                      </a:solidFill>
+                      <a:prstDash val="solid"/>
+                      <a:round/>
+                      <a:headEnd type="none" w="med" len="med"/>
+                      <a:tailEnd type="none" w="med" len="med"/>
+                    </a:lnB>
+                    <a:solidFill>
+                      <a:schemeClr val="bg1">
+                        <a:lumMod val="85000"/>
+                      </a:schemeClr>
+                    </a:solidFill>
+                  </a:tcPr>
+                </a:tc>
+                <a:extLst>
+                  <a:ext uri="{0D108BD9-81ED-4DB2-BD59-A6C34878D82A}">
+                    <a16:rowId xmlns:a16="http://schemas.microsoft.com/office/drawing/2014/main" val="1124864837"/>
+                  </a:ext>
+                </a:extLst>
+              </a:tr>
+              <a:tr h="0">
+                <a:tc>
+                  <a:txBody>
+                    <a:bodyPr/>
+                    <a:lstStyle/>
+                    <a:p>
+                      <a:r>
+                        <a:rPr lang="en-US" altLang="zh-CN" sz="1200" dirty="0">
+                          <a:solidFill>
+                            <a:srgbClr val="00B050"/>
+                          </a:solidFill>
+                        </a:rPr>
+                        <a:t>1</a:t>
+                      </a:r>
+                      <a:endParaRPr lang="zh-CN" altLang="en-US" sz="1200" dirty="0">
+                        <a:solidFill>
+                          <a:srgbClr val="00B050"/>
+                        </a:solidFill>
+                      </a:endParaRPr>
+                    </a:p>
+                  </a:txBody>
+                  <a:tcPr marL="18000" marR="18000" marT="18000" marB="18000">
+                    <a:lnL w="12700" cap="flat" cmpd="sng" algn="ctr">
+                      <a:solidFill>
+                        <a:schemeClr val="accent1">
+                          <a:lumMod val="40000"/>
+                          <a:lumOff val="60000"/>
+                        </a:schemeClr>
+                      </a:solidFill>
+                      <a:prstDash val="solid"/>
+                      <a:round/>
+                      <a:headEnd type="none" w="med" len="med"/>
+                      <a:tailEnd type="none" w="med" len="med"/>
+                    </a:lnL>
+                    <a:lnR w="12700" cap="flat" cmpd="sng" algn="ctr">
+                      <a:solidFill>
+                        <a:schemeClr val="accent1">
+                          <a:lumMod val="40000"/>
+                          <a:lumOff val="60000"/>
+                        </a:schemeClr>
+                      </a:solidFill>
+                      <a:prstDash val="solid"/>
+                      <a:round/>
+                      <a:headEnd type="none" w="med" len="med"/>
+                      <a:tailEnd type="none" w="med" len="med"/>
+                    </a:lnR>
+                    <a:lnT w="12700" cap="flat" cmpd="sng" algn="ctr">
+                      <a:solidFill>
+                        <a:schemeClr val="accent1">
+                          <a:lumMod val="40000"/>
+                          <a:lumOff val="60000"/>
+                        </a:schemeClr>
+                      </a:solidFill>
+                      <a:prstDash val="solid"/>
+                      <a:round/>
+                      <a:headEnd type="none" w="med" len="med"/>
+                      <a:tailEnd type="none" w="med" len="med"/>
+                    </a:lnT>
+                    <a:lnB w="12700" cap="flat" cmpd="sng" algn="ctr">
+                      <a:solidFill>
+                        <a:schemeClr val="accent1">
+                          <a:lumMod val="40000"/>
+                          <a:lumOff val="60000"/>
+                        </a:schemeClr>
+                      </a:solidFill>
+                      <a:prstDash val="solid"/>
+                      <a:round/>
+                      <a:headEnd type="none" w="med" len="med"/>
+                      <a:tailEnd type="none" w="med" len="med"/>
+                    </a:lnB>
+                  </a:tcPr>
+                </a:tc>
+                <a:tc>
+                  <a:txBody>
+                    <a:bodyPr/>
+                    <a:lstStyle/>
+                    <a:p>
+                      <a:pPr marL="0" marR="0" lvl="0" indent="0" algn="l" defTabSz="914400" rtl="0" eaLnBrk="1" fontAlgn="auto" latinLnBrk="0" hangingPunct="1">
+                        <a:lnSpc>
+                          <a:spcPct val="100000"/>
+                        </a:lnSpc>
+                        <a:spcBef>
+                          <a:spcPts val="0"/>
+                        </a:spcBef>
+                        <a:spcAft>
+                          <a:spcPts val="0"/>
+                        </a:spcAft>
+                        <a:buClrTx/>
+                        <a:buSzTx/>
+                        <a:buFontTx/>
+                        <a:buNone/>
+                        <a:tabLst/>
+                        <a:defRPr/>
+                      </a:pPr>
+                      <a:r>
+                        <a:rPr lang="en-US" altLang="zh-CN" sz="1200" dirty="0">
+                          <a:solidFill>
+                            <a:srgbClr val="00B050"/>
+                          </a:solidFill>
+                        </a:rPr>
+                        <a:t>bb</a:t>
+                      </a:r>
+                      <a:endParaRPr lang="zh-CN" altLang="en-US" sz="1200" dirty="0">
+                        <a:solidFill>
+                          <a:srgbClr val="00B050"/>
+                        </a:solidFill>
+                      </a:endParaRPr>
+                    </a:p>
+                  </a:txBody>
+                  <a:tcPr marL="18000" marR="18000" marT="18000" marB="18000">
+                    <a:lnL w="12700" cap="flat" cmpd="sng" algn="ctr">
+                      <a:solidFill>
+                        <a:schemeClr val="accent1">
+                          <a:lumMod val="40000"/>
+                          <a:lumOff val="60000"/>
+                        </a:schemeClr>
+                      </a:solidFill>
+                      <a:prstDash val="solid"/>
+                      <a:round/>
+                      <a:headEnd type="none" w="med" len="med"/>
+                      <a:tailEnd type="none" w="med" len="med"/>
+                    </a:lnL>
+                    <a:lnR w="12700" cap="flat" cmpd="sng" algn="ctr">
+                      <a:solidFill>
+                        <a:schemeClr val="accent1">
+                          <a:lumMod val="40000"/>
+                          <a:lumOff val="60000"/>
+                        </a:schemeClr>
+                      </a:solidFill>
+                      <a:prstDash val="solid"/>
+                      <a:round/>
+                      <a:headEnd type="none" w="med" len="med"/>
+                      <a:tailEnd type="none" w="med" len="med"/>
+                    </a:lnR>
+                    <a:lnT w="12700" cap="flat" cmpd="sng" algn="ctr">
+                      <a:solidFill>
+                        <a:schemeClr val="accent1">
+                          <a:lumMod val="40000"/>
+                          <a:lumOff val="60000"/>
+                        </a:schemeClr>
+                      </a:solidFill>
+                      <a:prstDash val="solid"/>
+                      <a:round/>
+                      <a:headEnd type="none" w="med" len="med"/>
+                      <a:tailEnd type="none" w="med" len="med"/>
+                    </a:lnT>
+                    <a:lnB w="12700" cap="flat" cmpd="sng" algn="ctr">
+                      <a:solidFill>
+                        <a:schemeClr val="accent1">
+                          <a:lumMod val="40000"/>
+                          <a:lumOff val="60000"/>
+                        </a:schemeClr>
+                      </a:solidFill>
+                      <a:prstDash val="solid"/>
+                      <a:round/>
+                      <a:headEnd type="none" w="med" len="med"/>
+                      <a:tailEnd type="none" w="med" len="med"/>
+                    </a:lnB>
+                  </a:tcPr>
+                </a:tc>
+                <a:tc>
+                  <a:txBody>
+                    <a:bodyPr/>
+                    <a:lstStyle/>
+                    <a:p>
+                      <a:pPr marL="0" marR="0" lvl="0" indent="0" algn="l" defTabSz="914400" rtl="0" eaLnBrk="1" fontAlgn="auto" latinLnBrk="0" hangingPunct="1">
+                        <a:lnSpc>
+                          <a:spcPct val="100000"/>
+                        </a:lnSpc>
+                        <a:spcBef>
+                          <a:spcPts val="0"/>
+                        </a:spcBef>
+                        <a:spcAft>
+                          <a:spcPts val="0"/>
+                        </a:spcAft>
+                        <a:buClrTx/>
+                        <a:buSzTx/>
+                        <a:buFontTx/>
+                        <a:buNone/>
+                        <a:tabLst/>
+                        <a:defRPr/>
+                      </a:pPr>
+                      <a:r>
+                        <a:rPr lang="en-US" altLang="zh-CN" sz="1200" dirty="0">
+                          <a:solidFill>
+                            <a:srgbClr val="00B050"/>
+                          </a:solidFill>
+                        </a:rPr>
+                        <a:t>hash(1</a:t>
+                      </a:r>
+                      <a:r>
+                        <a:rPr lang="zh-CN" altLang="en-US" sz="1200" dirty="0">
+                          <a:solidFill>
+                            <a:srgbClr val="00B050"/>
+                          </a:solidFill>
+                        </a:rPr>
+                        <a:t> </a:t>
+                      </a:r>
+                      <a:r>
+                        <a:rPr lang="en-US" altLang="zh-CN" sz="1200" dirty="0">
+                          <a:solidFill>
+                            <a:srgbClr val="00B050"/>
+                          </a:solidFill>
+                        </a:rPr>
+                        <a:t>bb)</a:t>
+                      </a:r>
+                      <a:endParaRPr lang="zh-CN" altLang="en-US" sz="1200" dirty="0">
+                        <a:solidFill>
+                          <a:srgbClr val="00B050"/>
+                        </a:solidFill>
+                      </a:endParaRPr>
+                    </a:p>
+                  </a:txBody>
+                  <a:tcPr marL="18000" marR="18000" marT="18000" marB="18000">
+                    <a:lnL w="12700" cap="flat" cmpd="sng" algn="ctr">
+                      <a:solidFill>
+                        <a:schemeClr val="accent1">
+                          <a:lumMod val="40000"/>
+                          <a:lumOff val="60000"/>
+                        </a:schemeClr>
+                      </a:solidFill>
+                      <a:prstDash val="solid"/>
+                      <a:round/>
+                      <a:headEnd type="none" w="med" len="med"/>
+                      <a:tailEnd type="none" w="med" len="med"/>
+                    </a:lnL>
+                    <a:lnR w="12700" cap="flat" cmpd="sng" algn="ctr">
+                      <a:solidFill>
+                        <a:schemeClr val="accent1">
+                          <a:lumMod val="40000"/>
+                          <a:lumOff val="60000"/>
+                        </a:schemeClr>
+                      </a:solidFill>
+                      <a:prstDash val="solid"/>
+                      <a:round/>
+                      <a:headEnd type="none" w="med" len="med"/>
+                      <a:tailEnd type="none" w="med" len="med"/>
+                    </a:lnR>
+                    <a:lnT w="12700" cap="flat" cmpd="sng" algn="ctr">
+                      <a:solidFill>
+                        <a:schemeClr val="accent1">
+                          <a:lumMod val="40000"/>
+                          <a:lumOff val="60000"/>
+                        </a:schemeClr>
+                      </a:solidFill>
+                      <a:prstDash val="solid"/>
+                      <a:round/>
+                      <a:headEnd type="none" w="med" len="med"/>
+                      <a:tailEnd type="none" w="med" len="med"/>
+                    </a:lnT>
+                    <a:lnB w="12700" cap="flat" cmpd="sng" algn="ctr">
+                      <a:solidFill>
+                        <a:schemeClr val="accent1">
+                          <a:lumMod val="40000"/>
+                          <a:lumOff val="60000"/>
+                        </a:schemeClr>
+                      </a:solidFill>
+                      <a:prstDash val="solid"/>
+                      <a:round/>
+                      <a:headEnd type="none" w="med" len="med"/>
+                      <a:tailEnd type="none" w="med" len="med"/>
+                    </a:lnB>
+                  </a:tcPr>
+                </a:tc>
+                <a:extLst>
+                  <a:ext uri="{0D108BD9-81ED-4DB2-BD59-A6C34878D82A}">
+                    <a16:rowId xmlns:a16="http://schemas.microsoft.com/office/drawing/2014/main" val="3791216137"/>
+                  </a:ext>
+                </a:extLst>
+              </a:tr>
+            </a:tbl>
+          </a:graphicData>
+        </a:graphic>
+      </p:graphicFrame>
+      <p:sp>
+        <p:nvSpPr>
+          <p:cNvPr id="57" name="矩形 56">
+            <a:extLst>
+              <a:ext uri="{FF2B5EF4-FFF2-40B4-BE49-F238E27FC236}">
+                <a16:creationId xmlns:a16="http://schemas.microsoft.com/office/drawing/2014/main" id="{90810D4D-15F3-AA40-97BD-553E6F92AEFB}"/>
+              </a:ext>
+            </a:extLst>
+          </p:cNvPr>
+          <p:cNvSpPr/>
+          <p:nvPr/>
+        </p:nvSpPr>
+        <p:spPr>
+          <a:xfrm>
+            <a:off x="7903215" y="3527826"/>
+            <a:ext cx="948915" cy="253448"/>
+          </a:xfrm>
+          <a:prstGeom prst="rect">
+            <a:avLst/>
+          </a:prstGeom>
+          <a:noFill/>
+          <a:ln>
+            <a:noFill/>
+          </a:ln>
+          <a:effectLst>
+            <a:outerShdw blurRad="50800" dist="38100" dir="2700000" algn="tl" rotWithShape="0">
+              <a:prstClr val="black">
+                <a:alpha val="40000"/>
+              </a:prstClr>
+            </a:outerShdw>
+          </a:effectLst>
+        </p:spPr>
+        <p:style>
+          <a:lnRef idx="2">
+            <a:schemeClr val="accent1">
+              <a:shade val="50000"/>
+            </a:schemeClr>
+          </a:lnRef>
+          <a:fillRef idx="1">
+            <a:schemeClr val="accent1"/>
+          </a:fillRef>
+          <a:effectRef idx="0">
+            <a:schemeClr val="accent1"/>
+          </a:effectRef>
+          <a:fontRef idx="minor">
+            <a:schemeClr val="lt1"/>
+          </a:fontRef>
+        </p:style>
+        <p:txBody>
+          <a:bodyPr rtlCol="0" anchor="ctr"/>
+          <a:lstStyle/>
+          <a:p>
+            <a:r>
+              <a:rPr lang="zh-CN" altLang="en-US" sz="1200" dirty="0">
+                <a:solidFill>
+                  <a:schemeClr val="tx1"/>
+                </a:solidFill>
+              </a:rPr>
+              <a:t>用户表 </a:t>
+            </a:r>
+            <a:r>
+              <a:rPr lang="en-US" altLang="zh-CN" sz="1200" dirty="0">
+                <a:solidFill>
+                  <a:schemeClr val="tx1"/>
+                </a:solidFill>
+              </a:rPr>
+              <a:t>t1</a:t>
+            </a:r>
+            <a:endParaRPr lang="zh-CN" altLang="en-US" sz="1200" dirty="0">
+              <a:solidFill>
+                <a:schemeClr val="tx1"/>
+              </a:solidFill>
+            </a:endParaRPr>
+          </a:p>
+        </p:txBody>
+      </p:sp>
+      <p:sp>
+        <p:nvSpPr>
+          <p:cNvPr id="58" name="矩形 57">
+            <a:extLst>
+              <a:ext uri="{FF2B5EF4-FFF2-40B4-BE49-F238E27FC236}">
+                <a16:creationId xmlns:a16="http://schemas.microsoft.com/office/drawing/2014/main" id="{DEA92F09-24F2-984A-BA8D-B257FB03D487}"/>
+              </a:ext>
+            </a:extLst>
+          </p:cNvPr>
+          <p:cNvSpPr/>
+          <p:nvPr/>
+        </p:nvSpPr>
+        <p:spPr>
+          <a:xfrm>
+            <a:off x="9762060" y="3527826"/>
+            <a:ext cx="1240258" cy="253448"/>
+          </a:xfrm>
+          <a:prstGeom prst="rect">
+            <a:avLst/>
+          </a:prstGeom>
+          <a:noFill/>
+          <a:ln>
+            <a:noFill/>
+          </a:ln>
+          <a:effectLst>
+            <a:outerShdw blurRad="50800" dist="38100" dir="2700000" algn="tl" rotWithShape="0">
+              <a:prstClr val="black">
+                <a:alpha val="40000"/>
+              </a:prstClr>
+            </a:outerShdw>
+          </a:effectLst>
+        </p:spPr>
+        <p:style>
+          <a:lnRef idx="2">
+            <a:schemeClr val="accent1">
+              <a:shade val="50000"/>
+            </a:schemeClr>
+          </a:lnRef>
+          <a:fillRef idx="1">
+            <a:schemeClr val="accent1"/>
+          </a:fillRef>
+          <a:effectRef idx="0">
+            <a:schemeClr val="accent1"/>
+          </a:effectRef>
+          <a:fontRef idx="minor">
+            <a:schemeClr val="lt1"/>
+          </a:fontRef>
+        </p:style>
+        <p:txBody>
+          <a:bodyPr rtlCol="0" anchor="ctr"/>
+          <a:lstStyle/>
+          <a:p>
+            <a:r>
+              <a:rPr lang="zh-CN" altLang="en-US" sz="1200" dirty="0">
+                <a:solidFill>
+                  <a:schemeClr val="tx1"/>
+                </a:solidFill>
+              </a:rPr>
+              <a:t>历史表 </a:t>
+            </a:r>
+            <a:r>
+              <a:rPr lang="en-US" altLang="zh-CN" sz="1200" dirty="0">
+                <a:solidFill>
+                  <a:schemeClr val="tx1"/>
+                </a:solidFill>
+              </a:rPr>
+              <a:t>t1_hist</a:t>
+            </a:r>
+            <a:endParaRPr lang="zh-CN" altLang="en-US" sz="1200" dirty="0">
+              <a:solidFill>
+                <a:schemeClr val="tx1"/>
+              </a:solidFill>
+            </a:endParaRPr>
+          </a:p>
+        </p:txBody>
+      </p:sp>
+      <p:graphicFrame>
+        <p:nvGraphicFramePr>
+          <p:cNvPr id="59" name="表格 28">
+            <a:extLst>
+              <a:ext uri="{FF2B5EF4-FFF2-40B4-BE49-F238E27FC236}">
+                <a16:creationId xmlns:a16="http://schemas.microsoft.com/office/drawing/2014/main" id="{CF97F78F-4015-B84B-8D4D-C63846488C82}"/>
+              </a:ext>
+            </a:extLst>
+          </p:cNvPr>
+          <p:cNvGraphicFramePr>
+            <a:graphicFrameLocks noGrp="1"/>
+          </p:cNvGraphicFramePr>
+          <p:nvPr>
+            <p:extLst>
+              <p:ext uri="{D42A27DB-BD31-4B8C-83A1-F6EECF244321}">
+                <p14:modId xmlns:p14="http://schemas.microsoft.com/office/powerpoint/2010/main" val="2455155999"/>
+              </p:ext>
+            </p:extLst>
+          </p:nvPr>
+        </p:nvGraphicFramePr>
+        <p:xfrm>
+          <a:off x="9798814" y="3812227"/>
+          <a:ext cx="2105091" cy="656640"/>
+        </p:xfrm>
+        <a:graphic>
+          <a:graphicData uri="http://schemas.openxmlformats.org/drawingml/2006/table">
+            <a:tbl>
+              <a:tblPr firstRow="1" bandRow="1">
+                <a:tableStyleId>{5940675A-B579-460E-94D1-54222C63F5DA}</a:tableStyleId>
+              </a:tblPr>
+              <a:tblGrid>
+                <a:gridCol w="717601">
+                  <a:extLst>
+                    <a:ext uri="{9D8B030D-6E8A-4147-A177-3AD203B41FA5}">
+                      <a16:colId xmlns:a16="http://schemas.microsoft.com/office/drawing/2014/main" val="729393436"/>
+                    </a:ext>
+                  </a:extLst>
+                </a:gridCol>
+                <a:gridCol w="718522">
+                  <a:extLst>
+                    <a:ext uri="{9D8B030D-6E8A-4147-A177-3AD203B41FA5}">
+                      <a16:colId xmlns:a16="http://schemas.microsoft.com/office/drawing/2014/main" val="3665419905"/>
+                    </a:ext>
+                  </a:extLst>
+                </a:gridCol>
+                <a:gridCol w="668968">
+                  <a:extLst>
+                    <a:ext uri="{9D8B030D-6E8A-4147-A177-3AD203B41FA5}">
+                      <a16:colId xmlns:a16="http://schemas.microsoft.com/office/drawing/2014/main" val="3985002405"/>
+                    </a:ext>
+                  </a:extLst>
+                </a:gridCol>
+              </a:tblGrid>
+              <a:tr h="0">
+                <a:tc>
+                  <a:txBody>
+                    <a:bodyPr/>
+                    <a:lstStyle/>
+                    <a:p>
+                      <a:pPr algn="ctr"/>
+                      <a:r>
+                        <a:rPr lang="en-US" altLang="zh-CN" sz="1200" b="1" dirty="0"/>
+                        <a:t>ins_hash</a:t>
+                      </a:r>
+                      <a:endParaRPr lang="zh-CN" altLang="en-US" sz="1200" b="1" dirty="0"/>
+                    </a:p>
+                  </a:txBody>
+                  <a:tcPr marL="18000" marR="18000" marT="18000" marB="18000">
+                    <a:lnL w="12700" cap="flat" cmpd="sng" algn="ctr">
+                      <a:solidFill>
+                        <a:schemeClr val="accent1">
+                          <a:lumMod val="40000"/>
+                          <a:lumOff val="60000"/>
+                        </a:schemeClr>
+                      </a:solidFill>
+                      <a:prstDash val="solid"/>
+                      <a:round/>
+                      <a:headEnd type="none" w="med" len="med"/>
+                      <a:tailEnd type="none" w="med" len="med"/>
+                    </a:lnL>
+                    <a:lnR w="12700" cap="flat" cmpd="sng" algn="ctr">
+                      <a:solidFill>
+                        <a:schemeClr val="accent1">
+                          <a:lumMod val="40000"/>
+                          <a:lumOff val="60000"/>
+                        </a:schemeClr>
+                      </a:solidFill>
+                      <a:prstDash val="solid"/>
+                      <a:round/>
+                      <a:headEnd type="none" w="med" len="med"/>
+                      <a:tailEnd type="none" w="med" len="med"/>
+                    </a:lnR>
+                    <a:lnT w="12700" cap="flat" cmpd="sng" algn="ctr">
+                      <a:solidFill>
+                        <a:schemeClr val="accent1">
+                          <a:lumMod val="40000"/>
+                          <a:lumOff val="60000"/>
+                        </a:schemeClr>
+                      </a:solidFill>
+                      <a:prstDash val="solid"/>
+                      <a:round/>
+                      <a:headEnd type="none" w="med" len="med"/>
+                      <a:tailEnd type="none" w="med" len="med"/>
+                    </a:lnT>
+                    <a:lnB w="12700" cap="flat" cmpd="sng" algn="ctr">
+                      <a:solidFill>
+                        <a:schemeClr val="accent1">
+                          <a:lumMod val="40000"/>
+                          <a:lumOff val="60000"/>
+                        </a:schemeClr>
+                      </a:solidFill>
+                      <a:prstDash val="solid"/>
+                      <a:round/>
+                      <a:headEnd type="none" w="med" len="med"/>
+                      <a:tailEnd type="none" w="med" len="med"/>
+                    </a:lnB>
+                    <a:solidFill>
+                      <a:schemeClr val="bg1">
+                        <a:lumMod val="85000"/>
+                      </a:schemeClr>
+                    </a:solidFill>
+                  </a:tcPr>
+                </a:tc>
+                <a:tc>
+                  <a:txBody>
+                    <a:bodyPr/>
+                    <a:lstStyle/>
+                    <a:p>
+                      <a:pPr algn="ctr"/>
+                      <a:r>
+                        <a:rPr lang="en-US" altLang="zh-CN" sz="1200" b="1" dirty="0"/>
+                        <a:t>del_hash</a:t>
+                      </a:r>
+                      <a:endParaRPr lang="zh-CN" altLang="en-US" sz="1200" b="1" dirty="0"/>
+                    </a:p>
+                  </a:txBody>
+                  <a:tcPr marL="18000" marR="18000" marT="18000" marB="18000">
+                    <a:lnL w="12700" cap="flat" cmpd="sng" algn="ctr">
+                      <a:solidFill>
+                        <a:schemeClr val="accent1">
+                          <a:lumMod val="40000"/>
+                          <a:lumOff val="60000"/>
+                        </a:schemeClr>
+                      </a:solidFill>
+                      <a:prstDash val="solid"/>
+                      <a:round/>
+                      <a:headEnd type="none" w="med" len="med"/>
+                      <a:tailEnd type="none" w="med" len="med"/>
+                    </a:lnL>
+                    <a:lnR w="12700" cap="flat" cmpd="sng" algn="ctr">
+                      <a:solidFill>
+                        <a:schemeClr val="accent1">
+                          <a:lumMod val="40000"/>
+                          <a:lumOff val="60000"/>
+                        </a:schemeClr>
+                      </a:solidFill>
+                      <a:prstDash val="solid"/>
+                      <a:round/>
+                      <a:headEnd type="none" w="med" len="med"/>
+                      <a:tailEnd type="none" w="med" len="med"/>
+                    </a:lnR>
+                    <a:lnT w="12700" cap="flat" cmpd="sng" algn="ctr">
+                      <a:solidFill>
+                        <a:schemeClr val="accent1">
+                          <a:lumMod val="40000"/>
+                          <a:lumOff val="60000"/>
+                        </a:schemeClr>
+                      </a:solidFill>
+                      <a:prstDash val="solid"/>
+                      <a:round/>
+                      <a:headEnd type="none" w="med" len="med"/>
+                      <a:tailEnd type="none" w="med" len="med"/>
+                    </a:lnT>
+                    <a:lnB w="12700" cap="flat" cmpd="sng" algn="ctr">
+                      <a:solidFill>
+                        <a:schemeClr val="accent1">
+                          <a:lumMod val="40000"/>
+                          <a:lumOff val="60000"/>
+                        </a:schemeClr>
+                      </a:solidFill>
+                      <a:prstDash val="solid"/>
+                      <a:round/>
+                      <a:headEnd type="none" w="med" len="med"/>
+                      <a:tailEnd type="none" w="med" len="med"/>
+                    </a:lnB>
+                    <a:solidFill>
+                      <a:schemeClr val="bg1">
+                        <a:lumMod val="85000"/>
+                      </a:schemeClr>
+                    </a:solidFill>
+                  </a:tcPr>
+                </a:tc>
+                <a:tc>
+                  <a:txBody>
+                    <a:bodyPr/>
+                    <a:lstStyle/>
+                    <a:p>
+                      <a:pPr algn="ctr"/>
+                      <a:r>
+                        <a:rPr lang="en-US" altLang="zh-CN" sz="1200" b="1" dirty="0"/>
+                        <a:t>hash</a:t>
+                      </a:r>
+                      <a:endParaRPr lang="zh-CN" altLang="en-US" sz="1200" b="1" dirty="0"/>
+                    </a:p>
+                  </a:txBody>
+                  <a:tcPr marL="18000" marR="18000" marT="18000" marB="18000">
+                    <a:lnL w="12700" cap="flat" cmpd="sng" algn="ctr">
+                      <a:solidFill>
+                        <a:schemeClr val="accent1">
+                          <a:lumMod val="40000"/>
+                          <a:lumOff val="60000"/>
+                        </a:schemeClr>
+                      </a:solidFill>
+                      <a:prstDash val="solid"/>
+                      <a:round/>
+                      <a:headEnd type="none" w="med" len="med"/>
+                      <a:tailEnd type="none" w="med" len="med"/>
+                    </a:lnL>
+                    <a:lnR w="12700" cap="flat" cmpd="sng" algn="ctr">
+                      <a:solidFill>
+                        <a:schemeClr val="accent1">
+                          <a:lumMod val="40000"/>
+                          <a:lumOff val="60000"/>
+                        </a:schemeClr>
+                      </a:solidFill>
+                      <a:prstDash val="solid"/>
+                      <a:round/>
+                      <a:headEnd type="none" w="med" len="med"/>
+                      <a:tailEnd type="none" w="med" len="med"/>
+                    </a:lnR>
+                    <a:lnT w="12700" cap="flat" cmpd="sng" algn="ctr">
+                      <a:solidFill>
+                        <a:schemeClr val="accent1">
+                          <a:lumMod val="40000"/>
+                          <a:lumOff val="60000"/>
+                        </a:schemeClr>
+                      </a:solidFill>
+                      <a:prstDash val="solid"/>
+                      <a:round/>
+                      <a:headEnd type="none" w="med" len="med"/>
+                      <a:tailEnd type="none" w="med" len="med"/>
+                    </a:lnT>
+                    <a:lnB w="12700" cap="flat" cmpd="sng" algn="ctr">
+                      <a:solidFill>
+                        <a:schemeClr val="accent1">
+                          <a:lumMod val="40000"/>
+                          <a:lumOff val="60000"/>
+                        </a:schemeClr>
+                      </a:solidFill>
+                      <a:prstDash val="solid"/>
+                      <a:round/>
+                      <a:headEnd type="none" w="med" len="med"/>
+                      <a:tailEnd type="none" w="med" len="med"/>
+                    </a:lnB>
+                    <a:solidFill>
+                      <a:schemeClr val="bg1">
+                        <a:lumMod val="85000"/>
+                      </a:schemeClr>
+                    </a:solidFill>
+                  </a:tcPr>
+                </a:tc>
+                <a:extLst>
+                  <a:ext uri="{0D108BD9-81ED-4DB2-BD59-A6C34878D82A}">
+                    <a16:rowId xmlns:a16="http://schemas.microsoft.com/office/drawing/2014/main" val="1124864837"/>
+                  </a:ext>
+                </a:extLst>
+              </a:tr>
+              <a:tr h="0">
+                <a:tc>
+                  <a:txBody>
+                    <a:bodyPr/>
+                    <a:lstStyle/>
+                    <a:p>
+                      <a:r>
+                        <a:rPr lang="en-US" altLang="zh-CN" sz="1200" dirty="0">
+                          <a:solidFill>
+                            <a:srgbClr val="00B050"/>
+                          </a:solidFill>
+                        </a:rPr>
+                        <a:t>hash(1</a:t>
+                      </a:r>
+                      <a:r>
+                        <a:rPr lang="zh-CN" altLang="en-US" sz="1200" dirty="0">
+                          <a:solidFill>
+                            <a:srgbClr val="00B050"/>
+                          </a:solidFill>
+                        </a:rPr>
+                        <a:t> </a:t>
+                      </a:r>
+                      <a:r>
+                        <a:rPr lang="en-US" altLang="zh-CN" sz="1200" dirty="0">
+                          <a:solidFill>
+                            <a:srgbClr val="00B050"/>
+                          </a:solidFill>
+                        </a:rPr>
+                        <a:t>aa)</a:t>
+                      </a:r>
+                      <a:endParaRPr lang="zh-CN" altLang="en-US" sz="1200" dirty="0">
+                        <a:solidFill>
+                          <a:srgbClr val="00B050"/>
+                        </a:solidFill>
+                      </a:endParaRPr>
+                    </a:p>
+                  </a:txBody>
+                  <a:tcPr marL="18000" marR="18000" marT="18000" marB="18000">
+                    <a:lnL w="12700" cap="flat" cmpd="sng" algn="ctr">
+                      <a:solidFill>
+                        <a:schemeClr val="accent1">
+                          <a:lumMod val="40000"/>
+                          <a:lumOff val="60000"/>
+                        </a:schemeClr>
+                      </a:solidFill>
+                      <a:prstDash val="solid"/>
+                      <a:round/>
+                      <a:headEnd type="none" w="med" len="med"/>
+                      <a:tailEnd type="none" w="med" len="med"/>
+                    </a:lnL>
+                    <a:lnR w="12700" cap="flat" cmpd="sng" algn="ctr">
+                      <a:solidFill>
+                        <a:schemeClr val="accent1">
+                          <a:lumMod val="40000"/>
+                          <a:lumOff val="60000"/>
+                        </a:schemeClr>
+                      </a:solidFill>
+                      <a:prstDash val="solid"/>
+                      <a:round/>
+                      <a:headEnd type="none" w="med" len="med"/>
+                      <a:tailEnd type="none" w="med" len="med"/>
+                    </a:lnR>
+                    <a:lnT w="12700" cap="flat" cmpd="sng" algn="ctr">
+                      <a:solidFill>
+                        <a:schemeClr val="accent1">
+                          <a:lumMod val="40000"/>
+                          <a:lumOff val="60000"/>
+                        </a:schemeClr>
+                      </a:solidFill>
+                      <a:prstDash val="solid"/>
+                      <a:round/>
+                      <a:headEnd type="none" w="med" len="med"/>
+                      <a:tailEnd type="none" w="med" len="med"/>
+                    </a:lnT>
+                    <a:lnB w="12700" cap="flat" cmpd="sng" algn="ctr">
+                      <a:solidFill>
+                        <a:schemeClr val="accent1">
+                          <a:lumMod val="40000"/>
+                          <a:lumOff val="60000"/>
+                        </a:schemeClr>
+                      </a:solidFill>
+                      <a:prstDash val="solid"/>
+                      <a:round/>
+                      <a:headEnd type="none" w="med" len="med"/>
+                      <a:tailEnd type="none" w="med" len="med"/>
+                    </a:lnB>
+                  </a:tcPr>
+                </a:tc>
+                <a:tc>
+                  <a:txBody>
+                    <a:bodyPr/>
+                    <a:lstStyle/>
+                    <a:p>
+                      <a:pPr marL="0" marR="0" lvl="0" indent="0" algn="l" defTabSz="914400" rtl="0" eaLnBrk="1" fontAlgn="auto" latinLnBrk="0" hangingPunct="1">
+                        <a:lnSpc>
+                          <a:spcPct val="100000"/>
+                        </a:lnSpc>
+                        <a:spcBef>
+                          <a:spcPts val="0"/>
+                        </a:spcBef>
+                        <a:spcAft>
+                          <a:spcPts val="0"/>
+                        </a:spcAft>
+                        <a:buClrTx/>
+                        <a:buSzTx/>
+                        <a:buFontTx/>
+                        <a:buNone/>
+                        <a:tabLst/>
+                        <a:defRPr/>
+                      </a:pPr>
+                      <a:endParaRPr lang="zh-CN" altLang="en-US" sz="1200" dirty="0">
+                        <a:solidFill>
+                          <a:srgbClr val="00B050"/>
+                        </a:solidFill>
+                      </a:endParaRPr>
+                    </a:p>
+                  </a:txBody>
+                  <a:tcPr marL="18000" marR="18000" marT="18000" marB="18000">
+                    <a:lnL w="12700" cap="flat" cmpd="sng" algn="ctr">
+                      <a:solidFill>
+                        <a:schemeClr val="accent1">
+                          <a:lumMod val="40000"/>
+                          <a:lumOff val="60000"/>
+                        </a:schemeClr>
+                      </a:solidFill>
+                      <a:prstDash val="solid"/>
+                      <a:round/>
+                      <a:headEnd type="none" w="med" len="med"/>
+                      <a:tailEnd type="none" w="med" len="med"/>
+                    </a:lnL>
+                    <a:lnR w="12700" cap="flat" cmpd="sng" algn="ctr">
+                      <a:solidFill>
+                        <a:schemeClr val="accent1">
+                          <a:lumMod val="40000"/>
+                          <a:lumOff val="60000"/>
+                        </a:schemeClr>
+                      </a:solidFill>
+                      <a:prstDash val="solid"/>
+                      <a:round/>
+                      <a:headEnd type="none" w="med" len="med"/>
+                      <a:tailEnd type="none" w="med" len="med"/>
+                    </a:lnR>
+                    <a:lnT w="12700" cap="flat" cmpd="sng" algn="ctr">
+                      <a:solidFill>
+                        <a:schemeClr val="accent1">
+                          <a:lumMod val="40000"/>
+                          <a:lumOff val="60000"/>
+                        </a:schemeClr>
+                      </a:solidFill>
+                      <a:prstDash val="solid"/>
+                      <a:round/>
+                      <a:headEnd type="none" w="med" len="med"/>
+                      <a:tailEnd type="none" w="med" len="med"/>
+                    </a:lnT>
+                    <a:lnB w="12700" cap="flat" cmpd="sng" algn="ctr">
+                      <a:solidFill>
+                        <a:schemeClr val="accent1">
+                          <a:lumMod val="40000"/>
+                          <a:lumOff val="60000"/>
+                        </a:schemeClr>
+                      </a:solidFill>
+                      <a:prstDash val="solid"/>
+                      <a:round/>
+                      <a:headEnd type="none" w="med" len="med"/>
+                      <a:tailEnd type="none" w="med" len="med"/>
+                    </a:lnB>
+                  </a:tcPr>
+                </a:tc>
+                <a:tc>
+                  <a:txBody>
+                    <a:bodyPr/>
+                    <a:lstStyle/>
+                    <a:p>
+                      <a:pPr marL="0" marR="0" lvl="0" indent="0" algn="l" defTabSz="914400" rtl="0" eaLnBrk="1" fontAlgn="auto" latinLnBrk="0" hangingPunct="1">
+                        <a:lnSpc>
+                          <a:spcPct val="100000"/>
+                        </a:lnSpc>
+                        <a:spcBef>
+                          <a:spcPts val="0"/>
+                        </a:spcBef>
+                        <a:spcAft>
+                          <a:spcPts val="0"/>
+                        </a:spcAft>
+                        <a:buClrTx/>
+                        <a:buSzTx/>
+                        <a:buFontTx/>
+                        <a:buNone/>
+                        <a:tabLst/>
+                        <a:defRPr/>
+                      </a:pPr>
+                      <a:endParaRPr lang="zh-CN" altLang="en-US" sz="1200" dirty="0">
+                        <a:solidFill>
+                          <a:srgbClr val="00B050"/>
+                        </a:solidFill>
+                      </a:endParaRPr>
+                    </a:p>
+                  </a:txBody>
+                  <a:tcPr marL="18000" marR="18000" marT="18000" marB="18000">
+                    <a:lnL w="12700" cap="flat" cmpd="sng" algn="ctr">
+                      <a:solidFill>
+                        <a:schemeClr val="accent1">
+                          <a:lumMod val="40000"/>
+                          <a:lumOff val="60000"/>
+                        </a:schemeClr>
+                      </a:solidFill>
+                      <a:prstDash val="solid"/>
+                      <a:round/>
+                      <a:headEnd type="none" w="med" len="med"/>
+                      <a:tailEnd type="none" w="med" len="med"/>
+                    </a:lnL>
+                    <a:lnR w="12700" cap="flat" cmpd="sng" algn="ctr">
+                      <a:solidFill>
+                        <a:schemeClr val="accent1">
+                          <a:lumMod val="40000"/>
+                          <a:lumOff val="60000"/>
+                        </a:schemeClr>
+                      </a:solidFill>
+                      <a:prstDash val="solid"/>
+                      <a:round/>
+                      <a:headEnd type="none" w="med" len="med"/>
+                      <a:tailEnd type="none" w="med" len="med"/>
+                    </a:lnR>
+                    <a:lnT w="12700" cap="flat" cmpd="sng" algn="ctr">
+                      <a:solidFill>
+                        <a:schemeClr val="accent1">
+                          <a:lumMod val="40000"/>
+                          <a:lumOff val="60000"/>
+                        </a:schemeClr>
+                      </a:solidFill>
+                      <a:prstDash val="solid"/>
+                      <a:round/>
+                      <a:headEnd type="none" w="med" len="med"/>
+                      <a:tailEnd type="none" w="med" len="med"/>
+                    </a:lnT>
+                    <a:lnB w="12700" cap="flat" cmpd="sng" algn="ctr">
+                      <a:solidFill>
+                        <a:schemeClr val="accent1">
+                          <a:lumMod val="40000"/>
+                          <a:lumOff val="60000"/>
+                        </a:schemeClr>
+                      </a:solidFill>
+                      <a:prstDash val="solid"/>
+                      <a:round/>
+                      <a:headEnd type="none" w="med" len="med"/>
+                      <a:tailEnd type="none" w="med" len="med"/>
+                    </a:lnB>
+                  </a:tcPr>
+                </a:tc>
+                <a:extLst>
+                  <a:ext uri="{0D108BD9-81ED-4DB2-BD59-A6C34878D82A}">
+                    <a16:rowId xmlns:a16="http://schemas.microsoft.com/office/drawing/2014/main" val="3791216137"/>
+                  </a:ext>
+                </a:extLst>
+              </a:tr>
+              <a:tr h="0">
+                <a:tc>
+                  <a:txBody>
+                    <a:bodyPr/>
+                    <a:lstStyle/>
+                    <a:p>
+                      <a:r>
+                        <a:rPr lang="en-US" altLang="zh-CN" sz="1200" dirty="0">
+                          <a:solidFill>
+                            <a:srgbClr val="00B050"/>
+                          </a:solidFill>
+                        </a:rPr>
+                        <a:t>hash(1</a:t>
+                      </a:r>
+                      <a:r>
+                        <a:rPr lang="zh-CN" altLang="en-US" sz="1200" dirty="0">
+                          <a:solidFill>
+                            <a:srgbClr val="00B050"/>
+                          </a:solidFill>
+                        </a:rPr>
+                        <a:t> </a:t>
+                      </a:r>
+                      <a:r>
+                        <a:rPr lang="en-US" altLang="zh-CN" sz="1200" dirty="0">
+                          <a:solidFill>
+                            <a:srgbClr val="00B050"/>
+                          </a:solidFill>
+                        </a:rPr>
+                        <a:t>bb)</a:t>
+                      </a:r>
+                      <a:endParaRPr lang="zh-CN" altLang="en-US" sz="1200" dirty="0">
+                        <a:solidFill>
+                          <a:srgbClr val="00B050"/>
+                        </a:solidFill>
+                      </a:endParaRPr>
+                    </a:p>
+                  </a:txBody>
+                  <a:tcPr marL="18000" marR="18000" marT="18000" marB="18000">
+                    <a:lnL w="12700" cap="flat" cmpd="sng" algn="ctr">
+                      <a:solidFill>
+                        <a:schemeClr val="accent1">
+                          <a:lumMod val="40000"/>
+                          <a:lumOff val="60000"/>
+                        </a:schemeClr>
+                      </a:solidFill>
+                      <a:prstDash val="solid"/>
+                      <a:round/>
+                      <a:headEnd type="none" w="med" len="med"/>
+                      <a:tailEnd type="none" w="med" len="med"/>
+                    </a:lnL>
+                    <a:lnR w="12700" cap="flat" cmpd="sng" algn="ctr">
+                      <a:solidFill>
+                        <a:schemeClr val="accent1">
+                          <a:lumMod val="40000"/>
+                          <a:lumOff val="60000"/>
+                        </a:schemeClr>
+                      </a:solidFill>
+                      <a:prstDash val="solid"/>
+                      <a:round/>
+                      <a:headEnd type="none" w="med" len="med"/>
+                      <a:tailEnd type="none" w="med" len="med"/>
+                    </a:lnR>
+                    <a:lnT w="12700" cap="flat" cmpd="sng" algn="ctr">
+                      <a:solidFill>
+                        <a:schemeClr val="accent1">
+                          <a:lumMod val="40000"/>
+                          <a:lumOff val="60000"/>
+                        </a:schemeClr>
+                      </a:solidFill>
+                      <a:prstDash val="solid"/>
+                      <a:round/>
+                      <a:headEnd type="none" w="med" len="med"/>
+                      <a:tailEnd type="none" w="med" len="med"/>
+                    </a:lnT>
+                    <a:lnB w="12700" cap="flat" cmpd="sng" algn="ctr">
+                      <a:solidFill>
+                        <a:schemeClr val="accent1">
+                          <a:lumMod val="40000"/>
+                          <a:lumOff val="60000"/>
+                        </a:schemeClr>
+                      </a:solidFill>
+                      <a:prstDash val="solid"/>
+                      <a:round/>
+                      <a:headEnd type="none" w="med" len="med"/>
+                      <a:tailEnd type="none" w="med" len="med"/>
+                    </a:lnB>
+                  </a:tcPr>
+                </a:tc>
+                <a:tc>
+                  <a:txBody>
+                    <a:bodyPr/>
+                    <a:lstStyle/>
+                    <a:p>
+                      <a:pPr marL="0" marR="0" lvl="0" indent="0" algn="l" defTabSz="914400" rtl="0" eaLnBrk="1" fontAlgn="auto" latinLnBrk="0" hangingPunct="1">
+                        <a:lnSpc>
+                          <a:spcPct val="100000"/>
+                        </a:lnSpc>
+                        <a:spcBef>
+                          <a:spcPts val="0"/>
+                        </a:spcBef>
+                        <a:spcAft>
+                          <a:spcPts val="0"/>
+                        </a:spcAft>
+                        <a:buClrTx/>
+                        <a:buSzTx/>
+                        <a:buFontTx/>
+                        <a:buNone/>
+                        <a:tabLst/>
+                        <a:defRPr/>
+                      </a:pPr>
+                      <a:r>
+                        <a:rPr lang="en-US" altLang="zh-CN" sz="1200" dirty="0">
+                          <a:solidFill>
+                            <a:srgbClr val="00B050"/>
+                          </a:solidFill>
+                        </a:rPr>
+                        <a:t>hash(1</a:t>
+                      </a:r>
+                      <a:r>
+                        <a:rPr lang="zh-CN" altLang="en-US" sz="1200" dirty="0">
+                          <a:solidFill>
+                            <a:srgbClr val="00B050"/>
+                          </a:solidFill>
+                        </a:rPr>
+                        <a:t> </a:t>
+                      </a:r>
+                      <a:r>
+                        <a:rPr lang="en-US" altLang="zh-CN" sz="1200" dirty="0">
+                          <a:solidFill>
+                            <a:srgbClr val="00B050"/>
+                          </a:solidFill>
+                        </a:rPr>
+                        <a:t>aa)</a:t>
+                      </a:r>
+                      <a:endParaRPr lang="zh-CN" altLang="en-US" sz="1200" dirty="0">
+                        <a:solidFill>
+                          <a:srgbClr val="00B050"/>
+                        </a:solidFill>
+                      </a:endParaRPr>
+                    </a:p>
+                  </a:txBody>
+                  <a:tcPr marL="18000" marR="18000" marT="18000" marB="18000">
+                    <a:lnL w="12700" cap="flat" cmpd="sng" algn="ctr">
+                      <a:solidFill>
+                        <a:schemeClr val="accent1">
+                          <a:lumMod val="40000"/>
+                          <a:lumOff val="60000"/>
+                        </a:schemeClr>
+                      </a:solidFill>
+                      <a:prstDash val="solid"/>
+                      <a:round/>
+                      <a:headEnd type="none" w="med" len="med"/>
+                      <a:tailEnd type="none" w="med" len="med"/>
+                    </a:lnL>
+                    <a:lnR w="12700" cap="flat" cmpd="sng" algn="ctr">
+                      <a:solidFill>
+                        <a:schemeClr val="accent1">
+                          <a:lumMod val="40000"/>
+                          <a:lumOff val="60000"/>
+                        </a:schemeClr>
+                      </a:solidFill>
+                      <a:prstDash val="solid"/>
+                      <a:round/>
+                      <a:headEnd type="none" w="med" len="med"/>
+                      <a:tailEnd type="none" w="med" len="med"/>
+                    </a:lnR>
+                    <a:lnT w="12700" cap="flat" cmpd="sng" algn="ctr">
+                      <a:solidFill>
+                        <a:schemeClr val="accent1">
+                          <a:lumMod val="40000"/>
+                          <a:lumOff val="60000"/>
+                        </a:schemeClr>
+                      </a:solidFill>
+                      <a:prstDash val="solid"/>
+                      <a:round/>
+                      <a:headEnd type="none" w="med" len="med"/>
+                      <a:tailEnd type="none" w="med" len="med"/>
+                    </a:lnT>
+                    <a:lnB w="12700" cap="flat" cmpd="sng" algn="ctr">
+                      <a:solidFill>
+                        <a:schemeClr val="accent1">
+                          <a:lumMod val="40000"/>
+                          <a:lumOff val="60000"/>
+                        </a:schemeClr>
+                      </a:solidFill>
+                      <a:prstDash val="solid"/>
+                      <a:round/>
+                      <a:headEnd type="none" w="med" len="med"/>
+                      <a:tailEnd type="none" w="med" len="med"/>
+                    </a:lnB>
+                  </a:tcPr>
+                </a:tc>
+                <a:tc>
+                  <a:txBody>
+                    <a:bodyPr/>
+                    <a:lstStyle/>
+                    <a:p>
+                      <a:pPr marL="0" marR="0" lvl="0" indent="0" algn="l" defTabSz="914400" rtl="0" eaLnBrk="1" fontAlgn="auto" latinLnBrk="0" hangingPunct="1">
+                        <a:lnSpc>
+                          <a:spcPct val="100000"/>
+                        </a:lnSpc>
+                        <a:spcBef>
+                          <a:spcPts val="0"/>
+                        </a:spcBef>
+                        <a:spcAft>
+                          <a:spcPts val="0"/>
+                        </a:spcAft>
+                        <a:buClrTx/>
+                        <a:buSzTx/>
+                        <a:buFontTx/>
+                        <a:buNone/>
+                        <a:tabLst/>
+                        <a:defRPr/>
+                      </a:pPr>
+                      <a:endParaRPr lang="zh-CN" altLang="en-US" sz="1200" dirty="0">
+                        <a:solidFill>
+                          <a:srgbClr val="00B050"/>
+                        </a:solidFill>
+                      </a:endParaRPr>
+                    </a:p>
+                  </a:txBody>
+                  <a:tcPr marL="18000" marR="18000" marT="18000" marB="18000">
+                    <a:lnL w="12700" cap="flat" cmpd="sng" algn="ctr">
+                      <a:solidFill>
+                        <a:schemeClr val="accent1">
+                          <a:lumMod val="40000"/>
+                          <a:lumOff val="60000"/>
+                        </a:schemeClr>
+                      </a:solidFill>
+                      <a:prstDash val="solid"/>
+                      <a:round/>
+                      <a:headEnd type="none" w="med" len="med"/>
+                      <a:tailEnd type="none" w="med" len="med"/>
+                    </a:lnL>
+                    <a:lnR w="12700" cap="flat" cmpd="sng" algn="ctr">
+                      <a:solidFill>
+                        <a:schemeClr val="accent1">
+                          <a:lumMod val="40000"/>
+                          <a:lumOff val="60000"/>
+                        </a:schemeClr>
+                      </a:solidFill>
+                      <a:prstDash val="solid"/>
+                      <a:round/>
+                      <a:headEnd type="none" w="med" len="med"/>
+                      <a:tailEnd type="none" w="med" len="med"/>
+                    </a:lnR>
+                    <a:lnT w="12700" cap="flat" cmpd="sng" algn="ctr">
+                      <a:solidFill>
+                        <a:schemeClr val="accent1">
+                          <a:lumMod val="40000"/>
+                          <a:lumOff val="60000"/>
+                        </a:schemeClr>
+                      </a:solidFill>
+                      <a:prstDash val="solid"/>
+                      <a:round/>
+                      <a:headEnd type="none" w="med" len="med"/>
+                      <a:tailEnd type="none" w="med" len="med"/>
+                    </a:lnT>
+                    <a:lnB w="12700" cap="flat" cmpd="sng" algn="ctr">
+                      <a:solidFill>
+                        <a:schemeClr val="accent1">
+                          <a:lumMod val="40000"/>
+                          <a:lumOff val="60000"/>
+                        </a:schemeClr>
+                      </a:solidFill>
+                      <a:prstDash val="solid"/>
+                      <a:round/>
+                      <a:headEnd type="none" w="med" len="med"/>
+                      <a:tailEnd type="none" w="med" len="med"/>
+                    </a:lnB>
+                  </a:tcPr>
+                </a:tc>
+                <a:extLst>
+                  <a:ext uri="{0D108BD9-81ED-4DB2-BD59-A6C34878D82A}">
+                    <a16:rowId xmlns:a16="http://schemas.microsoft.com/office/drawing/2014/main" val="3833129933"/>
+                  </a:ext>
+                </a:extLst>
+              </a:tr>
+            </a:tbl>
+          </a:graphicData>
+        </a:graphic>
+      </p:graphicFrame>
+      <p:sp>
+        <p:nvSpPr>
+          <p:cNvPr id="63" name="矩形 62">
+            <a:extLst>
+              <a:ext uri="{FF2B5EF4-FFF2-40B4-BE49-F238E27FC236}">
+                <a16:creationId xmlns:a16="http://schemas.microsoft.com/office/drawing/2014/main" id="{3D227E31-D3E1-E84C-ABA4-5D61329CF1B3}"/>
+              </a:ext>
+            </a:extLst>
+          </p:cNvPr>
+          <p:cNvSpPr/>
+          <p:nvPr/>
+        </p:nvSpPr>
+        <p:spPr>
+          <a:xfrm>
+            <a:off x="1573970" y="4498068"/>
+            <a:ext cx="1986296" cy="311120"/>
+          </a:xfrm>
+          <a:prstGeom prst="rect">
+            <a:avLst/>
+          </a:prstGeom>
+          <a:solidFill>
+            <a:schemeClr val="bg1">
+              <a:lumMod val="95000"/>
+            </a:schemeClr>
+          </a:solidFill>
+          <a:ln>
+            <a:noFill/>
+          </a:ln>
+          <a:effectLst/>
+        </p:spPr>
+        <p:style>
+          <a:lnRef idx="2">
+            <a:schemeClr val="accent1">
+              <a:shade val="50000"/>
+            </a:schemeClr>
+          </a:lnRef>
+          <a:fillRef idx="1">
+            <a:schemeClr val="accent1"/>
+          </a:fillRef>
+          <a:effectRef idx="0">
+            <a:schemeClr val="accent1"/>
+          </a:effectRef>
+          <a:fontRef idx="minor">
+            <a:schemeClr val="lt1"/>
+          </a:fontRef>
+        </p:style>
+        <p:txBody>
+          <a:bodyPr rtlCol="0" anchor="ctr"/>
+          <a:lstStyle/>
+          <a:p>
+            <a:r>
+              <a:rPr lang="en-US" altLang="zh-CN" sz="1200" dirty="0">
+                <a:solidFill>
+                  <a:schemeClr val="tx1"/>
+                </a:solidFill>
+              </a:rPr>
+              <a:t>SELECT</a:t>
+            </a:r>
+            <a:r>
+              <a:rPr lang="zh-CN" altLang="en-US" sz="1200" dirty="0">
+                <a:solidFill>
+                  <a:schemeClr val="tx1"/>
+                </a:solidFill>
+              </a:rPr>
+              <a:t> </a:t>
+            </a:r>
+            <a:r>
+              <a:rPr lang="en-US" altLang="zh-CN" sz="1200" dirty="0">
+                <a:solidFill>
+                  <a:schemeClr val="tx1"/>
+                </a:solidFill>
+              </a:rPr>
+              <a:t>check(t1)</a:t>
+            </a:r>
+            <a:endParaRPr lang="zh-CN" altLang="en-US" sz="1200" dirty="0">
+              <a:solidFill>
+                <a:schemeClr val="tx1"/>
+              </a:solidFill>
+            </a:endParaRPr>
+          </a:p>
+        </p:txBody>
+      </p:sp>
+      <p:cxnSp>
+        <p:nvCxnSpPr>
+          <p:cNvPr id="64" name="直接箭头连接符 42">
+            <a:extLst>
+              <a:ext uri="{FF2B5EF4-FFF2-40B4-BE49-F238E27FC236}">
+                <a16:creationId xmlns:a16="http://schemas.microsoft.com/office/drawing/2014/main" id="{B9CF5AEC-FD76-0C45-9EC8-160A98BAE40B}"/>
+              </a:ext>
+            </a:extLst>
+          </p:cNvPr>
+          <p:cNvCxnSpPr>
+            <a:cxnSpLocks/>
+          </p:cNvCxnSpPr>
+          <p:nvPr/>
+        </p:nvCxnSpPr>
+        <p:spPr>
+          <a:xfrm>
+            <a:off x="1509628" y="4894536"/>
+            <a:ext cx="2575866" cy="0"/>
+          </a:xfrm>
+          <a:prstGeom prst="straightConnector1">
+            <a:avLst/>
+          </a:prstGeom>
+          <a:ln>
+            <a:tailEnd type="triangle"/>
+          </a:ln>
+        </p:spPr>
+        <p:style>
+          <a:lnRef idx="1">
+            <a:schemeClr val="accent1"/>
+          </a:lnRef>
+          <a:fillRef idx="0">
+            <a:schemeClr val="accent1"/>
+          </a:fillRef>
+          <a:effectRef idx="0">
+            <a:schemeClr val="accent1"/>
+          </a:effectRef>
+          <a:fontRef idx="minor">
+            <a:schemeClr val="tx1"/>
+          </a:fontRef>
+        </p:style>
+      </p:cxnSp>
+      <p:cxnSp>
+        <p:nvCxnSpPr>
+          <p:cNvPr id="65" name="直接箭头连接符 47">
+            <a:extLst>
+              <a:ext uri="{FF2B5EF4-FFF2-40B4-BE49-F238E27FC236}">
+                <a16:creationId xmlns:a16="http://schemas.microsoft.com/office/drawing/2014/main" id="{E051C384-E510-AF47-AADB-13D4D336BDAE}"/>
+              </a:ext>
+            </a:extLst>
+          </p:cNvPr>
+          <p:cNvCxnSpPr>
+            <a:cxnSpLocks/>
+          </p:cNvCxnSpPr>
+          <p:nvPr/>
+        </p:nvCxnSpPr>
+        <p:spPr>
+          <a:xfrm flipH="1">
+            <a:off x="4085495" y="5140922"/>
+            <a:ext cx="3787135" cy="0"/>
+          </a:xfrm>
+          <a:prstGeom prst="straightConnector1">
+            <a:avLst/>
+          </a:prstGeom>
+          <a:ln>
+            <a:tailEnd type="triangle"/>
+          </a:ln>
+        </p:spPr>
+        <p:style>
+          <a:lnRef idx="1">
+            <a:schemeClr val="accent1"/>
+          </a:lnRef>
+          <a:fillRef idx="0">
+            <a:schemeClr val="accent1"/>
+          </a:fillRef>
+          <a:effectRef idx="0">
+            <a:schemeClr val="accent1"/>
+          </a:effectRef>
+          <a:fontRef idx="minor">
+            <a:schemeClr val="tx1"/>
+          </a:fontRef>
+        </p:style>
+      </p:cxnSp>
+      <p:sp>
+        <p:nvSpPr>
+          <p:cNvPr id="68" name="矩形 67">
+            <a:extLst>
+              <a:ext uri="{FF2B5EF4-FFF2-40B4-BE49-F238E27FC236}">
+                <a16:creationId xmlns:a16="http://schemas.microsoft.com/office/drawing/2014/main" id="{AB51FB8F-E56C-9847-9429-B9B850F93EA0}"/>
+              </a:ext>
+            </a:extLst>
+          </p:cNvPr>
+          <p:cNvSpPr/>
+          <p:nvPr/>
+        </p:nvSpPr>
+        <p:spPr>
+          <a:xfrm>
+            <a:off x="4212158" y="5325502"/>
+            <a:ext cx="3718378" cy="541984"/>
+          </a:xfrm>
+          <a:prstGeom prst="rect">
+            <a:avLst/>
+          </a:prstGeom>
+          <a:noFill/>
+          <a:ln>
+            <a:noFill/>
+          </a:ln>
+          <a:effectLst>
+            <a:outerShdw blurRad="50800" dist="38100" dir="2700000" algn="tl" rotWithShape="0">
+              <a:prstClr val="black">
+                <a:alpha val="40000"/>
+              </a:prstClr>
+            </a:outerShdw>
+          </a:effectLst>
+        </p:spPr>
+        <p:style>
+          <a:lnRef idx="2">
+            <a:schemeClr val="accent1">
+              <a:shade val="50000"/>
+            </a:schemeClr>
+          </a:lnRef>
+          <a:fillRef idx="1">
+            <a:schemeClr val="accent1"/>
+          </a:fillRef>
+          <a:effectRef idx="0">
+            <a:schemeClr val="accent1"/>
+          </a:effectRef>
+          <a:fontRef idx="minor">
+            <a:schemeClr val="lt1"/>
+          </a:fontRef>
+        </p:style>
+        <p:txBody>
+          <a:bodyPr rtlCol="0" anchor="ctr"/>
+          <a:lstStyle/>
+          <a:p>
+            <a:r>
+              <a:rPr lang="zh-CN" altLang="en-US" sz="1200" dirty="0">
+                <a:solidFill>
+                  <a:schemeClr val="tx1"/>
+                </a:solidFill>
+              </a:rPr>
+              <a:t>计算校验值：</a:t>
+            </a:r>
+            <a:endParaRPr lang="en-US" altLang="zh-CN" sz="1200" dirty="0">
+              <a:solidFill>
+                <a:schemeClr val="tx1"/>
+              </a:solidFill>
+            </a:endParaRPr>
+          </a:p>
+          <a:p>
+            <a:r>
+              <a:rPr lang="zh-CN" altLang="en-US" sz="1200" dirty="0">
+                <a:solidFill>
+                  <a:schemeClr val="tx1"/>
+                </a:solidFill>
+              </a:rPr>
+              <a:t>    </a:t>
+            </a:r>
+            <a:r>
+              <a:rPr lang="en-US" altLang="zh-CN" sz="1200" dirty="0">
+                <a:solidFill>
+                  <a:schemeClr val="tx1"/>
+                </a:solidFill>
+              </a:rPr>
+              <a:t>hash_t1</a:t>
+            </a:r>
+            <a:r>
+              <a:rPr lang="zh-CN" altLang="en-US" sz="1200" dirty="0">
+                <a:solidFill>
+                  <a:schemeClr val="tx1"/>
+                </a:solidFill>
+              </a:rPr>
+              <a:t> </a:t>
+            </a:r>
+            <a:r>
+              <a:rPr lang="en-US" altLang="zh-CN" sz="1200" dirty="0">
+                <a:solidFill>
+                  <a:schemeClr val="tx1"/>
+                </a:solidFill>
+              </a:rPr>
+              <a:t>=</a:t>
+            </a:r>
+            <a:r>
+              <a:rPr lang="zh-CN" altLang="en-US" sz="1200" dirty="0">
+                <a:solidFill>
+                  <a:schemeClr val="tx1"/>
+                </a:solidFill>
+              </a:rPr>
+              <a:t> </a:t>
+            </a:r>
+            <a:r>
+              <a:rPr lang="en-US" altLang="zh-CN" sz="1200" dirty="0">
+                <a:solidFill>
+                  <a:schemeClr val="tx1"/>
+                </a:solidFill>
+              </a:rPr>
+              <a:t>hash(1</a:t>
+            </a:r>
+            <a:r>
+              <a:rPr lang="zh-CN" altLang="en-US" sz="1200" dirty="0">
+                <a:solidFill>
+                  <a:schemeClr val="tx1"/>
+                </a:solidFill>
+              </a:rPr>
+              <a:t> </a:t>
+            </a:r>
+            <a:r>
+              <a:rPr lang="en-US" altLang="zh-CN" sz="1200" dirty="0">
+                <a:solidFill>
+                  <a:schemeClr val="tx1"/>
+                </a:solidFill>
+              </a:rPr>
+              <a:t>bb)</a:t>
+            </a:r>
+          </a:p>
+          <a:p>
+            <a:r>
+              <a:rPr lang="zh-CN" altLang="en-US" sz="1200" dirty="0">
+                <a:solidFill>
+                  <a:schemeClr val="tx1"/>
+                </a:solidFill>
+              </a:rPr>
+              <a:t>    </a:t>
+            </a:r>
+            <a:r>
+              <a:rPr lang="en-US" altLang="zh-CN" sz="1200" dirty="0">
+                <a:solidFill>
+                  <a:schemeClr val="tx1"/>
+                </a:solidFill>
+              </a:rPr>
+              <a:t>hash_t1_hist</a:t>
+            </a:r>
+            <a:r>
+              <a:rPr lang="zh-CN" altLang="en-US" sz="1200" dirty="0">
+                <a:solidFill>
+                  <a:schemeClr val="tx1"/>
+                </a:solidFill>
+              </a:rPr>
+              <a:t> </a:t>
+            </a:r>
+            <a:r>
+              <a:rPr lang="en-US" altLang="zh-CN" sz="1200" dirty="0">
+                <a:solidFill>
+                  <a:schemeClr val="tx1"/>
+                </a:solidFill>
+              </a:rPr>
+              <a:t>=</a:t>
+            </a:r>
+            <a:r>
+              <a:rPr lang="zh-CN" altLang="en-US" sz="1200" dirty="0">
+                <a:solidFill>
+                  <a:schemeClr val="tx1"/>
+                </a:solidFill>
+              </a:rPr>
+              <a:t> </a:t>
+            </a:r>
+            <a:r>
+              <a:rPr lang="en-US" altLang="zh-CN" sz="1200" dirty="0">
+                <a:solidFill>
+                  <a:schemeClr val="tx1"/>
+                </a:solidFill>
+              </a:rPr>
+              <a:t>hash(1</a:t>
+            </a:r>
+            <a:r>
+              <a:rPr lang="zh-CN" altLang="en-US" sz="1200" dirty="0">
+                <a:solidFill>
+                  <a:schemeClr val="tx1"/>
+                </a:solidFill>
+              </a:rPr>
+              <a:t> </a:t>
+            </a:r>
+            <a:r>
+              <a:rPr lang="en-US" altLang="zh-CN" sz="1200" dirty="0">
+                <a:solidFill>
+                  <a:schemeClr val="tx1"/>
+                </a:solidFill>
+              </a:rPr>
+              <a:t>aa)</a:t>
+            </a:r>
+            <a:r>
+              <a:rPr lang="zh-CN" altLang="en-US" sz="1200" dirty="0">
+                <a:solidFill>
+                  <a:schemeClr val="tx1"/>
+                </a:solidFill>
+              </a:rPr>
+              <a:t> </a:t>
+            </a:r>
+            <a:r>
+              <a:rPr lang="en-US" altLang="zh-CN" sz="1200" dirty="0">
+                <a:solidFill>
+                  <a:schemeClr val="tx1"/>
+                </a:solidFill>
+              </a:rPr>
+              <a:t>+</a:t>
+            </a:r>
+            <a:r>
+              <a:rPr lang="zh-CN" altLang="en-US" sz="1200" dirty="0">
+                <a:solidFill>
+                  <a:schemeClr val="tx1"/>
+                </a:solidFill>
+              </a:rPr>
+              <a:t> </a:t>
+            </a:r>
+            <a:r>
+              <a:rPr lang="en-US" altLang="zh-CN" sz="1200" dirty="0">
+                <a:solidFill>
+                  <a:schemeClr val="tx1"/>
+                </a:solidFill>
+              </a:rPr>
+              <a:t>hash</a:t>
+            </a:r>
+            <a:r>
+              <a:rPr lang="zh-CN" altLang="en-US" sz="1200" dirty="0">
+                <a:solidFill>
+                  <a:schemeClr val="tx1"/>
+                </a:solidFill>
+              </a:rPr>
+              <a:t> </a:t>
+            </a:r>
+            <a:r>
+              <a:rPr lang="en-US" altLang="zh-CN" sz="1200" dirty="0">
+                <a:solidFill>
+                  <a:schemeClr val="tx1"/>
+                </a:solidFill>
+              </a:rPr>
+              <a:t>(1</a:t>
+            </a:r>
+            <a:r>
+              <a:rPr lang="zh-CN" altLang="en-US" sz="1200" dirty="0">
+                <a:solidFill>
+                  <a:schemeClr val="tx1"/>
+                </a:solidFill>
+              </a:rPr>
+              <a:t> </a:t>
+            </a:r>
+            <a:r>
+              <a:rPr lang="en-US" altLang="zh-CN" sz="1200" dirty="0">
+                <a:solidFill>
+                  <a:schemeClr val="tx1"/>
+                </a:solidFill>
+              </a:rPr>
+              <a:t>bb)</a:t>
+            </a:r>
+            <a:r>
+              <a:rPr lang="zh-CN" altLang="en-US" sz="1200" dirty="0">
+                <a:solidFill>
+                  <a:schemeClr val="tx1"/>
+                </a:solidFill>
+              </a:rPr>
+              <a:t> </a:t>
+            </a:r>
+            <a:r>
+              <a:rPr lang="en-US" altLang="zh-CN" sz="1200" dirty="0">
+                <a:solidFill>
+                  <a:schemeClr val="tx1"/>
+                </a:solidFill>
+              </a:rPr>
+              <a:t>–</a:t>
+            </a:r>
+            <a:r>
+              <a:rPr lang="zh-CN" altLang="en-US" sz="1200" dirty="0">
+                <a:solidFill>
+                  <a:schemeClr val="tx1"/>
+                </a:solidFill>
+              </a:rPr>
+              <a:t> </a:t>
+            </a:r>
+            <a:r>
+              <a:rPr lang="en-US" altLang="zh-CN" sz="1200" dirty="0">
+                <a:solidFill>
+                  <a:schemeClr val="tx1"/>
+                </a:solidFill>
+              </a:rPr>
+              <a:t>hash(1</a:t>
+            </a:r>
+            <a:r>
+              <a:rPr lang="zh-CN" altLang="en-US" sz="1200" dirty="0">
+                <a:solidFill>
+                  <a:schemeClr val="tx1"/>
+                </a:solidFill>
+              </a:rPr>
+              <a:t> </a:t>
+            </a:r>
+            <a:r>
+              <a:rPr lang="en-US" altLang="zh-CN" sz="1200" dirty="0">
+                <a:solidFill>
+                  <a:schemeClr val="tx1"/>
+                </a:solidFill>
+              </a:rPr>
+              <a:t>aa)</a:t>
+            </a:r>
+            <a:endParaRPr lang="zh-CN" altLang="en-US" sz="1200" dirty="0">
+              <a:solidFill>
+                <a:schemeClr val="tx1"/>
+              </a:solidFill>
+            </a:endParaRPr>
+          </a:p>
+        </p:txBody>
+      </p:sp>
+      <p:sp>
+        <p:nvSpPr>
+          <p:cNvPr id="78" name="矩形 77">
+            <a:extLst>
+              <a:ext uri="{FF2B5EF4-FFF2-40B4-BE49-F238E27FC236}">
+                <a16:creationId xmlns:a16="http://schemas.microsoft.com/office/drawing/2014/main" id="{970FADB4-170F-BD49-BDA4-EDC5BBB90A91}"/>
+              </a:ext>
+            </a:extLst>
+          </p:cNvPr>
+          <p:cNvSpPr/>
+          <p:nvPr/>
+        </p:nvSpPr>
+        <p:spPr>
+          <a:xfrm>
+            <a:off x="4034213" y="4821560"/>
+            <a:ext cx="3926210" cy="319361"/>
+          </a:xfrm>
+          <a:prstGeom prst="rect">
+            <a:avLst/>
+          </a:prstGeom>
+          <a:noFill/>
+          <a:ln>
+            <a:noFill/>
+          </a:ln>
+          <a:effectLst>
+            <a:outerShdw blurRad="50800" dist="38100" dir="2700000" algn="tl" rotWithShape="0">
+              <a:prstClr val="black">
+                <a:alpha val="40000"/>
+              </a:prstClr>
+            </a:outerShdw>
+          </a:effectLst>
+        </p:spPr>
+        <p:style>
+          <a:lnRef idx="2">
+            <a:schemeClr val="accent1">
+              <a:shade val="50000"/>
+            </a:schemeClr>
+          </a:lnRef>
+          <a:fillRef idx="1">
+            <a:schemeClr val="accent1"/>
+          </a:fillRef>
+          <a:effectRef idx="0">
+            <a:schemeClr val="accent1"/>
+          </a:effectRef>
+          <a:fontRef idx="minor">
+            <a:schemeClr val="lt1"/>
+          </a:fontRef>
+        </p:style>
+        <p:txBody>
+          <a:bodyPr rtlCol="0" anchor="ctr"/>
+          <a:lstStyle/>
+          <a:p>
+            <a:r>
+              <a:rPr lang="zh-CN" altLang="en-US" sz="1200" dirty="0">
+                <a:solidFill>
+                  <a:schemeClr val="tx1"/>
+                </a:solidFill>
+              </a:rPr>
+              <a:t>扫描用户表</a:t>
+            </a:r>
+            <a:r>
+              <a:rPr lang="en-US" altLang="zh-CN" sz="1200" dirty="0">
+                <a:solidFill>
+                  <a:schemeClr val="tx1"/>
+                </a:solidFill>
+              </a:rPr>
+              <a:t>t1</a:t>
+            </a:r>
+            <a:r>
+              <a:rPr lang="zh-CN" altLang="en-US" sz="1200" dirty="0">
+                <a:solidFill>
+                  <a:schemeClr val="tx1"/>
+                </a:solidFill>
+              </a:rPr>
+              <a:t>，扫描历史表 </a:t>
+            </a:r>
+            <a:r>
+              <a:rPr lang="en-US" altLang="zh-CN" sz="1200" dirty="0">
+                <a:solidFill>
+                  <a:schemeClr val="tx1"/>
+                </a:solidFill>
+              </a:rPr>
+              <a:t>t1_hist</a:t>
+            </a:r>
+            <a:endParaRPr lang="zh-CN" altLang="en-US" sz="1200" dirty="0">
+              <a:solidFill>
+                <a:schemeClr val="tx1"/>
+              </a:solidFill>
+            </a:endParaRPr>
+          </a:p>
+        </p:txBody>
+      </p:sp>
+      <p:cxnSp>
+        <p:nvCxnSpPr>
+          <p:cNvPr id="85" name="直接箭头连接符 66">
+            <a:extLst>
+              <a:ext uri="{FF2B5EF4-FFF2-40B4-BE49-F238E27FC236}">
+                <a16:creationId xmlns:a16="http://schemas.microsoft.com/office/drawing/2014/main" id="{C796F67C-0F3E-EC42-8A03-89C22D6CA0E3}"/>
+              </a:ext>
+            </a:extLst>
+          </p:cNvPr>
+          <p:cNvCxnSpPr>
+            <a:cxnSpLocks/>
+          </p:cNvCxnSpPr>
+          <p:nvPr/>
+        </p:nvCxnSpPr>
+        <p:spPr>
+          <a:xfrm>
+            <a:off x="4212158" y="5325502"/>
+            <a:ext cx="0" cy="541984"/>
+          </a:xfrm>
+          <a:prstGeom prst="straightConnector1">
+            <a:avLst/>
+          </a:prstGeom>
+          <a:ln>
+            <a:tailEnd type="triangle"/>
+          </a:ln>
+        </p:spPr>
+        <p:style>
+          <a:lnRef idx="1">
+            <a:schemeClr val="accent1"/>
+          </a:lnRef>
+          <a:fillRef idx="0">
+            <a:schemeClr val="accent1"/>
+          </a:fillRef>
+          <a:effectRef idx="0">
+            <a:schemeClr val="accent1"/>
+          </a:effectRef>
+          <a:fontRef idx="minor">
+            <a:schemeClr val="tx1"/>
+          </a:fontRef>
+        </p:style>
+      </p:cxnSp>
+      <p:cxnSp>
+        <p:nvCxnSpPr>
+          <p:cNvPr id="87" name="直接箭头连接符 66">
+            <a:extLst>
+              <a:ext uri="{FF2B5EF4-FFF2-40B4-BE49-F238E27FC236}">
+                <a16:creationId xmlns:a16="http://schemas.microsoft.com/office/drawing/2014/main" id="{BFF90974-E0C4-1844-BCE7-E521ECBD2931}"/>
+              </a:ext>
+            </a:extLst>
+          </p:cNvPr>
+          <p:cNvCxnSpPr>
+            <a:cxnSpLocks/>
+          </p:cNvCxnSpPr>
+          <p:nvPr/>
+        </p:nvCxnSpPr>
+        <p:spPr>
+          <a:xfrm>
+            <a:off x="4212158" y="5980822"/>
+            <a:ext cx="0" cy="282818"/>
+          </a:xfrm>
+          <a:prstGeom prst="straightConnector1">
+            <a:avLst/>
+          </a:prstGeom>
+          <a:ln>
+            <a:tailEnd type="triangle"/>
+          </a:ln>
+        </p:spPr>
+        <p:style>
+          <a:lnRef idx="1">
+            <a:schemeClr val="accent1"/>
+          </a:lnRef>
+          <a:fillRef idx="0">
+            <a:schemeClr val="accent1"/>
+          </a:fillRef>
+          <a:effectRef idx="0">
+            <a:schemeClr val="accent1"/>
+          </a:effectRef>
+          <a:fontRef idx="minor">
+            <a:schemeClr val="tx1"/>
+          </a:fontRef>
+        </p:style>
+      </p:cxnSp>
+      <p:sp>
+        <p:nvSpPr>
+          <p:cNvPr id="89" name="矩形 88">
+            <a:extLst>
+              <a:ext uri="{FF2B5EF4-FFF2-40B4-BE49-F238E27FC236}">
+                <a16:creationId xmlns:a16="http://schemas.microsoft.com/office/drawing/2014/main" id="{1414A904-D7FE-0E43-ABEC-C6935CC6F55E}"/>
+              </a:ext>
+            </a:extLst>
+          </p:cNvPr>
+          <p:cNvSpPr/>
+          <p:nvPr/>
+        </p:nvSpPr>
+        <p:spPr>
+          <a:xfrm>
+            <a:off x="4212158" y="5971834"/>
+            <a:ext cx="3878597" cy="282817"/>
+          </a:xfrm>
+          <a:prstGeom prst="rect">
+            <a:avLst/>
+          </a:prstGeom>
+          <a:noFill/>
+          <a:ln>
+            <a:noFill/>
+          </a:ln>
+          <a:effectLst>
+            <a:outerShdw blurRad="50800" dist="38100" dir="2700000" algn="tl" rotWithShape="0">
+              <a:prstClr val="black">
+                <a:alpha val="40000"/>
+              </a:prstClr>
+            </a:outerShdw>
+          </a:effectLst>
+        </p:spPr>
+        <p:style>
+          <a:lnRef idx="2">
+            <a:schemeClr val="accent1">
+              <a:shade val="50000"/>
+            </a:schemeClr>
+          </a:lnRef>
+          <a:fillRef idx="1">
+            <a:schemeClr val="accent1"/>
+          </a:fillRef>
+          <a:effectRef idx="0">
+            <a:schemeClr val="accent1"/>
+          </a:effectRef>
+          <a:fontRef idx="minor">
+            <a:schemeClr val="lt1"/>
+          </a:fontRef>
+        </p:style>
+        <p:txBody>
+          <a:bodyPr rtlCol="0" anchor="ctr"/>
+          <a:lstStyle/>
+          <a:p>
+            <a:r>
+              <a:rPr lang="zh-CN" altLang="en-US" sz="1200" dirty="0">
+                <a:solidFill>
+                  <a:schemeClr val="tx1"/>
+                </a:solidFill>
+              </a:rPr>
+              <a:t>比较</a:t>
+            </a:r>
+            <a:r>
+              <a:rPr lang="en-US" altLang="zh-CN" sz="1200" dirty="0">
+                <a:solidFill>
+                  <a:schemeClr val="tx1"/>
+                </a:solidFill>
+              </a:rPr>
+              <a:t>hash_t1</a:t>
+            </a:r>
+            <a:r>
+              <a:rPr lang="zh-CN" altLang="en-US" sz="1200" dirty="0">
+                <a:solidFill>
+                  <a:schemeClr val="tx1"/>
+                </a:solidFill>
+              </a:rPr>
+              <a:t>和</a:t>
+            </a:r>
+            <a:r>
+              <a:rPr lang="en-US" altLang="zh-CN" sz="1200" dirty="0">
+                <a:solidFill>
+                  <a:schemeClr val="tx1"/>
+                </a:solidFill>
+              </a:rPr>
+              <a:t>hash_t1_hist</a:t>
+            </a:r>
+            <a:r>
+              <a:rPr lang="zh-CN" altLang="en-US" sz="1200" dirty="0">
+                <a:solidFill>
+                  <a:schemeClr val="tx1"/>
+                </a:solidFill>
+              </a:rPr>
+              <a:t>是否相等，判断是否被篡改</a:t>
             </a:r>
           </a:p>
         </p:txBody>
@@ -19594,7 +25926,7 @@
         </p:nvSpPr>
         <p:spPr>
           <a:xfrm>
-            <a:off x="2566836" y="1475737"/>
+            <a:off x="2566836" y="1574215"/>
             <a:ext cx="2719961" cy="338596"/>
           </a:xfrm>
           <a:prstGeom prst="rect">
@@ -19676,7 +26008,7 @@
         </p:nvSpPr>
         <p:spPr>
           <a:xfrm>
-            <a:off x="2577251" y="2020191"/>
+            <a:off x="2577251" y="2118669"/>
             <a:ext cx="2224725" cy="253448"/>
           </a:xfrm>
           <a:prstGeom prst="rect">
@@ -19921,13 +26253,13 @@
           <p:nvPr>
             <p:extLst>
               <p:ext uri="{D42A27DB-BD31-4B8C-83A1-F6EECF244321}">
-                <p14:modId xmlns:p14="http://schemas.microsoft.com/office/powerpoint/2010/main" val="2024971370"/>
+                <p14:modId xmlns:p14="http://schemas.microsoft.com/office/powerpoint/2010/main" val="1832002811"/>
               </p:ext>
             </p:extLst>
           </p:nvPr>
         </p:nvGraphicFramePr>
         <p:xfrm>
-          <a:off x="10804313" y="2254101"/>
+          <a:off x="10804313" y="2352579"/>
           <a:ext cx="1122398" cy="656640"/>
         </p:xfrm>
         <a:graphic>
@@ -20450,7 +26782,7 @@
         </p:nvCxnSpPr>
         <p:spPr>
           <a:xfrm>
-            <a:off x="2523881" y="1907717"/>
+            <a:off x="2523881" y="2006195"/>
             <a:ext cx="3002529" cy="0"/>
           </a:xfrm>
           <a:prstGeom prst="straightConnector1">
@@ -20491,7 +26823,7 @@
         </p:nvCxnSpPr>
         <p:spPr>
           <a:xfrm>
-            <a:off x="2523881" y="2345867"/>
+            <a:off x="2523881" y="2444345"/>
             <a:ext cx="3002529" cy="0"/>
           </a:xfrm>
           <a:prstGeom prst="straightConnector1">
@@ -20532,7 +26864,7 @@
         </p:nvCxnSpPr>
         <p:spPr>
           <a:xfrm>
-            <a:off x="5526410" y="2648182"/>
+            <a:off x="5526410" y="2746660"/>
             <a:ext cx="5168187" cy="0"/>
           </a:xfrm>
           <a:prstGeom prst="straightConnector1">
@@ -20571,7 +26903,7 @@
         </p:nvSpPr>
         <p:spPr>
           <a:xfrm>
-            <a:off x="2607340" y="2784017"/>
+            <a:off x="2607340" y="2882495"/>
             <a:ext cx="2461772" cy="253448"/>
           </a:xfrm>
           <a:prstGeom prst="rect">
@@ -20639,7 +26971,7 @@
         </p:nvCxnSpPr>
         <p:spPr>
           <a:xfrm flipH="1">
-            <a:off x="5522333" y="3464061"/>
+            <a:off x="5522333" y="3562539"/>
             <a:ext cx="5172264" cy="0"/>
           </a:xfrm>
           <a:prstGeom prst="straightConnector1">
@@ -20680,7 +27012,7 @@
         </p:nvCxnSpPr>
         <p:spPr>
           <a:xfrm>
-            <a:off x="2519804" y="3123721"/>
+            <a:off x="2519804" y="3222199"/>
             <a:ext cx="3002529" cy="0"/>
           </a:xfrm>
           <a:prstGeom prst="straightConnector1">
@@ -20720,9 +27052,9 @@
           <p:nvPr/>
         </p:nvCxnSpPr>
         <p:spPr>
-          <a:xfrm>
-            <a:off x="5523989" y="3900290"/>
-            <a:ext cx="1887910" cy="0"/>
+          <a:xfrm flipV="1">
+            <a:off x="5523161" y="3984733"/>
+            <a:ext cx="1873803" cy="12877"/>
           </a:xfrm>
           <a:prstGeom prst="straightConnector1">
             <a:avLst/>
@@ -20765,7 +27097,7 @@
         </p:nvCxnSpPr>
         <p:spPr>
           <a:xfrm>
-            <a:off x="7410320" y="4167521"/>
+            <a:off x="7410320" y="4265999"/>
             <a:ext cx="1731904" cy="0"/>
           </a:xfrm>
           <a:prstGeom prst="straightConnector1">
@@ -20809,7 +27141,7 @@
         </p:nvCxnSpPr>
         <p:spPr>
           <a:xfrm>
-            <a:off x="9251612" y="4294702"/>
+            <a:off x="9251612" y="4393180"/>
             <a:ext cx="0" cy="235468"/>
           </a:xfrm>
           <a:prstGeom prst="straightConnector1">
@@ -20853,8 +27185,8 @@
         </p:nvCxnSpPr>
         <p:spPr>
           <a:xfrm flipH="1">
-            <a:off x="7403899" y="4708568"/>
-            <a:ext cx="1731904" cy="0"/>
+            <a:off x="7439615" y="4807046"/>
+            <a:ext cx="1696188" cy="0"/>
           </a:xfrm>
           <a:prstGeom prst="straightConnector1">
             <a:avLst/>
@@ -20897,7 +27229,7 @@
         </p:nvCxnSpPr>
         <p:spPr>
           <a:xfrm flipH="1">
-            <a:off x="5515989" y="5015760"/>
+            <a:off x="5515989" y="5114238"/>
             <a:ext cx="1887910" cy="0"/>
           </a:xfrm>
           <a:prstGeom prst="straightConnector1">
@@ -20941,7 +27273,7 @@
         </p:nvCxnSpPr>
         <p:spPr>
           <a:xfrm flipH="1">
-            <a:off x="2510642" y="5416151"/>
+            <a:off x="2510642" y="5514629"/>
             <a:ext cx="3005347" cy="0"/>
           </a:xfrm>
           <a:prstGeom prst="straightConnector1">
@@ -20981,13 +27313,13 @@
           <p:nvPr>
             <p:extLst>
               <p:ext uri="{D42A27DB-BD31-4B8C-83A1-F6EECF244321}">
-                <p14:modId xmlns:p14="http://schemas.microsoft.com/office/powerpoint/2010/main" val="3498404406"/>
+                <p14:modId xmlns:p14="http://schemas.microsoft.com/office/powerpoint/2010/main" val="3547330071"/>
               </p:ext>
             </p:extLst>
           </p:nvPr>
         </p:nvGraphicFramePr>
         <p:xfrm>
-          <a:off x="10807767" y="3139402"/>
+          <a:off x="10807767" y="3237880"/>
           <a:ext cx="1122398" cy="656640"/>
         </p:xfrm>
         <a:graphic>
@@ -21510,7 +27842,7 @@
         </p:nvCxnSpPr>
         <p:spPr>
           <a:xfrm>
-            <a:off x="2610658" y="5717690"/>
+            <a:off x="2608181" y="5718581"/>
             <a:ext cx="0" cy="235468"/>
           </a:xfrm>
           <a:prstGeom prst="straightConnector1">
@@ -21549,7 +27881,7 @@
         </p:nvSpPr>
         <p:spPr>
           <a:xfrm>
-            <a:off x="9251612" y="4242503"/>
+            <a:off x="9251612" y="4340981"/>
             <a:ext cx="1051983" cy="311120"/>
           </a:xfrm>
           <a:prstGeom prst="rect">
@@ -21625,7 +27957,7 @@
         </p:nvSpPr>
         <p:spPr>
           <a:xfrm>
-            <a:off x="2609817" y="5669298"/>
+            <a:off x="2607340" y="5670189"/>
             <a:ext cx="2227202" cy="311120"/>
           </a:xfrm>
           <a:prstGeom prst="rect">
@@ -21701,7 +28033,7 @@
         </p:nvSpPr>
         <p:spPr>
           <a:xfrm>
-            <a:off x="5507092" y="3576293"/>
+            <a:off x="5519008" y="3686490"/>
             <a:ext cx="1630214" cy="311120"/>
           </a:xfrm>
           <a:prstGeom prst="rect">
@@ -21780,7 +28112,7 @@
         </p:nvSpPr>
         <p:spPr>
           <a:xfrm>
-            <a:off x="7439615" y="3879899"/>
+            <a:off x="7439615" y="3978377"/>
             <a:ext cx="904469" cy="311120"/>
           </a:xfrm>
           <a:prstGeom prst="rect">
@@ -21856,7 +28188,7 @@
         </p:nvSpPr>
         <p:spPr>
           <a:xfrm>
-            <a:off x="8537150" y="4434752"/>
+            <a:off x="8537150" y="4533230"/>
             <a:ext cx="714461" cy="311120"/>
           </a:xfrm>
           <a:prstGeom prst="rect">
@@ -21932,7 +28264,7 @@
         </p:nvSpPr>
         <p:spPr>
           <a:xfrm>
-            <a:off x="6113223" y="4704640"/>
+            <a:off x="6113223" y="4803118"/>
             <a:ext cx="1258454" cy="311120"/>
           </a:xfrm>
           <a:prstGeom prst="rect">
@@ -22008,7 +28340,7 @@
         </p:nvSpPr>
         <p:spPr>
           <a:xfrm>
-            <a:off x="5523989" y="2353060"/>
+            <a:off x="5523989" y="2451538"/>
             <a:ext cx="3723014" cy="311120"/>
           </a:xfrm>
           <a:prstGeom prst="rect">
@@ -22100,7 +28432,7 @@
         </p:nvSpPr>
         <p:spPr>
           <a:xfrm>
-            <a:off x="8466368" y="3179559"/>
+            <a:off x="8466368" y="3278037"/>
             <a:ext cx="2254344" cy="311120"/>
           </a:xfrm>
           <a:prstGeom prst="rect">
@@ -22192,7 +28524,7 @@
         </p:nvSpPr>
         <p:spPr>
           <a:xfrm>
-            <a:off x="4265535" y="5113347"/>
+            <a:off x="4265535" y="5211825"/>
             <a:ext cx="1258454" cy="311120"/>
           </a:xfrm>
           <a:prstGeom prst="rect">
@@ -23467,7 +29799,7 @@
         <p:spPr>
           <a:xfrm>
             <a:off x="4117158" y="1750922"/>
-            <a:ext cx="2650254" cy="293827"/>
+            <a:ext cx="3131458" cy="293827"/>
           </a:xfrm>
           <a:prstGeom prst="rect">
             <a:avLst/>

--- a/source/doc/数据库安全.pptx
+++ b/source/doc/数据库安全.pptx
@@ -275,7 +275,7 @@
           <a:p>
             <a:fld id="{A770314F-03A4-4434-A0B9-8964C5B793BC}" type="datetimeFigureOut">
               <a:rPr lang="zh-CN" altLang="en-US" smtClean="0"/>
-              <a:t>2024/5/25</a:t>
+              <a:t>2024/5/29</a:t>
             </a:fld>
             <a:endParaRPr lang="zh-CN" altLang="en-US"/>
           </a:p>
@@ -473,7 +473,7 @@
           <a:p>
             <a:fld id="{A770314F-03A4-4434-A0B9-8964C5B793BC}" type="datetimeFigureOut">
               <a:rPr lang="zh-CN" altLang="en-US" smtClean="0"/>
-              <a:t>2024/5/25</a:t>
+              <a:t>2024/5/29</a:t>
             </a:fld>
             <a:endParaRPr lang="zh-CN" altLang="en-US"/>
           </a:p>
@@ -681,7 +681,7 @@
           <a:p>
             <a:fld id="{A770314F-03A4-4434-A0B9-8964C5B793BC}" type="datetimeFigureOut">
               <a:rPr lang="zh-CN" altLang="en-US" smtClean="0"/>
-              <a:t>2024/5/25</a:t>
+              <a:t>2024/5/29</a:t>
             </a:fld>
             <a:endParaRPr lang="zh-CN" altLang="en-US"/>
           </a:p>
@@ -879,7 +879,7 @@
           <a:p>
             <a:fld id="{A770314F-03A4-4434-A0B9-8964C5B793BC}" type="datetimeFigureOut">
               <a:rPr lang="zh-CN" altLang="en-US" smtClean="0"/>
-              <a:t>2024/5/25</a:t>
+              <a:t>2024/5/29</a:t>
             </a:fld>
             <a:endParaRPr lang="zh-CN" altLang="en-US"/>
           </a:p>
@@ -1154,7 +1154,7 @@
           <a:p>
             <a:fld id="{A770314F-03A4-4434-A0B9-8964C5B793BC}" type="datetimeFigureOut">
               <a:rPr lang="zh-CN" altLang="en-US" smtClean="0"/>
-              <a:t>2024/5/25</a:t>
+              <a:t>2024/5/29</a:t>
             </a:fld>
             <a:endParaRPr lang="zh-CN" altLang="en-US"/>
           </a:p>
@@ -1419,7 +1419,7 @@
           <a:p>
             <a:fld id="{A770314F-03A4-4434-A0B9-8964C5B793BC}" type="datetimeFigureOut">
               <a:rPr lang="zh-CN" altLang="en-US" smtClean="0"/>
-              <a:t>2024/5/25</a:t>
+              <a:t>2024/5/29</a:t>
             </a:fld>
             <a:endParaRPr lang="zh-CN" altLang="en-US"/>
           </a:p>
@@ -1831,7 +1831,7 @@
           <a:p>
             <a:fld id="{A770314F-03A4-4434-A0B9-8964C5B793BC}" type="datetimeFigureOut">
               <a:rPr lang="zh-CN" altLang="en-US" smtClean="0"/>
-              <a:t>2024/5/25</a:t>
+              <a:t>2024/5/29</a:t>
             </a:fld>
             <a:endParaRPr lang="zh-CN" altLang="en-US"/>
           </a:p>
@@ -1972,7 +1972,7 @@
           <a:p>
             <a:fld id="{A770314F-03A4-4434-A0B9-8964C5B793BC}" type="datetimeFigureOut">
               <a:rPr lang="zh-CN" altLang="en-US" smtClean="0"/>
-              <a:t>2024/5/25</a:t>
+              <a:t>2024/5/29</a:t>
             </a:fld>
             <a:endParaRPr lang="zh-CN" altLang="en-US"/>
           </a:p>
@@ -2085,7 +2085,7 @@
           <a:p>
             <a:fld id="{A770314F-03A4-4434-A0B9-8964C5B793BC}" type="datetimeFigureOut">
               <a:rPr lang="zh-CN" altLang="en-US" smtClean="0"/>
-              <a:t>2024/5/25</a:t>
+              <a:t>2024/5/29</a:t>
             </a:fld>
             <a:endParaRPr lang="zh-CN" altLang="en-US"/>
           </a:p>
@@ -2396,7 +2396,7 @@
           <a:p>
             <a:fld id="{A770314F-03A4-4434-A0B9-8964C5B793BC}" type="datetimeFigureOut">
               <a:rPr lang="zh-CN" altLang="en-US" smtClean="0"/>
-              <a:t>2024/5/25</a:t>
+              <a:t>2024/5/29</a:t>
             </a:fld>
             <a:endParaRPr lang="zh-CN" altLang="en-US"/>
           </a:p>
@@ -2684,7 +2684,7 @@
           <a:p>
             <a:fld id="{A770314F-03A4-4434-A0B9-8964C5B793BC}" type="datetimeFigureOut">
               <a:rPr lang="zh-CN" altLang="en-US" smtClean="0"/>
-              <a:t>2024/5/25</a:t>
+              <a:t>2024/5/29</a:t>
             </a:fld>
             <a:endParaRPr lang="zh-CN" altLang="en-US"/>
           </a:p>
@@ -2925,7 +2925,7 @@
           <a:p>
             <a:fld id="{A770314F-03A4-4434-A0B9-8964C5B793BC}" type="datetimeFigureOut">
               <a:rPr lang="zh-CN" altLang="en-US" smtClean="0"/>
-              <a:t>2024/5/25</a:t>
+              <a:t>2024/5/29</a:t>
             </a:fld>
             <a:endParaRPr lang="zh-CN" altLang="en-US"/>
           </a:p>
@@ -3356,7 +3356,7 @@
         </p:nvSpPr>
         <p:spPr>
           <a:xfrm>
-            <a:off x="1744717" y="843006"/>
+            <a:off x="1324330" y="1641224"/>
             <a:ext cx="1492470" cy="1345315"/>
           </a:xfrm>
           <a:prstGeom prst="rect">
@@ -3423,16 +3423,15 @@
         </p:nvSpPr>
         <p:spPr>
           <a:xfrm>
-            <a:off x="1982559" y="1262216"/>
+            <a:off x="1562172" y="2060434"/>
             <a:ext cx="988115" cy="253448"/>
           </a:xfrm>
           <a:prstGeom prst="rect">
             <a:avLst/>
           </a:prstGeom>
           <a:solidFill>
-            <a:schemeClr val="tx1">
-              <a:lumMod val="50000"/>
-              <a:lumOff val="50000"/>
+            <a:schemeClr val="bg1">
+              <a:lumMod val="75000"/>
             </a:schemeClr>
           </a:solidFill>
           <a:ln>
@@ -3492,16 +3491,15 @@
         </p:nvSpPr>
         <p:spPr>
           <a:xfrm>
-            <a:off x="1982558" y="1677374"/>
+            <a:off x="1562171" y="2475592"/>
             <a:ext cx="988115" cy="253448"/>
           </a:xfrm>
           <a:prstGeom prst="rect">
             <a:avLst/>
           </a:prstGeom>
           <a:solidFill>
-            <a:schemeClr val="tx1">
-              <a:lumMod val="50000"/>
-              <a:lumOff val="50000"/>
+            <a:schemeClr val="bg1">
+              <a:lumMod val="75000"/>
             </a:schemeClr>
           </a:solidFill>
           <a:ln>
@@ -3561,8 +3559,8 @@
         </p:nvSpPr>
         <p:spPr>
           <a:xfrm>
-            <a:off x="3757447" y="843005"/>
-            <a:ext cx="3662855" cy="2909188"/>
+            <a:off x="3445440" y="1198158"/>
+            <a:ext cx="5832742" cy="4996216"/>
           </a:xfrm>
           <a:prstGeom prst="rect">
             <a:avLst/>
@@ -3616,10 +3614,49 @@
       </p:sp>
       <p:sp>
         <p:nvSpPr>
-          <p:cNvPr id="6" name="矩形 5">
-            <a:extLst>
-              <a:ext uri="{FF2B5EF4-FFF2-40B4-BE49-F238E27FC236}">
-                <a16:creationId xmlns:a16="http://schemas.microsoft.com/office/drawing/2014/main" id="{71FCDD45-A402-D549-9E93-DD85215D2B8B}"/>
+          <p:cNvPr id="10" name="文本框 9">
+            <a:extLst>
+              <a:ext uri="{FF2B5EF4-FFF2-40B4-BE49-F238E27FC236}">
+                <a16:creationId xmlns:a16="http://schemas.microsoft.com/office/drawing/2014/main" id="{0D773055-8912-FF42-88F6-0BE23BF302C5}"/>
+              </a:ext>
+            </a:extLst>
+          </p:cNvPr>
+          <p:cNvSpPr txBox="1"/>
+          <p:nvPr/>
+        </p:nvSpPr>
+        <p:spPr>
+          <a:xfrm>
+            <a:off x="262561" y="241576"/>
+            <a:ext cx="2474843" cy="369332"/>
+          </a:xfrm>
+          <a:prstGeom prst="rect">
+            <a:avLst/>
+          </a:prstGeom>
+          <a:noFill/>
+        </p:spPr>
+        <p:txBody>
+          <a:bodyPr wrap="square" rtlCol="0">
+            <a:spAutoFit/>
+          </a:bodyPr>
+          <a:lstStyle/>
+          <a:p>
+            <a:r>
+              <a:rPr lang="zh-CN" altLang="en-US" dirty="0">
+                <a:solidFill>
+                  <a:srgbClr val="C00000"/>
+                </a:solidFill>
+              </a:rPr>
+              <a:t>一、数据库进程架构</a:t>
+            </a:r>
+          </a:p>
+        </p:txBody>
+      </p:sp>
+      <p:sp>
+        <p:nvSpPr>
+          <p:cNvPr id="12" name="矩形 11">
+            <a:extLst>
+              <a:ext uri="{FF2B5EF4-FFF2-40B4-BE49-F238E27FC236}">
+                <a16:creationId xmlns:a16="http://schemas.microsoft.com/office/drawing/2014/main" id="{2C236384-15D3-0849-9C35-AEE92E362420}"/>
               </a:ext>
             </a:extLst>
           </p:cNvPr>
@@ -3628,7 +3665,7 @@
         </p:nvSpPr>
         <p:spPr>
           <a:xfrm>
-            <a:off x="3925542" y="1423926"/>
+            <a:off x="3647897" y="2479664"/>
             <a:ext cx="988115" cy="253448"/>
           </a:xfrm>
           <a:prstGeom prst="rect">
@@ -3687,58 +3724,19 @@
       </p:sp>
       <p:sp>
         <p:nvSpPr>
-          <p:cNvPr id="10" name="文本框 9">
-            <a:extLst>
-              <a:ext uri="{FF2B5EF4-FFF2-40B4-BE49-F238E27FC236}">
-                <a16:creationId xmlns:a16="http://schemas.microsoft.com/office/drawing/2014/main" id="{0D773055-8912-FF42-88F6-0BE23BF302C5}"/>
-              </a:ext>
-            </a:extLst>
-          </p:cNvPr>
-          <p:cNvSpPr txBox="1"/>
+          <p:cNvPr id="16" name="矩形 15">
+            <a:extLst>
+              <a:ext uri="{FF2B5EF4-FFF2-40B4-BE49-F238E27FC236}">
+                <a16:creationId xmlns:a16="http://schemas.microsoft.com/office/drawing/2014/main" id="{FA56B0B2-96B2-154B-9B17-B9B12459233A}"/>
+              </a:ext>
+            </a:extLst>
+          </p:cNvPr>
+          <p:cNvSpPr/>
           <p:nvPr/>
         </p:nvSpPr>
         <p:spPr>
           <a:xfrm>
-            <a:off x="262561" y="241576"/>
-            <a:ext cx="2474843" cy="369332"/>
-          </a:xfrm>
-          <a:prstGeom prst="rect">
-            <a:avLst/>
-          </a:prstGeom>
-          <a:noFill/>
-        </p:spPr>
-        <p:txBody>
-          <a:bodyPr wrap="square" rtlCol="0">
-            <a:spAutoFit/>
-          </a:bodyPr>
-          <a:lstStyle/>
-          <a:p>
-            <a:r>
-              <a:rPr lang="zh-CN" altLang="en-US" dirty="0">
-                <a:solidFill>
-                  <a:srgbClr val="C00000"/>
-                </a:solidFill>
-              </a:rPr>
-              <a:t>一、数据库进程架构</a:t>
-            </a:r>
-          </a:p>
-        </p:txBody>
-      </p:sp>
-      <p:sp>
-        <p:nvSpPr>
-          <p:cNvPr id="11" name="矩形 10">
-            <a:extLst>
-              <a:ext uri="{FF2B5EF4-FFF2-40B4-BE49-F238E27FC236}">
-                <a16:creationId xmlns:a16="http://schemas.microsoft.com/office/drawing/2014/main" id="{5A676A00-3167-CD46-A470-A74EEDE43B6B}"/>
-              </a:ext>
-            </a:extLst>
-          </p:cNvPr>
-          <p:cNvSpPr/>
-          <p:nvPr/>
-        </p:nvSpPr>
-        <p:spPr>
-          <a:xfrm>
-            <a:off x="3925542" y="2044151"/>
+            <a:off x="4940044" y="2479664"/>
             <a:ext cx="988115" cy="253448"/>
           </a:xfrm>
           <a:prstGeom prst="rect">
@@ -3779,6 +3777,14 @@
           <a:lstStyle/>
           <a:p>
             <a:pPr algn="ctr"/>
+            <a:r>
+              <a:rPr lang="en-US" altLang="zh-CN" sz="1200" dirty="0">
+                <a:solidFill>
+                  <a:schemeClr val="tx1"/>
+                </a:solidFill>
+              </a:rPr>
+              <a:t>Postgres</a:t>
+            </a:r>
             <a:endParaRPr lang="zh-CN" altLang="en-US" sz="1200" dirty="0">
               <a:solidFill>
                 <a:schemeClr val="tx1"/>
@@ -3789,10 +3795,10 @@
       </p:sp>
       <p:sp>
         <p:nvSpPr>
-          <p:cNvPr id="13" name="矩形 12">
-            <a:extLst>
-              <a:ext uri="{FF2B5EF4-FFF2-40B4-BE49-F238E27FC236}">
-                <a16:creationId xmlns:a16="http://schemas.microsoft.com/office/drawing/2014/main" id="{46C5A048-5EB2-534E-B181-CE3A0EA2051E}"/>
+          <p:cNvPr id="17" name="矩形 16">
+            <a:extLst>
+              <a:ext uri="{FF2B5EF4-FFF2-40B4-BE49-F238E27FC236}">
+                <a16:creationId xmlns:a16="http://schemas.microsoft.com/office/drawing/2014/main" id="{218B68AE-FBE2-614D-B428-4382852A2E5F}"/>
               </a:ext>
             </a:extLst>
           </p:cNvPr>
@@ -3801,81 +3807,7 @@
         </p:nvSpPr>
         <p:spPr>
           <a:xfrm>
-            <a:off x="3925542" y="2758610"/>
-            <a:ext cx="2370156" cy="253448"/>
-          </a:xfrm>
-          <a:prstGeom prst="rect">
-            <a:avLst/>
-          </a:prstGeom>
-          <a:solidFill>
-            <a:schemeClr val="tx1">
-              <a:lumMod val="50000"/>
-              <a:lumOff val="50000"/>
-            </a:schemeClr>
-          </a:solidFill>
-          <a:ln>
-            <a:noFill/>
-          </a:ln>
-          <a:effectLst>
-            <a:outerShdw blurRad="50800" dist="38100" dir="2700000" algn="tl" rotWithShape="0">
-              <a:prstClr val="black">
-                <a:alpha val="40000"/>
-              </a:prstClr>
-            </a:outerShdw>
-          </a:effectLst>
-        </p:spPr>
-        <p:style>
-          <a:lnRef idx="2">
-            <a:schemeClr val="accent1">
-              <a:shade val="50000"/>
-            </a:schemeClr>
-          </a:lnRef>
-          <a:fillRef idx="1">
-            <a:schemeClr val="accent1"/>
-          </a:fillRef>
-          <a:effectRef idx="0">
-            <a:schemeClr val="accent1"/>
-          </a:effectRef>
-          <a:fontRef idx="minor">
-            <a:schemeClr val="lt1"/>
-          </a:fontRef>
-        </p:style>
-        <p:txBody>
-          <a:bodyPr rtlCol="0" anchor="ctr"/>
-          <a:lstStyle/>
-          <a:p>
-            <a:pPr algn="ctr"/>
-            <a:r>
-              <a:rPr lang="en-US" altLang="zh-CN" sz="1200" dirty="0">
-                <a:solidFill>
-                  <a:schemeClr val="tx1"/>
-                </a:solidFill>
-              </a:rPr>
-              <a:t>ShareBuffer</a:t>
-            </a:r>
-            <a:endParaRPr lang="zh-CN" altLang="en-US" sz="1200" dirty="0">
-              <a:solidFill>
-                <a:schemeClr val="tx1"/>
-              </a:solidFill>
-            </a:endParaRPr>
-          </a:p>
-        </p:txBody>
-      </p:sp>
-      <p:sp>
-        <p:nvSpPr>
-          <p:cNvPr id="14" name="矩形 13">
-            <a:extLst>
-              <a:ext uri="{FF2B5EF4-FFF2-40B4-BE49-F238E27FC236}">
-                <a16:creationId xmlns:a16="http://schemas.microsoft.com/office/drawing/2014/main" id="{F4A78EB9-7941-C346-864B-90C69BBACD54}"/>
-              </a:ext>
-            </a:extLst>
-          </p:cNvPr>
-          <p:cNvSpPr/>
-          <p:nvPr/>
-        </p:nvSpPr>
-        <p:spPr>
-          <a:xfrm>
-            <a:off x="4022799" y="2170875"/>
+            <a:off x="5038290" y="2539232"/>
             <a:ext cx="988115" cy="253448"/>
           </a:xfrm>
           <a:prstGeom prst="rect">
@@ -3916,6 +3848,14 @@
           <a:lstStyle/>
           <a:p>
             <a:pPr algn="ctr"/>
+            <a:r>
+              <a:rPr lang="en-US" altLang="zh-CN" sz="1200" dirty="0">
+                <a:solidFill>
+                  <a:schemeClr val="tx1"/>
+                </a:solidFill>
+              </a:rPr>
+              <a:t>Postgres</a:t>
+            </a:r>
             <a:endParaRPr lang="zh-CN" altLang="en-US" sz="1200" dirty="0">
               <a:solidFill>
                 <a:schemeClr val="tx1"/>
@@ -3926,10 +3866,10 @@
       </p:sp>
       <p:sp>
         <p:nvSpPr>
-          <p:cNvPr id="15" name="矩形 14">
-            <a:extLst>
-              <a:ext uri="{FF2B5EF4-FFF2-40B4-BE49-F238E27FC236}">
-                <a16:creationId xmlns:a16="http://schemas.microsoft.com/office/drawing/2014/main" id="{6CD768C6-111B-F24C-9A34-7C9F628CA534}"/>
+          <p:cNvPr id="18" name="矩形 17">
+            <a:extLst>
+              <a:ext uri="{FF2B5EF4-FFF2-40B4-BE49-F238E27FC236}">
+                <a16:creationId xmlns:a16="http://schemas.microsoft.com/office/drawing/2014/main" id="{247D7121-1084-F244-9C45-DA9ABA855E1E}"/>
               </a:ext>
             </a:extLst>
           </p:cNvPr>
@@ -3938,7 +3878,7 @@
         </p:nvSpPr>
         <p:spPr>
           <a:xfrm>
-            <a:off x="4175199" y="2323275"/>
+            <a:off x="5206353" y="2606388"/>
             <a:ext cx="988115" cy="253448"/>
           </a:xfrm>
           <a:prstGeom prst="rect">
@@ -3995,6 +3935,1951 @@
           </a:p>
         </p:txBody>
       </p:sp>
+      <p:sp>
+        <p:nvSpPr>
+          <p:cNvPr id="19" name="矩形 18">
+            <a:extLst>
+              <a:ext uri="{FF2B5EF4-FFF2-40B4-BE49-F238E27FC236}">
+                <a16:creationId xmlns:a16="http://schemas.microsoft.com/office/drawing/2014/main" id="{61D78E5D-A8FF-F249-A0D9-5A124EC78DFA}"/>
+              </a:ext>
+            </a:extLst>
+          </p:cNvPr>
+          <p:cNvSpPr/>
+          <p:nvPr/>
+        </p:nvSpPr>
+        <p:spPr>
+          <a:xfrm>
+            <a:off x="6549856" y="1371345"/>
+            <a:ext cx="988115" cy="1302194"/>
+          </a:xfrm>
+          <a:prstGeom prst="rect">
+            <a:avLst/>
+          </a:prstGeom>
+          <a:solidFill>
+            <a:schemeClr val="bg1">
+              <a:lumMod val="75000"/>
+            </a:schemeClr>
+          </a:solidFill>
+          <a:ln>
+            <a:noFill/>
+          </a:ln>
+          <a:effectLst>
+            <a:outerShdw blurRad="50800" dist="38100" dir="2700000" algn="tl" rotWithShape="0">
+              <a:prstClr val="black">
+                <a:alpha val="40000"/>
+              </a:prstClr>
+            </a:outerShdw>
+          </a:effectLst>
+        </p:spPr>
+        <p:style>
+          <a:lnRef idx="2">
+            <a:schemeClr val="accent1">
+              <a:shade val="50000"/>
+            </a:schemeClr>
+          </a:lnRef>
+          <a:fillRef idx="1">
+            <a:schemeClr val="accent1"/>
+          </a:fillRef>
+          <a:effectRef idx="0">
+            <a:schemeClr val="accent1"/>
+          </a:effectRef>
+          <a:fontRef idx="minor">
+            <a:schemeClr val="lt1"/>
+          </a:fontRef>
+        </p:style>
+        <p:txBody>
+          <a:bodyPr rtlCol="0" anchor="ctr"/>
+          <a:lstStyle/>
+          <a:p>
+            <a:pPr algn="ctr"/>
+            <a:r>
+              <a:rPr lang="en-US" altLang="zh-CN" sz="1200" dirty="0">
+                <a:solidFill>
+                  <a:schemeClr val="tx1"/>
+                </a:solidFill>
+              </a:rPr>
+              <a:t>ShareBuffer</a:t>
+            </a:r>
+            <a:endParaRPr lang="zh-CN" altLang="en-US" sz="1200" dirty="0">
+              <a:solidFill>
+                <a:schemeClr val="tx1"/>
+              </a:solidFill>
+            </a:endParaRPr>
+          </a:p>
+        </p:txBody>
+      </p:sp>
+      <p:sp>
+        <p:nvSpPr>
+          <p:cNvPr id="21" name="矩形 20">
+            <a:extLst>
+              <a:ext uri="{FF2B5EF4-FFF2-40B4-BE49-F238E27FC236}">
+                <a16:creationId xmlns:a16="http://schemas.microsoft.com/office/drawing/2014/main" id="{84870517-98D4-6740-BBA6-8C4373189C8F}"/>
+              </a:ext>
+            </a:extLst>
+          </p:cNvPr>
+          <p:cNvSpPr/>
+          <p:nvPr/>
+        </p:nvSpPr>
+        <p:spPr>
+          <a:xfrm>
+            <a:off x="7891683" y="2560783"/>
+            <a:ext cx="1108160" cy="256423"/>
+          </a:xfrm>
+          <a:prstGeom prst="rect">
+            <a:avLst/>
+          </a:prstGeom>
+          <a:solidFill>
+            <a:schemeClr val="bg1"/>
+          </a:solidFill>
+          <a:ln>
+            <a:noFill/>
+          </a:ln>
+          <a:effectLst>
+            <a:outerShdw blurRad="50800" dist="38100" dir="2700000" algn="tl" rotWithShape="0">
+              <a:prstClr val="black">
+                <a:alpha val="40000"/>
+              </a:prstClr>
+            </a:outerShdw>
+          </a:effectLst>
+        </p:spPr>
+        <p:style>
+          <a:lnRef idx="2">
+            <a:schemeClr val="accent1">
+              <a:shade val="50000"/>
+            </a:schemeClr>
+          </a:lnRef>
+          <a:fillRef idx="1">
+            <a:schemeClr val="accent1"/>
+          </a:fillRef>
+          <a:effectRef idx="0">
+            <a:schemeClr val="accent1"/>
+          </a:effectRef>
+          <a:fontRef idx="minor">
+            <a:schemeClr val="lt1"/>
+          </a:fontRef>
+        </p:style>
+        <p:txBody>
+          <a:bodyPr rtlCol="0" anchor="ctr"/>
+          <a:lstStyle/>
+          <a:p>
+            <a:pPr algn="ctr"/>
+            <a:r>
+              <a:rPr lang="en-US" altLang="zh-CN" sz="1200" dirty="0">
+                <a:solidFill>
+                  <a:schemeClr val="tx1"/>
+                </a:solidFill>
+              </a:rPr>
+              <a:t>checkpointer</a:t>
+            </a:r>
+            <a:endParaRPr lang="zh-CN" altLang="en-US" sz="1200" dirty="0">
+              <a:solidFill>
+                <a:schemeClr val="tx1"/>
+              </a:solidFill>
+            </a:endParaRPr>
+          </a:p>
+        </p:txBody>
+      </p:sp>
+      <p:sp>
+        <p:nvSpPr>
+          <p:cNvPr id="23" name="矩形 22">
+            <a:extLst>
+              <a:ext uri="{FF2B5EF4-FFF2-40B4-BE49-F238E27FC236}">
+                <a16:creationId xmlns:a16="http://schemas.microsoft.com/office/drawing/2014/main" id="{0E2B97BC-EA9C-DE4C-BFF3-F703CAC4D1D0}"/>
+              </a:ext>
+            </a:extLst>
+          </p:cNvPr>
+          <p:cNvSpPr/>
+          <p:nvPr/>
+        </p:nvSpPr>
+        <p:spPr>
+          <a:xfrm>
+            <a:off x="4958558" y="4335535"/>
+            <a:ext cx="1217293" cy="256423"/>
+          </a:xfrm>
+          <a:prstGeom prst="rect">
+            <a:avLst/>
+          </a:prstGeom>
+          <a:solidFill>
+            <a:schemeClr val="bg1"/>
+          </a:solidFill>
+          <a:ln>
+            <a:noFill/>
+          </a:ln>
+          <a:effectLst>
+            <a:outerShdw blurRad="50800" dist="38100" dir="2700000" algn="tl" rotWithShape="0">
+              <a:prstClr val="black">
+                <a:alpha val="40000"/>
+              </a:prstClr>
+            </a:outerShdw>
+          </a:effectLst>
+        </p:spPr>
+        <p:style>
+          <a:lnRef idx="2">
+            <a:schemeClr val="accent1">
+              <a:shade val="50000"/>
+            </a:schemeClr>
+          </a:lnRef>
+          <a:fillRef idx="1">
+            <a:schemeClr val="accent1"/>
+          </a:fillRef>
+          <a:effectRef idx="0">
+            <a:schemeClr val="accent1"/>
+          </a:effectRef>
+          <a:fontRef idx="minor">
+            <a:schemeClr val="lt1"/>
+          </a:fontRef>
+        </p:style>
+        <p:txBody>
+          <a:bodyPr rtlCol="0" anchor="ctr"/>
+          <a:lstStyle/>
+          <a:p>
+            <a:pPr algn="ctr"/>
+            <a:r>
+              <a:rPr lang="en-US" altLang="zh-CN" sz="1200" dirty="0">
+                <a:solidFill>
+                  <a:schemeClr val="tx1"/>
+                </a:solidFill>
+              </a:rPr>
+              <a:t>autovacuum</a:t>
+            </a:r>
+            <a:endParaRPr lang="zh-CN" altLang="en-US" sz="1200" dirty="0">
+              <a:solidFill>
+                <a:schemeClr val="tx1"/>
+              </a:solidFill>
+            </a:endParaRPr>
+          </a:p>
+        </p:txBody>
+      </p:sp>
+      <p:sp>
+        <p:nvSpPr>
+          <p:cNvPr id="24" name="矩形 23">
+            <a:extLst>
+              <a:ext uri="{FF2B5EF4-FFF2-40B4-BE49-F238E27FC236}">
+                <a16:creationId xmlns:a16="http://schemas.microsoft.com/office/drawing/2014/main" id="{72D5BA5D-99FC-4942-B442-CE1F04F56DE3}"/>
+              </a:ext>
+            </a:extLst>
+          </p:cNvPr>
+          <p:cNvSpPr/>
+          <p:nvPr/>
+        </p:nvSpPr>
+        <p:spPr>
+          <a:xfrm>
+            <a:off x="4958558" y="4740406"/>
+            <a:ext cx="1217293" cy="256423"/>
+          </a:xfrm>
+          <a:prstGeom prst="rect">
+            <a:avLst/>
+          </a:prstGeom>
+          <a:solidFill>
+            <a:schemeClr val="bg1"/>
+          </a:solidFill>
+          <a:ln>
+            <a:noFill/>
+          </a:ln>
+          <a:effectLst>
+            <a:outerShdw blurRad="50800" dist="38100" dir="2700000" algn="tl" rotWithShape="0">
+              <a:prstClr val="black">
+                <a:alpha val="40000"/>
+              </a:prstClr>
+            </a:outerShdw>
+          </a:effectLst>
+        </p:spPr>
+        <p:style>
+          <a:lnRef idx="2">
+            <a:schemeClr val="accent1">
+              <a:shade val="50000"/>
+            </a:schemeClr>
+          </a:lnRef>
+          <a:fillRef idx="1">
+            <a:schemeClr val="accent1"/>
+          </a:fillRef>
+          <a:effectRef idx="0">
+            <a:schemeClr val="accent1"/>
+          </a:effectRef>
+          <a:fontRef idx="minor">
+            <a:schemeClr val="lt1"/>
+          </a:fontRef>
+        </p:style>
+        <p:txBody>
+          <a:bodyPr rtlCol="0" anchor="ctr"/>
+          <a:lstStyle/>
+          <a:p>
+            <a:pPr algn="ctr"/>
+            <a:r>
+              <a:rPr lang="en-US" altLang="zh-CN" sz="1200" dirty="0">
+                <a:solidFill>
+                  <a:schemeClr val="tx1"/>
+                </a:solidFill>
+              </a:rPr>
+              <a:t>archiver</a:t>
+            </a:r>
+            <a:endParaRPr lang="zh-CN" altLang="en-US" sz="1200" dirty="0">
+              <a:solidFill>
+                <a:schemeClr val="tx1"/>
+              </a:solidFill>
+            </a:endParaRPr>
+          </a:p>
+        </p:txBody>
+      </p:sp>
+      <p:sp>
+        <p:nvSpPr>
+          <p:cNvPr id="25" name="矩形 24">
+            <a:extLst>
+              <a:ext uri="{FF2B5EF4-FFF2-40B4-BE49-F238E27FC236}">
+                <a16:creationId xmlns:a16="http://schemas.microsoft.com/office/drawing/2014/main" id="{F8F85D1E-6BA4-024C-B691-0D2F52F3A4AC}"/>
+              </a:ext>
+            </a:extLst>
+          </p:cNvPr>
+          <p:cNvSpPr/>
+          <p:nvPr/>
+        </p:nvSpPr>
+        <p:spPr>
+          <a:xfrm>
+            <a:off x="6549856" y="2873848"/>
+            <a:ext cx="988115" cy="1066524"/>
+          </a:xfrm>
+          <a:prstGeom prst="rect">
+            <a:avLst/>
+          </a:prstGeom>
+          <a:solidFill>
+            <a:schemeClr val="bg1">
+              <a:lumMod val="75000"/>
+            </a:schemeClr>
+          </a:solidFill>
+          <a:ln>
+            <a:noFill/>
+          </a:ln>
+          <a:effectLst>
+            <a:outerShdw blurRad="50800" dist="38100" dir="2700000" algn="tl" rotWithShape="0">
+              <a:prstClr val="black">
+                <a:alpha val="40000"/>
+              </a:prstClr>
+            </a:outerShdw>
+          </a:effectLst>
+        </p:spPr>
+        <p:style>
+          <a:lnRef idx="2">
+            <a:schemeClr val="accent1">
+              <a:shade val="50000"/>
+            </a:schemeClr>
+          </a:lnRef>
+          <a:fillRef idx="1">
+            <a:schemeClr val="accent1"/>
+          </a:fillRef>
+          <a:effectRef idx="0">
+            <a:schemeClr val="accent1"/>
+          </a:effectRef>
+          <a:fontRef idx="minor">
+            <a:schemeClr val="lt1"/>
+          </a:fontRef>
+        </p:style>
+        <p:txBody>
+          <a:bodyPr rtlCol="0" anchor="ctr"/>
+          <a:lstStyle/>
+          <a:p>
+            <a:pPr algn="ctr"/>
+            <a:r>
+              <a:rPr lang="en-US" altLang="zh-CN" sz="1200" dirty="0">
+                <a:solidFill>
+                  <a:schemeClr val="tx1"/>
+                </a:solidFill>
+              </a:rPr>
+              <a:t>WalBuffer</a:t>
+            </a:r>
+            <a:endParaRPr lang="zh-CN" altLang="en-US" sz="1200" dirty="0">
+              <a:solidFill>
+                <a:schemeClr val="tx1"/>
+              </a:solidFill>
+            </a:endParaRPr>
+          </a:p>
+        </p:txBody>
+      </p:sp>
+      <p:sp>
+        <p:nvSpPr>
+          <p:cNvPr id="26" name="矩形 25">
+            <a:extLst>
+              <a:ext uri="{FF2B5EF4-FFF2-40B4-BE49-F238E27FC236}">
+                <a16:creationId xmlns:a16="http://schemas.microsoft.com/office/drawing/2014/main" id="{FABFAA18-AFDE-BD4C-99C0-13F25AC4A6B0}"/>
+              </a:ext>
+            </a:extLst>
+          </p:cNvPr>
+          <p:cNvSpPr/>
+          <p:nvPr/>
+        </p:nvSpPr>
+        <p:spPr>
+          <a:xfrm>
+            <a:off x="7868658" y="3278469"/>
+            <a:ext cx="1217293" cy="256423"/>
+          </a:xfrm>
+          <a:prstGeom prst="rect">
+            <a:avLst/>
+          </a:prstGeom>
+          <a:solidFill>
+            <a:schemeClr val="bg1"/>
+          </a:solidFill>
+          <a:ln>
+            <a:noFill/>
+          </a:ln>
+          <a:effectLst>
+            <a:outerShdw blurRad="50800" dist="38100" dir="2700000" algn="tl" rotWithShape="0">
+              <a:prstClr val="black">
+                <a:alpha val="40000"/>
+              </a:prstClr>
+            </a:outerShdw>
+          </a:effectLst>
+        </p:spPr>
+        <p:style>
+          <a:lnRef idx="2">
+            <a:schemeClr val="accent1">
+              <a:shade val="50000"/>
+            </a:schemeClr>
+          </a:lnRef>
+          <a:fillRef idx="1">
+            <a:schemeClr val="accent1"/>
+          </a:fillRef>
+          <a:effectRef idx="0">
+            <a:schemeClr val="accent1"/>
+          </a:effectRef>
+          <a:fontRef idx="minor">
+            <a:schemeClr val="lt1"/>
+          </a:fontRef>
+        </p:style>
+        <p:txBody>
+          <a:bodyPr rtlCol="0" anchor="ctr"/>
+          <a:lstStyle/>
+          <a:p>
+            <a:pPr algn="ctr"/>
+            <a:r>
+              <a:rPr lang="en-US" altLang="zh-CN" sz="1200" dirty="0">
+                <a:solidFill>
+                  <a:schemeClr val="tx1"/>
+                </a:solidFill>
+              </a:rPr>
+              <a:t>wal</a:t>
+            </a:r>
+            <a:r>
+              <a:rPr lang="zh-CN" altLang="en-US" sz="1200" dirty="0">
+                <a:solidFill>
+                  <a:schemeClr val="tx1"/>
+                </a:solidFill>
+              </a:rPr>
+              <a:t> </a:t>
+            </a:r>
+            <a:r>
+              <a:rPr lang="en-US" altLang="zh-CN" sz="1200" dirty="0">
+                <a:solidFill>
+                  <a:schemeClr val="tx1"/>
+                </a:solidFill>
+              </a:rPr>
+              <a:t>writer</a:t>
+            </a:r>
+            <a:endParaRPr lang="zh-CN" altLang="en-US" sz="1200" dirty="0">
+              <a:solidFill>
+                <a:schemeClr val="tx1"/>
+              </a:solidFill>
+            </a:endParaRPr>
+          </a:p>
+        </p:txBody>
+      </p:sp>
+      <p:sp>
+        <p:nvSpPr>
+          <p:cNvPr id="27" name="矩形 26">
+            <a:extLst>
+              <a:ext uri="{FF2B5EF4-FFF2-40B4-BE49-F238E27FC236}">
+                <a16:creationId xmlns:a16="http://schemas.microsoft.com/office/drawing/2014/main" id="{60D0C27A-BBCE-3D49-BA88-A5CC7475E62C}"/>
+              </a:ext>
+            </a:extLst>
+          </p:cNvPr>
+          <p:cNvSpPr/>
+          <p:nvPr/>
+        </p:nvSpPr>
+        <p:spPr>
+          <a:xfrm>
+            <a:off x="4958558" y="5779706"/>
+            <a:ext cx="1217293" cy="256423"/>
+          </a:xfrm>
+          <a:prstGeom prst="rect">
+            <a:avLst/>
+          </a:prstGeom>
+          <a:solidFill>
+            <a:schemeClr val="bg1"/>
+          </a:solidFill>
+          <a:ln>
+            <a:noFill/>
+          </a:ln>
+          <a:effectLst>
+            <a:outerShdw blurRad="50800" dist="38100" dir="2700000" algn="tl" rotWithShape="0">
+              <a:prstClr val="black">
+                <a:alpha val="40000"/>
+              </a:prstClr>
+            </a:outerShdw>
+          </a:effectLst>
+        </p:spPr>
+        <p:style>
+          <a:lnRef idx="2">
+            <a:schemeClr val="accent1">
+              <a:shade val="50000"/>
+            </a:schemeClr>
+          </a:lnRef>
+          <a:fillRef idx="1">
+            <a:schemeClr val="accent1"/>
+          </a:fillRef>
+          <a:effectRef idx="0">
+            <a:schemeClr val="accent1"/>
+          </a:effectRef>
+          <a:fontRef idx="minor">
+            <a:schemeClr val="lt1"/>
+          </a:fontRef>
+        </p:style>
+        <p:txBody>
+          <a:bodyPr rtlCol="0" anchor="ctr"/>
+          <a:lstStyle/>
+          <a:p>
+            <a:pPr algn="ctr"/>
+            <a:r>
+              <a:rPr lang="en-US" altLang="zh-CN" sz="1200" dirty="0">
+                <a:solidFill>
+                  <a:schemeClr val="tx1"/>
+                </a:solidFill>
+              </a:rPr>
+              <a:t>log</a:t>
+            </a:r>
+            <a:r>
+              <a:rPr lang="zh-CN" altLang="en-US" sz="1200" dirty="0">
+                <a:solidFill>
+                  <a:schemeClr val="tx1"/>
+                </a:solidFill>
+              </a:rPr>
+              <a:t> </a:t>
+            </a:r>
+            <a:r>
+              <a:rPr lang="en-US" altLang="zh-CN" sz="1200" dirty="0">
+                <a:solidFill>
+                  <a:schemeClr val="tx1"/>
+                </a:solidFill>
+              </a:rPr>
+              <a:t>collector</a:t>
+            </a:r>
+            <a:endParaRPr lang="zh-CN" altLang="en-US" sz="1200" dirty="0">
+              <a:solidFill>
+                <a:schemeClr val="tx1"/>
+              </a:solidFill>
+            </a:endParaRPr>
+          </a:p>
+        </p:txBody>
+      </p:sp>
+      <p:sp>
+        <p:nvSpPr>
+          <p:cNvPr id="28" name="矩形 27">
+            <a:extLst>
+              <a:ext uri="{FF2B5EF4-FFF2-40B4-BE49-F238E27FC236}">
+                <a16:creationId xmlns:a16="http://schemas.microsoft.com/office/drawing/2014/main" id="{8275474D-1CB6-6649-996D-7EA7DB62EC60}"/>
+              </a:ext>
+            </a:extLst>
+          </p:cNvPr>
+          <p:cNvSpPr/>
+          <p:nvPr/>
+        </p:nvSpPr>
+        <p:spPr>
+          <a:xfrm>
+            <a:off x="4958558" y="5363876"/>
+            <a:ext cx="1217293" cy="256423"/>
+          </a:xfrm>
+          <a:prstGeom prst="rect">
+            <a:avLst/>
+          </a:prstGeom>
+          <a:solidFill>
+            <a:schemeClr val="bg1"/>
+          </a:solidFill>
+          <a:ln>
+            <a:noFill/>
+          </a:ln>
+          <a:effectLst>
+            <a:outerShdw blurRad="50800" dist="38100" dir="2700000" algn="tl" rotWithShape="0">
+              <a:prstClr val="black">
+                <a:alpha val="40000"/>
+              </a:prstClr>
+            </a:outerShdw>
+          </a:effectLst>
+        </p:spPr>
+        <p:style>
+          <a:lnRef idx="2">
+            <a:schemeClr val="accent1">
+              <a:shade val="50000"/>
+            </a:schemeClr>
+          </a:lnRef>
+          <a:fillRef idx="1">
+            <a:schemeClr val="accent1"/>
+          </a:fillRef>
+          <a:effectRef idx="0">
+            <a:schemeClr val="accent1"/>
+          </a:effectRef>
+          <a:fontRef idx="minor">
+            <a:schemeClr val="lt1"/>
+          </a:fontRef>
+        </p:style>
+        <p:txBody>
+          <a:bodyPr rtlCol="0" anchor="ctr"/>
+          <a:lstStyle/>
+          <a:p>
+            <a:pPr algn="ctr"/>
+            <a:r>
+              <a:rPr lang="en-US" altLang="zh-CN" sz="1200" dirty="0">
+                <a:solidFill>
+                  <a:schemeClr val="tx1"/>
+                </a:solidFill>
+              </a:rPr>
+              <a:t>stat</a:t>
+            </a:r>
+            <a:r>
+              <a:rPr lang="zh-CN" altLang="en-US" sz="1200" dirty="0">
+                <a:solidFill>
+                  <a:schemeClr val="tx1"/>
+                </a:solidFill>
+              </a:rPr>
+              <a:t> </a:t>
+            </a:r>
+            <a:r>
+              <a:rPr lang="en-US" altLang="zh-CN" sz="1200" dirty="0">
+                <a:solidFill>
+                  <a:schemeClr val="tx1"/>
+                </a:solidFill>
+              </a:rPr>
+              <a:t>collector</a:t>
+            </a:r>
+            <a:endParaRPr lang="zh-CN" altLang="en-US" sz="1200" dirty="0">
+              <a:solidFill>
+                <a:schemeClr val="tx1"/>
+              </a:solidFill>
+            </a:endParaRPr>
+          </a:p>
+        </p:txBody>
+      </p:sp>
+      <p:sp>
+        <p:nvSpPr>
+          <p:cNvPr id="29" name="矩形 28">
+            <a:extLst>
+              <a:ext uri="{FF2B5EF4-FFF2-40B4-BE49-F238E27FC236}">
+                <a16:creationId xmlns:a16="http://schemas.microsoft.com/office/drawing/2014/main" id="{35DCF113-DF64-1E4E-B7B8-F2C9F8C90305}"/>
+              </a:ext>
+            </a:extLst>
+          </p:cNvPr>
+          <p:cNvSpPr/>
+          <p:nvPr/>
+        </p:nvSpPr>
+        <p:spPr>
+          <a:xfrm>
+            <a:off x="7880516" y="2099075"/>
+            <a:ext cx="1108160" cy="256423"/>
+          </a:xfrm>
+          <a:prstGeom prst="rect">
+            <a:avLst/>
+          </a:prstGeom>
+          <a:solidFill>
+            <a:schemeClr val="bg1"/>
+          </a:solidFill>
+          <a:ln>
+            <a:noFill/>
+          </a:ln>
+          <a:effectLst>
+            <a:outerShdw blurRad="50800" dist="38100" dir="2700000" algn="tl" rotWithShape="0">
+              <a:prstClr val="black">
+                <a:alpha val="40000"/>
+              </a:prstClr>
+            </a:outerShdw>
+          </a:effectLst>
+        </p:spPr>
+        <p:style>
+          <a:lnRef idx="2">
+            <a:schemeClr val="accent1">
+              <a:shade val="50000"/>
+            </a:schemeClr>
+          </a:lnRef>
+          <a:fillRef idx="1">
+            <a:schemeClr val="accent1"/>
+          </a:fillRef>
+          <a:effectRef idx="0">
+            <a:schemeClr val="accent1"/>
+          </a:effectRef>
+          <a:fontRef idx="minor">
+            <a:schemeClr val="lt1"/>
+          </a:fontRef>
+        </p:style>
+        <p:txBody>
+          <a:bodyPr rtlCol="0" anchor="ctr"/>
+          <a:lstStyle/>
+          <a:p>
+            <a:pPr algn="ctr"/>
+            <a:r>
+              <a:rPr lang="en-US" altLang="zh-CN" sz="1200" dirty="0">
+                <a:solidFill>
+                  <a:schemeClr val="tx1"/>
+                </a:solidFill>
+              </a:rPr>
+              <a:t>bg</a:t>
+            </a:r>
+            <a:r>
+              <a:rPr lang="zh-CN" altLang="en-US" sz="1200" dirty="0">
+                <a:solidFill>
+                  <a:schemeClr val="tx1"/>
+                </a:solidFill>
+              </a:rPr>
+              <a:t> </a:t>
+            </a:r>
+            <a:r>
+              <a:rPr lang="en-US" altLang="zh-CN" sz="1200" dirty="0">
+                <a:solidFill>
+                  <a:schemeClr val="tx1"/>
+                </a:solidFill>
+              </a:rPr>
+              <a:t>writer</a:t>
+            </a:r>
+            <a:endParaRPr lang="zh-CN" altLang="en-US" sz="1200" dirty="0">
+              <a:solidFill>
+                <a:schemeClr val="tx1"/>
+              </a:solidFill>
+            </a:endParaRPr>
+          </a:p>
+        </p:txBody>
+      </p:sp>
+      <p:sp>
+        <p:nvSpPr>
+          <p:cNvPr id="30" name="矩形 29">
+            <a:extLst>
+              <a:ext uri="{FF2B5EF4-FFF2-40B4-BE49-F238E27FC236}">
+                <a16:creationId xmlns:a16="http://schemas.microsoft.com/office/drawing/2014/main" id="{85C15E20-8131-374E-B9BA-5AB21227E820}"/>
+              </a:ext>
+            </a:extLst>
+          </p:cNvPr>
+          <p:cNvSpPr/>
+          <p:nvPr/>
+        </p:nvSpPr>
+        <p:spPr>
+          <a:xfrm>
+            <a:off x="9720862" y="1193685"/>
+            <a:ext cx="1728181" cy="4996216"/>
+          </a:xfrm>
+          <a:prstGeom prst="rect">
+            <a:avLst/>
+          </a:prstGeom>
+          <a:solidFill>
+            <a:schemeClr val="bg1">
+              <a:lumMod val="85000"/>
+            </a:schemeClr>
+          </a:solidFill>
+          <a:ln>
+            <a:noFill/>
+          </a:ln>
+          <a:effectLst>
+            <a:outerShdw blurRad="50800" dist="38100" dir="2700000" algn="tl" rotWithShape="0">
+              <a:prstClr val="black">
+                <a:alpha val="40000"/>
+              </a:prstClr>
+            </a:outerShdw>
+          </a:effectLst>
+        </p:spPr>
+        <p:style>
+          <a:lnRef idx="2">
+            <a:schemeClr val="accent1">
+              <a:shade val="50000"/>
+            </a:schemeClr>
+          </a:lnRef>
+          <a:fillRef idx="1">
+            <a:schemeClr val="accent1"/>
+          </a:fillRef>
+          <a:effectRef idx="0">
+            <a:schemeClr val="accent1"/>
+          </a:effectRef>
+          <a:fontRef idx="minor">
+            <a:schemeClr val="lt1"/>
+          </a:fontRef>
+        </p:style>
+        <p:txBody>
+          <a:bodyPr rtlCol="0" anchor="t"/>
+          <a:lstStyle/>
+          <a:p>
+            <a:pPr algn="ctr"/>
+            <a:r>
+              <a:rPr lang="zh-CN" altLang="en-US" sz="1200" b="1" dirty="0">
+                <a:solidFill>
+                  <a:schemeClr val="tx1"/>
+                </a:solidFill>
+              </a:rPr>
+              <a:t>文件系统</a:t>
+            </a:r>
+          </a:p>
+        </p:txBody>
+      </p:sp>
+      <p:sp>
+        <p:nvSpPr>
+          <p:cNvPr id="31" name="矩形 30">
+            <a:extLst>
+              <a:ext uri="{FF2B5EF4-FFF2-40B4-BE49-F238E27FC236}">
+                <a16:creationId xmlns:a16="http://schemas.microsoft.com/office/drawing/2014/main" id="{40C9D054-95CC-5944-A990-492628D7AFD6}"/>
+              </a:ext>
+            </a:extLst>
+          </p:cNvPr>
+          <p:cNvSpPr/>
+          <p:nvPr/>
+        </p:nvSpPr>
+        <p:spPr>
+          <a:xfrm>
+            <a:off x="10009099" y="2297309"/>
+            <a:ext cx="1217293" cy="256423"/>
+          </a:xfrm>
+          <a:prstGeom prst="rect">
+            <a:avLst/>
+          </a:prstGeom>
+          <a:solidFill>
+            <a:schemeClr val="bg1">
+              <a:lumMod val="75000"/>
+            </a:schemeClr>
+          </a:solidFill>
+          <a:ln>
+            <a:noFill/>
+          </a:ln>
+          <a:effectLst>
+            <a:outerShdw blurRad="50800" dist="38100" dir="2700000" algn="tl" rotWithShape="0">
+              <a:prstClr val="black">
+                <a:alpha val="40000"/>
+              </a:prstClr>
+            </a:outerShdw>
+          </a:effectLst>
+        </p:spPr>
+        <p:style>
+          <a:lnRef idx="2">
+            <a:schemeClr val="accent1">
+              <a:shade val="50000"/>
+            </a:schemeClr>
+          </a:lnRef>
+          <a:fillRef idx="1">
+            <a:schemeClr val="accent1"/>
+          </a:fillRef>
+          <a:effectRef idx="0">
+            <a:schemeClr val="accent1"/>
+          </a:effectRef>
+          <a:fontRef idx="minor">
+            <a:schemeClr val="lt1"/>
+          </a:fontRef>
+        </p:style>
+        <p:txBody>
+          <a:bodyPr rtlCol="0" anchor="ctr"/>
+          <a:lstStyle/>
+          <a:p>
+            <a:pPr algn="ctr"/>
+            <a:r>
+              <a:rPr lang="zh-CN" altLang="en-US" sz="1200" dirty="0">
+                <a:solidFill>
+                  <a:schemeClr val="tx1"/>
+                </a:solidFill>
+              </a:rPr>
+              <a:t>表文件</a:t>
+            </a:r>
+          </a:p>
+        </p:txBody>
+      </p:sp>
+      <p:sp>
+        <p:nvSpPr>
+          <p:cNvPr id="32" name="矩形 31">
+            <a:extLst>
+              <a:ext uri="{FF2B5EF4-FFF2-40B4-BE49-F238E27FC236}">
+                <a16:creationId xmlns:a16="http://schemas.microsoft.com/office/drawing/2014/main" id="{F99E2948-6D4C-9849-AAEB-673AB725BCE5}"/>
+              </a:ext>
+            </a:extLst>
+          </p:cNvPr>
+          <p:cNvSpPr/>
+          <p:nvPr/>
+        </p:nvSpPr>
+        <p:spPr>
+          <a:xfrm>
+            <a:off x="10023542" y="2730116"/>
+            <a:ext cx="1217293" cy="256423"/>
+          </a:xfrm>
+          <a:prstGeom prst="rect">
+            <a:avLst/>
+          </a:prstGeom>
+          <a:solidFill>
+            <a:schemeClr val="bg1">
+              <a:lumMod val="75000"/>
+            </a:schemeClr>
+          </a:solidFill>
+          <a:ln>
+            <a:noFill/>
+          </a:ln>
+          <a:effectLst>
+            <a:outerShdw blurRad="50800" dist="38100" dir="2700000" algn="tl" rotWithShape="0">
+              <a:prstClr val="black">
+                <a:alpha val="40000"/>
+              </a:prstClr>
+            </a:outerShdw>
+          </a:effectLst>
+        </p:spPr>
+        <p:style>
+          <a:lnRef idx="2">
+            <a:schemeClr val="accent1">
+              <a:shade val="50000"/>
+            </a:schemeClr>
+          </a:lnRef>
+          <a:fillRef idx="1">
+            <a:schemeClr val="accent1"/>
+          </a:fillRef>
+          <a:effectRef idx="0">
+            <a:schemeClr val="accent1"/>
+          </a:effectRef>
+          <a:fontRef idx="minor">
+            <a:schemeClr val="lt1"/>
+          </a:fontRef>
+        </p:style>
+        <p:txBody>
+          <a:bodyPr rtlCol="0" anchor="ctr"/>
+          <a:lstStyle/>
+          <a:p>
+            <a:pPr algn="ctr"/>
+            <a:r>
+              <a:rPr lang="zh-CN" altLang="en-US" sz="1200" dirty="0">
+                <a:solidFill>
+                  <a:schemeClr val="tx1"/>
+                </a:solidFill>
+              </a:rPr>
+              <a:t>索引文件</a:t>
+            </a:r>
+          </a:p>
+        </p:txBody>
+      </p:sp>
+      <p:sp>
+        <p:nvSpPr>
+          <p:cNvPr id="33" name="矩形 32">
+            <a:extLst>
+              <a:ext uri="{FF2B5EF4-FFF2-40B4-BE49-F238E27FC236}">
+                <a16:creationId xmlns:a16="http://schemas.microsoft.com/office/drawing/2014/main" id="{5ACF3FC1-FCA5-184F-9B67-614ADBC96F41}"/>
+              </a:ext>
+            </a:extLst>
+          </p:cNvPr>
+          <p:cNvSpPr/>
+          <p:nvPr/>
+        </p:nvSpPr>
+        <p:spPr>
+          <a:xfrm>
+            <a:off x="10009099" y="3439843"/>
+            <a:ext cx="1217293" cy="256423"/>
+          </a:xfrm>
+          <a:prstGeom prst="rect">
+            <a:avLst/>
+          </a:prstGeom>
+          <a:solidFill>
+            <a:schemeClr val="bg1">
+              <a:lumMod val="75000"/>
+            </a:schemeClr>
+          </a:solidFill>
+          <a:ln>
+            <a:noFill/>
+          </a:ln>
+          <a:effectLst>
+            <a:outerShdw blurRad="50800" dist="38100" dir="2700000" algn="tl" rotWithShape="0">
+              <a:prstClr val="black">
+                <a:alpha val="40000"/>
+              </a:prstClr>
+            </a:outerShdw>
+          </a:effectLst>
+        </p:spPr>
+        <p:style>
+          <a:lnRef idx="2">
+            <a:schemeClr val="accent1">
+              <a:shade val="50000"/>
+            </a:schemeClr>
+          </a:lnRef>
+          <a:fillRef idx="1">
+            <a:schemeClr val="accent1"/>
+          </a:fillRef>
+          <a:effectRef idx="0">
+            <a:schemeClr val="accent1"/>
+          </a:effectRef>
+          <a:fontRef idx="minor">
+            <a:schemeClr val="lt1"/>
+          </a:fontRef>
+        </p:style>
+        <p:txBody>
+          <a:bodyPr rtlCol="0" anchor="ctr"/>
+          <a:lstStyle/>
+          <a:p>
+            <a:pPr algn="ctr"/>
+            <a:r>
+              <a:rPr lang="en-US" altLang="zh-CN" sz="1200" dirty="0">
+                <a:solidFill>
+                  <a:schemeClr val="tx1"/>
+                </a:solidFill>
+              </a:rPr>
+              <a:t>redo</a:t>
+            </a:r>
+            <a:r>
+              <a:rPr lang="zh-CN" altLang="en-US" sz="1200" dirty="0">
+                <a:solidFill>
+                  <a:schemeClr val="tx1"/>
+                </a:solidFill>
+              </a:rPr>
+              <a:t>日志文件</a:t>
+            </a:r>
+          </a:p>
+        </p:txBody>
+      </p:sp>
+      <p:sp>
+        <p:nvSpPr>
+          <p:cNvPr id="34" name="矩形 33">
+            <a:extLst>
+              <a:ext uri="{FF2B5EF4-FFF2-40B4-BE49-F238E27FC236}">
+                <a16:creationId xmlns:a16="http://schemas.microsoft.com/office/drawing/2014/main" id="{0331C035-7AED-C44A-9016-BA17FF038169}"/>
+              </a:ext>
+            </a:extLst>
+          </p:cNvPr>
+          <p:cNvSpPr/>
+          <p:nvPr/>
+        </p:nvSpPr>
+        <p:spPr>
+          <a:xfrm>
+            <a:off x="10009099" y="3907330"/>
+            <a:ext cx="1217293" cy="256423"/>
+          </a:xfrm>
+          <a:prstGeom prst="rect">
+            <a:avLst/>
+          </a:prstGeom>
+          <a:solidFill>
+            <a:schemeClr val="bg1">
+              <a:lumMod val="75000"/>
+            </a:schemeClr>
+          </a:solidFill>
+          <a:ln>
+            <a:noFill/>
+          </a:ln>
+          <a:effectLst>
+            <a:outerShdw blurRad="50800" dist="38100" dir="2700000" algn="tl" rotWithShape="0">
+              <a:prstClr val="black">
+                <a:alpha val="40000"/>
+              </a:prstClr>
+            </a:outerShdw>
+          </a:effectLst>
+        </p:spPr>
+        <p:style>
+          <a:lnRef idx="2">
+            <a:schemeClr val="accent1">
+              <a:shade val="50000"/>
+            </a:schemeClr>
+          </a:lnRef>
+          <a:fillRef idx="1">
+            <a:schemeClr val="accent1"/>
+          </a:fillRef>
+          <a:effectRef idx="0">
+            <a:schemeClr val="accent1"/>
+          </a:effectRef>
+          <a:fontRef idx="minor">
+            <a:schemeClr val="lt1"/>
+          </a:fontRef>
+        </p:style>
+        <p:txBody>
+          <a:bodyPr rtlCol="0" anchor="ctr"/>
+          <a:lstStyle/>
+          <a:p>
+            <a:pPr algn="ctr"/>
+            <a:r>
+              <a:rPr lang="zh-CN" altLang="en-US" sz="1200" dirty="0">
+                <a:solidFill>
+                  <a:schemeClr val="tx1"/>
+                </a:solidFill>
+              </a:rPr>
+              <a:t>事务日志文件</a:t>
+            </a:r>
+          </a:p>
+        </p:txBody>
+      </p:sp>
+      <p:sp>
+        <p:nvSpPr>
+          <p:cNvPr id="35" name="矩形 34">
+            <a:extLst>
+              <a:ext uri="{FF2B5EF4-FFF2-40B4-BE49-F238E27FC236}">
+                <a16:creationId xmlns:a16="http://schemas.microsoft.com/office/drawing/2014/main" id="{3F5D914B-51C7-084C-B863-24A12A7083B8}"/>
+              </a:ext>
+            </a:extLst>
+          </p:cNvPr>
+          <p:cNvSpPr/>
+          <p:nvPr/>
+        </p:nvSpPr>
+        <p:spPr>
+          <a:xfrm>
+            <a:off x="10009099" y="4622321"/>
+            <a:ext cx="1217293" cy="256423"/>
+          </a:xfrm>
+          <a:prstGeom prst="rect">
+            <a:avLst/>
+          </a:prstGeom>
+          <a:solidFill>
+            <a:schemeClr val="bg1">
+              <a:lumMod val="75000"/>
+            </a:schemeClr>
+          </a:solidFill>
+          <a:ln>
+            <a:noFill/>
+          </a:ln>
+          <a:effectLst>
+            <a:outerShdw blurRad="50800" dist="38100" dir="2700000" algn="tl" rotWithShape="0">
+              <a:prstClr val="black">
+                <a:alpha val="40000"/>
+              </a:prstClr>
+            </a:outerShdw>
+          </a:effectLst>
+        </p:spPr>
+        <p:style>
+          <a:lnRef idx="2">
+            <a:schemeClr val="accent1">
+              <a:shade val="50000"/>
+            </a:schemeClr>
+          </a:lnRef>
+          <a:fillRef idx="1">
+            <a:schemeClr val="accent1"/>
+          </a:fillRef>
+          <a:effectRef idx="0">
+            <a:schemeClr val="accent1"/>
+          </a:effectRef>
+          <a:fontRef idx="minor">
+            <a:schemeClr val="lt1"/>
+          </a:fontRef>
+        </p:style>
+        <p:txBody>
+          <a:bodyPr rtlCol="0" anchor="ctr"/>
+          <a:lstStyle/>
+          <a:p>
+            <a:pPr algn="ctr"/>
+            <a:r>
+              <a:rPr lang="en-US" altLang="zh-CN" sz="1200" dirty="0">
+                <a:solidFill>
+                  <a:schemeClr val="tx1"/>
+                </a:solidFill>
+              </a:rPr>
+              <a:t>VM</a:t>
+            </a:r>
+            <a:r>
+              <a:rPr lang="zh-CN" altLang="en-US" sz="1200" dirty="0">
+                <a:solidFill>
+                  <a:schemeClr val="tx1"/>
+                </a:solidFill>
+              </a:rPr>
+              <a:t>文件</a:t>
+            </a:r>
+          </a:p>
+        </p:txBody>
+      </p:sp>
+      <p:sp>
+        <p:nvSpPr>
+          <p:cNvPr id="36" name="矩形 35">
+            <a:extLst>
+              <a:ext uri="{FF2B5EF4-FFF2-40B4-BE49-F238E27FC236}">
+                <a16:creationId xmlns:a16="http://schemas.microsoft.com/office/drawing/2014/main" id="{28CB7A24-0397-1945-BCA3-5C2380FE19FE}"/>
+              </a:ext>
+            </a:extLst>
+          </p:cNvPr>
+          <p:cNvSpPr/>
+          <p:nvPr/>
+        </p:nvSpPr>
+        <p:spPr>
+          <a:xfrm>
+            <a:off x="10009099" y="5049898"/>
+            <a:ext cx="1217293" cy="256423"/>
+          </a:xfrm>
+          <a:prstGeom prst="rect">
+            <a:avLst/>
+          </a:prstGeom>
+          <a:solidFill>
+            <a:schemeClr val="bg1">
+              <a:lumMod val="75000"/>
+            </a:schemeClr>
+          </a:solidFill>
+          <a:ln>
+            <a:noFill/>
+          </a:ln>
+          <a:effectLst>
+            <a:outerShdw blurRad="50800" dist="38100" dir="2700000" algn="tl" rotWithShape="0">
+              <a:prstClr val="black">
+                <a:alpha val="40000"/>
+              </a:prstClr>
+            </a:outerShdw>
+          </a:effectLst>
+        </p:spPr>
+        <p:style>
+          <a:lnRef idx="2">
+            <a:schemeClr val="accent1">
+              <a:shade val="50000"/>
+            </a:schemeClr>
+          </a:lnRef>
+          <a:fillRef idx="1">
+            <a:schemeClr val="accent1"/>
+          </a:fillRef>
+          <a:effectRef idx="0">
+            <a:schemeClr val="accent1"/>
+          </a:effectRef>
+          <a:fontRef idx="minor">
+            <a:schemeClr val="lt1"/>
+          </a:fontRef>
+        </p:style>
+        <p:txBody>
+          <a:bodyPr rtlCol="0" anchor="ctr"/>
+          <a:lstStyle/>
+          <a:p>
+            <a:pPr algn="ctr"/>
+            <a:r>
+              <a:rPr lang="en-US" altLang="zh-CN" sz="1200" dirty="0">
+                <a:solidFill>
+                  <a:schemeClr val="tx1"/>
+                </a:solidFill>
+              </a:rPr>
+              <a:t>FSM</a:t>
+            </a:r>
+            <a:r>
+              <a:rPr lang="zh-CN" altLang="en-US" sz="1200" dirty="0">
+                <a:solidFill>
+                  <a:schemeClr val="tx1"/>
+                </a:solidFill>
+              </a:rPr>
+              <a:t>文件文件</a:t>
+            </a:r>
+          </a:p>
+        </p:txBody>
+      </p:sp>
+      <p:sp>
+        <p:nvSpPr>
+          <p:cNvPr id="37" name="矩形 36">
+            <a:extLst>
+              <a:ext uri="{FF2B5EF4-FFF2-40B4-BE49-F238E27FC236}">
+                <a16:creationId xmlns:a16="http://schemas.microsoft.com/office/drawing/2014/main" id="{5FDABCB8-725F-BD48-98E2-F7B91061E9BE}"/>
+              </a:ext>
+            </a:extLst>
+          </p:cNvPr>
+          <p:cNvSpPr/>
+          <p:nvPr/>
+        </p:nvSpPr>
+        <p:spPr>
+          <a:xfrm>
+            <a:off x="10023542" y="1681113"/>
+            <a:ext cx="1217293" cy="256423"/>
+          </a:xfrm>
+          <a:prstGeom prst="rect">
+            <a:avLst/>
+          </a:prstGeom>
+          <a:solidFill>
+            <a:schemeClr val="bg1">
+              <a:lumMod val="75000"/>
+            </a:schemeClr>
+          </a:solidFill>
+          <a:ln>
+            <a:noFill/>
+          </a:ln>
+          <a:effectLst>
+            <a:outerShdw blurRad="50800" dist="38100" dir="2700000" algn="tl" rotWithShape="0">
+              <a:prstClr val="black">
+                <a:alpha val="40000"/>
+              </a:prstClr>
+            </a:outerShdw>
+          </a:effectLst>
+        </p:spPr>
+        <p:style>
+          <a:lnRef idx="2">
+            <a:schemeClr val="accent1">
+              <a:shade val="50000"/>
+            </a:schemeClr>
+          </a:lnRef>
+          <a:fillRef idx="1">
+            <a:schemeClr val="accent1"/>
+          </a:fillRef>
+          <a:effectRef idx="0">
+            <a:schemeClr val="accent1"/>
+          </a:effectRef>
+          <a:fontRef idx="minor">
+            <a:schemeClr val="lt1"/>
+          </a:fontRef>
+        </p:style>
+        <p:txBody>
+          <a:bodyPr rtlCol="0" anchor="ctr"/>
+          <a:lstStyle/>
+          <a:p>
+            <a:pPr algn="ctr"/>
+            <a:r>
+              <a:rPr lang="zh-CN" altLang="en-US" sz="1200" dirty="0">
+                <a:solidFill>
+                  <a:schemeClr val="tx1"/>
+                </a:solidFill>
+              </a:rPr>
+              <a:t>系统表文件</a:t>
+            </a:r>
+          </a:p>
+        </p:txBody>
+      </p:sp>
+      <p:sp>
+        <p:nvSpPr>
+          <p:cNvPr id="38" name="矩形 37">
+            <a:extLst>
+              <a:ext uri="{FF2B5EF4-FFF2-40B4-BE49-F238E27FC236}">
+                <a16:creationId xmlns:a16="http://schemas.microsoft.com/office/drawing/2014/main" id="{8931B2B4-5398-594E-991A-51B58C82114A}"/>
+              </a:ext>
+            </a:extLst>
+          </p:cNvPr>
+          <p:cNvSpPr/>
+          <p:nvPr/>
+        </p:nvSpPr>
+        <p:spPr>
+          <a:xfrm>
+            <a:off x="10025624" y="5651494"/>
+            <a:ext cx="1217293" cy="256423"/>
+          </a:xfrm>
+          <a:prstGeom prst="rect">
+            <a:avLst/>
+          </a:prstGeom>
+          <a:solidFill>
+            <a:schemeClr val="bg1">
+              <a:lumMod val="75000"/>
+            </a:schemeClr>
+          </a:solidFill>
+          <a:ln>
+            <a:noFill/>
+          </a:ln>
+          <a:effectLst>
+            <a:outerShdw blurRad="50800" dist="38100" dir="2700000" algn="tl" rotWithShape="0">
+              <a:prstClr val="black">
+                <a:alpha val="40000"/>
+              </a:prstClr>
+            </a:outerShdw>
+          </a:effectLst>
+        </p:spPr>
+        <p:style>
+          <a:lnRef idx="2">
+            <a:schemeClr val="accent1">
+              <a:shade val="50000"/>
+            </a:schemeClr>
+          </a:lnRef>
+          <a:fillRef idx="1">
+            <a:schemeClr val="accent1"/>
+          </a:fillRef>
+          <a:effectRef idx="0">
+            <a:schemeClr val="accent1"/>
+          </a:effectRef>
+          <a:fontRef idx="minor">
+            <a:schemeClr val="lt1"/>
+          </a:fontRef>
+        </p:style>
+        <p:txBody>
+          <a:bodyPr rtlCol="0" anchor="ctr"/>
+          <a:lstStyle/>
+          <a:p>
+            <a:pPr algn="ctr"/>
+            <a:r>
+              <a:rPr lang="zh-CN" altLang="en-US" sz="1200" dirty="0">
+                <a:solidFill>
+                  <a:schemeClr val="tx1"/>
+                </a:solidFill>
+              </a:rPr>
+              <a:t>日志文件</a:t>
+            </a:r>
+          </a:p>
+        </p:txBody>
+      </p:sp>
+      <p:cxnSp>
+        <p:nvCxnSpPr>
+          <p:cNvPr id="39" name="直线箭头连接符 38">
+            <a:extLst>
+              <a:ext uri="{FF2B5EF4-FFF2-40B4-BE49-F238E27FC236}">
+                <a16:creationId xmlns:a16="http://schemas.microsoft.com/office/drawing/2014/main" id="{850504DC-CED8-BA49-95A3-39C5C4A8167C}"/>
+              </a:ext>
+            </a:extLst>
+          </p:cNvPr>
+          <p:cNvCxnSpPr>
+            <a:cxnSpLocks/>
+            <a:stCxn id="3" idx="3"/>
+            <a:endCxn id="12" idx="1"/>
+          </p:cNvCxnSpPr>
+          <p:nvPr/>
+        </p:nvCxnSpPr>
+        <p:spPr>
+          <a:xfrm>
+            <a:off x="2550286" y="2602316"/>
+            <a:ext cx="1097611" cy="4072"/>
+          </a:xfrm>
+          <a:prstGeom prst="straightConnector1">
+            <a:avLst/>
+          </a:prstGeom>
+          <a:ln>
+            <a:tailEnd type="triangle"/>
+          </a:ln>
+        </p:spPr>
+        <p:style>
+          <a:lnRef idx="1">
+            <a:schemeClr val="accent1"/>
+          </a:lnRef>
+          <a:fillRef idx="0">
+            <a:schemeClr val="accent1"/>
+          </a:fillRef>
+          <a:effectRef idx="0">
+            <a:schemeClr val="accent1"/>
+          </a:effectRef>
+          <a:fontRef idx="minor">
+            <a:schemeClr val="tx1"/>
+          </a:fontRef>
+        </p:style>
+      </p:cxnSp>
+      <p:cxnSp>
+        <p:nvCxnSpPr>
+          <p:cNvPr id="41" name="直线箭头连接符 40">
+            <a:extLst>
+              <a:ext uri="{FF2B5EF4-FFF2-40B4-BE49-F238E27FC236}">
+                <a16:creationId xmlns:a16="http://schemas.microsoft.com/office/drawing/2014/main" id="{12885C78-1D52-8741-8EFB-3E56AE536835}"/>
+              </a:ext>
+            </a:extLst>
+          </p:cNvPr>
+          <p:cNvCxnSpPr>
+            <a:cxnSpLocks/>
+            <a:endCxn id="16" idx="1"/>
+          </p:cNvCxnSpPr>
+          <p:nvPr/>
+        </p:nvCxnSpPr>
+        <p:spPr>
+          <a:xfrm>
+            <a:off x="4636013" y="2602316"/>
+            <a:ext cx="304031" cy="4072"/>
+          </a:xfrm>
+          <a:prstGeom prst="straightConnector1">
+            <a:avLst/>
+          </a:prstGeom>
+          <a:ln>
+            <a:tailEnd type="triangle"/>
+          </a:ln>
+        </p:spPr>
+        <p:style>
+          <a:lnRef idx="1">
+            <a:schemeClr val="accent1"/>
+          </a:lnRef>
+          <a:fillRef idx="0">
+            <a:schemeClr val="accent1"/>
+          </a:fillRef>
+          <a:effectRef idx="0">
+            <a:schemeClr val="accent1"/>
+          </a:effectRef>
+          <a:fontRef idx="minor">
+            <a:schemeClr val="tx1"/>
+          </a:fontRef>
+        </p:style>
+      </p:cxnSp>
+      <p:cxnSp>
+        <p:nvCxnSpPr>
+          <p:cNvPr id="44" name="肘形连接符 43">
+            <a:extLst>
+              <a:ext uri="{FF2B5EF4-FFF2-40B4-BE49-F238E27FC236}">
+                <a16:creationId xmlns:a16="http://schemas.microsoft.com/office/drawing/2014/main" id="{D3A4815D-8C9D-D64A-BA69-DC6CD5D4B851}"/>
+              </a:ext>
+            </a:extLst>
+          </p:cNvPr>
+          <p:cNvCxnSpPr>
+            <a:cxnSpLocks/>
+            <a:stCxn id="18" idx="3"/>
+            <a:endCxn id="19" idx="1"/>
+          </p:cNvCxnSpPr>
+          <p:nvPr/>
+        </p:nvCxnSpPr>
+        <p:spPr>
+          <a:xfrm flipV="1">
+            <a:off x="6194468" y="2022442"/>
+            <a:ext cx="355388" cy="710670"/>
+          </a:xfrm>
+          <a:prstGeom prst="bentConnector3">
+            <a:avLst>
+              <a:gd name="adj1" fmla="val 50000"/>
+            </a:avLst>
+          </a:prstGeom>
+          <a:ln>
+            <a:tailEnd type="triangle"/>
+          </a:ln>
+        </p:spPr>
+        <p:style>
+          <a:lnRef idx="1">
+            <a:schemeClr val="accent1"/>
+          </a:lnRef>
+          <a:fillRef idx="0">
+            <a:schemeClr val="accent1"/>
+          </a:fillRef>
+          <a:effectRef idx="0">
+            <a:schemeClr val="accent1"/>
+          </a:effectRef>
+          <a:fontRef idx="minor">
+            <a:schemeClr val="tx1"/>
+          </a:fontRef>
+        </p:style>
+      </p:cxnSp>
+      <p:cxnSp>
+        <p:nvCxnSpPr>
+          <p:cNvPr id="47" name="肘形连接符 46">
+            <a:extLst>
+              <a:ext uri="{FF2B5EF4-FFF2-40B4-BE49-F238E27FC236}">
+                <a16:creationId xmlns:a16="http://schemas.microsoft.com/office/drawing/2014/main" id="{8B365D81-04CF-4A46-9187-1B6BDCB2769B}"/>
+              </a:ext>
+            </a:extLst>
+          </p:cNvPr>
+          <p:cNvCxnSpPr>
+            <a:cxnSpLocks/>
+            <a:stCxn id="18" idx="3"/>
+            <a:endCxn id="25" idx="1"/>
+          </p:cNvCxnSpPr>
+          <p:nvPr/>
+        </p:nvCxnSpPr>
+        <p:spPr>
+          <a:xfrm>
+            <a:off x="6194468" y="2733112"/>
+            <a:ext cx="355388" cy="673998"/>
+          </a:xfrm>
+          <a:prstGeom prst="bentConnector3">
+            <a:avLst>
+              <a:gd name="adj1" fmla="val 50000"/>
+            </a:avLst>
+          </a:prstGeom>
+          <a:ln>
+            <a:tailEnd type="triangle"/>
+          </a:ln>
+        </p:spPr>
+        <p:style>
+          <a:lnRef idx="1">
+            <a:schemeClr val="accent1"/>
+          </a:lnRef>
+          <a:fillRef idx="0">
+            <a:schemeClr val="accent1"/>
+          </a:fillRef>
+          <a:effectRef idx="0">
+            <a:schemeClr val="accent1"/>
+          </a:effectRef>
+          <a:fontRef idx="minor">
+            <a:schemeClr val="tx1"/>
+          </a:fontRef>
+        </p:style>
+      </p:cxnSp>
+      <p:cxnSp>
+        <p:nvCxnSpPr>
+          <p:cNvPr id="54" name="肘形连接符 53">
+            <a:extLst>
+              <a:ext uri="{FF2B5EF4-FFF2-40B4-BE49-F238E27FC236}">
+                <a16:creationId xmlns:a16="http://schemas.microsoft.com/office/drawing/2014/main" id="{06533536-3040-DB48-A260-8980DE043FCB}"/>
+              </a:ext>
+            </a:extLst>
+          </p:cNvPr>
+          <p:cNvCxnSpPr>
+            <a:cxnSpLocks/>
+            <a:stCxn id="19" idx="3"/>
+            <a:endCxn id="21" idx="1"/>
+          </p:cNvCxnSpPr>
+          <p:nvPr/>
+        </p:nvCxnSpPr>
+        <p:spPr>
+          <a:xfrm>
+            <a:off x="7537971" y="2022442"/>
+            <a:ext cx="353712" cy="666553"/>
+          </a:xfrm>
+          <a:prstGeom prst="bentConnector3">
+            <a:avLst>
+              <a:gd name="adj1" fmla="val 50000"/>
+            </a:avLst>
+          </a:prstGeom>
+          <a:ln>
+            <a:tailEnd type="triangle"/>
+          </a:ln>
+        </p:spPr>
+        <p:style>
+          <a:lnRef idx="1">
+            <a:schemeClr val="accent1"/>
+          </a:lnRef>
+          <a:fillRef idx="0">
+            <a:schemeClr val="accent1"/>
+          </a:fillRef>
+          <a:effectRef idx="0">
+            <a:schemeClr val="accent1"/>
+          </a:effectRef>
+          <a:fontRef idx="minor">
+            <a:schemeClr val="tx1"/>
+          </a:fontRef>
+        </p:style>
+      </p:cxnSp>
+      <p:cxnSp>
+        <p:nvCxnSpPr>
+          <p:cNvPr id="57" name="肘形连接符 56">
+            <a:extLst>
+              <a:ext uri="{FF2B5EF4-FFF2-40B4-BE49-F238E27FC236}">
+                <a16:creationId xmlns:a16="http://schemas.microsoft.com/office/drawing/2014/main" id="{8A90D36F-4CF8-FE4A-88FF-F17569108E50}"/>
+              </a:ext>
+            </a:extLst>
+          </p:cNvPr>
+          <p:cNvCxnSpPr>
+            <a:cxnSpLocks/>
+            <a:stCxn id="19" idx="3"/>
+            <a:endCxn id="29" idx="1"/>
+          </p:cNvCxnSpPr>
+          <p:nvPr/>
+        </p:nvCxnSpPr>
+        <p:spPr>
+          <a:xfrm>
+            <a:off x="7537971" y="2022442"/>
+            <a:ext cx="342545" cy="204845"/>
+          </a:xfrm>
+          <a:prstGeom prst="bentConnector3">
+            <a:avLst>
+              <a:gd name="adj1" fmla="val 50000"/>
+            </a:avLst>
+          </a:prstGeom>
+          <a:ln>
+            <a:tailEnd type="triangle"/>
+          </a:ln>
+        </p:spPr>
+        <p:style>
+          <a:lnRef idx="1">
+            <a:schemeClr val="accent1"/>
+          </a:lnRef>
+          <a:fillRef idx="0">
+            <a:schemeClr val="accent1"/>
+          </a:fillRef>
+          <a:effectRef idx="0">
+            <a:schemeClr val="accent1"/>
+          </a:effectRef>
+          <a:fontRef idx="minor">
+            <a:schemeClr val="tx1"/>
+          </a:fontRef>
+        </p:style>
+      </p:cxnSp>
+      <p:cxnSp>
+        <p:nvCxnSpPr>
+          <p:cNvPr id="62" name="直线箭头连接符 61">
+            <a:extLst>
+              <a:ext uri="{FF2B5EF4-FFF2-40B4-BE49-F238E27FC236}">
+                <a16:creationId xmlns:a16="http://schemas.microsoft.com/office/drawing/2014/main" id="{9B24657D-55FB-7945-85D0-056F5BC9903A}"/>
+              </a:ext>
+            </a:extLst>
+          </p:cNvPr>
+          <p:cNvCxnSpPr>
+            <a:cxnSpLocks/>
+            <a:stCxn id="25" idx="3"/>
+            <a:endCxn id="26" idx="1"/>
+          </p:cNvCxnSpPr>
+          <p:nvPr/>
+        </p:nvCxnSpPr>
+        <p:spPr>
+          <a:xfrm flipV="1">
+            <a:off x="7537971" y="3406681"/>
+            <a:ext cx="330687" cy="429"/>
+          </a:xfrm>
+          <a:prstGeom prst="straightConnector1">
+            <a:avLst/>
+          </a:prstGeom>
+          <a:ln>
+            <a:tailEnd type="triangle"/>
+          </a:ln>
+        </p:spPr>
+        <p:style>
+          <a:lnRef idx="1">
+            <a:schemeClr val="accent1"/>
+          </a:lnRef>
+          <a:fillRef idx="0">
+            <a:schemeClr val="accent1"/>
+          </a:fillRef>
+          <a:effectRef idx="0">
+            <a:schemeClr val="accent1"/>
+          </a:effectRef>
+          <a:fontRef idx="minor">
+            <a:schemeClr val="tx1"/>
+          </a:fontRef>
+        </p:style>
+      </p:cxnSp>
+      <p:cxnSp>
+        <p:nvCxnSpPr>
+          <p:cNvPr id="70" name="直线箭头连接符 69">
+            <a:extLst>
+              <a:ext uri="{FF2B5EF4-FFF2-40B4-BE49-F238E27FC236}">
+                <a16:creationId xmlns:a16="http://schemas.microsoft.com/office/drawing/2014/main" id="{CCBDC395-6444-1440-9316-14799913556F}"/>
+              </a:ext>
+            </a:extLst>
+          </p:cNvPr>
+          <p:cNvCxnSpPr>
+            <a:cxnSpLocks/>
+          </p:cNvCxnSpPr>
+          <p:nvPr/>
+        </p:nvCxnSpPr>
+        <p:spPr>
+          <a:xfrm flipH="1">
+            <a:off x="7586524" y="1637812"/>
+            <a:ext cx="2134338" cy="22943"/>
+          </a:xfrm>
+          <a:prstGeom prst="straightConnector1">
+            <a:avLst/>
+          </a:prstGeom>
+          <a:ln>
+            <a:tailEnd type="triangle"/>
+          </a:ln>
+        </p:spPr>
+        <p:style>
+          <a:lnRef idx="1">
+            <a:schemeClr val="accent1"/>
+          </a:lnRef>
+          <a:fillRef idx="0">
+            <a:schemeClr val="accent1"/>
+          </a:fillRef>
+          <a:effectRef idx="0">
+            <a:schemeClr val="accent1"/>
+          </a:effectRef>
+          <a:fontRef idx="minor">
+            <a:schemeClr val="tx1"/>
+          </a:fontRef>
+        </p:style>
+      </p:cxnSp>
+      <p:cxnSp>
+        <p:nvCxnSpPr>
+          <p:cNvPr id="76" name="直线箭头连接符 75">
+            <a:extLst>
+              <a:ext uri="{FF2B5EF4-FFF2-40B4-BE49-F238E27FC236}">
+                <a16:creationId xmlns:a16="http://schemas.microsoft.com/office/drawing/2014/main" id="{A848D742-B0F8-E748-88F1-B22913C66CFA}"/>
+              </a:ext>
+            </a:extLst>
+          </p:cNvPr>
+          <p:cNvCxnSpPr>
+            <a:stCxn id="23" idx="3"/>
+          </p:cNvCxnSpPr>
+          <p:nvPr/>
+        </p:nvCxnSpPr>
+        <p:spPr>
+          <a:xfrm flipV="1">
+            <a:off x="6175851" y="4463746"/>
+            <a:ext cx="3539578" cy="1"/>
+          </a:xfrm>
+          <a:prstGeom prst="straightConnector1">
+            <a:avLst/>
+          </a:prstGeom>
+          <a:ln>
+            <a:headEnd type="triangle"/>
+            <a:tailEnd type="triangle"/>
+          </a:ln>
+        </p:spPr>
+        <p:style>
+          <a:lnRef idx="1">
+            <a:schemeClr val="accent1"/>
+          </a:lnRef>
+          <a:fillRef idx="0">
+            <a:schemeClr val="accent1"/>
+          </a:fillRef>
+          <a:effectRef idx="0">
+            <a:schemeClr val="accent1"/>
+          </a:effectRef>
+          <a:fontRef idx="minor">
+            <a:schemeClr val="tx1"/>
+          </a:fontRef>
+        </p:style>
+      </p:cxnSp>
+      <p:cxnSp>
+        <p:nvCxnSpPr>
+          <p:cNvPr id="77" name="直线箭头连接符 76">
+            <a:extLst>
+              <a:ext uri="{FF2B5EF4-FFF2-40B4-BE49-F238E27FC236}">
+                <a16:creationId xmlns:a16="http://schemas.microsoft.com/office/drawing/2014/main" id="{9345EDF4-45B5-334F-A0DC-1567B1E144FC}"/>
+              </a:ext>
+            </a:extLst>
+          </p:cNvPr>
+          <p:cNvCxnSpPr>
+            <a:cxnSpLocks/>
+            <a:stCxn id="24" idx="3"/>
+          </p:cNvCxnSpPr>
+          <p:nvPr/>
+        </p:nvCxnSpPr>
+        <p:spPr>
+          <a:xfrm flipV="1">
+            <a:off x="6175851" y="4865652"/>
+            <a:ext cx="3538529" cy="2966"/>
+          </a:xfrm>
+          <a:prstGeom prst="straightConnector1">
+            <a:avLst/>
+          </a:prstGeom>
+          <a:ln>
+            <a:headEnd type="triangle"/>
+            <a:tailEnd type="triangle"/>
+          </a:ln>
+        </p:spPr>
+        <p:style>
+          <a:lnRef idx="1">
+            <a:schemeClr val="accent1"/>
+          </a:lnRef>
+          <a:fillRef idx="0">
+            <a:schemeClr val="accent1"/>
+          </a:fillRef>
+          <a:effectRef idx="0">
+            <a:schemeClr val="accent1"/>
+          </a:effectRef>
+          <a:fontRef idx="minor">
+            <a:schemeClr val="tx1"/>
+          </a:fontRef>
+        </p:style>
+      </p:cxnSp>
+      <p:cxnSp>
+        <p:nvCxnSpPr>
+          <p:cNvPr id="80" name="直线箭头连接符 79">
+            <a:extLst>
+              <a:ext uri="{FF2B5EF4-FFF2-40B4-BE49-F238E27FC236}">
+                <a16:creationId xmlns:a16="http://schemas.microsoft.com/office/drawing/2014/main" id="{467D2A2C-DB6F-5546-B3AA-B9C0BA3A92D5}"/>
+              </a:ext>
+            </a:extLst>
+          </p:cNvPr>
+          <p:cNvCxnSpPr>
+            <a:cxnSpLocks/>
+            <a:stCxn id="29" idx="3"/>
+          </p:cNvCxnSpPr>
+          <p:nvPr/>
+        </p:nvCxnSpPr>
+        <p:spPr>
+          <a:xfrm flipV="1">
+            <a:off x="8988676" y="2227286"/>
+            <a:ext cx="732186" cy="1"/>
+          </a:xfrm>
+          <a:prstGeom prst="straightConnector1">
+            <a:avLst/>
+          </a:prstGeom>
+          <a:ln>
+            <a:tailEnd type="triangle"/>
+          </a:ln>
+        </p:spPr>
+        <p:style>
+          <a:lnRef idx="1">
+            <a:schemeClr val="accent1"/>
+          </a:lnRef>
+          <a:fillRef idx="0">
+            <a:schemeClr val="accent1"/>
+          </a:fillRef>
+          <a:effectRef idx="0">
+            <a:schemeClr val="accent1"/>
+          </a:effectRef>
+          <a:fontRef idx="minor">
+            <a:schemeClr val="tx1"/>
+          </a:fontRef>
+        </p:style>
+      </p:cxnSp>
+      <p:cxnSp>
+        <p:nvCxnSpPr>
+          <p:cNvPr id="85" name="直线箭头连接符 84">
+            <a:extLst>
+              <a:ext uri="{FF2B5EF4-FFF2-40B4-BE49-F238E27FC236}">
+                <a16:creationId xmlns:a16="http://schemas.microsoft.com/office/drawing/2014/main" id="{F23EF7CF-9215-EF4A-87D0-589A97FB6F3F}"/>
+              </a:ext>
+            </a:extLst>
+          </p:cNvPr>
+          <p:cNvCxnSpPr>
+            <a:cxnSpLocks/>
+            <a:stCxn id="21" idx="3"/>
+          </p:cNvCxnSpPr>
+          <p:nvPr/>
+        </p:nvCxnSpPr>
+        <p:spPr>
+          <a:xfrm flipV="1">
+            <a:off x="8999843" y="2688550"/>
+            <a:ext cx="721019" cy="445"/>
+          </a:xfrm>
+          <a:prstGeom prst="straightConnector1">
+            <a:avLst/>
+          </a:prstGeom>
+          <a:ln>
+            <a:tailEnd type="triangle"/>
+          </a:ln>
+        </p:spPr>
+        <p:style>
+          <a:lnRef idx="1">
+            <a:schemeClr val="accent1"/>
+          </a:lnRef>
+          <a:fillRef idx="0">
+            <a:schemeClr val="accent1"/>
+          </a:fillRef>
+          <a:effectRef idx="0">
+            <a:schemeClr val="accent1"/>
+          </a:effectRef>
+          <a:fontRef idx="minor">
+            <a:schemeClr val="tx1"/>
+          </a:fontRef>
+        </p:style>
+      </p:cxnSp>
+      <p:cxnSp>
+        <p:nvCxnSpPr>
+          <p:cNvPr id="88" name="直线箭头连接符 87">
+            <a:extLst>
+              <a:ext uri="{FF2B5EF4-FFF2-40B4-BE49-F238E27FC236}">
+                <a16:creationId xmlns:a16="http://schemas.microsoft.com/office/drawing/2014/main" id="{5BF00A7D-4990-874E-BAD9-8A1AAB9C6AAB}"/>
+              </a:ext>
+            </a:extLst>
+          </p:cNvPr>
+          <p:cNvCxnSpPr>
+            <a:cxnSpLocks/>
+            <a:stCxn id="26" idx="3"/>
+          </p:cNvCxnSpPr>
+          <p:nvPr/>
+        </p:nvCxnSpPr>
+        <p:spPr>
+          <a:xfrm>
+            <a:off x="9085951" y="3406681"/>
+            <a:ext cx="634911" cy="0"/>
+          </a:xfrm>
+          <a:prstGeom prst="straightConnector1">
+            <a:avLst/>
+          </a:prstGeom>
+          <a:ln>
+            <a:tailEnd type="triangle"/>
+          </a:ln>
+        </p:spPr>
+        <p:style>
+          <a:lnRef idx="1">
+            <a:schemeClr val="accent1"/>
+          </a:lnRef>
+          <a:fillRef idx="0">
+            <a:schemeClr val="accent1"/>
+          </a:fillRef>
+          <a:effectRef idx="0">
+            <a:schemeClr val="accent1"/>
+          </a:effectRef>
+          <a:fontRef idx="minor">
+            <a:schemeClr val="tx1"/>
+          </a:fontRef>
+        </p:style>
+      </p:cxnSp>
+      <p:cxnSp>
+        <p:nvCxnSpPr>
+          <p:cNvPr id="92" name="直线箭头连接符 91">
+            <a:extLst>
+              <a:ext uri="{FF2B5EF4-FFF2-40B4-BE49-F238E27FC236}">
+                <a16:creationId xmlns:a16="http://schemas.microsoft.com/office/drawing/2014/main" id="{A115254F-7A23-B54D-9119-FC89B302909F}"/>
+              </a:ext>
+            </a:extLst>
+          </p:cNvPr>
+          <p:cNvCxnSpPr>
+            <a:cxnSpLocks/>
+            <a:stCxn id="27" idx="3"/>
+          </p:cNvCxnSpPr>
+          <p:nvPr/>
+        </p:nvCxnSpPr>
+        <p:spPr>
+          <a:xfrm flipV="1">
+            <a:off x="6175851" y="5907917"/>
+            <a:ext cx="3538529" cy="1"/>
+          </a:xfrm>
+          <a:prstGeom prst="straightConnector1">
+            <a:avLst/>
+          </a:prstGeom>
+          <a:ln>
+            <a:tailEnd type="triangle"/>
+          </a:ln>
+        </p:spPr>
+        <p:style>
+          <a:lnRef idx="1">
+            <a:schemeClr val="accent1"/>
+          </a:lnRef>
+          <a:fillRef idx="0">
+            <a:schemeClr val="accent1"/>
+          </a:fillRef>
+          <a:effectRef idx="0">
+            <a:schemeClr val="accent1"/>
+          </a:effectRef>
+          <a:fontRef idx="minor">
+            <a:schemeClr val="tx1"/>
+          </a:fontRef>
+        </p:style>
+      </p:cxnSp>
     </p:spTree>
     <p:extLst>
       <p:ext uri="{BB962C8B-B14F-4D97-AF65-F5344CB8AC3E}">
